--- a/pics/2020-07-24-Jacobian/pics.pptx
+++ b/pics/2020-07-24-Jacobian/pics.pptx
@@ -6,6 +6,7 @@
   </p:sldMasterIdLst>
   <p:sldIdLst>
     <p:sldId id="256" r:id="rId2"/>
+    <p:sldId id="257" r:id="rId3"/>
   </p:sldIdLst>
   <p:sldSz cx="12192000" cy="6858000"/>
   <p:notesSz cx="6858000" cy="9144000"/>
@@ -104,6 +105,11 @@
       </a:defRPr>
     </a:lvl9pPr>
   </p:defaultTextStyle>
+  <p:extLst>
+    <p:ext uri="{EFAFB233-063F-42B5-8137-9DF3F51BA10A}">
+      <p15:sldGuideLst xmlns:p15="http://schemas.microsoft.com/office/powerpoint/2012/main"/>
+    </p:ext>
+  </p:extLst>
 </p:presentation>
 </file>
 
@@ -3493,8 +3499,8 @@
           </a:fontRef>
         </p:style>
       </p:cxnSp>
-      <mc:AlternateContent xmlns:mc="http://schemas.openxmlformats.org/markup-compatibility/2006">
-        <mc:Choice xmlns:a14="http://schemas.microsoft.com/office/drawing/2010/main" Requires="a14">
+      <mc:AlternateContent xmlns:mc="http://schemas.openxmlformats.org/markup-compatibility/2006" xmlns:a14="http://schemas.microsoft.com/office/drawing/2010/main">
+        <mc:Choice Requires="a14">
           <p:sp>
             <p:nvSpPr>
               <p:cNvPr id="19" name="TextBox 18">
@@ -3544,7 +3550,7 @@
             </p:txBody>
           </p:sp>
         </mc:Choice>
-        <mc:Fallback>
+        <mc:Fallback xmlns="">
           <p:sp>
             <p:nvSpPr>
               <p:cNvPr id="19" name="TextBox 18">
@@ -3589,8 +3595,8 @@
           </p:sp>
         </mc:Fallback>
       </mc:AlternateContent>
-      <mc:AlternateContent xmlns:mc="http://schemas.openxmlformats.org/markup-compatibility/2006">
-        <mc:Choice xmlns:a14="http://schemas.microsoft.com/office/drawing/2010/main" Requires="a14">
+      <mc:AlternateContent xmlns:mc="http://schemas.openxmlformats.org/markup-compatibility/2006" xmlns:a14="http://schemas.microsoft.com/office/drawing/2010/main">
+        <mc:Choice Requires="a14">
           <p:sp>
             <p:nvSpPr>
               <p:cNvPr id="20" name="TextBox 19">
@@ -3640,7 +3646,7 @@
             </p:txBody>
           </p:sp>
         </mc:Choice>
-        <mc:Fallback>
+        <mc:Fallback xmlns="">
           <p:sp>
             <p:nvSpPr>
               <p:cNvPr id="20" name="TextBox 19">
@@ -3685,8 +3691,8 @@
           </p:sp>
         </mc:Fallback>
       </mc:AlternateContent>
-      <mc:AlternateContent xmlns:mc="http://schemas.openxmlformats.org/markup-compatibility/2006">
-        <mc:Choice xmlns:a14="http://schemas.microsoft.com/office/drawing/2010/main" Requires="a14">
+      <mc:AlternateContent xmlns:mc="http://schemas.openxmlformats.org/markup-compatibility/2006" xmlns:a14="http://schemas.microsoft.com/office/drawing/2010/main">
+        <mc:Choice Requires="a14">
           <p:sp>
             <p:nvSpPr>
               <p:cNvPr id="21" name="TextBox 20">
@@ -3736,7 +3742,7 @@
             </p:txBody>
           </p:sp>
         </mc:Choice>
-        <mc:Fallback>
+        <mc:Fallback xmlns="">
           <p:sp>
             <p:nvSpPr>
               <p:cNvPr id="21" name="TextBox 20">
@@ -3781,8 +3787,8 @@
           </p:sp>
         </mc:Fallback>
       </mc:AlternateContent>
-      <mc:AlternateContent xmlns:mc="http://schemas.openxmlformats.org/markup-compatibility/2006">
-        <mc:Choice xmlns:a14="http://schemas.microsoft.com/office/drawing/2010/main" Requires="a14">
+      <mc:AlternateContent xmlns:mc="http://schemas.openxmlformats.org/markup-compatibility/2006" xmlns:a14="http://schemas.microsoft.com/office/drawing/2010/main">
+        <mc:Choice Requires="a14">
           <p:sp>
             <p:nvSpPr>
               <p:cNvPr id="22" name="TextBox 21">
@@ -3832,7 +3838,7 @@
             </p:txBody>
           </p:sp>
         </mc:Choice>
-        <mc:Fallback>
+        <mc:Fallback xmlns="">
           <p:sp>
             <p:nvSpPr>
               <p:cNvPr id="22" name="TextBox 21">
@@ -3877,8 +3883,8 @@
           </p:sp>
         </mc:Fallback>
       </mc:AlternateContent>
-      <mc:AlternateContent xmlns:mc="http://schemas.openxmlformats.org/markup-compatibility/2006">
-        <mc:Choice xmlns:a14="http://schemas.microsoft.com/office/drawing/2010/main" Requires="a14">
+      <mc:AlternateContent xmlns:mc="http://schemas.openxmlformats.org/markup-compatibility/2006" xmlns:a14="http://schemas.microsoft.com/office/drawing/2010/main">
+        <mc:Choice Requires="a14">
           <p:sp>
             <p:nvSpPr>
               <p:cNvPr id="23" name="TextBox 22">
@@ -3928,7 +3934,7 @@
             </p:txBody>
           </p:sp>
         </mc:Choice>
-        <mc:Fallback>
+        <mc:Fallback xmlns="">
           <p:sp>
             <p:nvSpPr>
               <p:cNvPr id="23" name="TextBox 22">
@@ -4317,8 +4323,8 @@
           </a:fontRef>
         </p:style>
       </p:cxnSp>
-      <mc:AlternateContent xmlns:mc="http://schemas.openxmlformats.org/markup-compatibility/2006">
-        <mc:Choice xmlns:a14="http://schemas.microsoft.com/office/drawing/2010/main" Requires="a14">
+      <mc:AlternateContent xmlns:mc="http://schemas.openxmlformats.org/markup-compatibility/2006" xmlns:a14="http://schemas.microsoft.com/office/drawing/2010/main">
+        <mc:Choice Requires="a14">
           <p:sp>
             <p:nvSpPr>
               <p:cNvPr id="40" name="TextBox 39">
@@ -4368,7 +4374,7 @@
             </p:txBody>
           </p:sp>
         </mc:Choice>
-        <mc:Fallback>
+        <mc:Fallback xmlns="">
           <p:sp>
             <p:nvSpPr>
               <p:cNvPr id="40" name="TextBox 39">
@@ -4413,8 +4419,8 @@
           </p:sp>
         </mc:Fallback>
       </mc:AlternateContent>
-      <mc:AlternateContent xmlns:mc="http://schemas.openxmlformats.org/markup-compatibility/2006">
-        <mc:Choice xmlns:a14="http://schemas.microsoft.com/office/drawing/2010/main" Requires="a14">
+      <mc:AlternateContent xmlns:mc="http://schemas.openxmlformats.org/markup-compatibility/2006" xmlns:a14="http://schemas.microsoft.com/office/drawing/2010/main">
+        <mc:Choice Requires="a14">
           <p:sp>
             <p:nvSpPr>
               <p:cNvPr id="41" name="TextBox 40">
@@ -4464,7 +4470,7 @@
             </p:txBody>
           </p:sp>
         </mc:Choice>
-        <mc:Fallback>
+        <mc:Fallback xmlns="">
           <p:sp>
             <p:nvSpPr>
               <p:cNvPr id="41" name="TextBox 40">
@@ -4509,8 +4515,8 @@
           </p:sp>
         </mc:Fallback>
       </mc:AlternateContent>
-      <mc:AlternateContent xmlns:mc="http://schemas.openxmlformats.org/markup-compatibility/2006">
-        <mc:Choice xmlns:a14="http://schemas.microsoft.com/office/drawing/2010/main" Requires="a14">
+      <mc:AlternateContent xmlns:mc="http://schemas.openxmlformats.org/markup-compatibility/2006" xmlns:a14="http://schemas.microsoft.com/office/drawing/2010/main">
+        <mc:Choice Requires="a14">
           <p:sp>
             <p:nvSpPr>
               <p:cNvPr id="42" name="TextBox 41">
@@ -4560,7 +4566,7 @@
             </p:txBody>
           </p:sp>
         </mc:Choice>
-        <mc:Fallback>
+        <mc:Fallback xmlns="">
           <p:sp>
             <p:nvSpPr>
               <p:cNvPr id="42" name="TextBox 41">
@@ -4605,8 +4611,8 @@
           </p:sp>
         </mc:Fallback>
       </mc:AlternateContent>
-      <mc:AlternateContent xmlns:mc="http://schemas.openxmlformats.org/markup-compatibility/2006">
-        <mc:Choice xmlns:a14="http://schemas.microsoft.com/office/drawing/2010/main" Requires="a14">
+      <mc:AlternateContent xmlns:mc="http://schemas.openxmlformats.org/markup-compatibility/2006" xmlns:a14="http://schemas.microsoft.com/office/drawing/2010/main">
+        <mc:Choice Requires="a14">
           <p:sp>
             <p:nvSpPr>
               <p:cNvPr id="49" name="TextBox 48">
@@ -4656,7 +4662,7 @@
             </p:txBody>
           </p:sp>
         </mc:Choice>
-        <mc:Fallback>
+        <mc:Fallback xmlns="">
           <p:sp>
             <p:nvSpPr>
               <p:cNvPr id="49" name="TextBox 48">
@@ -4701,8 +4707,8 @@
           </p:sp>
         </mc:Fallback>
       </mc:AlternateContent>
-      <mc:AlternateContent xmlns:mc="http://schemas.openxmlformats.org/markup-compatibility/2006">
-        <mc:Choice xmlns:a14="http://schemas.microsoft.com/office/drawing/2010/main" Requires="a14">
+      <mc:AlternateContent xmlns:mc="http://schemas.openxmlformats.org/markup-compatibility/2006" xmlns:a14="http://schemas.microsoft.com/office/drawing/2010/main">
+        <mc:Choice Requires="a14">
           <p:sp>
             <p:nvSpPr>
               <p:cNvPr id="51" name="TextBox 50">
@@ -4752,7 +4758,7 @@
             </p:txBody>
           </p:sp>
         </mc:Choice>
-        <mc:Fallback>
+        <mc:Fallback xmlns="">
           <p:sp>
             <p:nvSpPr>
               <p:cNvPr id="51" name="TextBox 50">
@@ -5016,8 +5022,8 @@
           </a:fontRef>
         </p:style>
       </p:cxnSp>
-      <mc:AlternateContent xmlns:mc="http://schemas.openxmlformats.org/markup-compatibility/2006">
-        <mc:Choice xmlns:a14="http://schemas.microsoft.com/office/drawing/2010/main" Requires="a14">
+      <mc:AlternateContent xmlns:mc="http://schemas.openxmlformats.org/markup-compatibility/2006" xmlns:a14="http://schemas.microsoft.com/office/drawing/2010/main">
+        <mc:Choice Requires="a14">
           <p:sp>
             <p:nvSpPr>
               <p:cNvPr id="65" name="TextBox 64">
@@ -5089,7 +5095,13 @@
                                   <a:rPr lang="en-US" altLang="ko-KR" sz="2800" b="0" i="1" smtClean="0">
                                     <a:latin typeface="Cambria Math" panose="02040503050406030204" pitchFamily="18" charset="0"/>
                                   </a:rPr>
-                                  <m:t>𝑑𝑢</m:t>
+                                  <m:t>𝑑</m:t>
+                                </m:r>
+                                <m:r>
+                                  <a:rPr lang="en-US" altLang="ko-KR" sz="2800" b="0" i="1" smtClean="0">
+                                    <a:latin typeface="Cambria Math" panose="02040503050406030204" pitchFamily="18" charset="0"/>
+                                  </a:rPr>
+                                  <m:t>𝑢</m:t>
                                 </m:r>
                               </m:e>
                             </m:mr>
@@ -5114,7 +5126,7 @@
             </p:txBody>
           </p:sp>
         </mc:Choice>
-        <mc:Fallback>
+        <mc:Fallback xmlns="">
           <p:sp>
             <p:nvSpPr>
               <p:cNvPr id="65" name="TextBox 64">
@@ -5252,8 +5264,8 @@
           </a:p>
         </p:txBody>
       </p:sp>
-      <mc:AlternateContent xmlns:mc="http://schemas.openxmlformats.org/markup-compatibility/2006">
-        <mc:Choice xmlns:a14="http://schemas.microsoft.com/office/drawing/2010/main" Requires="a14">
+      <mc:AlternateContent xmlns:mc="http://schemas.openxmlformats.org/markup-compatibility/2006" xmlns:a14="http://schemas.microsoft.com/office/drawing/2010/main">
+        <mc:Choice Requires="a14">
           <p:sp>
             <p:nvSpPr>
               <p:cNvPr id="68" name="TextBox 67">
@@ -5327,7 +5339,13 @@
                                   <a:rPr lang="en-US" altLang="ko-KR" sz="2800" b="0" i="1" smtClean="0">
                                     <a:latin typeface="Cambria Math" panose="02040503050406030204" pitchFamily="18" charset="0"/>
                                   </a:rPr>
-                                  <m:t>𝑑𝑥</m:t>
+                                  <m:t>𝑑</m:t>
+                                </m:r>
+                                <m:r>
+                                  <a:rPr lang="en-US" altLang="ko-KR" sz="2800" b="0" i="1" smtClean="0">
+                                    <a:latin typeface="Cambria Math" panose="02040503050406030204" pitchFamily="18" charset="0"/>
+                                  </a:rPr>
+                                  <m:t>𝑥</m:t>
                                 </m:r>
                               </m:e>
                             </m:mr>
@@ -5352,7 +5370,7 @@
             </p:txBody>
           </p:sp>
         </mc:Choice>
-        <mc:Fallback>
+        <mc:Fallback xmlns="">
           <p:sp>
             <p:nvSpPr>
               <p:cNvPr id="68" name="TextBox 67">
@@ -5579,6 +5597,3003 @@
     <p:extLst>
       <p:ext uri="{BB962C8B-B14F-4D97-AF65-F5344CB8AC3E}">
         <p14:creationId xmlns:p14="http://schemas.microsoft.com/office/powerpoint/2010/main" val="390096837"/>
+      </p:ext>
+    </p:extLst>
+  </p:cSld>
+  <p:clrMapOvr>
+    <a:masterClrMapping/>
+  </p:clrMapOvr>
+</p:sld>
+</file>
+
+<file path=ppt/slides/slide2.xml><?xml version="1.0" encoding="utf-8"?>
+<p:sld xmlns:a="http://schemas.openxmlformats.org/drawingml/2006/main" xmlns:r="http://schemas.openxmlformats.org/officeDocument/2006/relationships" xmlns:p="http://schemas.openxmlformats.org/presentationml/2006/main">
+  <p:cSld>
+    <p:spTree>
+      <p:nvGrpSpPr>
+        <p:cNvPr id="1" name=""/>
+        <p:cNvGrpSpPr/>
+        <p:nvPr/>
+      </p:nvGrpSpPr>
+      <p:grpSpPr>
+        <a:xfrm>
+          <a:off x="0" y="0"/>
+          <a:ext cx="0" cy="0"/>
+          <a:chOff x="0" y="0"/>
+          <a:chExt cx="0" cy="0"/>
+        </a:xfrm>
+      </p:grpSpPr>
+      <p:sp>
+        <p:nvSpPr>
+          <p:cNvPr id="63" name="TextBox 62">
+            <a:extLst>
+              <a:ext uri="{FF2B5EF4-FFF2-40B4-BE49-F238E27FC236}">
+                <a16:creationId xmlns:a16="http://schemas.microsoft.com/office/drawing/2014/main" id="{4FE73496-1FB4-43FC-8E7F-ED3C77779257}"/>
+              </a:ext>
+            </a:extLst>
+          </p:cNvPr>
+          <p:cNvSpPr txBox="1"/>
+          <p:nvPr/>
+        </p:nvSpPr>
+        <p:spPr>
+          <a:xfrm>
+            <a:off x="3829996" y="1169932"/>
+            <a:ext cx="4532011" cy="523220"/>
+          </a:xfrm>
+          <a:prstGeom prst="rect">
+            <a:avLst/>
+          </a:prstGeom>
+          <a:noFill/>
+        </p:spPr>
+        <p:txBody>
+          <a:bodyPr wrap="none" rtlCol="0">
+            <a:spAutoFit/>
+          </a:bodyPr>
+          <a:lstStyle/>
+          <a:p>
+            <a:pPr algn="ctr"/>
+            <a:r>
+              <a:rPr lang="en-US" altLang="ko-KR" sz="2800" dirty="0"/>
+              <a:t>&lt;</a:t>
+            </a:r>
+            <a:r>
+              <a:rPr lang="ko-KR" altLang="en-US" sz="2800" dirty="0"/>
+              <a:t>행렬식의 기하학적 의미</a:t>
+            </a:r>
+            <a:r>
+              <a:rPr lang="en-US" altLang="ko-KR" sz="2800" dirty="0"/>
+              <a:t>&gt;</a:t>
+            </a:r>
+            <a:endParaRPr lang="ko-KR" altLang="en-US" sz="2800" dirty="0"/>
+          </a:p>
+        </p:txBody>
+      </p:sp>
+      <p:sp>
+        <p:nvSpPr>
+          <p:cNvPr id="4" name="이등변 삼각형 26">
+            <a:extLst>
+              <a:ext uri="{FF2B5EF4-FFF2-40B4-BE49-F238E27FC236}">
+                <a16:creationId xmlns:a16="http://schemas.microsoft.com/office/drawing/2014/main" id="{689A9C7F-5EC0-420A-9F73-301FE7072DA1}"/>
+              </a:ext>
+            </a:extLst>
+          </p:cNvPr>
+          <p:cNvSpPr/>
+          <p:nvPr/>
+        </p:nvSpPr>
+        <p:spPr>
+          <a:xfrm rot="13441455">
+            <a:off x="7405488" y="3397486"/>
+            <a:ext cx="1567213" cy="2194828"/>
+          </a:xfrm>
+          <a:custGeom>
+            <a:avLst/>
+            <a:gdLst>
+              <a:gd name="connsiteX0" fmla="*/ 0 w 1681776"/>
+              <a:gd name="connsiteY0" fmla="*/ 2416811 h 2416811"/>
+              <a:gd name="connsiteX1" fmla="*/ 840888 w 1681776"/>
+              <a:gd name="connsiteY1" fmla="*/ 0 h 2416811"/>
+              <a:gd name="connsiteX2" fmla="*/ 1681776 w 1681776"/>
+              <a:gd name="connsiteY2" fmla="*/ 2416811 h 2416811"/>
+              <a:gd name="connsiteX3" fmla="*/ 0 w 1681776"/>
+              <a:gd name="connsiteY3" fmla="*/ 2416811 h 2416811"/>
+              <a:gd name="connsiteX0" fmla="*/ 0 w 1681777"/>
+              <a:gd name="connsiteY0" fmla="*/ 2416811 h 2416811"/>
+              <a:gd name="connsiteX1" fmla="*/ 840889 w 1681777"/>
+              <a:gd name="connsiteY1" fmla="*/ 0 h 2416811"/>
+              <a:gd name="connsiteX2" fmla="*/ 1681777 w 1681777"/>
+              <a:gd name="connsiteY2" fmla="*/ 2416811 h 2416811"/>
+              <a:gd name="connsiteX3" fmla="*/ 0 w 1681777"/>
+              <a:gd name="connsiteY3" fmla="*/ 2416811 h 2416811"/>
+              <a:gd name="connsiteX0" fmla="*/ 0 w 1878659"/>
+              <a:gd name="connsiteY0" fmla="*/ 2585904 h 2585904"/>
+              <a:gd name="connsiteX1" fmla="*/ 1037771 w 1878659"/>
+              <a:gd name="connsiteY1" fmla="*/ 0 h 2585904"/>
+              <a:gd name="connsiteX2" fmla="*/ 1878659 w 1878659"/>
+              <a:gd name="connsiteY2" fmla="*/ 2416811 h 2585904"/>
+              <a:gd name="connsiteX3" fmla="*/ 0 w 1878659"/>
+              <a:gd name="connsiteY3" fmla="*/ 2585904 h 2585904"/>
+              <a:gd name="connsiteX0" fmla="*/ 0 w 1878659"/>
+              <a:gd name="connsiteY0" fmla="*/ 2579743 h 2579743"/>
+              <a:gd name="connsiteX1" fmla="*/ 1188557 w 1878659"/>
+              <a:gd name="connsiteY1" fmla="*/ 0 h 2579743"/>
+              <a:gd name="connsiteX2" fmla="*/ 1878659 w 1878659"/>
+              <a:gd name="connsiteY2" fmla="*/ 2410650 h 2579743"/>
+              <a:gd name="connsiteX3" fmla="*/ 0 w 1878659"/>
+              <a:gd name="connsiteY3" fmla="*/ 2579743 h 2579743"/>
+              <a:gd name="connsiteX0" fmla="*/ 0 w 1842061"/>
+              <a:gd name="connsiteY0" fmla="*/ 2579743 h 2579743"/>
+              <a:gd name="connsiteX1" fmla="*/ 1188557 w 1842061"/>
+              <a:gd name="connsiteY1" fmla="*/ 0 h 2579743"/>
+              <a:gd name="connsiteX2" fmla="*/ 1842061 w 1842061"/>
+              <a:gd name="connsiteY2" fmla="*/ 2186386 h 2579743"/>
+              <a:gd name="connsiteX3" fmla="*/ 0 w 1842061"/>
+              <a:gd name="connsiteY3" fmla="*/ 2579743 h 2579743"/>
+            </a:gdLst>
+            <a:ahLst/>
+            <a:cxnLst>
+              <a:cxn ang="0">
+                <a:pos x="connsiteX0" y="connsiteY0"/>
+              </a:cxn>
+              <a:cxn ang="0">
+                <a:pos x="connsiteX1" y="connsiteY1"/>
+              </a:cxn>
+              <a:cxn ang="0">
+                <a:pos x="connsiteX2" y="connsiteY2"/>
+              </a:cxn>
+              <a:cxn ang="0">
+                <a:pos x="connsiteX3" y="connsiteY3"/>
+              </a:cxn>
+            </a:cxnLst>
+            <a:rect l="l" t="t" r="r" b="b"/>
+            <a:pathLst>
+              <a:path w="1842061" h="2579743">
+                <a:moveTo>
+                  <a:pt x="0" y="2579743"/>
+                </a:moveTo>
+                <a:lnTo>
+                  <a:pt x="1188557" y="0"/>
+                </a:lnTo>
+                <a:lnTo>
+                  <a:pt x="1842061" y="2186386"/>
+                </a:lnTo>
+                <a:lnTo>
+                  <a:pt x="0" y="2579743"/>
+                </a:lnTo>
+                <a:close/>
+              </a:path>
+            </a:pathLst>
+          </a:custGeom>
+          <a:pattFill prst="lgGrid">
+            <a:fgClr>
+              <a:srgbClr val="00B0F0"/>
+            </a:fgClr>
+            <a:bgClr>
+              <a:schemeClr val="bg1"/>
+            </a:bgClr>
+          </a:pattFill>
+        </p:spPr>
+        <p:style>
+          <a:lnRef idx="2">
+            <a:schemeClr val="accent1">
+              <a:shade val="50000"/>
+            </a:schemeClr>
+          </a:lnRef>
+          <a:fillRef idx="1">
+            <a:schemeClr val="accent1"/>
+          </a:fillRef>
+          <a:effectRef idx="0">
+            <a:schemeClr val="accent1"/>
+          </a:effectRef>
+          <a:fontRef idx="minor">
+            <a:schemeClr val="lt1"/>
+          </a:fontRef>
+        </p:style>
+        <p:txBody>
+          <a:bodyPr rtlCol="0" anchor="ctr"/>
+          <a:lstStyle/>
+          <a:p>
+            <a:pPr algn="ctr"/>
+            <a:endParaRPr lang="ko-KR" altLang="en-US"/>
+          </a:p>
+        </p:txBody>
+      </p:sp>
+      <p:sp>
+        <p:nvSpPr>
+          <p:cNvPr id="5" name="이등변 삼각형 26">
+            <a:extLst>
+              <a:ext uri="{FF2B5EF4-FFF2-40B4-BE49-F238E27FC236}">
+                <a16:creationId xmlns:a16="http://schemas.microsoft.com/office/drawing/2014/main" id="{8CDE391B-3AAD-451A-97DF-705BE5360889}"/>
+              </a:ext>
+            </a:extLst>
+          </p:cNvPr>
+          <p:cNvSpPr/>
+          <p:nvPr/>
+        </p:nvSpPr>
+        <p:spPr>
+          <a:xfrm rot="2651785">
+            <a:off x="8725394" y="2008307"/>
+            <a:ext cx="1575702" cy="2274108"/>
+          </a:xfrm>
+          <a:custGeom>
+            <a:avLst/>
+            <a:gdLst>
+              <a:gd name="connsiteX0" fmla="*/ 0 w 1681776"/>
+              <a:gd name="connsiteY0" fmla="*/ 2416811 h 2416811"/>
+              <a:gd name="connsiteX1" fmla="*/ 840888 w 1681776"/>
+              <a:gd name="connsiteY1" fmla="*/ 0 h 2416811"/>
+              <a:gd name="connsiteX2" fmla="*/ 1681776 w 1681776"/>
+              <a:gd name="connsiteY2" fmla="*/ 2416811 h 2416811"/>
+              <a:gd name="connsiteX3" fmla="*/ 0 w 1681776"/>
+              <a:gd name="connsiteY3" fmla="*/ 2416811 h 2416811"/>
+              <a:gd name="connsiteX0" fmla="*/ 0 w 1681777"/>
+              <a:gd name="connsiteY0" fmla="*/ 2416811 h 2416811"/>
+              <a:gd name="connsiteX1" fmla="*/ 840889 w 1681777"/>
+              <a:gd name="connsiteY1" fmla="*/ 0 h 2416811"/>
+              <a:gd name="connsiteX2" fmla="*/ 1681777 w 1681777"/>
+              <a:gd name="connsiteY2" fmla="*/ 2416811 h 2416811"/>
+              <a:gd name="connsiteX3" fmla="*/ 0 w 1681777"/>
+              <a:gd name="connsiteY3" fmla="*/ 2416811 h 2416811"/>
+              <a:gd name="connsiteX0" fmla="*/ 0 w 1878659"/>
+              <a:gd name="connsiteY0" fmla="*/ 2585904 h 2585904"/>
+              <a:gd name="connsiteX1" fmla="*/ 1037771 w 1878659"/>
+              <a:gd name="connsiteY1" fmla="*/ 0 h 2585904"/>
+              <a:gd name="connsiteX2" fmla="*/ 1878659 w 1878659"/>
+              <a:gd name="connsiteY2" fmla="*/ 2416811 h 2585904"/>
+              <a:gd name="connsiteX3" fmla="*/ 0 w 1878659"/>
+              <a:gd name="connsiteY3" fmla="*/ 2585904 h 2585904"/>
+              <a:gd name="connsiteX0" fmla="*/ 0 w 1878659"/>
+              <a:gd name="connsiteY0" fmla="*/ 2579743 h 2579743"/>
+              <a:gd name="connsiteX1" fmla="*/ 1188557 w 1878659"/>
+              <a:gd name="connsiteY1" fmla="*/ 0 h 2579743"/>
+              <a:gd name="connsiteX2" fmla="*/ 1878659 w 1878659"/>
+              <a:gd name="connsiteY2" fmla="*/ 2410650 h 2579743"/>
+              <a:gd name="connsiteX3" fmla="*/ 0 w 1878659"/>
+              <a:gd name="connsiteY3" fmla="*/ 2579743 h 2579743"/>
+              <a:gd name="connsiteX0" fmla="*/ 0 w 1842061"/>
+              <a:gd name="connsiteY0" fmla="*/ 2579743 h 2579743"/>
+              <a:gd name="connsiteX1" fmla="*/ 1188557 w 1842061"/>
+              <a:gd name="connsiteY1" fmla="*/ 0 h 2579743"/>
+              <a:gd name="connsiteX2" fmla="*/ 1842061 w 1842061"/>
+              <a:gd name="connsiteY2" fmla="*/ 2186386 h 2579743"/>
+              <a:gd name="connsiteX3" fmla="*/ 0 w 1842061"/>
+              <a:gd name="connsiteY3" fmla="*/ 2579743 h 2579743"/>
+              <a:gd name="connsiteX0" fmla="*/ 0 w 1878382"/>
+              <a:gd name="connsiteY0" fmla="*/ 2607973 h 2607973"/>
+              <a:gd name="connsiteX1" fmla="*/ 1224878 w 1878382"/>
+              <a:gd name="connsiteY1" fmla="*/ 0 h 2607973"/>
+              <a:gd name="connsiteX2" fmla="*/ 1878382 w 1878382"/>
+              <a:gd name="connsiteY2" fmla="*/ 2186386 h 2607973"/>
+              <a:gd name="connsiteX3" fmla="*/ 0 w 1878382"/>
+              <a:gd name="connsiteY3" fmla="*/ 2607973 h 2607973"/>
+              <a:gd name="connsiteX0" fmla="*/ 0 w 1878382"/>
+              <a:gd name="connsiteY0" fmla="*/ 2622743 h 2622743"/>
+              <a:gd name="connsiteX1" fmla="*/ 1196346 w 1878382"/>
+              <a:gd name="connsiteY1" fmla="*/ 0 h 2622743"/>
+              <a:gd name="connsiteX2" fmla="*/ 1878382 w 1878382"/>
+              <a:gd name="connsiteY2" fmla="*/ 2201156 h 2622743"/>
+              <a:gd name="connsiteX3" fmla="*/ 0 w 1878382"/>
+              <a:gd name="connsiteY3" fmla="*/ 2622743 h 2622743"/>
+              <a:gd name="connsiteX0" fmla="*/ 0 w 1878382"/>
+              <a:gd name="connsiteY0" fmla="*/ 2687192 h 2687192"/>
+              <a:gd name="connsiteX1" fmla="*/ 1211619 w 1878382"/>
+              <a:gd name="connsiteY1" fmla="*/ 0 h 2687192"/>
+              <a:gd name="connsiteX2" fmla="*/ 1878382 w 1878382"/>
+              <a:gd name="connsiteY2" fmla="*/ 2265605 h 2687192"/>
+              <a:gd name="connsiteX3" fmla="*/ 0 w 1878382"/>
+              <a:gd name="connsiteY3" fmla="*/ 2687192 h 2687192"/>
+              <a:gd name="connsiteX0" fmla="*/ 0 w 1754535"/>
+              <a:gd name="connsiteY0" fmla="*/ 2687192 h 2687192"/>
+              <a:gd name="connsiteX1" fmla="*/ 1211619 w 1754535"/>
+              <a:gd name="connsiteY1" fmla="*/ 0 h 2687192"/>
+              <a:gd name="connsiteX2" fmla="*/ 1754535 w 1754535"/>
+              <a:gd name="connsiteY2" fmla="*/ 2130947 h 2687192"/>
+              <a:gd name="connsiteX3" fmla="*/ 0 w 1754535"/>
+              <a:gd name="connsiteY3" fmla="*/ 2687192 h 2687192"/>
+              <a:gd name="connsiteX0" fmla="*/ 0 w 1889056"/>
+              <a:gd name="connsiteY0" fmla="*/ 2687192 h 2687192"/>
+              <a:gd name="connsiteX1" fmla="*/ 1211619 w 1889056"/>
+              <a:gd name="connsiteY1" fmla="*/ 0 h 2687192"/>
+              <a:gd name="connsiteX2" fmla="*/ 1889056 w 1889056"/>
+              <a:gd name="connsiteY2" fmla="*/ 2272939 h 2687192"/>
+              <a:gd name="connsiteX3" fmla="*/ 0 w 1889056"/>
+              <a:gd name="connsiteY3" fmla="*/ 2687192 h 2687192"/>
+              <a:gd name="connsiteX0" fmla="*/ 0 w 1708360"/>
+              <a:gd name="connsiteY0" fmla="*/ 2610693 h 2610693"/>
+              <a:gd name="connsiteX1" fmla="*/ 1030923 w 1708360"/>
+              <a:gd name="connsiteY1" fmla="*/ 0 h 2610693"/>
+              <a:gd name="connsiteX2" fmla="*/ 1708360 w 1708360"/>
+              <a:gd name="connsiteY2" fmla="*/ 2272939 h 2610693"/>
+              <a:gd name="connsiteX3" fmla="*/ 0 w 1708360"/>
+              <a:gd name="connsiteY3" fmla="*/ 2610693 h 2610693"/>
+              <a:gd name="connsiteX0" fmla="*/ 0 w 1903422"/>
+              <a:gd name="connsiteY0" fmla="*/ 2686991 h 2686991"/>
+              <a:gd name="connsiteX1" fmla="*/ 1225985 w 1903422"/>
+              <a:gd name="connsiteY1" fmla="*/ 0 h 2686991"/>
+              <a:gd name="connsiteX2" fmla="*/ 1903422 w 1903422"/>
+              <a:gd name="connsiteY2" fmla="*/ 2272939 h 2686991"/>
+              <a:gd name="connsiteX3" fmla="*/ 0 w 1903422"/>
+              <a:gd name="connsiteY3" fmla="*/ 2686991 h 2686991"/>
+              <a:gd name="connsiteX0" fmla="*/ 0 w 1878129"/>
+              <a:gd name="connsiteY0" fmla="*/ 2676568 h 2676568"/>
+              <a:gd name="connsiteX1" fmla="*/ 1200692 w 1878129"/>
+              <a:gd name="connsiteY1" fmla="*/ 0 h 2676568"/>
+              <a:gd name="connsiteX2" fmla="*/ 1878129 w 1878129"/>
+              <a:gd name="connsiteY2" fmla="*/ 2272939 h 2676568"/>
+              <a:gd name="connsiteX3" fmla="*/ 0 w 1878129"/>
+              <a:gd name="connsiteY3" fmla="*/ 2676568 h 2676568"/>
+              <a:gd name="connsiteX0" fmla="*/ 0 w 1886982"/>
+              <a:gd name="connsiteY0" fmla="*/ 2667463 h 2667463"/>
+              <a:gd name="connsiteX1" fmla="*/ 1209545 w 1886982"/>
+              <a:gd name="connsiteY1" fmla="*/ 0 h 2667463"/>
+              <a:gd name="connsiteX2" fmla="*/ 1886982 w 1886982"/>
+              <a:gd name="connsiteY2" fmla="*/ 2272939 h 2667463"/>
+              <a:gd name="connsiteX3" fmla="*/ 0 w 1886982"/>
+              <a:gd name="connsiteY3" fmla="*/ 2667463 h 2667463"/>
+              <a:gd name="connsiteX0" fmla="*/ 0 w 1881670"/>
+              <a:gd name="connsiteY0" fmla="*/ 2672926 h 2672926"/>
+              <a:gd name="connsiteX1" fmla="*/ 1204233 w 1881670"/>
+              <a:gd name="connsiteY1" fmla="*/ 0 h 2672926"/>
+              <a:gd name="connsiteX2" fmla="*/ 1881670 w 1881670"/>
+              <a:gd name="connsiteY2" fmla="*/ 2272939 h 2672926"/>
+              <a:gd name="connsiteX3" fmla="*/ 0 w 1881670"/>
+              <a:gd name="connsiteY3" fmla="*/ 2672926 h 2672926"/>
+              <a:gd name="connsiteX0" fmla="*/ 0 w 1877573"/>
+              <a:gd name="connsiteY0" fmla="*/ 2672926 h 2672926"/>
+              <a:gd name="connsiteX1" fmla="*/ 1204233 w 1877573"/>
+              <a:gd name="connsiteY1" fmla="*/ 0 h 2672926"/>
+              <a:gd name="connsiteX2" fmla="*/ 1877573 w 1877573"/>
+              <a:gd name="connsiteY2" fmla="*/ 2276923 h 2672926"/>
+              <a:gd name="connsiteX3" fmla="*/ 0 w 1877573"/>
+              <a:gd name="connsiteY3" fmla="*/ 2672926 h 2672926"/>
+              <a:gd name="connsiteX0" fmla="*/ 0 w 1826730"/>
+              <a:gd name="connsiteY0" fmla="*/ 2672926 h 2672926"/>
+              <a:gd name="connsiteX1" fmla="*/ 1204233 w 1826730"/>
+              <a:gd name="connsiteY1" fmla="*/ 0 h 2672926"/>
+              <a:gd name="connsiteX2" fmla="*/ 1826730 w 1826730"/>
+              <a:gd name="connsiteY2" fmla="*/ 2251961 h 2672926"/>
+              <a:gd name="connsiteX3" fmla="*/ 0 w 1826730"/>
+              <a:gd name="connsiteY3" fmla="*/ 2672926 h 2672926"/>
+              <a:gd name="connsiteX0" fmla="*/ 0 w 1880304"/>
+              <a:gd name="connsiteY0" fmla="*/ 2672926 h 2672926"/>
+              <a:gd name="connsiteX1" fmla="*/ 1204233 w 1880304"/>
+              <a:gd name="connsiteY1" fmla="*/ 0 h 2672926"/>
+              <a:gd name="connsiteX2" fmla="*/ 1880304 w 1880304"/>
+              <a:gd name="connsiteY2" fmla="*/ 2274267 h 2672926"/>
+              <a:gd name="connsiteX3" fmla="*/ 0 w 1880304"/>
+              <a:gd name="connsiteY3" fmla="*/ 2672926 h 2672926"/>
+              <a:gd name="connsiteX0" fmla="*/ 0 w 1852038"/>
+              <a:gd name="connsiteY0" fmla="*/ 2672926 h 2672926"/>
+              <a:gd name="connsiteX1" fmla="*/ 1204233 w 1852038"/>
+              <a:gd name="connsiteY1" fmla="*/ 0 h 2672926"/>
+              <a:gd name="connsiteX2" fmla="*/ 1852038 w 1852038"/>
+              <a:gd name="connsiteY2" fmla="*/ 2272523 h 2672926"/>
+              <a:gd name="connsiteX3" fmla="*/ 0 w 1852038"/>
+              <a:gd name="connsiteY3" fmla="*/ 2672926 h 2672926"/>
+            </a:gdLst>
+            <a:ahLst/>
+            <a:cxnLst>
+              <a:cxn ang="0">
+                <a:pos x="connsiteX0" y="connsiteY0"/>
+              </a:cxn>
+              <a:cxn ang="0">
+                <a:pos x="connsiteX1" y="connsiteY1"/>
+              </a:cxn>
+              <a:cxn ang="0">
+                <a:pos x="connsiteX2" y="connsiteY2"/>
+              </a:cxn>
+              <a:cxn ang="0">
+                <a:pos x="connsiteX3" y="connsiteY3"/>
+              </a:cxn>
+            </a:cxnLst>
+            <a:rect l="l" t="t" r="r" b="b"/>
+            <a:pathLst>
+              <a:path w="1852038" h="2672926">
+                <a:moveTo>
+                  <a:pt x="0" y="2672926"/>
+                </a:moveTo>
+                <a:lnTo>
+                  <a:pt x="1204233" y="0"/>
+                </a:lnTo>
+                <a:lnTo>
+                  <a:pt x="1852038" y="2272523"/>
+                </a:lnTo>
+                <a:lnTo>
+                  <a:pt x="0" y="2672926"/>
+                </a:lnTo>
+                <a:close/>
+              </a:path>
+            </a:pathLst>
+          </a:custGeom>
+          <a:pattFill prst="lgGrid">
+            <a:fgClr>
+              <a:srgbClr val="FFC000"/>
+            </a:fgClr>
+            <a:bgClr>
+              <a:schemeClr val="bg1"/>
+            </a:bgClr>
+          </a:pattFill>
+        </p:spPr>
+        <p:style>
+          <a:lnRef idx="2">
+            <a:schemeClr val="accent1">
+              <a:shade val="50000"/>
+            </a:schemeClr>
+          </a:lnRef>
+          <a:fillRef idx="1">
+            <a:schemeClr val="accent1"/>
+          </a:fillRef>
+          <a:effectRef idx="0">
+            <a:schemeClr val="accent1"/>
+          </a:effectRef>
+          <a:fontRef idx="minor">
+            <a:schemeClr val="lt1"/>
+          </a:fontRef>
+        </p:style>
+        <p:txBody>
+          <a:bodyPr rtlCol="0" anchor="ctr"/>
+          <a:lstStyle/>
+          <a:p>
+            <a:pPr algn="ctr"/>
+            <a:endParaRPr lang="ko-KR" altLang="en-US"/>
+          </a:p>
+        </p:txBody>
+      </p:sp>
+      <p:cxnSp>
+        <p:nvCxnSpPr>
+          <p:cNvPr id="6" name="직선 화살표 연결선 5">
+            <a:extLst>
+              <a:ext uri="{FF2B5EF4-FFF2-40B4-BE49-F238E27FC236}">
+                <a16:creationId xmlns:a16="http://schemas.microsoft.com/office/drawing/2014/main" id="{D60FCA8A-4B66-42BF-BE55-FFBEE40B74E0}"/>
+              </a:ext>
+            </a:extLst>
+          </p:cNvPr>
+          <p:cNvCxnSpPr/>
+          <p:nvPr/>
+        </p:nvCxnSpPr>
+        <p:spPr>
+          <a:xfrm>
+            <a:off x="7021319" y="5128853"/>
+            <a:ext cx="4546944" cy="0"/>
+          </a:xfrm>
+          <a:prstGeom prst="straightConnector1">
+            <a:avLst/>
+          </a:prstGeom>
+          <a:ln w="28575">
+            <a:solidFill>
+              <a:schemeClr val="tx1"/>
+            </a:solidFill>
+            <a:tailEnd type="triangle"/>
+          </a:ln>
+        </p:spPr>
+        <p:style>
+          <a:lnRef idx="1">
+            <a:schemeClr val="accent1"/>
+          </a:lnRef>
+          <a:fillRef idx="0">
+            <a:schemeClr val="accent1"/>
+          </a:fillRef>
+          <a:effectRef idx="0">
+            <a:schemeClr val="accent1"/>
+          </a:effectRef>
+          <a:fontRef idx="minor">
+            <a:schemeClr val="tx1"/>
+          </a:fontRef>
+        </p:style>
+      </p:cxnSp>
+      <p:cxnSp>
+        <p:nvCxnSpPr>
+          <p:cNvPr id="7" name="직선 화살표 연결선 6">
+            <a:extLst>
+              <a:ext uri="{FF2B5EF4-FFF2-40B4-BE49-F238E27FC236}">
+                <a16:creationId xmlns:a16="http://schemas.microsoft.com/office/drawing/2014/main" id="{D0623212-920E-4DB7-B313-43E8C313BB90}"/>
+              </a:ext>
+            </a:extLst>
+          </p:cNvPr>
+          <p:cNvCxnSpPr/>
+          <p:nvPr/>
+        </p:nvCxnSpPr>
+        <p:spPr>
+          <a:xfrm flipV="1">
+            <a:off x="7242875" y="1911248"/>
+            <a:ext cx="0" cy="3451750"/>
+          </a:xfrm>
+          <a:prstGeom prst="straightConnector1">
+            <a:avLst/>
+          </a:prstGeom>
+          <a:ln w="28575">
+            <a:solidFill>
+              <a:schemeClr val="tx1"/>
+            </a:solidFill>
+            <a:tailEnd type="triangle"/>
+          </a:ln>
+        </p:spPr>
+        <p:style>
+          <a:lnRef idx="1">
+            <a:schemeClr val="accent1"/>
+          </a:lnRef>
+          <a:fillRef idx="0">
+            <a:schemeClr val="accent1"/>
+          </a:fillRef>
+          <a:effectRef idx="0">
+            <a:schemeClr val="accent1"/>
+          </a:effectRef>
+          <a:fontRef idx="minor">
+            <a:schemeClr val="tx1"/>
+          </a:fontRef>
+        </p:style>
+      </p:cxnSp>
+      <mc:AlternateContent xmlns:mc="http://schemas.openxmlformats.org/markup-compatibility/2006">
+        <mc:Choice xmlns:a14="http://schemas.microsoft.com/office/drawing/2010/main" Requires="a14">
+          <p:sp>
+            <p:nvSpPr>
+              <p:cNvPr id="8" name="TextBox 7">
+                <a:extLst>
+                  <a:ext uri="{FF2B5EF4-FFF2-40B4-BE49-F238E27FC236}">
+                    <a16:creationId xmlns:a16="http://schemas.microsoft.com/office/drawing/2014/main" id="{817A4BD8-6240-4704-BD6C-F6AF3D32B2C1}"/>
+                  </a:ext>
+                </a:extLst>
+              </p:cNvPr>
+              <p:cNvSpPr txBox="1"/>
+              <p:nvPr/>
+            </p:nvSpPr>
+            <p:spPr>
+              <a:xfrm>
+                <a:off x="6879116" y="5128853"/>
+                <a:ext cx="363759" cy="314225"/>
+              </a:xfrm>
+              <a:prstGeom prst="rect">
+                <a:avLst/>
+              </a:prstGeom>
+              <a:noFill/>
+            </p:spPr>
+            <p:txBody>
+              <a:bodyPr wrap="none" rtlCol="0">
+                <a:spAutoFit/>
+              </a:bodyPr>
+              <a:lstStyle/>
+              <a:p>
+                <a:pPr/>
+                <a14:m>
+                  <m:oMathPara xmlns:m="http://schemas.openxmlformats.org/officeDocument/2006/math">
+                    <m:oMathParaPr>
+                      <m:jc m:val="centerGroup"/>
+                    </m:oMathParaPr>
+                    <m:oMath xmlns:m="http://schemas.openxmlformats.org/officeDocument/2006/math">
+                      <m:r>
+                        <a:rPr lang="en-US" altLang="ko-KR" b="0" i="1" smtClean="0">
+                          <a:latin typeface="Cambria Math" panose="02040503050406030204" pitchFamily="18" charset="0"/>
+                        </a:rPr>
+                        <m:t>𝑂</m:t>
+                      </m:r>
+                    </m:oMath>
+                  </m:oMathPara>
+                </a14:m>
+                <a:endParaRPr lang="ko-KR" altLang="en-US" dirty="0"/>
+              </a:p>
+            </p:txBody>
+          </p:sp>
+        </mc:Choice>
+        <mc:Fallback>
+          <p:sp>
+            <p:nvSpPr>
+              <p:cNvPr id="8" name="TextBox 7">
+                <a:extLst>
+                  <a:ext uri="{FF2B5EF4-FFF2-40B4-BE49-F238E27FC236}">
+                    <a16:creationId xmlns:a16="http://schemas.microsoft.com/office/drawing/2014/main" id="{817A4BD8-6240-4704-BD6C-F6AF3D32B2C1}"/>
+                  </a:ext>
+                </a:extLst>
+              </p:cNvPr>
+              <p:cNvSpPr txBox="1">
+                <a:spLocks noRot="1" noChangeAspect="1" noMove="1" noResize="1" noEditPoints="1" noAdjustHandles="1" noChangeArrowheads="1" noChangeShapeType="1" noTextEdit="1"/>
+              </p:cNvSpPr>
+              <p:nvPr/>
+            </p:nvSpPr>
+            <p:spPr>
+              <a:xfrm>
+                <a:off x="6879116" y="5128853"/>
+                <a:ext cx="363759" cy="314225"/>
+              </a:xfrm>
+              <a:prstGeom prst="rect">
+                <a:avLst/>
+              </a:prstGeom>
+              <a:blipFill>
+                <a:blip r:embed="rId2"/>
+                <a:stretch>
+                  <a:fillRect b="-11538"/>
+                </a:stretch>
+              </a:blipFill>
+            </p:spPr>
+            <p:txBody>
+              <a:bodyPr/>
+              <a:lstStyle/>
+              <a:p>
+                <a:r>
+                  <a:rPr lang="ko-KR" altLang="en-US">
+                    <a:noFill/>
+                  </a:rPr>
+                  <a:t> </a:t>
+                </a:r>
+              </a:p>
+            </p:txBody>
+          </p:sp>
+        </mc:Fallback>
+      </mc:AlternateContent>
+      <mc:AlternateContent xmlns:mc="http://schemas.openxmlformats.org/markup-compatibility/2006">
+        <mc:Choice xmlns:a14="http://schemas.microsoft.com/office/drawing/2010/main" Requires="a14">
+          <p:sp>
+            <p:nvSpPr>
+              <p:cNvPr id="9" name="TextBox 8">
+                <a:extLst>
+                  <a:ext uri="{FF2B5EF4-FFF2-40B4-BE49-F238E27FC236}">
+                    <a16:creationId xmlns:a16="http://schemas.microsoft.com/office/drawing/2014/main" id="{6141256F-C8A5-487F-8CAB-8F26066B3AD9}"/>
+                  </a:ext>
+                </a:extLst>
+              </p:cNvPr>
+              <p:cNvSpPr txBox="1"/>
+              <p:nvPr/>
+            </p:nvSpPr>
+            <p:spPr>
+              <a:xfrm>
+                <a:off x="11386383" y="5128853"/>
+                <a:ext cx="337629" cy="314225"/>
+              </a:xfrm>
+              <a:prstGeom prst="rect">
+                <a:avLst/>
+              </a:prstGeom>
+              <a:noFill/>
+            </p:spPr>
+            <p:txBody>
+              <a:bodyPr wrap="none" rtlCol="0">
+                <a:spAutoFit/>
+              </a:bodyPr>
+              <a:lstStyle/>
+              <a:p>
+                <a:pPr/>
+                <a14:m>
+                  <m:oMathPara xmlns:m="http://schemas.openxmlformats.org/officeDocument/2006/math">
+                    <m:oMathParaPr>
+                      <m:jc m:val="centerGroup"/>
+                    </m:oMathParaPr>
+                    <m:oMath xmlns:m="http://schemas.openxmlformats.org/officeDocument/2006/math">
+                      <m:r>
+                        <a:rPr lang="en-US" altLang="ko-KR" b="0" i="1" smtClean="0">
+                          <a:latin typeface="Cambria Math" panose="02040503050406030204" pitchFamily="18" charset="0"/>
+                        </a:rPr>
+                        <m:t>𝑥</m:t>
+                      </m:r>
+                    </m:oMath>
+                  </m:oMathPara>
+                </a14:m>
+                <a:endParaRPr lang="ko-KR" altLang="en-US" dirty="0"/>
+              </a:p>
+            </p:txBody>
+          </p:sp>
+        </mc:Choice>
+        <mc:Fallback>
+          <p:sp>
+            <p:nvSpPr>
+              <p:cNvPr id="9" name="TextBox 8">
+                <a:extLst>
+                  <a:ext uri="{FF2B5EF4-FFF2-40B4-BE49-F238E27FC236}">
+                    <a16:creationId xmlns:a16="http://schemas.microsoft.com/office/drawing/2014/main" id="{6141256F-C8A5-487F-8CAB-8F26066B3AD9}"/>
+                  </a:ext>
+                </a:extLst>
+              </p:cNvPr>
+              <p:cNvSpPr txBox="1">
+                <a:spLocks noRot="1" noChangeAspect="1" noMove="1" noResize="1" noEditPoints="1" noAdjustHandles="1" noChangeArrowheads="1" noChangeShapeType="1" noTextEdit="1"/>
+              </p:cNvSpPr>
+              <p:nvPr/>
+            </p:nvSpPr>
+            <p:spPr>
+              <a:xfrm>
+                <a:off x="11386383" y="5128853"/>
+                <a:ext cx="337629" cy="314225"/>
+              </a:xfrm>
+              <a:prstGeom prst="rect">
+                <a:avLst/>
+              </a:prstGeom>
+              <a:blipFill>
+                <a:blip r:embed="rId3"/>
+                <a:stretch>
+                  <a:fillRect b="-5769"/>
+                </a:stretch>
+              </a:blipFill>
+            </p:spPr>
+            <p:txBody>
+              <a:bodyPr/>
+              <a:lstStyle/>
+              <a:p>
+                <a:r>
+                  <a:rPr lang="ko-KR" altLang="en-US">
+                    <a:noFill/>
+                  </a:rPr>
+                  <a:t> </a:t>
+                </a:r>
+              </a:p>
+            </p:txBody>
+          </p:sp>
+        </mc:Fallback>
+      </mc:AlternateContent>
+      <mc:AlternateContent xmlns:mc="http://schemas.openxmlformats.org/markup-compatibility/2006">
+        <mc:Choice xmlns:a14="http://schemas.microsoft.com/office/drawing/2010/main" Requires="a14">
+          <p:sp>
+            <p:nvSpPr>
+              <p:cNvPr id="10" name="TextBox 9">
+                <a:extLst>
+                  <a:ext uri="{FF2B5EF4-FFF2-40B4-BE49-F238E27FC236}">
+                    <a16:creationId xmlns:a16="http://schemas.microsoft.com/office/drawing/2014/main" id="{8CCD7454-37C0-4A07-BEB9-AC7761C3A520}"/>
+                  </a:ext>
+                </a:extLst>
+              </p:cNvPr>
+              <p:cNvSpPr txBox="1"/>
+              <p:nvPr/>
+            </p:nvSpPr>
+            <p:spPr>
+              <a:xfrm>
+                <a:off x="6890272" y="1911248"/>
+                <a:ext cx="337629" cy="314225"/>
+              </a:xfrm>
+              <a:prstGeom prst="rect">
+                <a:avLst/>
+              </a:prstGeom>
+              <a:noFill/>
+            </p:spPr>
+            <p:txBody>
+              <a:bodyPr wrap="none" rtlCol="0">
+                <a:spAutoFit/>
+              </a:bodyPr>
+              <a:lstStyle/>
+              <a:p>
+                <a:pPr/>
+                <a14:m>
+                  <m:oMathPara xmlns:m="http://schemas.openxmlformats.org/officeDocument/2006/math">
+                    <m:oMathParaPr>
+                      <m:jc m:val="centerGroup"/>
+                    </m:oMathParaPr>
+                    <m:oMath xmlns:m="http://schemas.openxmlformats.org/officeDocument/2006/math">
+                      <m:r>
+                        <a:rPr lang="en-US" altLang="ko-KR" b="0" i="1" smtClean="0">
+                          <a:latin typeface="Cambria Math" panose="02040503050406030204" pitchFamily="18" charset="0"/>
+                        </a:rPr>
+                        <m:t>𝑦</m:t>
+                      </m:r>
+                    </m:oMath>
+                  </m:oMathPara>
+                </a14:m>
+                <a:endParaRPr lang="ko-KR" altLang="en-US" dirty="0"/>
+              </a:p>
+            </p:txBody>
+          </p:sp>
+        </mc:Choice>
+        <mc:Fallback>
+          <p:sp>
+            <p:nvSpPr>
+              <p:cNvPr id="10" name="TextBox 9">
+                <a:extLst>
+                  <a:ext uri="{FF2B5EF4-FFF2-40B4-BE49-F238E27FC236}">
+                    <a16:creationId xmlns:a16="http://schemas.microsoft.com/office/drawing/2014/main" id="{8CCD7454-37C0-4A07-BEB9-AC7761C3A520}"/>
+                  </a:ext>
+                </a:extLst>
+              </p:cNvPr>
+              <p:cNvSpPr txBox="1">
+                <a:spLocks noRot="1" noChangeAspect="1" noMove="1" noResize="1" noEditPoints="1" noAdjustHandles="1" noChangeArrowheads="1" noChangeShapeType="1" noTextEdit="1"/>
+              </p:cNvSpPr>
+              <p:nvPr/>
+            </p:nvSpPr>
+            <p:spPr>
+              <a:xfrm>
+                <a:off x="6890272" y="1911248"/>
+                <a:ext cx="337629" cy="314225"/>
+              </a:xfrm>
+              <a:prstGeom prst="rect">
+                <a:avLst/>
+              </a:prstGeom>
+              <a:blipFill>
+                <a:blip r:embed="rId4"/>
+                <a:stretch>
+                  <a:fillRect b="-29412"/>
+                </a:stretch>
+              </a:blipFill>
+            </p:spPr>
+            <p:txBody>
+              <a:bodyPr/>
+              <a:lstStyle/>
+              <a:p>
+                <a:r>
+                  <a:rPr lang="ko-KR" altLang="en-US">
+                    <a:noFill/>
+                  </a:rPr>
+                  <a:t> </a:t>
+                </a:r>
+              </a:p>
+            </p:txBody>
+          </p:sp>
+        </mc:Fallback>
+      </mc:AlternateContent>
+      <p:cxnSp>
+        <p:nvCxnSpPr>
+          <p:cNvPr id="11" name="직선 화살표 연결선 10">
+            <a:extLst>
+              <a:ext uri="{FF2B5EF4-FFF2-40B4-BE49-F238E27FC236}">
+                <a16:creationId xmlns:a16="http://schemas.microsoft.com/office/drawing/2014/main" id="{19C5C218-E286-46A8-AC62-1EDE144E2B44}"/>
+              </a:ext>
+            </a:extLst>
+          </p:cNvPr>
+          <p:cNvCxnSpPr/>
+          <p:nvPr/>
+        </p:nvCxnSpPr>
+        <p:spPr>
+          <a:xfrm flipV="1">
+            <a:off x="7242875" y="4239479"/>
+            <a:ext cx="2311237" cy="889374"/>
+          </a:xfrm>
+          <a:prstGeom prst="straightConnector1">
+            <a:avLst/>
+          </a:prstGeom>
+          <a:ln w="38100">
+            <a:solidFill>
+              <a:schemeClr val="accent6"/>
+            </a:solidFill>
+            <a:tailEnd type="triangle"/>
+          </a:ln>
+        </p:spPr>
+        <p:style>
+          <a:lnRef idx="1">
+            <a:schemeClr val="accent1"/>
+          </a:lnRef>
+          <a:fillRef idx="0">
+            <a:schemeClr val="accent1"/>
+          </a:fillRef>
+          <a:effectRef idx="0">
+            <a:schemeClr val="accent1"/>
+          </a:effectRef>
+          <a:fontRef idx="minor">
+            <a:schemeClr val="tx1"/>
+          </a:fontRef>
+        </p:style>
+      </p:cxnSp>
+      <p:cxnSp>
+        <p:nvCxnSpPr>
+          <p:cNvPr id="12" name="직선 화살표 연결선 11">
+            <a:extLst>
+              <a:ext uri="{FF2B5EF4-FFF2-40B4-BE49-F238E27FC236}">
+                <a16:creationId xmlns:a16="http://schemas.microsoft.com/office/drawing/2014/main" id="{0EA84588-0E94-4C73-B6BA-7F234378D8CC}"/>
+              </a:ext>
+            </a:extLst>
+          </p:cNvPr>
+          <p:cNvCxnSpPr/>
+          <p:nvPr/>
+        </p:nvCxnSpPr>
+        <p:spPr>
+          <a:xfrm flipV="1">
+            <a:off x="7257850" y="3378430"/>
+            <a:ext cx="901160" cy="1750422"/>
+          </a:xfrm>
+          <a:prstGeom prst="straightConnector1">
+            <a:avLst/>
+          </a:prstGeom>
+          <a:ln w="38100">
+            <a:solidFill>
+              <a:schemeClr val="accent6"/>
+            </a:solidFill>
+            <a:tailEnd type="triangle"/>
+          </a:ln>
+        </p:spPr>
+        <p:style>
+          <a:lnRef idx="1">
+            <a:schemeClr val="accent1"/>
+          </a:lnRef>
+          <a:fillRef idx="0">
+            <a:schemeClr val="accent1"/>
+          </a:fillRef>
+          <a:effectRef idx="0">
+            <a:schemeClr val="accent1"/>
+          </a:effectRef>
+          <a:fontRef idx="minor">
+            <a:schemeClr val="tx1"/>
+          </a:fontRef>
+        </p:style>
+      </p:cxnSp>
+      <mc:AlternateContent xmlns:mc="http://schemas.openxmlformats.org/markup-compatibility/2006">
+        <mc:Choice xmlns:a14="http://schemas.microsoft.com/office/drawing/2010/main" Requires="a14">
+          <p:sp>
+            <p:nvSpPr>
+              <p:cNvPr id="13" name="TextBox 12">
+                <a:extLst>
+                  <a:ext uri="{FF2B5EF4-FFF2-40B4-BE49-F238E27FC236}">
+                    <a16:creationId xmlns:a16="http://schemas.microsoft.com/office/drawing/2014/main" id="{752EDC1C-6077-4AA2-B6D9-164742B57E02}"/>
+                  </a:ext>
+                </a:extLst>
+              </p:cNvPr>
+              <p:cNvSpPr txBox="1"/>
+              <p:nvPr/>
+            </p:nvSpPr>
+            <p:spPr>
+              <a:xfrm>
+                <a:off x="9541788" y="4195577"/>
+                <a:ext cx="812948" cy="314225"/>
+              </a:xfrm>
+              <a:prstGeom prst="rect">
+                <a:avLst/>
+              </a:prstGeom>
+              <a:noFill/>
+            </p:spPr>
+            <p:txBody>
+              <a:bodyPr wrap="none" rtlCol="0">
+                <a:spAutoFit/>
+              </a:bodyPr>
+              <a:lstStyle/>
+              <a:p>
+                <a:pPr/>
+                <a14:m>
+                  <m:oMathPara xmlns:m="http://schemas.openxmlformats.org/officeDocument/2006/math">
+                    <m:oMathParaPr>
+                      <m:jc m:val="centerGroup"/>
+                    </m:oMathParaPr>
+                    <m:oMath xmlns:m="http://schemas.openxmlformats.org/officeDocument/2006/math">
+                      <m:r>
+                        <a:rPr lang="en-US" altLang="ko-KR" b="0" i="1" smtClean="0">
+                          <a:latin typeface="Cambria Math" panose="02040503050406030204" pitchFamily="18" charset="0"/>
+                        </a:rPr>
+                        <m:t>𝑈</m:t>
+                      </m:r>
+                      <m:r>
+                        <a:rPr lang="en-US" altLang="ko-KR" b="0" i="1" smtClean="0">
+                          <a:latin typeface="Cambria Math" panose="02040503050406030204" pitchFamily="18" charset="0"/>
+                        </a:rPr>
+                        <m:t>(</m:t>
+                      </m:r>
+                      <m:r>
+                        <a:rPr lang="en-US" altLang="ko-KR" b="0" i="1" smtClean="0">
+                          <a:latin typeface="Cambria Math" panose="02040503050406030204" pitchFamily="18" charset="0"/>
+                        </a:rPr>
+                        <m:t>𝑎</m:t>
+                      </m:r>
+                      <m:r>
+                        <a:rPr lang="en-US" altLang="ko-KR" b="0" i="1" smtClean="0">
+                          <a:latin typeface="Cambria Math" panose="02040503050406030204" pitchFamily="18" charset="0"/>
+                        </a:rPr>
+                        <m:t>,</m:t>
+                      </m:r>
+                      <m:r>
+                        <a:rPr lang="en-US" altLang="ko-KR" b="0" i="1" smtClean="0">
+                          <a:latin typeface="Cambria Math" panose="02040503050406030204" pitchFamily="18" charset="0"/>
+                        </a:rPr>
+                        <m:t>𝑐</m:t>
+                      </m:r>
+                      <m:r>
+                        <a:rPr lang="en-US" altLang="ko-KR" b="0" i="1" smtClean="0">
+                          <a:latin typeface="Cambria Math" panose="02040503050406030204" pitchFamily="18" charset="0"/>
+                        </a:rPr>
+                        <m:t>)</m:t>
+                      </m:r>
+                    </m:oMath>
+                  </m:oMathPara>
+                </a14:m>
+                <a:endParaRPr lang="ko-KR" altLang="en-US" dirty="0"/>
+              </a:p>
+            </p:txBody>
+          </p:sp>
+        </mc:Choice>
+        <mc:Fallback>
+          <p:sp>
+            <p:nvSpPr>
+              <p:cNvPr id="13" name="TextBox 12">
+                <a:extLst>
+                  <a:ext uri="{FF2B5EF4-FFF2-40B4-BE49-F238E27FC236}">
+                    <a16:creationId xmlns:a16="http://schemas.microsoft.com/office/drawing/2014/main" id="{752EDC1C-6077-4AA2-B6D9-164742B57E02}"/>
+                  </a:ext>
+                </a:extLst>
+              </p:cNvPr>
+              <p:cNvSpPr txBox="1">
+                <a:spLocks noRot="1" noChangeAspect="1" noMove="1" noResize="1" noEditPoints="1" noAdjustHandles="1" noChangeArrowheads="1" noChangeShapeType="1" noTextEdit="1"/>
+              </p:cNvSpPr>
+              <p:nvPr/>
+            </p:nvSpPr>
+            <p:spPr>
+              <a:xfrm>
+                <a:off x="9541788" y="4195577"/>
+                <a:ext cx="812948" cy="314225"/>
+              </a:xfrm>
+              <a:prstGeom prst="rect">
+                <a:avLst/>
+              </a:prstGeom>
+              <a:blipFill>
+                <a:blip r:embed="rId5"/>
+                <a:stretch>
+                  <a:fillRect r="-8209" b="-36538"/>
+                </a:stretch>
+              </a:blipFill>
+            </p:spPr>
+            <p:txBody>
+              <a:bodyPr/>
+              <a:lstStyle/>
+              <a:p>
+                <a:r>
+                  <a:rPr lang="ko-KR" altLang="en-US">
+                    <a:noFill/>
+                  </a:rPr>
+                  <a:t> </a:t>
+                </a:r>
+              </a:p>
+            </p:txBody>
+          </p:sp>
+        </mc:Fallback>
+      </mc:AlternateContent>
+      <p:cxnSp>
+        <p:nvCxnSpPr>
+          <p:cNvPr id="14" name="직선 화살표 연결선 13">
+            <a:extLst>
+              <a:ext uri="{FF2B5EF4-FFF2-40B4-BE49-F238E27FC236}">
+                <a16:creationId xmlns:a16="http://schemas.microsoft.com/office/drawing/2014/main" id="{7DAEFD8C-5906-4CD4-B223-5CC5EC92B7E5}"/>
+              </a:ext>
+            </a:extLst>
+          </p:cNvPr>
+          <p:cNvCxnSpPr>
+            <a:cxnSpLocks/>
+            <a:stCxn id="4" idx="2"/>
+          </p:cNvCxnSpPr>
+          <p:nvPr/>
+        </p:nvCxnSpPr>
+        <p:spPr>
+          <a:xfrm flipV="1">
+            <a:off x="8155728" y="2489057"/>
+            <a:ext cx="2311869" cy="912815"/>
+          </a:xfrm>
+          <a:prstGeom prst="straightConnector1">
+            <a:avLst/>
+          </a:prstGeom>
+          <a:ln w="28575">
+            <a:solidFill>
+              <a:schemeClr val="accent6"/>
+            </a:solidFill>
+            <a:tailEnd type="triangle"/>
+          </a:ln>
+        </p:spPr>
+        <p:style>
+          <a:lnRef idx="1">
+            <a:schemeClr val="accent1"/>
+          </a:lnRef>
+          <a:fillRef idx="0">
+            <a:schemeClr val="accent1"/>
+          </a:fillRef>
+          <a:effectRef idx="0">
+            <a:schemeClr val="accent1"/>
+          </a:effectRef>
+          <a:fontRef idx="minor">
+            <a:schemeClr val="tx1"/>
+          </a:fontRef>
+        </p:style>
+      </p:cxnSp>
+      <p:cxnSp>
+        <p:nvCxnSpPr>
+          <p:cNvPr id="15" name="직선 화살표 연결선 14">
+            <a:extLst>
+              <a:ext uri="{FF2B5EF4-FFF2-40B4-BE49-F238E27FC236}">
+                <a16:creationId xmlns:a16="http://schemas.microsoft.com/office/drawing/2014/main" id="{5185AE56-8812-4272-8785-7F17CBAAA995}"/>
+              </a:ext>
+            </a:extLst>
+          </p:cNvPr>
+          <p:cNvCxnSpPr>
+            <a:cxnSpLocks/>
+            <a:stCxn id="5" idx="2"/>
+          </p:cNvCxnSpPr>
+          <p:nvPr/>
+        </p:nvCxnSpPr>
+        <p:spPr>
+          <a:xfrm flipV="1">
+            <a:off x="9522916" y="2481145"/>
+            <a:ext cx="954804" cy="1784420"/>
+          </a:xfrm>
+          <a:prstGeom prst="straightConnector1">
+            <a:avLst/>
+          </a:prstGeom>
+          <a:ln w="38100">
+            <a:solidFill>
+              <a:schemeClr val="accent6"/>
+            </a:solidFill>
+            <a:tailEnd type="triangle"/>
+          </a:ln>
+        </p:spPr>
+        <p:style>
+          <a:lnRef idx="1">
+            <a:schemeClr val="accent2"/>
+          </a:lnRef>
+          <a:fillRef idx="0">
+            <a:schemeClr val="accent2"/>
+          </a:fillRef>
+          <a:effectRef idx="0">
+            <a:schemeClr val="accent2"/>
+          </a:effectRef>
+          <a:fontRef idx="minor">
+            <a:schemeClr val="tx1"/>
+          </a:fontRef>
+        </p:style>
+      </p:cxnSp>
+      <mc:AlternateContent xmlns:mc="http://schemas.openxmlformats.org/markup-compatibility/2006">
+        <mc:Choice xmlns:a14="http://schemas.microsoft.com/office/drawing/2010/main" Requires="a14">
+          <p:sp>
+            <p:nvSpPr>
+              <p:cNvPr id="16" name="TextBox 15">
+                <a:extLst>
+                  <a:ext uri="{FF2B5EF4-FFF2-40B4-BE49-F238E27FC236}">
+                    <a16:creationId xmlns:a16="http://schemas.microsoft.com/office/drawing/2014/main" id="{EC52968B-93A2-4749-A8FD-9E238BB05ADE}"/>
+                  </a:ext>
+                </a:extLst>
+              </p:cNvPr>
+              <p:cNvSpPr txBox="1"/>
+              <p:nvPr/>
+            </p:nvSpPr>
+            <p:spPr>
+              <a:xfrm>
+                <a:off x="7589771" y="3024165"/>
+                <a:ext cx="823041" cy="314225"/>
+              </a:xfrm>
+              <a:prstGeom prst="rect">
+                <a:avLst/>
+              </a:prstGeom>
+              <a:noFill/>
+            </p:spPr>
+            <p:txBody>
+              <a:bodyPr wrap="none" rtlCol="0">
+                <a:spAutoFit/>
+              </a:bodyPr>
+              <a:lstStyle/>
+              <a:p>
+                <a:pPr/>
+                <a14:m>
+                  <m:oMathPara xmlns:m="http://schemas.openxmlformats.org/officeDocument/2006/math">
+                    <m:oMathParaPr>
+                      <m:jc m:val="centerGroup"/>
+                    </m:oMathParaPr>
+                    <m:oMath xmlns:m="http://schemas.openxmlformats.org/officeDocument/2006/math">
+                      <m:r>
+                        <a:rPr lang="en-US" altLang="ko-KR" b="0" i="1" smtClean="0">
+                          <a:latin typeface="Cambria Math" panose="02040503050406030204" pitchFamily="18" charset="0"/>
+                        </a:rPr>
+                        <m:t>𝑉</m:t>
+                      </m:r>
+                      <m:r>
+                        <a:rPr lang="en-US" altLang="ko-KR" b="0" i="1" smtClean="0">
+                          <a:latin typeface="Cambria Math" panose="02040503050406030204" pitchFamily="18" charset="0"/>
+                        </a:rPr>
+                        <m:t>(</m:t>
+                      </m:r>
+                      <m:r>
+                        <a:rPr lang="en-US" altLang="ko-KR" b="0" i="1" smtClean="0">
+                          <a:latin typeface="Cambria Math" panose="02040503050406030204" pitchFamily="18" charset="0"/>
+                        </a:rPr>
+                        <m:t>𝑏</m:t>
+                      </m:r>
+                      <m:r>
+                        <a:rPr lang="en-US" altLang="ko-KR" b="0" i="1" smtClean="0">
+                          <a:latin typeface="Cambria Math" panose="02040503050406030204" pitchFamily="18" charset="0"/>
+                        </a:rPr>
+                        <m:t>,</m:t>
+                      </m:r>
+                      <m:r>
+                        <a:rPr lang="en-US" altLang="ko-KR" b="0" i="1" smtClean="0">
+                          <a:latin typeface="Cambria Math" panose="02040503050406030204" pitchFamily="18" charset="0"/>
+                        </a:rPr>
+                        <m:t>𝑑</m:t>
+                      </m:r>
+                      <m:r>
+                        <a:rPr lang="en-US" altLang="ko-KR" b="0" i="1" smtClean="0">
+                          <a:latin typeface="Cambria Math" panose="02040503050406030204" pitchFamily="18" charset="0"/>
+                        </a:rPr>
+                        <m:t>)</m:t>
+                      </m:r>
+                    </m:oMath>
+                  </m:oMathPara>
+                </a14:m>
+                <a:endParaRPr lang="ko-KR" altLang="en-US" dirty="0"/>
+              </a:p>
+            </p:txBody>
+          </p:sp>
+        </mc:Choice>
+        <mc:Fallback>
+          <p:sp>
+            <p:nvSpPr>
+              <p:cNvPr id="16" name="TextBox 15">
+                <a:extLst>
+                  <a:ext uri="{FF2B5EF4-FFF2-40B4-BE49-F238E27FC236}">
+                    <a16:creationId xmlns:a16="http://schemas.microsoft.com/office/drawing/2014/main" id="{EC52968B-93A2-4749-A8FD-9E238BB05ADE}"/>
+                  </a:ext>
+                </a:extLst>
+              </p:cNvPr>
+              <p:cNvSpPr txBox="1">
+                <a:spLocks noRot="1" noChangeAspect="1" noMove="1" noResize="1" noEditPoints="1" noAdjustHandles="1" noChangeArrowheads="1" noChangeShapeType="1" noTextEdit="1"/>
+              </p:cNvSpPr>
+              <p:nvPr/>
+            </p:nvSpPr>
+            <p:spPr>
+              <a:xfrm>
+                <a:off x="7589771" y="3024165"/>
+                <a:ext cx="823041" cy="314225"/>
+              </a:xfrm>
+              <a:prstGeom prst="rect">
+                <a:avLst/>
+              </a:prstGeom>
+              <a:blipFill>
+                <a:blip r:embed="rId6"/>
+                <a:stretch>
+                  <a:fillRect r="-8889" b="-36538"/>
+                </a:stretch>
+              </a:blipFill>
+            </p:spPr>
+            <p:txBody>
+              <a:bodyPr/>
+              <a:lstStyle/>
+              <a:p>
+                <a:r>
+                  <a:rPr lang="ko-KR" altLang="en-US">
+                    <a:noFill/>
+                  </a:rPr>
+                  <a:t> </a:t>
+                </a:r>
+              </a:p>
+            </p:txBody>
+          </p:sp>
+        </mc:Fallback>
+      </mc:AlternateContent>
+      <p:cxnSp>
+        <p:nvCxnSpPr>
+          <p:cNvPr id="17" name="직선 연결선 16">
+            <a:extLst>
+              <a:ext uri="{FF2B5EF4-FFF2-40B4-BE49-F238E27FC236}">
+                <a16:creationId xmlns:a16="http://schemas.microsoft.com/office/drawing/2014/main" id="{F501B7DE-43ED-4DD1-AD31-AEDBC97D274F}"/>
+              </a:ext>
+            </a:extLst>
+          </p:cNvPr>
+          <p:cNvCxnSpPr>
+            <a:cxnSpLocks/>
+          </p:cNvCxnSpPr>
+          <p:nvPr/>
+        </p:nvCxnSpPr>
+        <p:spPr>
+          <a:xfrm flipH="1">
+            <a:off x="7257850" y="3378430"/>
+            <a:ext cx="2292042" cy="0"/>
+          </a:xfrm>
+          <a:prstGeom prst="line">
+            <a:avLst/>
+          </a:prstGeom>
+          <a:ln w="19050">
+            <a:solidFill>
+              <a:srgbClr val="FF0000"/>
+            </a:solidFill>
+            <a:prstDash val="lgDash"/>
+          </a:ln>
+        </p:spPr>
+        <p:style>
+          <a:lnRef idx="1">
+            <a:schemeClr val="accent1"/>
+          </a:lnRef>
+          <a:fillRef idx="0">
+            <a:schemeClr val="accent1"/>
+          </a:fillRef>
+          <a:effectRef idx="0">
+            <a:schemeClr val="accent1"/>
+          </a:effectRef>
+          <a:fontRef idx="minor">
+            <a:schemeClr val="tx1"/>
+          </a:fontRef>
+        </p:style>
+      </p:cxnSp>
+      <p:cxnSp>
+        <p:nvCxnSpPr>
+          <p:cNvPr id="18" name="직선 연결선 17">
+            <a:extLst>
+              <a:ext uri="{FF2B5EF4-FFF2-40B4-BE49-F238E27FC236}">
+                <a16:creationId xmlns:a16="http://schemas.microsoft.com/office/drawing/2014/main" id="{DBEABCDE-71D2-4C88-BBD0-E1153D96F21B}"/>
+              </a:ext>
+            </a:extLst>
+          </p:cNvPr>
+          <p:cNvCxnSpPr>
+            <a:cxnSpLocks/>
+          </p:cNvCxnSpPr>
+          <p:nvPr/>
+        </p:nvCxnSpPr>
+        <p:spPr>
+          <a:xfrm>
+            <a:off x="9549892" y="3378430"/>
+            <a:ext cx="0" cy="1750422"/>
+          </a:xfrm>
+          <a:prstGeom prst="line">
+            <a:avLst/>
+          </a:prstGeom>
+          <a:ln w="19050">
+            <a:solidFill>
+              <a:srgbClr val="FF0000"/>
+            </a:solidFill>
+            <a:prstDash val="lgDash"/>
+          </a:ln>
+        </p:spPr>
+        <p:style>
+          <a:lnRef idx="1">
+            <a:schemeClr val="accent1"/>
+          </a:lnRef>
+          <a:fillRef idx="0">
+            <a:schemeClr val="accent1"/>
+          </a:fillRef>
+          <a:effectRef idx="0">
+            <a:schemeClr val="accent1"/>
+          </a:effectRef>
+          <a:fontRef idx="minor">
+            <a:schemeClr val="tx1"/>
+          </a:fontRef>
+        </p:style>
+      </p:cxnSp>
+      <mc:AlternateContent xmlns:mc="http://schemas.openxmlformats.org/markup-compatibility/2006">
+        <mc:Choice xmlns:a14="http://schemas.microsoft.com/office/drawing/2010/main" Requires="a14">
+          <p:sp>
+            <p:nvSpPr>
+              <p:cNvPr id="19" name="TextBox 18">
+                <a:extLst>
+                  <a:ext uri="{FF2B5EF4-FFF2-40B4-BE49-F238E27FC236}">
+                    <a16:creationId xmlns:a16="http://schemas.microsoft.com/office/drawing/2014/main" id="{4168203D-D6F5-41AD-8DA0-138047158B08}"/>
+                  </a:ext>
+                </a:extLst>
+              </p:cNvPr>
+              <p:cNvSpPr txBox="1"/>
+              <p:nvPr/>
+            </p:nvSpPr>
+            <p:spPr>
+              <a:xfrm>
+                <a:off x="9135314" y="3066591"/>
+                <a:ext cx="835315" cy="314225"/>
+              </a:xfrm>
+              <a:prstGeom prst="rect">
+                <a:avLst/>
+              </a:prstGeom>
+              <a:noFill/>
+            </p:spPr>
+            <p:txBody>
+              <a:bodyPr wrap="none" rtlCol="0">
+                <a:spAutoFit/>
+              </a:bodyPr>
+              <a:lstStyle/>
+              <a:p>
+                <a:pPr/>
+                <a14:m>
+                  <m:oMathPara xmlns:m="http://schemas.openxmlformats.org/officeDocument/2006/math">
+                    <m:oMathParaPr>
+                      <m:jc m:val="centerGroup"/>
+                    </m:oMathParaPr>
+                    <m:oMath xmlns:m="http://schemas.openxmlformats.org/officeDocument/2006/math">
+                      <m:r>
+                        <a:rPr lang="en-US" altLang="ko-KR" b="0" i="1" smtClean="0">
+                          <a:latin typeface="Cambria Math" panose="02040503050406030204" pitchFamily="18" charset="0"/>
+                        </a:rPr>
+                        <m:t>𝑄</m:t>
+                      </m:r>
+                      <m:r>
+                        <a:rPr lang="en-US" altLang="ko-KR" b="0" i="1" smtClean="0">
+                          <a:latin typeface="Cambria Math" panose="02040503050406030204" pitchFamily="18" charset="0"/>
+                        </a:rPr>
+                        <m:t>(</m:t>
+                      </m:r>
+                      <m:r>
+                        <a:rPr lang="en-US" altLang="ko-KR" b="0" i="1" smtClean="0">
+                          <a:latin typeface="Cambria Math" panose="02040503050406030204" pitchFamily="18" charset="0"/>
+                        </a:rPr>
+                        <m:t>𝑎</m:t>
+                      </m:r>
+                      <m:r>
+                        <a:rPr lang="en-US" altLang="ko-KR" b="0" i="1" smtClean="0">
+                          <a:latin typeface="Cambria Math" panose="02040503050406030204" pitchFamily="18" charset="0"/>
+                        </a:rPr>
+                        <m:t>,</m:t>
+                      </m:r>
+                      <m:r>
+                        <a:rPr lang="en-US" altLang="ko-KR" b="0" i="1" smtClean="0">
+                          <a:latin typeface="Cambria Math" panose="02040503050406030204" pitchFamily="18" charset="0"/>
+                        </a:rPr>
+                        <m:t>𝑑</m:t>
+                      </m:r>
+                      <m:r>
+                        <a:rPr lang="en-US" altLang="ko-KR" b="0" i="1" smtClean="0">
+                          <a:latin typeface="Cambria Math" panose="02040503050406030204" pitchFamily="18" charset="0"/>
+                        </a:rPr>
+                        <m:t>)</m:t>
+                      </m:r>
+                    </m:oMath>
+                  </m:oMathPara>
+                </a14:m>
+                <a:endParaRPr lang="ko-KR" altLang="en-US" dirty="0"/>
+              </a:p>
+            </p:txBody>
+          </p:sp>
+        </mc:Choice>
+        <mc:Fallback>
+          <p:sp>
+            <p:nvSpPr>
+              <p:cNvPr id="19" name="TextBox 18">
+                <a:extLst>
+                  <a:ext uri="{FF2B5EF4-FFF2-40B4-BE49-F238E27FC236}">
+                    <a16:creationId xmlns:a16="http://schemas.microsoft.com/office/drawing/2014/main" id="{4168203D-D6F5-41AD-8DA0-138047158B08}"/>
+                  </a:ext>
+                </a:extLst>
+              </p:cNvPr>
+              <p:cNvSpPr txBox="1">
+                <a:spLocks noRot="1" noChangeAspect="1" noMove="1" noResize="1" noEditPoints="1" noAdjustHandles="1" noChangeArrowheads="1" noChangeShapeType="1" noTextEdit="1"/>
+              </p:cNvSpPr>
+              <p:nvPr/>
+            </p:nvSpPr>
+            <p:spPr>
+              <a:xfrm>
+                <a:off x="9135314" y="3066591"/>
+                <a:ext cx="835315" cy="314225"/>
+              </a:xfrm>
+              <a:prstGeom prst="rect">
+                <a:avLst/>
+              </a:prstGeom>
+              <a:blipFill>
+                <a:blip r:embed="rId7"/>
+                <a:stretch>
+                  <a:fillRect l="-1460" r="-9489" b="-36538"/>
+                </a:stretch>
+              </a:blipFill>
+            </p:spPr>
+            <p:txBody>
+              <a:bodyPr/>
+              <a:lstStyle/>
+              <a:p>
+                <a:r>
+                  <a:rPr lang="ko-KR" altLang="en-US">
+                    <a:noFill/>
+                  </a:rPr>
+                  <a:t> </a:t>
+                </a:r>
+              </a:p>
+            </p:txBody>
+          </p:sp>
+        </mc:Fallback>
+      </mc:AlternateContent>
+      <mc:AlternateContent xmlns:mc="http://schemas.openxmlformats.org/markup-compatibility/2006">
+        <mc:Choice xmlns:a14="http://schemas.microsoft.com/office/drawing/2010/main" Requires="a14">
+          <p:sp>
+            <p:nvSpPr>
+              <p:cNvPr id="20" name="TextBox 19">
+                <a:extLst>
+                  <a:ext uri="{FF2B5EF4-FFF2-40B4-BE49-F238E27FC236}">
+                    <a16:creationId xmlns:a16="http://schemas.microsoft.com/office/drawing/2014/main" id="{C3BA9DCE-368B-427D-9990-C8E300EFECF5}"/>
+                  </a:ext>
+                </a:extLst>
+              </p:cNvPr>
+              <p:cNvSpPr txBox="1"/>
+              <p:nvPr/>
+            </p:nvSpPr>
+            <p:spPr>
+              <a:xfrm>
+                <a:off x="10213189" y="2185716"/>
+                <a:ext cx="1499389" cy="314225"/>
+              </a:xfrm>
+              <a:prstGeom prst="rect">
+                <a:avLst/>
+              </a:prstGeom>
+              <a:noFill/>
+            </p:spPr>
+            <p:txBody>
+              <a:bodyPr wrap="none" rtlCol="0">
+                <a:spAutoFit/>
+              </a:bodyPr>
+              <a:lstStyle/>
+              <a:p>
+                <a:pPr/>
+                <a14:m>
+                  <m:oMathPara xmlns:m="http://schemas.openxmlformats.org/officeDocument/2006/math">
+                    <m:oMathParaPr>
+                      <m:jc m:val="centerGroup"/>
+                    </m:oMathParaPr>
+                    <m:oMath xmlns:m="http://schemas.openxmlformats.org/officeDocument/2006/math">
+                      <m:r>
+                        <a:rPr lang="en-US" altLang="ko-KR" b="0" i="1" smtClean="0">
+                          <a:latin typeface="Cambria Math" panose="02040503050406030204" pitchFamily="18" charset="0"/>
+                        </a:rPr>
+                        <m:t>𝐴</m:t>
+                      </m:r>
+                      <m:r>
+                        <a:rPr lang="en-US" altLang="ko-KR" b="0" i="1" smtClean="0">
+                          <a:latin typeface="Cambria Math" panose="02040503050406030204" pitchFamily="18" charset="0"/>
+                        </a:rPr>
+                        <m:t>(</m:t>
+                      </m:r>
+                      <m:r>
+                        <a:rPr lang="en-US" altLang="ko-KR" b="0" i="1" smtClean="0">
+                          <a:latin typeface="Cambria Math" panose="02040503050406030204" pitchFamily="18" charset="0"/>
+                        </a:rPr>
+                        <m:t>𝑎</m:t>
+                      </m:r>
+                      <m:r>
+                        <a:rPr lang="en-US" altLang="ko-KR" b="0" i="1" smtClean="0">
+                          <a:latin typeface="Cambria Math" panose="02040503050406030204" pitchFamily="18" charset="0"/>
+                        </a:rPr>
+                        <m:t>+</m:t>
+                      </m:r>
+                      <m:r>
+                        <a:rPr lang="en-US" altLang="ko-KR" b="0" i="1" smtClean="0">
+                          <a:latin typeface="Cambria Math" panose="02040503050406030204" pitchFamily="18" charset="0"/>
+                        </a:rPr>
+                        <m:t>𝑏</m:t>
+                      </m:r>
+                      <m:r>
+                        <a:rPr lang="en-US" altLang="ko-KR" b="0" i="1" smtClean="0">
+                          <a:latin typeface="Cambria Math" panose="02040503050406030204" pitchFamily="18" charset="0"/>
+                        </a:rPr>
+                        <m:t>,</m:t>
+                      </m:r>
+                      <m:r>
+                        <a:rPr lang="en-US" altLang="ko-KR" b="0" i="1" smtClean="0">
+                          <a:latin typeface="Cambria Math" panose="02040503050406030204" pitchFamily="18" charset="0"/>
+                        </a:rPr>
+                        <m:t>𝑐</m:t>
+                      </m:r>
+                      <m:r>
+                        <a:rPr lang="en-US" altLang="ko-KR" b="0" i="1" smtClean="0">
+                          <a:latin typeface="Cambria Math" panose="02040503050406030204" pitchFamily="18" charset="0"/>
+                        </a:rPr>
+                        <m:t>+</m:t>
+                      </m:r>
+                      <m:r>
+                        <a:rPr lang="en-US" altLang="ko-KR" b="0" i="1" smtClean="0">
+                          <a:latin typeface="Cambria Math" panose="02040503050406030204" pitchFamily="18" charset="0"/>
+                        </a:rPr>
+                        <m:t>𝑑</m:t>
+                      </m:r>
+                      <m:r>
+                        <a:rPr lang="en-US" altLang="ko-KR" b="0" i="1" smtClean="0">
+                          <a:latin typeface="Cambria Math" panose="02040503050406030204" pitchFamily="18" charset="0"/>
+                        </a:rPr>
+                        <m:t>)</m:t>
+                      </m:r>
+                    </m:oMath>
+                  </m:oMathPara>
+                </a14:m>
+                <a:endParaRPr lang="ko-KR" altLang="en-US" dirty="0"/>
+              </a:p>
+            </p:txBody>
+          </p:sp>
+        </mc:Choice>
+        <mc:Fallback>
+          <p:sp>
+            <p:nvSpPr>
+              <p:cNvPr id="20" name="TextBox 19">
+                <a:extLst>
+                  <a:ext uri="{FF2B5EF4-FFF2-40B4-BE49-F238E27FC236}">
+                    <a16:creationId xmlns:a16="http://schemas.microsoft.com/office/drawing/2014/main" id="{C3BA9DCE-368B-427D-9990-C8E300EFECF5}"/>
+                  </a:ext>
+                </a:extLst>
+              </p:cNvPr>
+              <p:cNvSpPr txBox="1">
+                <a:spLocks noRot="1" noChangeAspect="1" noMove="1" noResize="1" noEditPoints="1" noAdjustHandles="1" noChangeArrowheads="1" noChangeShapeType="1" noTextEdit="1"/>
+              </p:cNvSpPr>
+              <p:nvPr/>
+            </p:nvSpPr>
+            <p:spPr>
+              <a:xfrm>
+                <a:off x="10213189" y="2185716"/>
+                <a:ext cx="1499389" cy="314225"/>
+              </a:xfrm>
+              <a:prstGeom prst="rect">
+                <a:avLst/>
+              </a:prstGeom>
+              <a:blipFill>
+                <a:blip r:embed="rId8"/>
+                <a:stretch>
+                  <a:fillRect r="-12195" b="-37255"/>
+                </a:stretch>
+              </a:blipFill>
+            </p:spPr>
+            <p:txBody>
+              <a:bodyPr/>
+              <a:lstStyle/>
+              <a:p>
+                <a:r>
+                  <a:rPr lang="ko-KR" altLang="en-US">
+                    <a:noFill/>
+                  </a:rPr>
+                  <a:t> </a:t>
+                </a:r>
+              </a:p>
+            </p:txBody>
+          </p:sp>
+        </mc:Fallback>
+      </mc:AlternateContent>
+      <mc:AlternateContent xmlns:mc="http://schemas.openxmlformats.org/markup-compatibility/2006">
+        <mc:Choice xmlns:a14="http://schemas.microsoft.com/office/drawing/2010/main" Requires="a14">
+          <p:sp>
+            <p:nvSpPr>
+              <p:cNvPr id="21" name="TextBox 20">
+                <a:extLst>
+                  <a:ext uri="{FF2B5EF4-FFF2-40B4-BE49-F238E27FC236}">
+                    <a16:creationId xmlns:a16="http://schemas.microsoft.com/office/drawing/2014/main" id="{E3A914C3-E569-4B94-8C27-51FDD94356AC}"/>
+                  </a:ext>
+                </a:extLst>
+              </p:cNvPr>
+              <p:cNvSpPr txBox="1"/>
+              <p:nvPr/>
+            </p:nvSpPr>
+            <p:spPr>
+              <a:xfrm>
+                <a:off x="6460581" y="3195385"/>
+                <a:ext cx="823041" cy="314225"/>
+              </a:xfrm>
+              <a:prstGeom prst="rect">
+                <a:avLst/>
+              </a:prstGeom>
+              <a:noFill/>
+            </p:spPr>
+            <p:txBody>
+              <a:bodyPr wrap="none" rtlCol="0">
+                <a:spAutoFit/>
+              </a:bodyPr>
+              <a:lstStyle/>
+              <a:p>
+                <a:pPr/>
+                <a14:m>
+                  <m:oMathPara xmlns:m="http://schemas.openxmlformats.org/officeDocument/2006/math">
+                    <m:oMathParaPr>
+                      <m:jc m:val="centerGroup"/>
+                    </m:oMathParaPr>
+                    <m:oMath xmlns:m="http://schemas.openxmlformats.org/officeDocument/2006/math">
+                      <m:r>
+                        <a:rPr lang="en-US" altLang="ko-KR" b="0" i="1" smtClean="0">
+                          <a:latin typeface="Cambria Math" panose="02040503050406030204" pitchFamily="18" charset="0"/>
+                        </a:rPr>
+                        <m:t>𝑃</m:t>
+                      </m:r>
+                      <m:r>
+                        <a:rPr lang="en-US" altLang="ko-KR" b="0" i="1" smtClean="0">
+                          <a:latin typeface="Cambria Math" panose="02040503050406030204" pitchFamily="18" charset="0"/>
+                        </a:rPr>
+                        <m:t>(0,</m:t>
+                      </m:r>
+                      <m:r>
+                        <a:rPr lang="en-US" altLang="ko-KR" b="0" i="1" smtClean="0">
+                          <a:latin typeface="Cambria Math" panose="02040503050406030204" pitchFamily="18" charset="0"/>
+                        </a:rPr>
+                        <m:t>𝑑</m:t>
+                      </m:r>
+                      <m:r>
+                        <a:rPr lang="en-US" altLang="ko-KR" b="0" i="1" smtClean="0">
+                          <a:latin typeface="Cambria Math" panose="02040503050406030204" pitchFamily="18" charset="0"/>
+                        </a:rPr>
+                        <m:t>)</m:t>
+                      </m:r>
+                    </m:oMath>
+                  </m:oMathPara>
+                </a14:m>
+                <a:endParaRPr lang="ko-KR" altLang="en-US" dirty="0"/>
+              </a:p>
+            </p:txBody>
+          </p:sp>
+        </mc:Choice>
+        <mc:Fallback>
+          <p:sp>
+            <p:nvSpPr>
+              <p:cNvPr id="21" name="TextBox 20">
+                <a:extLst>
+                  <a:ext uri="{FF2B5EF4-FFF2-40B4-BE49-F238E27FC236}">
+                    <a16:creationId xmlns:a16="http://schemas.microsoft.com/office/drawing/2014/main" id="{E3A914C3-E569-4B94-8C27-51FDD94356AC}"/>
+                  </a:ext>
+                </a:extLst>
+              </p:cNvPr>
+              <p:cNvSpPr txBox="1">
+                <a:spLocks noRot="1" noChangeAspect="1" noMove="1" noResize="1" noEditPoints="1" noAdjustHandles="1" noChangeArrowheads="1" noChangeShapeType="1" noTextEdit="1"/>
+              </p:cNvSpPr>
+              <p:nvPr/>
+            </p:nvSpPr>
+            <p:spPr>
+              <a:xfrm>
+                <a:off x="6460581" y="3195385"/>
+                <a:ext cx="823041" cy="314225"/>
+              </a:xfrm>
+              <a:prstGeom prst="rect">
+                <a:avLst/>
+              </a:prstGeom>
+              <a:blipFill>
+                <a:blip r:embed="rId9"/>
+                <a:stretch>
+                  <a:fillRect r="-8148" b="-36538"/>
+                </a:stretch>
+              </a:blipFill>
+            </p:spPr>
+            <p:txBody>
+              <a:bodyPr/>
+              <a:lstStyle/>
+              <a:p>
+                <a:r>
+                  <a:rPr lang="ko-KR" altLang="en-US">
+                    <a:noFill/>
+                  </a:rPr>
+                  <a:t> </a:t>
+                </a:r>
+              </a:p>
+            </p:txBody>
+          </p:sp>
+        </mc:Fallback>
+      </mc:AlternateContent>
+      <mc:AlternateContent xmlns:mc="http://schemas.openxmlformats.org/markup-compatibility/2006">
+        <mc:Choice xmlns:a14="http://schemas.microsoft.com/office/drawing/2010/main" Requires="a14">
+          <p:sp>
+            <p:nvSpPr>
+              <p:cNvPr id="22" name="TextBox 21">
+                <a:extLst>
+                  <a:ext uri="{FF2B5EF4-FFF2-40B4-BE49-F238E27FC236}">
+                    <a16:creationId xmlns:a16="http://schemas.microsoft.com/office/drawing/2014/main" id="{DD38182D-E482-489A-9AD8-A88CDCD0885A}"/>
+                  </a:ext>
+                </a:extLst>
+              </p:cNvPr>
+              <p:cNvSpPr txBox="1"/>
+              <p:nvPr/>
+            </p:nvSpPr>
+            <p:spPr>
+              <a:xfrm>
+                <a:off x="9139976" y="5126794"/>
+                <a:ext cx="818186" cy="314225"/>
+              </a:xfrm>
+              <a:prstGeom prst="rect">
+                <a:avLst/>
+              </a:prstGeom>
+              <a:noFill/>
+            </p:spPr>
+            <p:txBody>
+              <a:bodyPr wrap="none" rtlCol="0">
+                <a:spAutoFit/>
+              </a:bodyPr>
+              <a:lstStyle/>
+              <a:p>
+                <a:pPr/>
+                <a14:m>
+                  <m:oMathPara xmlns:m="http://schemas.openxmlformats.org/officeDocument/2006/math">
+                    <m:oMathParaPr>
+                      <m:jc m:val="centerGroup"/>
+                    </m:oMathParaPr>
+                    <m:oMath xmlns:m="http://schemas.openxmlformats.org/officeDocument/2006/math">
+                      <m:r>
+                        <a:rPr lang="en-US" altLang="ko-KR" b="0" i="1" smtClean="0">
+                          <a:latin typeface="Cambria Math" panose="02040503050406030204" pitchFamily="18" charset="0"/>
+                        </a:rPr>
+                        <m:t>𝑅</m:t>
+                      </m:r>
+                      <m:r>
+                        <a:rPr lang="en-US" altLang="ko-KR" b="0" i="1" smtClean="0">
+                          <a:latin typeface="Cambria Math" panose="02040503050406030204" pitchFamily="18" charset="0"/>
+                        </a:rPr>
+                        <m:t>(</m:t>
+                      </m:r>
+                      <m:r>
+                        <a:rPr lang="en-US" altLang="ko-KR" b="0" i="1" smtClean="0">
+                          <a:latin typeface="Cambria Math" panose="02040503050406030204" pitchFamily="18" charset="0"/>
+                        </a:rPr>
+                        <m:t>𝑎</m:t>
+                      </m:r>
+                      <m:r>
+                        <a:rPr lang="en-US" altLang="ko-KR" b="0" i="1" smtClean="0">
+                          <a:latin typeface="Cambria Math" panose="02040503050406030204" pitchFamily="18" charset="0"/>
+                        </a:rPr>
+                        <m:t>,0)</m:t>
+                      </m:r>
+                    </m:oMath>
+                  </m:oMathPara>
+                </a14:m>
+                <a:endParaRPr lang="ko-KR" altLang="en-US" dirty="0"/>
+              </a:p>
+            </p:txBody>
+          </p:sp>
+        </mc:Choice>
+        <mc:Fallback>
+          <p:sp>
+            <p:nvSpPr>
+              <p:cNvPr id="22" name="TextBox 21">
+                <a:extLst>
+                  <a:ext uri="{FF2B5EF4-FFF2-40B4-BE49-F238E27FC236}">
+                    <a16:creationId xmlns:a16="http://schemas.microsoft.com/office/drawing/2014/main" id="{DD38182D-E482-489A-9AD8-A88CDCD0885A}"/>
+                  </a:ext>
+                </a:extLst>
+              </p:cNvPr>
+              <p:cNvSpPr txBox="1">
+                <a:spLocks noRot="1" noChangeAspect="1" noMove="1" noResize="1" noEditPoints="1" noAdjustHandles="1" noChangeArrowheads="1" noChangeShapeType="1" noTextEdit="1"/>
+              </p:cNvSpPr>
+              <p:nvPr/>
+            </p:nvSpPr>
+            <p:spPr>
+              <a:xfrm>
+                <a:off x="9139976" y="5126794"/>
+                <a:ext cx="818186" cy="314225"/>
+              </a:xfrm>
+              <a:prstGeom prst="rect">
+                <a:avLst/>
+              </a:prstGeom>
+              <a:blipFill>
+                <a:blip r:embed="rId10"/>
+                <a:stretch>
+                  <a:fillRect r="-8148" b="-36538"/>
+                </a:stretch>
+              </a:blipFill>
+            </p:spPr>
+            <p:txBody>
+              <a:bodyPr/>
+              <a:lstStyle/>
+              <a:p>
+                <a:r>
+                  <a:rPr lang="ko-KR" altLang="en-US">
+                    <a:noFill/>
+                  </a:rPr>
+                  <a:t> </a:t>
+                </a:r>
+              </a:p>
+            </p:txBody>
+          </p:sp>
+        </mc:Fallback>
+      </mc:AlternateContent>
+      <p:cxnSp>
+        <p:nvCxnSpPr>
+          <p:cNvPr id="23" name="직선 연결선 22">
+            <a:extLst>
+              <a:ext uri="{FF2B5EF4-FFF2-40B4-BE49-F238E27FC236}">
+                <a16:creationId xmlns:a16="http://schemas.microsoft.com/office/drawing/2014/main" id="{957807BA-90A9-4521-9903-DC1785871527}"/>
+              </a:ext>
+            </a:extLst>
+          </p:cNvPr>
+          <p:cNvCxnSpPr>
+            <a:cxnSpLocks/>
+          </p:cNvCxnSpPr>
+          <p:nvPr/>
+        </p:nvCxnSpPr>
+        <p:spPr>
+          <a:xfrm>
+            <a:off x="7242875" y="3378430"/>
+            <a:ext cx="0" cy="1750422"/>
+          </a:xfrm>
+          <a:prstGeom prst="line">
+            <a:avLst/>
+          </a:prstGeom>
+          <a:ln w="19050">
+            <a:solidFill>
+              <a:srgbClr val="FF0000"/>
+            </a:solidFill>
+            <a:prstDash val="lgDash"/>
+          </a:ln>
+        </p:spPr>
+        <p:style>
+          <a:lnRef idx="1">
+            <a:schemeClr val="accent1"/>
+          </a:lnRef>
+          <a:fillRef idx="0">
+            <a:schemeClr val="accent1"/>
+          </a:fillRef>
+          <a:effectRef idx="0">
+            <a:schemeClr val="accent1"/>
+          </a:effectRef>
+          <a:fontRef idx="minor">
+            <a:schemeClr val="tx1"/>
+          </a:fontRef>
+        </p:style>
+      </p:cxnSp>
+      <p:cxnSp>
+        <p:nvCxnSpPr>
+          <p:cNvPr id="24" name="직선 연결선 23">
+            <a:extLst>
+              <a:ext uri="{FF2B5EF4-FFF2-40B4-BE49-F238E27FC236}">
+                <a16:creationId xmlns:a16="http://schemas.microsoft.com/office/drawing/2014/main" id="{4C4A4E8E-7B55-4206-81C8-59E9BB547A70}"/>
+              </a:ext>
+            </a:extLst>
+          </p:cNvPr>
+          <p:cNvCxnSpPr>
+            <a:cxnSpLocks/>
+          </p:cNvCxnSpPr>
+          <p:nvPr/>
+        </p:nvCxnSpPr>
+        <p:spPr>
+          <a:xfrm flipH="1">
+            <a:off x="7257850" y="5120940"/>
+            <a:ext cx="2292042" cy="0"/>
+          </a:xfrm>
+          <a:prstGeom prst="line">
+            <a:avLst/>
+          </a:prstGeom>
+          <a:ln w="19050">
+            <a:solidFill>
+              <a:srgbClr val="FF0000"/>
+            </a:solidFill>
+            <a:prstDash val="lgDash"/>
+          </a:ln>
+        </p:spPr>
+        <p:style>
+          <a:lnRef idx="1">
+            <a:schemeClr val="accent1"/>
+          </a:lnRef>
+          <a:fillRef idx="0">
+            <a:schemeClr val="accent1"/>
+          </a:fillRef>
+          <a:effectRef idx="0">
+            <a:schemeClr val="accent1"/>
+          </a:effectRef>
+          <a:fontRef idx="minor">
+            <a:schemeClr val="tx1"/>
+          </a:fontRef>
+        </p:style>
+      </p:cxnSp>
+      <p:sp>
+        <p:nvSpPr>
+          <p:cNvPr id="55" name="직사각형 54">
+            <a:extLst>
+              <a:ext uri="{FF2B5EF4-FFF2-40B4-BE49-F238E27FC236}">
+                <a16:creationId xmlns:a16="http://schemas.microsoft.com/office/drawing/2014/main" id="{37C45E41-7EA0-47CE-8820-F853ACE4606C}"/>
+              </a:ext>
+            </a:extLst>
+          </p:cNvPr>
+          <p:cNvSpPr/>
+          <p:nvPr/>
+        </p:nvSpPr>
+        <p:spPr>
+          <a:xfrm>
+            <a:off x="1204673" y="4035118"/>
+            <a:ext cx="1077306" cy="984715"/>
+          </a:xfrm>
+          <a:prstGeom prst="rect">
+            <a:avLst/>
+          </a:prstGeom>
+          <a:pattFill prst="pct25">
+            <a:fgClr>
+              <a:srgbClr val="92D050"/>
+            </a:fgClr>
+            <a:bgClr>
+              <a:schemeClr val="bg1"/>
+            </a:bgClr>
+          </a:pattFill>
+          <a:ln>
+            <a:solidFill>
+              <a:srgbClr val="FF0000"/>
+            </a:solidFill>
+            <a:prstDash val="dash"/>
+          </a:ln>
+        </p:spPr>
+        <p:style>
+          <a:lnRef idx="2">
+            <a:schemeClr val="accent1">
+              <a:shade val="50000"/>
+            </a:schemeClr>
+          </a:lnRef>
+          <a:fillRef idx="1">
+            <a:schemeClr val="accent1"/>
+          </a:fillRef>
+          <a:effectRef idx="0">
+            <a:schemeClr val="accent1"/>
+          </a:effectRef>
+          <a:fontRef idx="minor">
+            <a:schemeClr val="lt1"/>
+          </a:fontRef>
+        </p:style>
+        <p:txBody>
+          <a:bodyPr rtlCol="0" anchor="ctr"/>
+          <a:lstStyle/>
+          <a:p>
+            <a:pPr algn="ctr"/>
+            <a:endParaRPr lang="ko-KR" altLang="en-US"/>
+          </a:p>
+        </p:txBody>
+      </p:sp>
+      <p:cxnSp>
+        <p:nvCxnSpPr>
+          <p:cNvPr id="28" name="직선 화살표 연결선 27">
+            <a:extLst>
+              <a:ext uri="{FF2B5EF4-FFF2-40B4-BE49-F238E27FC236}">
+                <a16:creationId xmlns:a16="http://schemas.microsoft.com/office/drawing/2014/main" id="{E058791E-BFAA-4477-8DC9-034F44B38253}"/>
+              </a:ext>
+            </a:extLst>
+          </p:cNvPr>
+          <p:cNvCxnSpPr/>
+          <p:nvPr/>
+        </p:nvCxnSpPr>
+        <p:spPr>
+          <a:xfrm>
+            <a:off x="974933" y="5034194"/>
+            <a:ext cx="4496630" cy="0"/>
+          </a:xfrm>
+          <a:prstGeom prst="straightConnector1">
+            <a:avLst/>
+          </a:prstGeom>
+          <a:ln w="28575">
+            <a:solidFill>
+              <a:schemeClr val="tx1"/>
+            </a:solidFill>
+            <a:tailEnd type="triangle"/>
+          </a:ln>
+        </p:spPr>
+        <p:style>
+          <a:lnRef idx="1">
+            <a:schemeClr val="accent1"/>
+          </a:lnRef>
+          <a:fillRef idx="0">
+            <a:schemeClr val="accent1"/>
+          </a:fillRef>
+          <a:effectRef idx="0">
+            <a:schemeClr val="accent1"/>
+          </a:effectRef>
+          <a:fontRef idx="minor">
+            <a:schemeClr val="tx1"/>
+          </a:fontRef>
+        </p:style>
+      </p:cxnSp>
+      <p:cxnSp>
+        <p:nvCxnSpPr>
+          <p:cNvPr id="29" name="직선 화살표 연결선 28">
+            <a:extLst>
+              <a:ext uri="{FF2B5EF4-FFF2-40B4-BE49-F238E27FC236}">
+                <a16:creationId xmlns:a16="http://schemas.microsoft.com/office/drawing/2014/main" id="{EF8E9AAE-4BDD-4903-848D-F2C53A1FD77E}"/>
+              </a:ext>
+            </a:extLst>
+          </p:cNvPr>
+          <p:cNvCxnSpPr/>
+          <p:nvPr/>
+        </p:nvCxnSpPr>
+        <p:spPr>
+          <a:xfrm flipV="1">
+            <a:off x="1194037" y="1852193"/>
+            <a:ext cx="0" cy="3413555"/>
+          </a:xfrm>
+          <a:prstGeom prst="straightConnector1">
+            <a:avLst/>
+          </a:prstGeom>
+          <a:ln w="28575">
+            <a:solidFill>
+              <a:schemeClr val="tx1"/>
+            </a:solidFill>
+            <a:tailEnd type="triangle"/>
+          </a:ln>
+        </p:spPr>
+        <p:style>
+          <a:lnRef idx="1">
+            <a:schemeClr val="accent1"/>
+          </a:lnRef>
+          <a:fillRef idx="0">
+            <a:schemeClr val="accent1"/>
+          </a:fillRef>
+          <a:effectRef idx="0">
+            <a:schemeClr val="accent1"/>
+          </a:effectRef>
+          <a:fontRef idx="minor">
+            <a:schemeClr val="tx1"/>
+          </a:fontRef>
+        </p:style>
+      </p:cxnSp>
+      <mc:AlternateContent xmlns:mc="http://schemas.openxmlformats.org/markup-compatibility/2006">
+        <mc:Choice xmlns:a14="http://schemas.microsoft.com/office/drawing/2010/main" Requires="a14">
+          <p:sp>
+            <p:nvSpPr>
+              <p:cNvPr id="30" name="TextBox 29">
+                <a:extLst>
+                  <a:ext uri="{FF2B5EF4-FFF2-40B4-BE49-F238E27FC236}">
+                    <a16:creationId xmlns:a16="http://schemas.microsoft.com/office/drawing/2014/main" id="{43AAD902-56E2-4406-BBEC-3D2A5F910C53}"/>
+                  </a:ext>
+                </a:extLst>
+              </p:cNvPr>
+              <p:cNvSpPr txBox="1"/>
+              <p:nvPr/>
+            </p:nvSpPr>
+            <p:spPr>
+              <a:xfrm>
+                <a:off x="834303" y="5034194"/>
+                <a:ext cx="359734" cy="310748"/>
+              </a:xfrm>
+              <a:prstGeom prst="rect">
+                <a:avLst/>
+              </a:prstGeom>
+              <a:noFill/>
+            </p:spPr>
+            <p:txBody>
+              <a:bodyPr wrap="none" rtlCol="0">
+                <a:spAutoFit/>
+              </a:bodyPr>
+              <a:lstStyle/>
+              <a:p>
+                <a:pPr/>
+                <a14:m>
+                  <m:oMathPara xmlns:m="http://schemas.openxmlformats.org/officeDocument/2006/math">
+                    <m:oMathParaPr>
+                      <m:jc m:val="centerGroup"/>
+                    </m:oMathParaPr>
+                    <m:oMath xmlns:m="http://schemas.openxmlformats.org/officeDocument/2006/math">
+                      <m:r>
+                        <a:rPr lang="en-US" altLang="ko-KR" b="0" i="1" smtClean="0">
+                          <a:latin typeface="Cambria Math" panose="02040503050406030204" pitchFamily="18" charset="0"/>
+                        </a:rPr>
+                        <m:t>𝑂</m:t>
+                      </m:r>
+                    </m:oMath>
+                  </m:oMathPara>
+                </a14:m>
+                <a:endParaRPr lang="ko-KR" altLang="en-US" dirty="0"/>
+              </a:p>
+            </p:txBody>
+          </p:sp>
+        </mc:Choice>
+        <mc:Fallback>
+          <p:sp>
+            <p:nvSpPr>
+              <p:cNvPr id="30" name="TextBox 29">
+                <a:extLst>
+                  <a:ext uri="{FF2B5EF4-FFF2-40B4-BE49-F238E27FC236}">
+                    <a16:creationId xmlns:a16="http://schemas.microsoft.com/office/drawing/2014/main" id="{43AAD902-56E2-4406-BBEC-3D2A5F910C53}"/>
+                  </a:ext>
+                </a:extLst>
+              </p:cNvPr>
+              <p:cNvSpPr txBox="1">
+                <a:spLocks noRot="1" noChangeAspect="1" noMove="1" noResize="1" noEditPoints="1" noAdjustHandles="1" noChangeArrowheads="1" noChangeShapeType="1" noTextEdit="1"/>
+              </p:cNvSpPr>
+              <p:nvPr/>
+            </p:nvSpPr>
+            <p:spPr>
+              <a:xfrm>
+                <a:off x="834303" y="5034194"/>
+                <a:ext cx="359734" cy="310748"/>
+              </a:xfrm>
+              <a:prstGeom prst="rect">
+                <a:avLst/>
+              </a:prstGeom>
+              <a:blipFill>
+                <a:blip r:embed="rId11"/>
+                <a:stretch>
+                  <a:fillRect b="-13725"/>
+                </a:stretch>
+              </a:blipFill>
+            </p:spPr>
+            <p:txBody>
+              <a:bodyPr/>
+              <a:lstStyle/>
+              <a:p>
+                <a:r>
+                  <a:rPr lang="ko-KR" altLang="en-US">
+                    <a:noFill/>
+                  </a:rPr>
+                  <a:t> </a:t>
+                </a:r>
+              </a:p>
+            </p:txBody>
+          </p:sp>
+        </mc:Fallback>
+      </mc:AlternateContent>
+      <mc:AlternateContent xmlns:mc="http://schemas.openxmlformats.org/markup-compatibility/2006">
+        <mc:Choice xmlns:a14="http://schemas.microsoft.com/office/drawing/2010/main" Requires="a14">
+          <p:sp>
+            <p:nvSpPr>
+              <p:cNvPr id="31" name="TextBox 30">
+                <a:extLst>
+                  <a:ext uri="{FF2B5EF4-FFF2-40B4-BE49-F238E27FC236}">
+                    <a16:creationId xmlns:a16="http://schemas.microsoft.com/office/drawing/2014/main" id="{2571C35E-DC07-423D-AA76-DCC8E3539DF7}"/>
+                  </a:ext>
+                </a:extLst>
+              </p:cNvPr>
+              <p:cNvSpPr txBox="1"/>
+              <p:nvPr/>
+            </p:nvSpPr>
+            <p:spPr>
+              <a:xfrm>
+                <a:off x="5291695" y="5034194"/>
+                <a:ext cx="333893" cy="310748"/>
+              </a:xfrm>
+              <a:prstGeom prst="rect">
+                <a:avLst/>
+              </a:prstGeom>
+              <a:noFill/>
+            </p:spPr>
+            <p:txBody>
+              <a:bodyPr wrap="none" rtlCol="0">
+                <a:spAutoFit/>
+              </a:bodyPr>
+              <a:lstStyle/>
+              <a:p>
+                <a:pPr/>
+                <a14:m>
+                  <m:oMathPara xmlns:m="http://schemas.openxmlformats.org/officeDocument/2006/math">
+                    <m:oMathParaPr>
+                      <m:jc m:val="centerGroup"/>
+                    </m:oMathParaPr>
+                    <m:oMath xmlns:m="http://schemas.openxmlformats.org/officeDocument/2006/math">
+                      <m:r>
+                        <a:rPr lang="en-US" altLang="ko-KR" b="0" i="1" smtClean="0">
+                          <a:latin typeface="Cambria Math" panose="02040503050406030204" pitchFamily="18" charset="0"/>
+                        </a:rPr>
+                        <m:t>𝑥</m:t>
+                      </m:r>
+                    </m:oMath>
+                  </m:oMathPara>
+                </a14:m>
+                <a:endParaRPr lang="ko-KR" altLang="en-US" dirty="0"/>
+              </a:p>
+            </p:txBody>
+          </p:sp>
+        </mc:Choice>
+        <mc:Fallback>
+          <p:sp>
+            <p:nvSpPr>
+              <p:cNvPr id="31" name="TextBox 30">
+                <a:extLst>
+                  <a:ext uri="{FF2B5EF4-FFF2-40B4-BE49-F238E27FC236}">
+                    <a16:creationId xmlns:a16="http://schemas.microsoft.com/office/drawing/2014/main" id="{2571C35E-DC07-423D-AA76-DCC8E3539DF7}"/>
+                  </a:ext>
+                </a:extLst>
+              </p:cNvPr>
+              <p:cNvSpPr txBox="1">
+                <a:spLocks noRot="1" noChangeAspect="1" noMove="1" noResize="1" noEditPoints="1" noAdjustHandles="1" noChangeArrowheads="1" noChangeShapeType="1" noTextEdit="1"/>
+              </p:cNvSpPr>
+              <p:nvPr/>
+            </p:nvSpPr>
+            <p:spPr>
+              <a:xfrm>
+                <a:off x="5291695" y="5034194"/>
+                <a:ext cx="333893" cy="310748"/>
+              </a:xfrm>
+              <a:prstGeom prst="rect">
+                <a:avLst/>
+              </a:prstGeom>
+              <a:blipFill>
+                <a:blip r:embed="rId12"/>
+                <a:stretch>
+                  <a:fillRect b="-5882"/>
+                </a:stretch>
+              </a:blipFill>
+            </p:spPr>
+            <p:txBody>
+              <a:bodyPr/>
+              <a:lstStyle/>
+              <a:p>
+                <a:r>
+                  <a:rPr lang="ko-KR" altLang="en-US">
+                    <a:noFill/>
+                  </a:rPr>
+                  <a:t> </a:t>
+                </a:r>
+              </a:p>
+            </p:txBody>
+          </p:sp>
+        </mc:Fallback>
+      </mc:AlternateContent>
+      <mc:AlternateContent xmlns:mc="http://schemas.openxmlformats.org/markup-compatibility/2006">
+        <mc:Choice xmlns:a14="http://schemas.microsoft.com/office/drawing/2010/main" Requires="a14">
+          <p:sp>
+            <p:nvSpPr>
+              <p:cNvPr id="32" name="TextBox 31">
+                <a:extLst>
+                  <a:ext uri="{FF2B5EF4-FFF2-40B4-BE49-F238E27FC236}">
+                    <a16:creationId xmlns:a16="http://schemas.microsoft.com/office/drawing/2014/main" id="{2A68258F-E15E-46BE-AE82-08BF07D3D9C8}"/>
+                  </a:ext>
+                </a:extLst>
+              </p:cNvPr>
+              <p:cNvSpPr txBox="1"/>
+              <p:nvPr/>
+            </p:nvSpPr>
+            <p:spPr>
+              <a:xfrm>
+                <a:off x="845335" y="1852193"/>
+                <a:ext cx="333893" cy="310748"/>
+              </a:xfrm>
+              <a:prstGeom prst="rect">
+                <a:avLst/>
+              </a:prstGeom>
+              <a:noFill/>
+            </p:spPr>
+            <p:txBody>
+              <a:bodyPr wrap="none" rtlCol="0">
+                <a:spAutoFit/>
+              </a:bodyPr>
+              <a:lstStyle/>
+              <a:p>
+                <a:pPr/>
+                <a14:m>
+                  <m:oMathPara xmlns:m="http://schemas.openxmlformats.org/officeDocument/2006/math">
+                    <m:oMathParaPr>
+                      <m:jc m:val="centerGroup"/>
+                    </m:oMathParaPr>
+                    <m:oMath xmlns:m="http://schemas.openxmlformats.org/officeDocument/2006/math">
+                      <m:r>
+                        <a:rPr lang="en-US" altLang="ko-KR" b="0" i="1" smtClean="0">
+                          <a:latin typeface="Cambria Math" panose="02040503050406030204" pitchFamily="18" charset="0"/>
+                        </a:rPr>
+                        <m:t>𝑦</m:t>
+                      </m:r>
+                    </m:oMath>
+                  </m:oMathPara>
+                </a14:m>
+                <a:endParaRPr lang="ko-KR" altLang="en-US" dirty="0"/>
+              </a:p>
+            </p:txBody>
+          </p:sp>
+        </mc:Choice>
+        <mc:Fallback>
+          <p:sp>
+            <p:nvSpPr>
+              <p:cNvPr id="32" name="TextBox 31">
+                <a:extLst>
+                  <a:ext uri="{FF2B5EF4-FFF2-40B4-BE49-F238E27FC236}">
+                    <a16:creationId xmlns:a16="http://schemas.microsoft.com/office/drawing/2014/main" id="{2A68258F-E15E-46BE-AE82-08BF07D3D9C8}"/>
+                  </a:ext>
+                </a:extLst>
+              </p:cNvPr>
+              <p:cNvSpPr txBox="1">
+                <a:spLocks noRot="1" noChangeAspect="1" noMove="1" noResize="1" noEditPoints="1" noAdjustHandles="1" noChangeArrowheads="1" noChangeShapeType="1" noTextEdit="1"/>
+              </p:cNvSpPr>
+              <p:nvPr/>
+            </p:nvSpPr>
+            <p:spPr>
+              <a:xfrm>
+                <a:off x="845335" y="1852193"/>
+                <a:ext cx="333893" cy="310748"/>
+              </a:xfrm>
+              <a:prstGeom prst="rect">
+                <a:avLst/>
+              </a:prstGeom>
+              <a:blipFill>
+                <a:blip r:embed="rId13"/>
+                <a:stretch>
+                  <a:fillRect b="-29412"/>
+                </a:stretch>
+              </a:blipFill>
+            </p:spPr>
+            <p:txBody>
+              <a:bodyPr/>
+              <a:lstStyle/>
+              <a:p>
+                <a:r>
+                  <a:rPr lang="ko-KR" altLang="en-US">
+                    <a:noFill/>
+                  </a:rPr>
+                  <a:t> </a:t>
+                </a:r>
+              </a:p>
+            </p:txBody>
+          </p:sp>
+        </mc:Fallback>
+      </mc:AlternateContent>
+      <mc:AlternateContent xmlns:mc="http://schemas.openxmlformats.org/markup-compatibility/2006">
+        <mc:Choice xmlns:a14="http://schemas.microsoft.com/office/drawing/2010/main" Requires="a14">
+          <p:sp>
+            <p:nvSpPr>
+              <p:cNvPr id="43" name="TextBox 42">
+                <a:extLst>
+                  <a:ext uri="{FF2B5EF4-FFF2-40B4-BE49-F238E27FC236}">
+                    <a16:creationId xmlns:a16="http://schemas.microsoft.com/office/drawing/2014/main" id="{58AF53EB-CB36-4BFC-BA22-26BC08AFEEAF}"/>
+                  </a:ext>
+                </a:extLst>
+              </p:cNvPr>
+              <p:cNvSpPr txBox="1"/>
+              <p:nvPr/>
+            </p:nvSpPr>
+            <p:spPr>
+              <a:xfrm>
+                <a:off x="467989" y="3857918"/>
+                <a:ext cx="674637" cy="310748"/>
+              </a:xfrm>
+              <a:prstGeom prst="rect">
+                <a:avLst/>
+              </a:prstGeom>
+              <a:noFill/>
+            </p:spPr>
+            <p:txBody>
+              <a:bodyPr wrap="none" rtlCol="0">
+                <a:spAutoFit/>
+              </a:bodyPr>
+              <a:lstStyle/>
+              <a:p>
+                <a:pPr/>
+                <a14:m>
+                  <m:oMathPara xmlns:m="http://schemas.openxmlformats.org/officeDocument/2006/math">
+                    <m:oMathParaPr>
+                      <m:jc m:val="centerGroup"/>
+                    </m:oMathParaPr>
+                    <m:oMath xmlns:m="http://schemas.openxmlformats.org/officeDocument/2006/math">
+                      <m:r>
+                        <a:rPr lang="en-US" altLang="ko-KR" b="0" i="1" smtClean="0">
+                          <a:latin typeface="Cambria Math" panose="02040503050406030204" pitchFamily="18" charset="0"/>
+                        </a:rPr>
+                        <m:t>(0, 1)</m:t>
+                      </m:r>
+                    </m:oMath>
+                  </m:oMathPara>
+                </a14:m>
+                <a:endParaRPr lang="ko-KR" altLang="en-US" dirty="0"/>
+              </a:p>
+            </p:txBody>
+          </p:sp>
+        </mc:Choice>
+        <mc:Fallback>
+          <p:sp>
+            <p:nvSpPr>
+              <p:cNvPr id="43" name="TextBox 42">
+                <a:extLst>
+                  <a:ext uri="{FF2B5EF4-FFF2-40B4-BE49-F238E27FC236}">
+                    <a16:creationId xmlns:a16="http://schemas.microsoft.com/office/drawing/2014/main" id="{58AF53EB-CB36-4BFC-BA22-26BC08AFEEAF}"/>
+                  </a:ext>
+                </a:extLst>
+              </p:cNvPr>
+              <p:cNvSpPr txBox="1">
+                <a:spLocks noRot="1" noChangeAspect="1" noMove="1" noResize="1" noEditPoints="1" noAdjustHandles="1" noChangeArrowheads="1" noChangeShapeType="1" noTextEdit="1"/>
+              </p:cNvSpPr>
+              <p:nvPr/>
+            </p:nvSpPr>
+            <p:spPr>
+              <a:xfrm>
+                <a:off x="467989" y="3857918"/>
+                <a:ext cx="674637" cy="310748"/>
+              </a:xfrm>
+              <a:prstGeom prst="rect">
+                <a:avLst/>
+              </a:prstGeom>
+              <a:blipFill>
+                <a:blip r:embed="rId14"/>
+                <a:stretch>
+                  <a:fillRect l="-2727" r="-10000" b="-37255"/>
+                </a:stretch>
+              </a:blipFill>
+            </p:spPr>
+            <p:txBody>
+              <a:bodyPr/>
+              <a:lstStyle/>
+              <a:p>
+                <a:r>
+                  <a:rPr lang="ko-KR" altLang="en-US">
+                    <a:noFill/>
+                  </a:rPr>
+                  <a:t> </a:t>
+                </a:r>
+              </a:p>
+            </p:txBody>
+          </p:sp>
+        </mc:Fallback>
+      </mc:AlternateContent>
+      <mc:AlternateContent xmlns:mc="http://schemas.openxmlformats.org/markup-compatibility/2006">
+        <mc:Choice xmlns:a14="http://schemas.microsoft.com/office/drawing/2010/main" Requires="a14">
+          <p:sp>
+            <p:nvSpPr>
+              <p:cNvPr id="44" name="TextBox 43">
+                <a:extLst>
+                  <a:ext uri="{FF2B5EF4-FFF2-40B4-BE49-F238E27FC236}">
+                    <a16:creationId xmlns:a16="http://schemas.microsoft.com/office/drawing/2014/main" id="{0AD1C90F-ECE1-4A4A-B95D-A6AC5E5934CF}"/>
+                  </a:ext>
+                </a:extLst>
+              </p:cNvPr>
+              <p:cNvSpPr txBox="1"/>
+              <p:nvPr/>
+            </p:nvSpPr>
+            <p:spPr>
+              <a:xfrm>
+                <a:off x="1869642" y="5094510"/>
+                <a:ext cx="674637" cy="310748"/>
+              </a:xfrm>
+              <a:prstGeom prst="rect">
+                <a:avLst/>
+              </a:prstGeom>
+              <a:noFill/>
+            </p:spPr>
+            <p:txBody>
+              <a:bodyPr wrap="none" rtlCol="0">
+                <a:spAutoFit/>
+              </a:bodyPr>
+              <a:lstStyle/>
+              <a:p>
+                <a:pPr/>
+                <a14:m>
+                  <m:oMathPara xmlns:m="http://schemas.openxmlformats.org/officeDocument/2006/math">
+                    <m:oMathParaPr>
+                      <m:jc m:val="centerGroup"/>
+                    </m:oMathParaPr>
+                    <m:oMath xmlns:m="http://schemas.openxmlformats.org/officeDocument/2006/math">
+                      <m:r>
+                        <a:rPr lang="en-US" altLang="ko-KR" b="0" i="1" smtClean="0">
+                          <a:latin typeface="Cambria Math" panose="02040503050406030204" pitchFamily="18" charset="0"/>
+                        </a:rPr>
+                        <m:t>(1, 0)</m:t>
+                      </m:r>
+                    </m:oMath>
+                  </m:oMathPara>
+                </a14:m>
+                <a:endParaRPr lang="ko-KR" altLang="en-US" dirty="0"/>
+              </a:p>
+            </p:txBody>
+          </p:sp>
+        </mc:Choice>
+        <mc:Fallback>
+          <p:sp>
+            <p:nvSpPr>
+              <p:cNvPr id="44" name="TextBox 43">
+                <a:extLst>
+                  <a:ext uri="{FF2B5EF4-FFF2-40B4-BE49-F238E27FC236}">
+                    <a16:creationId xmlns:a16="http://schemas.microsoft.com/office/drawing/2014/main" id="{0AD1C90F-ECE1-4A4A-B95D-A6AC5E5934CF}"/>
+                  </a:ext>
+                </a:extLst>
+              </p:cNvPr>
+              <p:cNvSpPr txBox="1">
+                <a:spLocks noRot="1" noChangeAspect="1" noMove="1" noResize="1" noEditPoints="1" noAdjustHandles="1" noChangeArrowheads="1" noChangeShapeType="1" noTextEdit="1"/>
+              </p:cNvSpPr>
+              <p:nvPr/>
+            </p:nvSpPr>
+            <p:spPr>
+              <a:xfrm>
+                <a:off x="1869642" y="5094510"/>
+                <a:ext cx="674637" cy="310748"/>
+              </a:xfrm>
+              <a:prstGeom prst="rect">
+                <a:avLst/>
+              </a:prstGeom>
+              <a:blipFill>
+                <a:blip r:embed="rId15"/>
+                <a:stretch>
+                  <a:fillRect l="-2727" r="-10000" b="-37255"/>
+                </a:stretch>
+              </a:blipFill>
+            </p:spPr>
+            <p:txBody>
+              <a:bodyPr/>
+              <a:lstStyle/>
+              <a:p>
+                <a:r>
+                  <a:rPr lang="ko-KR" altLang="en-US">
+                    <a:noFill/>
+                  </a:rPr>
+                  <a:t> </a:t>
+                </a:r>
+              </a:p>
+            </p:txBody>
+          </p:sp>
+        </mc:Fallback>
+      </mc:AlternateContent>
+      <p:cxnSp>
+        <p:nvCxnSpPr>
+          <p:cNvPr id="33" name="직선 화살표 연결선 32">
+            <a:extLst>
+              <a:ext uri="{FF2B5EF4-FFF2-40B4-BE49-F238E27FC236}">
+                <a16:creationId xmlns:a16="http://schemas.microsoft.com/office/drawing/2014/main" id="{E69B2643-26C8-44CE-BB28-8FEDBAC29BF5}"/>
+              </a:ext>
+            </a:extLst>
+          </p:cNvPr>
+          <p:cNvCxnSpPr>
+            <a:cxnSpLocks/>
+          </p:cNvCxnSpPr>
+          <p:nvPr/>
+        </p:nvCxnSpPr>
+        <p:spPr>
+          <a:xfrm flipV="1">
+            <a:off x="1180005" y="5030119"/>
+            <a:ext cx="1101974" cy="1"/>
+          </a:xfrm>
+          <a:prstGeom prst="straightConnector1">
+            <a:avLst/>
+          </a:prstGeom>
+          <a:ln w="38100">
+            <a:solidFill>
+              <a:schemeClr val="accent6"/>
+            </a:solidFill>
+            <a:tailEnd type="triangle"/>
+          </a:ln>
+        </p:spPr>
+        <p:style>
+          <a:lnRef idx="1">
+            <a:schemeClr val="accent1"/>
+          </a:lnRef>
+          <a:fillRef idx="0">
+            <a:schemeClr val="accent1"/>
+          </a:fillRef>
+          <a:effectRef idx="0">
+            <a:schemeClr val="accent1"/>
+          </a:effectRef>
+          <a:fontRef idx="minor">
+            <a:schemeClr val="tx1"/>
+          </a:fontRef>
+        </p:style>
+      </p:cxnSp>
+      <p:cxnSp>
+        <p:nvCxnSpPr>
+          <p:cNvPr id="34" name="직선 화살표 연결선 33">
+            <a:extLst>
+              <a:ext uri="{FF2B5EF4-FFF2-40B4-BE49-F238E27FC236}">
+                <a16:creationId xmlns:a16="http://schemas.microsoft.com/office/drawing/2014/main" id="{3B6CD31F-B140-4151-AB82-EABAE3325A4F}"/>
+              </a:ext>
+            </a:extLst>
+          </p:cNvPr>
+          <p:cNvCxnSpPr>
+            <a:cxnSpLocks/>
+          </p:cNvCxnSpPr>
+          <p:nvPr/>
+        </p:nvCxnSpPr>
+        <p:spPr>
+          <a:xfrm flipV="1">
+            <a:off x="1194814" y="4035118"/>
+            <a:ext cx="3222" cy="995002"/>
+          </a:xfrm>
+          <a:prstGeom prst="straightConnector1">
+            <a:avLst/>
+          </a:prstGeom>
+          <a:ln w="38100">
+            <a:solidFill>
+              <a:schemeClr val="accent6"/>
+            </a:solidFill>
+            <a:tailEnd type="triangle"/>
+          </a:ln>
+        </p:spPr>
+        <p:style>
+          <a:lnRef idx="1">
+            <a:schemeClr val="accent1"/>
+          </a:lnRef>
+          <a:fillRef idx="0">
+            <a:schemeClr val="accent1"/>
+          </a:fillRef>
+          <a:effectRef idx="0">
+            <a:schemeClr val="accent1"/>
+          </a:effectRef>
+          <a:fontRef idx="minor">
+            <a:schemeClr val="tx1"/>
+          </a:fontRef>
+        </p:style>
+      </p:cxnSp>
+      <p:sp>
+        <p:nvSpPr>
+          <p:cNvPr id="60" name="화살표: 오른쪽 59">
+            <a:extLst>
+              <a:ext uri="{FF2B5EF4-FFF2-40B4-BE49-F238E27FC236}">
+                <a16:creationId xmlns:a16="http://schemas.microsoft.com/office/drawing/2014/main" id="{EF1D828B-A686-4E4C-87F1-A78539261D77}"/>
+              </a:ext>
+            </a:extLst>
+          </p:cNvPr>
+          <p:cNvSpPr/>
+          <p:nvPr/>
+        </p:nvSpPr>
+        <p:spPr>
+          <a:xfrm>
+            <a:off x="4704161" y="3159556"/>
+            <a:ext cx="1506801" cy="484632"/>
+          </a:xfrm>
+          <a:prstGeom prst="rightArrow">
+            <a:avLst/>
+          </a:prstGeom>
+        </p:spPr>
+        <p:style>
+          <a:lnRef idx="2">
+            <a:schemeClr val="accent1">
+              <a:shade val="50000"/>
+            </a:schemeClr>
+          </a:lnRef>
+          <a:fillRef idx="1">
+            <a:schemeClr val="accent1"/>
+          </a:fillRef>
+          <a:effectRef idx="0">
+            <a:schemeClr val="accent1"/>
+          </a:effectRef>
+          <a:fontRef idx="minor">
+            <a:schemeClr val="lt1"/>
+          </a:fontRef>
+        </p:style>
+        <p:txBody>
+          <a:bodyPr rtlCol="0" anchor="ctr"/>
+          <a:lstStyle/>
+          <a:p>
+            <a:pPr algn="ctr"/>
+            <a:endParaRPr lang="ko-KR" altLang="en-US"/>
+          </a:p>
+        </p:txBody>
+      </p:sp>
+      <mc:AlternateContent xmlns:mc="http://schemas.openxmlformats.org/markup-compatibility/2006">
+        <mc:Choice xmlns:a14="http://schemas.microsoft.com/office/drawing/2010/main" Requires="a14">
+          <p:sp>
+            <p:nvSpPr>
+              <p:cNvPr id="61" name="TextBox 60">
+                <a:extLst>
+                  <a:ext uri="{FF2B5EF4-FFF2-40B4-BE49-F238E27FC236}">
+                    <a16:creationId xmlns:a16="http://schemas.microsoft.com/office/drawing/2014/main" id="{CBB65EAA-7B96-4186-AFF6-70F53C7BFB74}"/>
+                  </a:ext>
+                </a:extLst>
+              </p:cNvPr>
+              <p:cNvSpPr txBox="1"/>
+              <p:nvPr/>
+            </p:nvSpPr>
+            <p:spPr>
+              <a:xfrm>
+                <a:off x="4901864" y="2229759"/>
+                <a:ext cx="1111394" cy="836832"/>
+              </a:xfrm>
+              <a:prstGeom prst="rect">
+                <a:avLst/>
+              </a:prstGeom>
+              <a:noFill/>
+            </p:spPr>
+            <p:txBody>
+              <a:bodyPr wrap="none" rtlCol="0">
+                <a:spAutoFit/>
+              </a:bodyPr>
+              <a:lstStyle/>
+              <a:p>
+                <a:r>
+                  <a:rPr lang="ko-KR" altLang="en-US" dirty="0"/>
+                  <a:t>선형변환</a:t>
+                </a:r>
+                <a:endParaRPr lang="en-US" altLang="ko-KR" dirty="0"/>
+              </a:p>
+              <a:p>
+                <a14:m>
+                  <m:oMathPara xmlns:m="http://schemas.openxmlformats.org/officeDocument/2006/math">
+                    <m:oMathParaPr>
+                      <m:jc m:val="centerGroup"/>
+                    </m:oMathParaPr>
+                    <m:oMath xmlns:m="http://schemas.openxmlformats.org/officeDocument/2006/math">
+                      <m:d>
+                        <m:dPr>
+                          <m:begChr m:val="["/>
+                          <m:endChr m:val="]"/>
+                          <m:ctrlPr>
+                            <a:rPr lang="en-US" altLang="ko-KR" i="1" smtClean="0">
+                              <a:latin typeface="Cambria Math" panose="02040503050406030204" pitchFamily="18" charset="0"/>
+                            </a:rPr>
+                          </m:ctrlPr>
+                        </m:dPr>
+                        <m:e>
+                          <m:m>
+                            <m:mPr>
+                              <m:mcs>
+                                <m:mc>
+                                  <m:mcPr>
+                                    <m:count m:val="2"/>
+                                    <m:mcJc m:val="center"/>
+                                  </m:mcPr>
+                                </m:mc>
+                              </m:mcs>
+                              <m:ctrlPr>
+                                <a:rPr lang="en-US" altLang="ko-KR" i="1" smtClean="0">
+                                  <a:latin typeface="Cambria Math" panose="02040503050406030204" pitchFamily="18" charset="0"/>
+                                </a:rPr>
+                              </m:ctrlPr>
+                            </m:mPr>
+                            <m:mr>
+                              <m:e>
+                                <m:r>
+                                  <m:rPr>
+                                    <m:brk m:alnAt="7"/>
+                                  </m:rPr>
+                                  <a:rPr lang="en-US" altLang="ko-KR" b="0" i="1" smtClean="0">
+                                    <a:latin typeface="Cambria Math" panose="02040503050406030204" pitchFamily="18" charset="0"/>
+                                  </a:rPr>
+                                  <m:t>𝑎</m:t>
+                                </m:r>
+                              </m:e>
+                              <m:e>
+                                <m:r>
+                                  <a:rPr lang="en-US" altLang="ko-KR" b="0" i="1" smtClean="0">
+                                    <a:latin typeface="Cambria Math" panose="02040503050406030204" pitchFamily="18" charset="0"/>
+                                  </a:rPr>
+                                  <m:t>𝑏</m:t>
+                                </m:r>
+                              </m:e>
+                            </m:mr>
+                            <m:mr>
+                              <m:e>
+                                <m:r>
+                                  <a:rPr lang="en-US" altLang="ko-KR" b="0" i="1" smtClean="0">
+                                    <a:latin typeface="Cambria Math" panose="02040503050406030204" pitchFamily="18" charset="0"/>
+                                  </a:rPr>
+                                  <m:t>𝑐</m:t>
+                                </m:r>
+                              </m:e>
+                              <m:e>
+                                <m:r>
+                                  <a:rPr lang="en-US" altLang="ko-KR" b="0" i="1" smtClean="0">
+                                    <a:latin typeface="Cambria Math" panose="02040503050406030204" pitchFamily="18" charset="0"/>
+                                  </a:rPr>
+                                  <m:t>𝑑</m:t>
+                                </m:r>
+                              </m:e>
+                            </m:mr>
+                          </m:m>
+                        </m:e>
+                      </m:d>
+                    </m:oMath>
+                  </m:oMathPara>
+                </a14:m>
+                <a:endParaRPr lang="ko-KR" altLang="en-US" dirty="0"/>
+              </a:p>
+            </p:txBody>
+          </p:sp>
+        </mc:Choice>
+        <mc:Fallback>
+          <p:sp>
+            <p:nvSpPr>
+              <p:cNvPr id="61" name="TextBox 60">
+                <a:extLst>
+                  <a:ext uri="{FF2B5EF4-FFF2-40B4-BE49-F238E27FC236}">
+                    <a16:creationId xmlns:a16="http://schemas.microsoft.com/office/drawing/2014/main" id="{CBB65EAA-7B96-4186-AFF6-70F53C7BFB74}"/>
+                  </a:ext>
+                </a:extLst>
+              </p:cNvPr>
+              <p:cNvSpPr txBox="1">
+                <a:spLocks noRot="1" noChangeAspect="1" noMove="1" noResize="1" noEditPoints="1" noAdjustHandles="1" noChangeArrowheads="1" noChangeShapeType="1" noTextEdit="1"/>
+              </p:cNvSpPr>
+              <p:nvPr/>
+            </p:nvSpPr>
+            <p:spPr>
+              <a:xfrm>
+                <a:off x="4901864" y="2229759"/>
+                <a:ext cx="1111394" cy="836832"/>
+              </a:xfrm>
+              <a:prstGeom prst="rect">
+                <a:avLst/>
+              </a:prstGeom>
+              <a:blipFill>
+                <a:blip r:embed="rId16"/>
+                <a:stretch>
+                  <a:fillRect l="-4396" t="-4380" r="-4945"/>
+                </a:stretch>
+              </a:blipFill>
+            </p:spPr>
+            <p:txBody>
+              <a:bodyPr/>
+              <a:lstStyle/>
+              <a:p>
+                <a:r>
+                  <a:rPr lang="ko-KR" altLang="en-US">
+                    <a:noFill/>
+                  </a:rPr>
+                  <a:t> </a:t>
+                </a:r>
+              </a:p>
+            </p:txBody>
+          </p:sp>
+        </mc:Fallback>
+      </mc:AlternateContent>
+      <mc:AlternateContent xmlns:mc="http://schemas.openxmlformats.org/markup-compatibility/2006">
+        <mc:Choice xmlns:a14="http://schemas.microsoft.com/office/drawing/2010/main" Requires="a14">
+          <p:sp>
+            <p:nvSpPr>
+              <p:cNvPr id="64" name="TextBox 63">
+                <a:extLst>
+                  <a:ext uri="{FF2B5EF4-FFF2-40B4-BE49-F238E27FC236}">
+                    <a16:creationId xmlns:a16="http://schemas.microsoft.com/office/drawing/2014/main" id="{71305F08-09BD-42DE-8EF2-CBEBF4DBA7CA}"/>
+                  </a:ext>
+                </a:extLst>
+              </p:cNvPr>
+              <p:cNvSpPr txBox="1"/>
+              <p:nvPr/>
+            </p:nvSpPr>
+            <p:spPr>
+              <a:xfrm>
+                <a:off x="8259814" y="1619249"/>
+                <a:ext cx="3079689" cy="369332"/>
+              </a:xfrm>
+              <a:prstGeom prst="rect">
+                <a:avLst/>
+              </a:prstGeom>
+              <a:noFill/>
+            </p:spPr>
+            <p:txBody>
+              <a:bodyPr wrap="none" rtlCol="0">
+                <a:spAutoFit/>
+              </a:bodyPr>
+              <a:lstStyle/>
+              <a:p>
+                <a:r>
+                  <a:rPr lang="ko-KR" altLang="en-US" b="1" dirty="0"/>
+                  <a:t>평행사변형의 넓이</a:t>
+                </a:r>
+                <a:r>
+                  <a:rPr lang="en-US" altLang="ko-KR" b="1" dirty="0"/>
+                  <a:t>: </a:t>
+                </a:r>
+                <a14:m>
+                  <m:oMath xmlns:m="http://schemas.openxmlformats.org/officeDocument/2006/math">
+                    <m:r>
+                      <a:rPr lang="en-US" altLang="ko-KR" b="1" i="1" smtClean="0">
+                        <a:latin typeface="Cambria Math" panose="02040503050406030204" pitchFamily="18" charset="0"/>
+                      </a:rPr>
+                      <m:t>𝒂𝒅</m:t>
+                    </m:r>
+                    <m:r>
+                      <a:rPr lang="en-US" altLang="ko-KR" b="1" i="1" smtClean="0">
+                        <a:latin typeface="Cambria Math" panose="02040503050406030204" pitchFamily="18" charset="0"/>
+                      </a:rPr>
+                      <m:t>−</m:t>
+                    </m:r>
+                    <m:r>
+                      <a:rPr lang="en-US" altLang="ko-KR" b="1" i="1" smtClean="0">
+                        <a:latin typeface="Cambria Math" panose="02040503050406030204" pitchFamily="18" charset="0"/>
+                      </a:rPr>
+                      <m:t>𝒃𝒄</m:t>
+                    </m:r>
+                  </m:oMath>
+                </a14:m>
+                <a:endParaRPr lang="ko-KR" altLang="en-US" b="1" dirty="0"/>
+              </a:p>
+            </p:txBody>
+          </p:sp>
+        </mc:Choice>
+        <mc:Fallback>
+          <p:sp>
+            <p:nvSpPr>
+              <p:cNvPr id="64" name="TextBox 63">
+                <a:extLst>
+                  <a:ext uri="{FF2B5EF4-FFF2-40B4-BE49-F238E27FC236}">
+                    <a16:creationId xmlns:a16="http://schemas.microsoft.com/office/drawing/2014/main" id="{71305F08-09BD-42DE-8EF2-CBEBF4DBA7CA}"/>
+                  </a:ext>
+                </a:extLst>
+              </p:cNvPr>
+              <p:cNvSpPr txBox="1">
+                <a:spLocks noRot="1" noChangeAspect="1" noMove="1" noResize="1" noEditPoints="1" noAdjustHandles="1" noChangeArrowheads="1" noChangeShapeType="1" noTextEdit="1"/>
+              </p:cNvSpPr>
+              <p:nvPr/>
+            </p:nvSpPr>
+            <p:spPr>
+              <a:xfrm>
+                <a:off x="8259814" y="1619249"/>
+                <a:ext cx="3079689" cy="369332"/>
+              </a:xfrm>
+              <a:prstGeom prst="rect">
+                <a:avLst/>
+              </a:prstGeom>
+              <a:blipFill>
+                <a:blip r:embed="rId17"/>
+                <a:stretch>
+                  <a:fillRect l="-1782" t="-10000" b="-26667"/>
+                </a:stretch>
+              </a:blipFill>
+            </p:spPr>
+            <p:txBody>
+              <a:bodyPr/>
+              <a:lstStyle/>
+              <a:p>
+                <a:r>
+                  <a:rPr lang="ko-KR" altLang="en-US">
+                    <a:noFill/>
+                  </a:rPr>
+                  <a:t> </a:t>
+                </a:r>
+              </a:p>
+            </p:txBody>
+          </p:sp>
+        </mc:Fallback>
+      </mc:AlternateContent>
+      <p:cxnSp>
+        <p:nvCxnSpPr>
+          <p:cNvPr id="65" name="직선 화살표 연결선 64">
+            <a:extLst>
+              <a:ext uri="{FF2B5EF4-FFF2-40B4-BE49-F238E27FC236}">
+                <a16:creationId xmlns:a16="http://schemas.microsoft.com/office/drawing/2014/main" id="{BC0938A5-4ED1-45C5-B1DE-C7874C61769B}"/>
+              </a:ext>
+            </a:extLst>
+          </p:cNvPr>
+          <p:cNvCxnSpPr>
+            <a:stCxn id="64" idx="2"/>
+          </p:cNvCxnSpPr>
+          <p:nvPr/>
+        </p:nvCxnSpPr>
+        <p:spPr>
+          <a:xfrm flipH="1">
+            <a:off x="9562252" y="1988581"/>
+            <a:ext cx="237407" cy="854360"/>
+          </a:xfrm>
+          <a:prstGeom prst="straightConnector1">
+            <a:avLst/>
+          </a:prstGeom>
+          <a:ln>
+            <a:tailEnd type="triangle"/>
+          </a:ln>
+        </p:spPr>
+        <p:style>
+          <a:lnRef idx="1">
+            <a:schemeClr val="accent1"/>
+          </a:lnRef>
+          <a:fillRef idx="0">
+            <a:schemeClr val="accent1"/>
+          </a:fillRef>
+          <a:effectRef idx="0">
+            <a:schemeClr val="accent1"/>
+          </a:effectRef>
+          <a:fontRef idx="minor">
+            <a:schemeClr val="tx1"/>
+          </a:fontRef>
+        </p:style>
+      </p:cxnSp>
+    </p:spTree>
+    <p:extLst>
+      <p:ext uri="{BB962C8B-B14F-4D97-AF65-F5344CB8AC3E}">
+        <p14:creationId xmlns:p14="http://schemas.microsoft.com/office/powerpoint/2010/main" val="3556593345"/>
       </p:ext>
     </p:extLst>
   </p:cSld>

--- a/pics/2020-07-24-Jacobian/pics.pptx
+++ b/pics/2020-07-24-Jacobian/pics.pptx
@@ -7,6 +7,7 @@
   <p:sldIdLst>
     <p:sldId id="256" r:id="rId2"/>
     <p:sldId id="257" r:id="rId3"/>
+    <p:sldId id="258" r:id="rId4"/>
   </p:sldIdLst>
   <p:sldSz cx="12192000" cy="6858000"/>
   <p:notesSz cx="6858000" cy="9144000"/>
@@ -6122,8 +6123,8 @@
           </a:fontRef>
         </p:style>
       </p:cxnSp>
-      <mc:AlternateContent xmlns:mc="http://schemas.openxmlformats.org/markup-compatibility/2006">
-        <mc:Choice xmlns:a14="http://schemas.microsoft.com/office/drawing/2010/main" Requires="a14">
+      <mc:AlternateContent xmlns:mc="http://schemas.openxmlformats.org/markup-compatibility/2006" xmlns:a14="http://schemas.microsoft.com/office/drawing/2010/main">
+        <mc:Choice Requires="a14">
           <p:sp>
             <p:nvSpPr>
               <p:cNvPr id="8" name="TextBox 7">
@@ -6173,7 +6174,7 @@
             </p:txBody>
           </p:sp>
         </mc:Choice>
-        <mc:Fallback>
+        <mc:Fallback xmlns="">
           <p:sp>
             <p:nvSpPr>
               <p:cNvPr id="8" name="TextBox 7">
@@ -6218,8 +6219,8 @@
           </p:sp>
         </mc:Fallback>
       </mc:AlternateContent>
-      <mc:AlternateContent xmlns:mc="http://schemas.openxmlformats.org/markup-compatibility/2006">
-        <mc:Choice xmlns:a14="http://schemas.microsoft.com/office/drawing/2010/main" Requires="a14">
+      <mc:AlternateContent xmlns:mc="http://schemas.openxmlformats.org/markup-compatibility/2006" xmlns:a14="http://schemas.microsoft.com/office/drawing/2010/main">
+        <mc:Choice Requires="a14">
           <p:sp>
             <p:nvSpPr>
               <p:cNvPr id="9" name="TextBox 8">
@@ -6269,7 +6270,7 @@
             </p:txBody>
           </p:sp>
         </mc:Choice>
-        <mc:Fallback>
+        <mc:Fallback xmlns="">
           <p:sp>
             <p:nvSpPr>
               <p:cNvPr id="9" name="TextBox 8">
@@ -6314,8 +6315,8 @@
           </p:sp>
         </mc:Fallback>
       </mc:AlternateContent>
-      <mc:AlternateContent xmlns:mc="http://schemas.openxmlformats.org/markup-compatibility/2006">
-        <mc:Choice xmlns:a14="http://schemas.microsoft.com/office/drawing/2010/main" Requires="a14">
+      <mc:AlternateContent xmlns:mc="http://schemas.openxmlformats.org/markup-compatibility/2006" xmlns:a14="http://schemas.microsoft.com/office/drawing/2010/main">
+        <mc:Choice Requires="a14">
           <p:sp>
             <p:nvSpPr>
               <p:cNvPr id="10" name="TextBox 9">
@@ -6365,7 +6366,7 @@
             </p:txBody>
           </p:sp>
         </mc:Choice>
-        <mc:Fallback>
+        <mc:Fallback xmlns="">
           <p:sp>
             <p:nvSpPr>
               <p:cNvPr id="10" name="TextBox 9">
@@ -6494,8 +6495,8 @@
           </a:fontRef>
         </p:style>
       </p:cxnSp>
-      <mc:AlternateContent xmlns:mc="http://schemas.openxmlformats.org/markup-compatibility/2006">
-        <mc:Choice xmlns:a14="http://schemas.microsoft.com/office/drawing/2010/main" Requires="a14">
+      <mc:AlternateContent xmlns:mc="http://schemas.openxmlformats.org/markup-compatibility/2006" xmlns:a14="http://schemas.microsoft.com/office/drawing/2010/main">
+        <mc:Choice Requires="a14">
           <p:sp>
             <p:nvSpPr>
               <p:cNvPr id="13" name="TextBox 12">
@@ -6575,7 +6576,7 @@
             </p:txBody>
           </p:sp>
         </mc:Choice>
-        <mc:Fallback>
+        <mc:Fallback xmlns="">
           <p:sp>
             <p:nvSpPr>
               <p:cNvPr id="13" name="TextBox 12">
@@ -6710,8 +6711,8 @@
           </a:fontRef>
         </p:style>
       </p:cxnSp>
-      <mc:AlternateContent xmlns:mc="http://schemas.openxmlformats.org/markup-compatibility/2006">
-        <mc:Choice xmlns:a14="http://schemas.microsoft.com/office/drawing/2010/main" Requires="a14">
+      <mc:AlternateContent xmlns:mc="http://schemas.openxmlformats.org/markup-compatibility/2006" xmlns:a14="http://schemas.microsoft.com/office/drawing/2010/main">
+        <mc:Choice Requires="a14">
           <p:sp>
             <p:nvSpPr>
               <p:cNvPr id="16" name="TextBox 15">
@@ -6791,7 +6792,7 @@
             </p:txBody>
           </p:sp>
         </mc:Choice>
-        <mc:Fallback>
+        <mc:Fallback xmlns="">
           <p:sp>
             <p:nvSpPr>
               <p:cNvPr id="16" name="TextBox 15">
@@ -6924,8 +6925,8 @@
           </a:fontRef>
         </p:style>
       </p:cxnSp>
-      <mc:AlternateContent xmlns:mc="http://schemas.openxmlformats.org/markup-compatibility/2006">
-        <mc:Choice xmlns:a14="http://schemas.microsoft.com/office/drawing/2010/main" Requires="a14">
+      <mc:AlternateContent xmlns:mc="http://schemas.openxmlformats.org/markup-compatibility/2006" xmlns:a14="http://schemas.microsoft.com/office/drawing/2010/main">
+        <mc:Choice Requires="a14">
           <p:sp>
             <p:nvSpPr>
               <p:cNvPr id="19" name="TextBox 18">
@@ -7005,7 +7006,7 @@
             </p:txBody>
           </p:sp>
         </mc:Choice>
-        <mc:Fallback>
+        <mc:Fallback xmlns="">
           <p:sp>
             <p:nvSpPr>
               <p:cNvPr id="19" name="TextBox 18">
@@ -7050,8 +7051,8 @@
           </p:sp>
         </mc:Fallback>
       </mc:AlternateContent>
-      <mc:AlternateContent xmlns:mc="http://schemas.openxmlformats.org/markup-compatibility/2006">
-        <mc:Choice xmlns:a14="http://schemas.microsoft.com/office/drawing/2010/main" Requires="a14">
+      <mc:AlternateContent xmlns:mc="http://schemas.openxmlformats.org/markup-compatibility/2006" xmlns:a14="http://schemas.microsoft.com/office/drawing/2010/main">
+        <mc:Choice Requires="a14">
           <p:sp>
             <p:nvSpPr>
               <p:cNvPr id="20" name="TextBox 19">
@@ -7155,7 +7156,7 @@
             </p:txBody>
           </p:sp>
         </mc:Choice>
-        <mc:Fallback>
+        <mc:Fallback xmlns="">
           <p:sp>
             <p:nvSpPr>
               <p:cNvPr id="20" name="TextBox 19">
@@ -7200,8 +7201,8 @@
           </p:sp>
         </mc:Fallback>
       </mc:AlternateContent>
-      <mc:AlternateContent xmlns:mc="http://schemas.openxmlformats.org/markup-compatibility/2006">
-        <mc:Choice xmlns:a14="http://schemas.microsoft.com/office/drawing/2010/main" Requires="a14">
+      <mc:AlternateContent xmlns:mc="http://schemas.openxmlformats.org/markup-compatibility/2006" xmlns:a14="http://schemas.microsoft.com/office/drawing/2010/main">
+        <mc:Choice Requires="a14">
           <p:sp>
             <p:nvSpPr>
               <p:cNvPr id="21" name="TextBox 20">
@@ -7269,7 +7270,7 @@
             </p:txBody>
           </p:sp>
         </mc:Choice>
-        <mc:Fallback>
+        <mc:Fallback xmlns="">
           <p:sp>
             <p:nvSpPr>
               <p:cNvPr id="21" name="TextBox 20">
@@ -7314,8 +7315,8 @@
           </p:sp>
         </mc:Fallback>
       </mc:AlternateContent>
-      <mc:AlternateContent xmlns:mc="http://schemas.openxmlformats.org/markup-compatibility/2006">
-        <mc:Choice xmlns:a14="http://schemas.microsoft.com/office/drawing/2010/main" Requires="a14">
+      <mc:AlternateContent xmlns:mc="http://schemas.openxmlformats.org/markup-compatibility/2006" xmlns:a14="http://schemas.microsoft.com/office/drawing/2010/main">
+        <mc:Choice Requires="a14">
           <p:sp>
             <p:nvSpPr>
               <p:cNvPr id="22" name="TextBox 21">
@@ -7383,7 +7384,7 @@
             </p:txBody>
           </p:sp>
         </mc:Choice>
-        <mc:Fallback>
+        <mc:Fallback xmlns="">
           <p:sp>
             <p:nvSpPr>
               <p:cNvPr id="22" name="TextBox 21">
@@ -7660,8 +7661,8 @@
           </a:fontRef>
         </p:style>
       </p:cxnSp>
-      <mc:AlternateContent xmlns:mc="http://schemas.openxmlformats.org/markup-compatibility/2006">
-        <mc:Choice xmlns:a14="http://schemas.microsoft.com/office/drawing/2010/main" Requires="a14">
+      <mc:AlternateContent xmlns:mc="http://schemas.openxmlformats.org/markup-compatibility/2006" xmlns:a14="http://schemas.microsoft.com/office/drawing/2010/main">
+        <mc:Choice Requires="a14">
           <p:sp>
             <p:nvSpPr>
               <p:cNvPr id="30" name="TextBox 29">
@@ -7711,7 +7712,7 @@
             </p:txBody>
           </p:sp>
         </mc:Choice>
-        <mc:Fallback>
+        <mc:Fallback xmlns="">
           <p:sp>
             <p:nvSpPr>
               <p:cNvPr id="30" name="TextBox 29">
@@ -7756,8 +7757,8 @@
           </p:sp>
         </mc:Fallback>
       </mc:AlternateContent>
-      <mc:AlternateContent xmlns:mc="http://schemas.openxmlformats.org/markup-compatibility/2006">
-        <mc:Choice xmlns:a14="http://schemas.microsoft.com/office/drawing/2010/main" Requires="a14">
+      <mc:AlternateContent xmlns:mc="http://schemas.openxmlformats.org/markup-compatibility/2006" xmlns:a14="http://schemas.microsoft.com/office/drawing/2010/main">
+        <mc:Choice Requires="a14">
           <p:sp>
             <p:nvSpPr>
               <p:cNvPr id="31" name="TextBox 30">
@@ -7807,7 +7808,7 @@
             </p:txBody>
           </p:sp>
         </mc:Choice>
-        <mc:Fallback>
+        <mc:Fallback xmlns="">
           <p:sp>
             <p:nvSpPr>
               <p:cNvPr id="31" name="TextBox 30">
@@ -7852,8 +7853,8 @@
           </p:sp>
         </mc:Fallback>
       </mc:AlternateContent>
-      <mc:AlternateContent xmlns:mc="http://schemas.openxmlformats.org/markup-compatibility/2006">
-        <mc:Choice xmlns:a14="http://schemas.microsoft.com/office/drawing/2010/main" Requires="a14">
+      <mc:AlternateContent xmlns:mc="http://schemas.openxmlformats.org/markup-compatibility/2006" xmlns:a14="http://schemas.microsoft.com/office/drawing/2010/main">
+        <mc:Choice Requires="a14">
           <p:sp>
             <p:nvSpPr>
               <p:cNvPr id="32" name="TextBox 31">
@@ -7903,7 +7904,7 @@
             </p:txBody>
           </p:sp>
         </mc:Choice>
-        <mc:Fallback>
+        <mc:Fallback xmlns="">
           <p:sp>
             <p:nvSpPr>
               <p:cNvPr id="32" name="TextBox 31">
@@ -7948,8 +7949,8 @@
           </p:sp>
         </mc:Fallback>
       </mc:AlternateContent>
-      <mc:AlternateContent xmlns:mc="http://schemas.openxmlformats.org/markup-compatibility/2006">
-        <mc:Choice xmlns:a14="http://schemas.microsoft.com/office/drawing/2010/main" Requires="a14">
+      <mc:AlternateContent xmlns:mc="http://schemas.openxmlformats.org/markup-compatibility/2006" xmlns:a14="http://schemas.microsoft.com/office/drawing/2010/main">
+        <mc:Choice Requires="a14">
           <p:sp>
             <p:nvSpPr>
               <p:cNvPr id="43" name="TextBox 42">
@@ -7999,7 +8000,7 @@
             </p:txBody>
           </p:sp>
         </mc:Choice>
-        <mc:Fallback>
+        <mc:Fallback xmlns="">
           <p:sp>
             <p:nvSpPr>
               <p:cNvPr id="43" name="TextBox 42">
@@ -8044,8 +8045,8 @@
           </p:sp>
         </mc:Fallback>
       </mc:AlternateContent>
-      <mc:AlternateContent xmlns:mc="http://schemas.openxmlformats.org/markup-compatibility/2006">
-        <mc:Choice xmlns:a14="http://schemas.microsoft.com/office/drawing/2010/main" Requires="a14">
+      <mc:AlternateContent xmlns:mc="http://schemas.openxmlformats.org/markup-compatibility/2006" xmlns:a14="http://schemas.microsoft.com/office/drawing/2010/main">
+        <mc:Choice Requires="a14">
           <p:sp>
             <p:nvSpPr>
               <p:cNvPr id="44" name="TextBox 43">
@@ -8095,7 +8096,7 @@
             </p:txBody>
           </p:sp>
         </mc:Choice>
-        <mc:Fallback>
+        <mc:Fallback xmlns="">
           <p:sp>
             <p:nvSpPr>
               <p:cNvPr id="44" name="TextBox 43">
@@ -8274,8 +8275,8 @@
           </a:p>
         </p:txBody>
       </p:sp>
-      <mc:AlternateContent xmlns:mc="http://schemas.openxmlformats.org/markup-compatibility/2006">
-        <mc:Choice xmlns:a14="http://schemas.microsoft.com/office/drawing/2010/main" Requires="a14">
+      <mc:AlternateContent xmlns:mc="http://schemas.openxmlformats.org/markup-compatibility/2006" xmlns:a14="http://schemas.microsoft.com/office/drawing/2010/main">
+        <mc:Choice Requires="a14">
           <p:sp>
             <p:nvSpPr>
               <p:cNvPr id="61" name="TextBox 60">
@@ -8311,6 +8312,7 @@
                 <a:endParaRPr lang="en-US" altLang="ko-KR" dirty="0"/>
               </a:p>
               <a:p>
+                <a:pPr/>
                 <a14:m>
                   <m:oMathPara xmlns:m="http://schemas.openxmlformats.org/officeDocument/2006/math">
                     <m:oMathParaPr>
@@ -8394,7 +8396,7 @@
             </p:txBody>
           </p:sp>
         </mc:Choice>
-        <mc:Fallback>
+        <mc:Fallback xmlns="">
           <p:sp>
             <p:nvSpPr>
               <p:cNvPr id="61" name="TextBox 60">
@@ -8439,8 +8441,8 @@
           </p:sp>
         </mc:Fallback>
       </mc:AlternateContent>
-      <mc:AlternateContent xmlns:mc="http://schemas.openxmlformats.org/markup-compatibility/2006">
-        <mc:Choice xmlns:a14="http://schemas.microsoft.com/office/drawing/2010/main" Requires="a14">
+      <mc:AlternateContent xmlns:mc="http://schemas.openxmlformats.org/markup-compatibility/2006" xmlns:a14="http://schemas.microsoft.com/office/drawing/2010/main">
+        <mc:Choice Requires="a14">
           <p:sp>
             <p:nvSpPr>
               <p:cNvPr id="64" name="TextBox 63">
@@ -8504,7 +8506,7 @@
             </p:txBody>
           </p:sp>
         </mc:Choice>
-        <mc:Fallback>
+        <mc:Fallback xmlns="">
           <p:sp>
             <p:nvSpPr>
               <p:cNvPr id="64" name="TextBox 63">
@@ -8594,6 +8596,2254 @@
     <p:extLst>
       <p:ext uri="{BB962C8B-B14F-4D97-AF65-F5344CB8AC3E}">
         <p14:creationId xmlns:p14="http://schemas.microsoft.com/office/powerpoint/2010/main" val="3556593345"/>
+      </p:ext>
+    </p:extLst>
+  </p:cSld>
+  <p:clrMapOvr>
+    <a:masterClrMapping/>
+  </p:clrMapOvr>
+</p:sld>
+</file>
+
+<file path=ppt/slides/slide3.xml><?xml version="1.0" encoding="utf-8"?>
+<p:sld xmlns:a="http://schemas.openxmlformats.org/drawingml/2006/main" xmlns:r="http://schemas.openxmlformats.org/officeDocument/2006/relationships" xmlns:p="http://schemas.openxmlformats.org/presentationml/2006/main">
+  <p:cSld>
+    <p:spTree>
+      <p:nvGrpSpPr>
+        <p:cNvPr id="1" name=""/>
+        <p:cNvGrpSpPr/>
+        <p:nvPr/>
+      </p:nvGrpSpPr>
+      <p:grpSpPr>
+        <a:xfrm>
+          <a:off x="0" y="0"/>
+          <a:ext cx="0" cy="0"/>
+          <a:chOff x="0" y="0"/>
+          <a:chExt cx="0" cy="0"/>
+        </a:xfrm>
+      </p:grpSpPr>
+      <p:sp>
+        <p:nvSpPr>
+          <p:cNvPr id="4" name="자유형: 도형 3">
+            <a:extLst>
+              <a:ext uri="{FF2B5EF4-FFF2-40B4-BE49-F238E27FC236}">
+                <a16:creationId xmlns:a16="http://schemas.microsoft.com/office/drawing/2014/main" id="{61D125AF-5EDB-4CD3-881B-44E25A07BDA9}"/>
+              </a:ext>
+            </a:extLst>
+          </p:cNvPr>
+          <p:cNvSpPr/>
+          <p:nvPr/>
+        </p:nvSpPr>
+        <p:spPr>
+          <a:xfrm>
+            <a:off x="8412480" y="2186940"/>
+            <a:ext cx="2434590" cy="2137410"/>
+          </a:xfrm>
+          <a:custGeom>
+            <a:avLst/>
+            <a:gdLst>
+              <a:gd name="connsiteX0" fmla="*/ 499110 w 2434590"/>
+              <a:gd name="connsiteY0" fmla="*/ 640080 h 2137410"/>
+              <a:gd name="connsiteX1" fmla="*/ 0 w 2434590"/>
+              <a:gd name="connsiteY1" fmla="*/ 2137410 h 2137410"/>
+              <a:gd name="connsiteX2" fmla="*/ 1943100 w 2434590"/>
+              <a:gd name="connsiteY2" fmla="*/ 1478280 h 2137410"/>
+              <a:gd name="connsiteX3" fmla="*/ 2434590 w 2434590"/>
+              <a:gd name="connsiteY3" fmla="*/ 0 h 2137410"/>
+              <a:gd name="connsiteX4" fmla="*/ 499110 w 2434590"/>
+              <a:gd name="connsiteY4" fmla="*/ 640080 h 2137410"/>
+            </a:gdLst>
+            <a:ahLst/>
+            <a:cxnLst>
+              <a:cxn ang="0">
+                <a:pos x="connsiteX0" y="connsiteY0"/>
+              </a:cxn>
+              <a:cxn ang="0">
+                <a:pos x="connsiteX1" y="connsiteY1"/>
+              </a:cxn>
+              <a:cxn ang="0">
+                <a:pos x="connsiteX2" y="connsiteY2"/>
+              </a:cxn>
+              <a:cxn ang="0">
+                <a:pos x="connsiteX3" y="connsiteY3"/>
+              </a:cxn>
+              <a:cxn ang="0">
+                <a:pos x="connsiteX4" y="connsiteY4"/>
+              </a:cxn>
+            </a:cxnLst>
+            <a:rect l="l" t="t" r="r" b="b"/>
+            <a:pathLst>
+              <a:path w="2434590" h="2137410">
+                <a:moveTo>
+                  <a:pt x="499110" y="640080"/>
+                </a:moveTo>
+                <a:lnTo>
+                  <a:pt x="0" y="2137410"/>
+                </a:lnTo>
+                <a:lnTo>
+                  <a:pt x="1943100" y="1478280"/>
+                </a:lnTo>
+                <a:lnTo>
+                  <a:pt x="2434590" y="0"/>
+                </a:lnTo>
+                <a:lnTo>
+                  <a:pt x="499110" y="640080"/>
+                </a:lnTo>
+                <a:close/>
+              </a:path>
+            </a:pathLst>
+          </a:custGeom>
+          <a:solidFill>
+            <a:schemeClr val="accent2">
+              <a:lumMod val="40000"/>
+              <a:lumOff val="60000"/>
+            </a:schemeClr>
+          </a:solidFill>
+        </p:spPr>
+        <p:style>
+          <a:lnRef idx="2">
+            <a:schemeClr val="accent1">
+              <a:shade val="50000"/>
+            </a:schemeClr>
+          </a:lnRef>
+          <a:fillRef idx="1">
+            <a:schemeClr val="accent1"/>
+          </a:fillRef>
+          <a:effectRef idx="0">
+            <a:schemeClr val="accent1"/>
+          </a:effectRef>
+          <a:fontRef idx="minor">
+            <a:schemeClr val="lt1"/>
+          </a:fontRef>
+        </p:style>
+        <p:txBody>
+          <a:bodyPr rtlCol="0" anchor="ctr"/>
+          <a:lstStyle/>
+          <a:p>
+            <a:pPr algn="ctr"/>
+            <a:endParaRPr lang="ko-KR" altLang="en-US" dirty="0"/>
+          </a:p>
+        </p:txBody>
+      </p:sp>
+      <p:sp>
+        <p:nvSpPr>
+          <p:cNvPr id="2" name="직사각형 1">
+            <a:extLst>
+              <a:ext uri="{FF2B5EF4-FFF2-40B4-BE49-F238E27FC236}">
+                <a16:creationId xmlns:a16="http://schemas.microsoft.com/office/drawing/2014/main" id="{162F0B73-797A-4539-9339-1EF0595446F2}"/>
+              </a:ext>
+            </a:extLst>
+          </p:cNvPr>
+          <p:cNvSpPr/>
+          <p:nvPr/>
+        </p:nvSpPr>
+        <p:spPr>
+          <a:xfrm>
+            <a:off x="1862859" y="2763662"/>
+            <a:ext cx="1728702" cy="1762813"/>
+          </a:xfrm>
+          <a:prstGeom prst="rect">
+            <a:avLst/>
+          </a:prstGeom>
+          <a:solidFill>
+            <a:schemeClr val="accent5">
+              <a:lumMod val="40000"/>
+              <a:lumOff val="60000"/>
+            </a:schemeClr>
+          </a:solidFill>
+          <a:ln>
+            <a:solidFill>
+              <a:schemeClr val="tx1"/>
+            </a:solidFill>
+          </a:ln>
+        </p:spPr>
+        <p:style>
+          <a:lnRef idx="2">
+            <a:schemeClr val="accent1">
+              <a:shade val="50000"/>
+            </a:schemeClr>
+          </a:lnRef>
+          <a:fillRef idx="1">
+            <a:schemeClr val="accent1"/>
+          </a:fillRef>
+          <a:effectRef idx="0">
+            <a:schemeClr val="accent1"/>
+          </a:effectRef>
+          <a:fontRef idx="minor">
+            <a:schemeClr val="lt1"/>
+          </a:fontRef>
+        </p:style>
+        <p:txBody>
+          <a:bodyPr rtlCol="0" anchor="ctr"/>
+          <a:lstStyle/>
+          <a:p>
+            <a:pPr algn="ctr"/>
+            <a:endParaRPr lang="ko-KR" altLang="en-US"/>
+          </a:p>
+        </p:txBody>
+      </p:sp>
+      <p:cxnSp>
+        <p:nvCxnSpPr>
+          <p:cNvPr id="10" name="직선 화살표 연결선 9">
+            <a:extLst>
+              <a:ext uri="{FF2B5EF4-FFF2-40B4-BE49-F238E27FC236}">
+                <a16:creationId xmlns:a16="http://schemas.microsoft.com/office/drawing/2014/main" id="{552EF026-F645-420E-A273-FF0EC7793B2D}"/>
+              </a:ext>
+            </a:extLst>
+          </p:cNvPr>
+          <p:cNvCxnSpPr/>
+          <p:nvPr/>
+        </p:nvCxnSpPr>
+        <p:spPr>
+          <a:xfrm>
+            <a:off x="455350" y="5595480"/>
+            <a:ext cx="4807670" cy="0"/>
+          </a:xfrm>
+          <a:prstGeom prst="straightConnector1">
+            <a:avLst/>
+          </a:prstGeom>
+          <a:ln w="38100">
+            <a:solidFill>
+              <a:schemeClr val="tx1"/>
+            </a:solidFill>
+            <a:tailEnd type="triangle"/>
+          </a:ln>
+        </p:spPr>
+        <p:style>
+          <a:lnRef idx="1">
+            <a:schemeClr val="accent1"/>
+          </a:lnRef>
+          <a:fillRef idx="0">
+            <a:schemeClr val="accent1"/>
+          </a:fillRef>
+          <a:effectRef idx="0">
+            <a:schemeClr val="accent1"/>
+          </a:effectRef>
+          <a:fontRef idx="minor">
+            <a:schemeClr val="tx1"/>
+          </a:fontRef>
+        </p:style>
+      </p:cxnSp>
+      <p:cxnSp>
+        <p:nvCxnSpPr>
+          <p:cNvPr id="11" name="직선 화살표 연결선 10">
+            <a:extLst>
+              <a:ext uri="{FF2B5EF4-FFF2-40B4-BE49-F238E27FC236}">
+                <a16:creationId xmlns:a16="http://schemas.microsoft.com/office/drawing/2014/main" id="{3A93E4BA-BC15-4987-8549-52DF92D30E31}"/>
+              </a:ext>
+            </a:extLst>
+          </p:cNvPr>
+          <p:cNvCxnSpPr>
+            <a:cxnSpLocks/>
+          </p:cNvCxnSpPr>
+          <p:nvPr/>
+        </p:nvCxnSpPr>
+        <p:spPr>
+          <a:xfrm rot="16200000">
+            <a:off x="-1250902" y="3773750"/>
+            <a:ext cx="4807670" cy="0"/>
+          </a:xfrm>
+          <a:prstGeom prst="straightConnector1">
+            <a:avLst/>
+          </a:prstGeom>
+          <a:ln w="38100">
+            <a:solidFill>
+              <a:schemeClr val="tx1"/>
+            </a:solidFill>
+            <a:tailEnd type="triangle"/>
+          </a:ln>
+        </p:spPr>
+        <p:style>
+          <a:lnRef idx="1">
+            <a:schemeClr val="accent1"/>
+          </a:lnRef>
+          <a:fillRef idx="0">
+            <a:schemeClr val="accent1"/>
+          </a:fillRef>
+          <a:effectRef idx="0">
+            <a:schemeClr val="accent1"/>
+          </a:effectRef>
+          <a:fontRef idx="minor">
+            <a:schemeClr val="tx1"/>
+          </a:fontRef>
+        </p:style>
+      </p:cxnSp>
+      <p:cxnSp>
+        <p:nvCxnSpPr>
+          <p:cNvPr id="12" name="직선 화살표 연결선 11">
+            <a:extLst>
+              <a:ext uri="{FF2B5EF4-FFF2-40B4-BE49-F238E27FC236}">
+                <a16:creationId xmlns:a16="http://schemas.microsoft.com/office/drawing/2014/main" id="{2FC35337-CA90-4CD9-A964-BBC05F6B595A}"/>
+              </a:ext>
+            </a:extLst>
+          </p:cNvPr>
+          <p:cNvCxnSpPr/>
+          <p:nvPr/>
+        </p:nvCxnSpPr>
+        <p:spPr>
+          <a:xfrm>
+            <a:off x="6813851" y="5595480"/>
+            <a:ext cx="4807670" cy="0"/>
+          </a:xfrm>
+          <a:prstGeom prst="straightConnector1">
+            <a:avLst/>
+          </a:prstGeom>
+          <a:ln w="38100">
+            <a:solidFill>
+              <a:schemeClr val="tx1"/>
+            </a:solidFill>
+            <a:tailEnd type="triangle"/>
+          </a:ln>
+        </p:spPr>
+        <p:style>
+          <a:lnRef idx="1">
+            <a:schemeClr val="accent1"/>
+          </a:lnRef>
+          <a:fillRef idx="0">
+            <a:schemeClr val="accent1"/>
+          </a:fillRef>
+          <a:effectRef idx="0">
+            <a:schemeClr val="accent1"/>
+          </a:effectRef>
+          <a:fontRef idx="minor">
+            <a:schemeClr val="tx1"/>
+          </a:fontRef>
+        </p:style>
+      </p:cxnSp>
+      <p:cxnSp>
+        <p:nvCxnSpPr>
+          <p:cNvPr id="13" name="직선 화살표 연결선 12">
+            <a:extLst>
+              <a:ext uri="{FF2B5EF4-FFF2-40B4-BE49-F238E27FC236}">
+                <a16:creationId xmlns:a16="http://schemas.microsoft.com/office/drawing/2014/main" id="{0F2DEA73-CC5C-449A-BC9F-471DD8335CBB}"/>
+              </a:ext>
+            </a:extLst>
+          </p:cNvPr>
+          <p:cNvCxnSpPr>
+            <a:cxnSpLocks/>
+          </p:cNvCxnSpPr>
+          <p:nvPr/>
+        </p:nvCxnSpPr>
+        <p:spPr>
+          <a:xfrm rot="16200000">
+            <a:off x="5107599" y="3773750"/>
+            <a:ext cx="4807670" cy="0"/>
+          </a:xfrm>
+          <a:prstGeom prst="straightConnector1">
+            <a:avLst/>
+          </a:prstGeom>
+          <a:ln w="38100">
+            <a:solidFill>
+              <a:schemeClr val="tx1"/>
+            </a:solidFill>
+            <a:tailEnd type="triangle"/>
+          </a:ln>
+        </p:spPr>
+        <p:style>
+          <a:lnRef idx="1">
+            <a:schemeClr val="accent1"/>
+          </a:lnRef>
+          <a:fillRef idx="0">
+            <a:schemeClr val="accent1"/>
+          </a:fillRef>
+          <a:effectRef idx="0">
+            <a:schemeClr val="accent1"/>
+          </a:effectRef>
+          <a:fontRef idx="minor">
+            <a:schemeClr val="tx1"/>
+          </a:fontRef>
+        </p:style>
+      </p:cxnSp>
+      <mc:AlternateContent xmlns:mc="http://schemas.openxmlformats.org/markup-compatibility/2006" xmlns:a14="http://schemas.microsoft.com/office/drawing/2010/main">
+        <mc:Choice Requires="a14">
+          <p:sp>
+            <p:nvSpPr>
+              <p:cNvPr id="19" name="TextBox 18">
+                <a:extLst>
+                  <a:ext uri="{FF2B5EF4-FFF2-40B4-BE49-F238E27FC236}">
+                    <a16:creationId xmlns:a16="http://schemas.microsoft.com/office/drawing/2014/main" id="{1B18DD39-D6BD-436D-AF5F-E473C2069CB7}"/>
+                  </a:ext>
+                </a:extLst>
+              </p:cNvPr>
+              <p:cNvSpPr txBox="1"/>
+              <p:nvPr/>
+            </p:nvSpPr>
+            <p:spPr>
+              <a:xfrm>
+                <a:off x="9159292" y="3949322"/>
+                <a:ext cx="538353" cy="461665"/>
+              </a:xfrm>
+              <a:prstGeom prst="rect">
+                <a:avLst/>
+              </a:prstGeom>
+              <a:noFill/>
+            </p:spPr>
+            <p:txBody>
+              <a:bodyPr wrap="square" rtlCol="0">
+                <a:spAutoFit/>
+              </a:bodyPr>
+              <a:lstStyle/>
+              <a:p>
+                <a:pPr algn="ctr"/>
+                <a14:m>
+                  <m:oMathPara xmlns:m="http://schemas.openxmlformats.org/officeDocument/2006/math">
+                    <m:oMathParaPr>
+                      <m:jc m:val="centerGroup"/>
+                    </m:oMathParaPr>
+                    <m:oMath xmlns:m="http://schemas.openxmlformats.org/officeDocument/2006/math">
+                      <m:r>
+                        <a:rPr lang="en-US" altLang="ko-KR" sz="2400" b="0" i="1" smtClean="0">
+                          <a:latin typeface="Cambria Math" panose="02040503050406030204" pitchFamily="18" charset="0"/>
+                        </a:rPr>
+                        <m:t>𝑑𝑥</m:t>
+                      </m:r>
+                    </m:oMath>
+                  </m:oMathPara>
+                </a14:m>
+                <a:endParaRPr lang="ko-KR" altLang="en-US" sz="2400" dirty="0"/>
+              </a:p>
+            </p:txBody>
+          </p:sp>
+        </mc:Choice>
+        <mc:Fallback xmlns="">
+          <p:sp>
+            <p:nvSpPr>
+              <p:cNvPr id="19" name="TextBox 18">
+                <a:extLst>
+                  <a:ext uri="{FF2B5EF4-FFF2-40B4-BE49-F238E27FC236}">
+                    <a16:creationId xmlns:a16="http://schemas.microsoft.com/office/drawing/2014/main" id="{1B18DD39-D6BD-436D-AF5F-E473C2069CB7}"/>
+                  </a:ext>
+                </a:extLst>
+              </p:cNvPr>
+              <p:cNvSpPr txBox="1">
+                <a:spLocks noRot="1" noChangeAspect="1" noMove="1" noResize="1" noEditPoints="1" noAdjustHandles="1" noChangeArrowheads="1" noChangeShapeType="1" noTextEdit="1"/>
+              </p:cNvSpPr>
+              <p:nvPr/>
+            </p:nvSpPr>
+            <p:spPr>
+              <a:xfrm>
+                <a:off x="9159292" y="3949322"/>
+                <a:ext cx="538353" cy="461665"/>
+              </a:xfrm>
+              <a:prstGeom prst="rect">
+                <a:avLst/>
+              </a:prstGeom>
+              <a:blipFill>
+                <a:blip r:embed="rId2"/>
+                <a:stretch>
+                  <a:fillRect l="-12500"/>
+                </a:stretch>
+              </a:blipFill>
+            </p:spPr>
+            <p:txBody>
+              <a:bodyPr/>
+              <a:lstStyle/>
+              <a:p>
+                <a:r>
+                  <a:rPr lang="ko-KR" altLang="en-US">
+                    <a:noFill/>
+                  </a:rPr>
+                  <a:t> </a:t>
+                </a:r>
+              </a:p>
+            </p:txBody>
+          </p:sp>
+        </mc:Fallback>
+      </mc:AlternateContent>
+      <mc:AlternateContent xmlns:mc="http://schemas.openxmlformats.org/markup-compatibility/2006" xmlns:a14="http://schemas.microsoft.com/office/drawing/2010/main">
+        <mc:Choice Requires="a14">
+          <p:sp>
+            <p:nvSpPr>
+              <p:cNvPr id="20" name="TextBox 19">
+                <a:extLst>
+                  <a:ext uri="{FF2B5EF4-FFF2-40B4-BE49-F238E27FC236}">
+                    <a16:creationId xmlns:a16="http://schemas.microsoft.com/office/drawing/2014/main" id="{D492A4FA-62DF-4DE1-858B-5FFEA0029490}"/>
+                  </a:ext>
+                </a:extLst>
+              </p:cNvPr>
+              <p:cNvSpPr txBox="1"/>
+              <p:nvPr/>
+            </p:nvSpPr>
+            <p:spPr>
+              <a:xfrm>
+                <a:off x="1319279" y="3446804"/>
+                <a:ext cx="647357" cy="461665"/>
+              </a:xfrm>
+              <a:prstGeom prst="rect">
+                <a:avLst/>
+              </a:prstGeom>
+              <a:noFill/>
+            </p:spPr>
+            <p:txBody>
+              <a:bodyPr wrap="none" rtlCol="0">
+                <a:spAutoFit/>
+              </a:bodyPr>
+              <a:lstStyle/>
+              <a:p>
+                <a:pPr algn="ctr"/>
+                <a14:m>
+                  <m:oMathPara xmlns:m="http://schemas.openxmlformats.org/officeDocument/2006/math">
+                    <m:oMathParaPr>
+                      <m:jc m:val="centerGroup"/>
+                    </m:oMathParaPr>
+                    <m:oMath xmlns:m="http://schemas.openxmlformats.org/officeDocument/2006/math">
+                      <m:r>
+                        <a:rPr lang="en-US" altLang="ko-KR" sz="2400" b="0" i="1" smtClean="0">
+                          <a:latin typeface="Cambria Math" panose="02040503050406030204" pitchFamily="18" charset="0"/>
+                        </a:rPr>
+                        <m:t>𝑑𝑣</m:t>
+                      </m:r>
+                    </m:oMath>
+                  </m:oMathPara>
+                </a14:m>
+                <a:endParaRPr lang="ko-KR" altLang="en-US" sz="2400" dirty="0"/>
+              </a:p>
+            </p:txBody>
+          </p:sp>
+        </mc:Choice>
+        <mc:Fallback xmlns="">
+          <p:sp>
+            <p:nvSpPr>
+              <p:cNvPr id="20" name="TextBox 19">
+                <a:extLst>
+                  <a:ext uri="{FF2B5EF4-FFF2-40B4-BE49-F238E27FC236}">
+                    <a16:creationId xmlns:a16="http://schemas.microsoft.com/office/drawing/2014/main" id="{D492A4FA-62DF-4DE1-858B-5FFEA0029490}"/>
+                  </a:ext>
+                </a:extLst>
+              </p:cNvPr>
+              <p:cNvSpPr txBox="1">
+                <a:spLocks noRot="1" noChangeAspect="1" noMove="1" noResize="1" noEditPoints="1" noAdjustHandles="1" noChangeArrowheads="1" noChangeShapeType="1" noTextEdit="1"/>
+              </p:cNvSpPr>
+              <p:nvPr/>
+            </p:nvSpPr>
+            <p:spPr>
+              <a:xfrm>
+                <a:off x="1319279" y="3446804"/>
+                <a:ext cx="647357" cy="461665"/>
+              </a:xfrm>
+              <a:prstGeom prst="rect">
+                <a:avLst/>
+              </a:prstGeom>
+              <a:blipFill>
+                <a:blip r:embed="rId3"/>
+                <a:stretch>
+                  <a:fillRect l="-2804"/>
+                </a:stretch>
+              </a:blipFill>
+            </p:spPr>
+            <p:txBody>
+              <a:bodyPr/>
+              <a:lstStyle/>
+              <a:p>
+                <a:r>
+                  <a:rPr lang="ko-KR" altLang="en-US">
+                    <a:noFill/>
+                  </a:rPr>
+                  <a:t> </a:t>
+                </a:r>
+              </a:p>
+            </p:txBody>
+          </p:sp>
+        </mc:Fallback>
+      </mc:AlternateContent>
+      <mc:AlternateContent xmlns:mc="http://schemas.openxmlformats.org/markup-compatibility/2006" xmlns:a14="http://schemas.microsoft.com/office/drawing/2010/main">
+        <mc:Choice Requires="a14">
+          <p:sp>
+            <p:nvSpPr>
+              <p:cNvPr id="21" name="TextBox 20">
+                <a:extLst>
+                  <a:ext uri="{FF2B5EF4-FFF2-40B4-BE49-F238E27FC236}">
+                    <a16:creationId xmlns:a16="http://schemas.microsoft.com/office/drawing/2014/main" id="{3BD74A75-68ED-40D3-8694-456A37DF3197}"/>
+                  </a:ext>
+                </a:extLst>
+              </p:cNvPr>
+              <p:cNvSpPr txBox="1"/>
+              <p:nvPr/>
+            </p:nvSpPr>
+            <p:spPr>
+              <a:xfrm>
+                <a:off x="4929561" y="5598170"/>
+                <a:ext cx="477823" cy="461665"/>
+              </a:xfrm>
+              <a:prstGeom prst="rect">
+                <a:avLst/>
+              </a:prstGeom>
+              <a:noFill/>
+            </p:spPr>
+            <p:txBody>
+              <a:bodyPr wrap="none" rtlCol="0">
+                <a:spAutoFit/>
+              </a:bodyPr>
+              <a:lstStyle/>
+              <a:p>
+                <a:pPr algn="ctr"/>
+                <a14:m>
+                  <m:oMathPara xmlns:m="http://schemas.openxmlformats.org/officeDocument/2006/math">
+                    <m:oMathParaPr>
+                      <m:jc m:val="centerGroup"/>
+                    </m:oMathParaPr>
+                    <m:oMath xmlns:m="http://schemas.openxmlformats.org/officeDocument/2006/math">
+                      <m:r>
+                        <a:rPr lang="en-US" altLang="ko-KR" sz="2400" b="0" i="1" smtClean="0">
+                          <a:latin typeface="Cambria Math" panose="02040503050406030204" pitchFamily="18" charset="0"/>
+                        </a:rPr>
+                        <m:t>𝑢</m:t>
+                      </m:r>
+                    </m:oMath>
+                  </m:oMathPara>
+                </a14:m>
+                <a:endParaRPr lang="ko-KR" altLang="en-US" sz="2400" dirty="0"/>
+              </a:p>
+            </p:txBody>
+          </p:sp>
+        </mc:Choice>
+        <mc:Fallback xmlns="">
+          <p:sp>
+            <p:nvSpPr>
+              <p:cNvPr id="21" name="TextBox 20">
+                <a:extLst>
+                  <a:ext uri="{FF2B5EF4-FFF2-40B4-BE49-F238E27FC236}">
+                    <a16:creationId xmlns:a16="http://schemas.microsoft.com/office/drawing/2014/main" id="{3BD74A75-68ED-40D3-8694-456A37DF3197}"/>
+                  </a:ext>
+                </a:extLst>
+              </p:cNvPr>
+              <p:cNvSpPr txBox="1">
+                <a:spLocks noRot="1" noChangeAspect="1" noMove="1" noResize="1" noEditPoints="1" noAdjustHandles="1" noChangeArrowheads="1" noChangeShapeType="1" noTextEdit="1"/>
+              </p:cNvSpPr>
+              <p:nvPr/>
+            </p:nvSpPr>
+            <p:spPr>
+              <a:xfrm>
+                <a:off x="4929561" y="5598170"/>
+                <a:ext cx="477823" cy="461665"/>
+              </a:xfrm>
+              <a:prstGeom prst="rect">
+                <a:avLst/>
+              </a:prstGeom>
+              <a:blipFill>
+                <a:blip r:embed="rId4"/>
+                <a:stretch>
+                  <a:fillRect/>
+                </a:stretch>
+              </a:blipFill>
+            </p:spPr>
+            <p:txBody>
+              <a:bodyPr/>
+              <a:lstStyle/>
+              <a:p>
+                <a:r>
+                  <a:rPr lang="ko-KR" altLang="en-US">
+                    <a:noFill/>
+                  </a:rPr>
+                  <a:t> </a:t>
+                </a:r>
+              </a:p>
+            </p:txBody>
+          </p:sp>
+        </mc:Fallback>
+      </mc:AlternateContent>
+      <mc:AlternateContent xmlns:mc="http://schemas.openxmlformats.org/markup-compatibility/2006" xmlns:a14="http://schemas.microsoft.com/office/drawing/2010/main">
+        <mc:Choice Requires="a14">
+          <p:sp>
+            <p:nvSpPr>
+              <p:cNvPr id="22" name="TextBox 21">
+                <a:extLst>
+                  <a:ext uri="{FF2B5EF4-FFF2-40B4-BE49-F238E27FC236}">
+                    <a16:creationId xmlns:a16="http://schemas.microsoft.com/office/drawing/2014/main" id="{50E4CEED-4C3D-4C08-A8BC-C3440A67423D}"/>
+                  </a:ext>
+                </a:extLst>
+              </p:cNvPr>
+              <p:cNvSpPr txBox="1"/>
+              <p:nvPr/>
+            </p:nvSpPr>
+            <p:spPr>
+              <a:xfrm>
+                <a:off x="720210" y="1369915"/>
+                <a:ext cx="469424" cy="461665"/>
+              </a:xfrm>
+              <a:prstGeom prst="rect">
+                <a:avLst/>
+              </a:prstGeom>
+              <a:noFill/>
+            </p:spPr>
+            <p:txBody>
+              <a:bodyPr wrap="none" rtlCol="0">
+                <a:spAutoFit/>
+              </a:bodyPr>
+              <a:lstStyle/>
+              <a:p>
+                <a:pPr algn="ctr"/>
+                <a14:m>
+                  <m:oMathPara xmlns:m="http://schemas.openxmlformats.org/officeDocument/2006/math">
+                    <m:oMathParaPr>
+                      <m:jc m:val="centerGroup"/>
+                    </m:oMathParaPr>
+                    <m:oMath xmlns:m="http://schemas.openxmlformats.org/officeDocument/2006/math">
+                      <m:r>
+                        <a:rPr lang="en-US" altLang="ko-KR" sz="2400" b="0" i="1" smtClean="0">
+                          <a:latin typeface="Cambria Math" panose="02040503050406030204" pitchFamily="18" charset="0"/>
+                        </a:rPr>
+                        <m:t>𝑣</m:t>
+                      </m:r>
+                    </m:oMath>
+                  </m:oMathPara>
+                </a14:m>
+                <a:endParaRPr lang="ko-KR" altLang="en-US" sz="2400" dirty="0"/>
+              </a:p>
+            </p:txBody>
+          </p:sp>
+        </mc:Choice>
+        <mc:Fallback xmlns="">
+          <p:sp>
+            <p:nvSpPr>
+              <p:cNvPr id="22" name="TextBox 21">
+                <a:extLst>
+                  <a:ext uri="{FF2B5EF4-FFF2-40B4-BE49-F238E27FC236}">
+                    <a16:creationId xmlns:a16="http://schemas.microsoft.com/office/drawing/2014/main" id="{50E4CEED-4C3D-4C08-A8BC-C3440A67423D}"/>
+                  </a:ext>
+                </a:extLst>
+              </p:cNvPr>
+              <p:cNvSpPr txBox="1">
+                <a:spLocks noRot="1" noChangeAspect="1" noMove="1" noResize="1" noEditPoints="1" noAdjustHandles="1" noChangeArrowheads="1" noChangeShapeType="1" noTextEdit="1"/>
+              </p:cNvSpPr>
+              <p:nvPr/>
+            </p:nvSpPr>
+            <p:spPr>
+              <a:xfrm>
+                <a:off x="720210" y="1369915"/>
+                <a:ext cx="469424" cy="461665"/>
+              </a:xfrm>
+              <a:prstGeom prst="rect">
+                <a:avLst/>
+              </a:prstGeom>
+              <a:blipFill>
+                <a:blip r:embed="rId5"/>
+                <a:stretch>
+                  <a:fillRect/>
+                </a:stretch>
+              </a:blipFill>
+            </p:spPr>
+            <p:txBody>
+              <a:bodyPr/>
+              <a:lstStyle/>
+              <a:p>
+                <a:r>
+                  <a:rPr lang="ko-KR" altLang="en-US">
+                    <a:noFill/>
+                  </a:rPr>
+                  <a:t> </a:t>
+                </a:r>
+              </a:p>
+            </p:txBody>
+          </p:sp>
+        </mc:Fallback>
+      </mc:AlternateContent>
+      <mc:AlternateContent xmlns:mc="http://schemas.openxmlformats.org/markup-compatibility/2006" xmlns:a14="http://schemas.microsoft.com/office/drawing/2010/main">
+        <mc:Choice Requires="a14">
+          <p:sp>
+            <p:nvSpPr>
+              <p:cNvPr id="23" name="TextBox 22">
+                <a:extLst>
+                  <a:ext uri="{FF2B5EF4-FFF2-40B4-BE49-F238E27FC236}">
+                    <a16:creationId xmlns:a16="http://schemas.microsoft.com/office/drawing/2014/main" id="{3415DF3D-ADAC-4485-AF85-277E5E70A1F2}"/>
+                  </a:ext>
+                </a:extLst>
+              </p:cNvPr>
+              <p:cNvSpPr txBox="1"/>
+              <p:nvPr/>
+            </p:nvSpPr>
+            <p:spPr>
+              <a:xfrm>
+                <a:off x="723127" y="5598171"/>
+                <a:ext cx="463588" cy="461665"/>
+              </a:xfrm>
+              <a:prstGeom prst="rect">
+                <a:avLst/>
+              </a:prstGeom>
+              <a:noFill/>
+            </p:spPr>
+            <p:txBody>
+              <a:bodyPr wrap="none" rtlCol="0">
+                <a:spAutoFit/>
+              </a:bodyPr>
+              <a:lstStyle/>
+              <a:p>
+                <a:pPr algn="ctr"/>
+                <a14:m>
+                  <m:oMathPara xmlns:m="http://schemas.openxmlformats.org/officeDocument/2006/math">
+                    <m:oMathParaPr>
+                      <m:jc m:val="centerGroup"/>
+                    </m:oMathParaPr>
+                    <m:oMath xmlns:m="http://schemas.openxmlformats.org/officeDocument/2006/math">
+                      <m:r>
+                        <a:rPr lang="en-US" altLang="ko-KR" sz="2400" b="0" i="1" smtClean="0">
+                          <a:latin typeface="Cambria Math" panose="02040503050406030204" pitchFamily="18" charset="0"/>
+                        </a:rPr>
+                        <m:t>0</m:t>
+                      </m:r>
+                    </m:oMath>
+                  </m:oMathPara>
+                </a14:m>
+                <a:endParaRPr lang="ko-KR" altLang="en-US" sz="2400" dirty="0"/>
+              </a:p>
+            </p:txBody>
+          </p:sp>
+        </mc:Choice>
+        <mc:Fallback xmlns="">
+          <p:sp>
+            <p:nvSpPr>
+              <p:cNvPr id="23" name="TextBox 22">
+                <a:extLst>
+                  <a:ext uri="{FF2B5EF4-FFF2-40B4-BE49-F238E27FC236}">
+                    <a16:creationId xmlns:a16="http://schemas.microsoft.com/office/drawing/2014/main" id="{3415DF3D-ADAC-4485-AF85-277E5E70A1F2}"/>
+                  </a:ext>
+                </a:extLst>
+              </p:cNvPr>
+              <p:cNvSpPr txBox="1">
+                <a:spLocks noRot="1" noChangeAspect="1" noMove="1" noResize="1" noEditPoints="1" noAdjustHandles="1" noChangeArrowheads="1" noChangeShapeType="1" noTextEdit="1"/>
+              </p:cNvSpPr>
+              <p:nvPr/>
+            </p:nvSpPr>
+            <p:spPr>
+              <a:xfrm>
+                <a:off x="723127" y="5598171"/>
+                <a:ext cx="463588" cy="461665"/>
+              </a:xfrm>
+              <a:prstGeom prst="rect">
+                <a:avLst/>
+              </a:prstGeom>
+              <a:blipFill>
+                <a:blip r:embed="rId6"/>
+                <a:stretch>
+                  <a:fillRect l="-3947"/>
+                </a:stretch>
+              </a:blipFill>
+            </p:spPr>
+            <p:txBody>
+              <a:bodyPr/>
+              <a:lstStyle/>
+              <a:p>
+                <a:r>
+                  <a:rPr lang="ko-KR" altLang="en-US">
+                    <a:noFill/>
+                  </a:rPr>
+                  <a:t> </a:t>
+                </a:r>
+              </a:p>
+            </p:txBody>
+          </p:sp>
+        </mc:Fallback>
+      </mc:AlternateContent>
+      <p:cxnSp>
+        <p:nvCxnSpPr>
+          <p:cNvPr id="28" name="직선 연결선 27">
+            <a:extLst>
+              <a:ext uri="{FF2B5EF4-FFF2-40B4-BE49-F238E27FC236}">
+                <a16:creationId xmlns:a16="http://schemas.microsoft.com/office/drawing/2014/main" id="{109B293E-C52E-4EE7-80DB-494C227F4052}"/>
+              </a:ext>
+            </a:extLst>
+          </p:cNvPr>
+          <p:cNvCxnSpPr>
+            <a:cxnSpLocks/>
+            <a:stCxn id="4" idx="1"/>
+            <a:endCxn id="4" idx="2"/>
+          </p:cNvCxnSpPr>
+          <p:nvPr/>
+        </p:nvCxnSpPr>
+        <p:spPr>
+          <a:xfrm flipV="1">
+            <a:off x="8412480" y="3665220"/>
+            <a:ext cx="1943100" cy="659130"/>
+          </a:xfrm>
+          <a:prstGeom prst="line">
+            <a:avLst/>
+          </a:prstGeom>
+          <a:ln w="12700">
+            <a:solidFill>
+              <a:srgbClr val="FF0000"/>
+            </a:solidFill>
+          </a:ln>
+        </p:spPr>
+        <p:style>
+          <a:lnRef idx="1">
+            <a:schemeClr val="accent1"/>
+          </a:lnRef>
+          <a:fillRef idx="0">
+            <a:schemeClr val="accent1"/>
+          </a:fillRef>
+          <a:effectRef idx="0">
+            <a:schemeClr val="accent1"/>
+          </a:effectRef>
+          <a:fontRef idx="minor">
+            <a:schemeClr val="tx1"/>
+          </a:fontRef>
+        </p:style>
+      </p:cxnSp>
+      <p:cxnSp>
+        <p:nvCxnSpPr>
+          <p:cNvPr id="30" name="직선 연결선 29">
+            <a:extLst>
+              <a:ext uri="{FF2B5EF4-FFF2-40B4-BE49-F238E27FC236}">
+                <a16:creationId xmlns:a16="http://schemas.microsoft.com/office/drawing/2014/main" id="{B5F7FA39-B25E-4214-BC1E-4A067F7111BB}"/>
+              </a:ext>
+            </a:extLst>
+          </p:cNvPr>
+          <p:cNvCxnSpPr>
+            <a:cxnSpLocks/>
+          </p:cNvCxnSpPr>
+          <p:nvPr/>
+        </p:nvCxnSpPr>
+        <p:spPr>
+          <a:xfrm flipV="1">
+            <a:off x="8577072" y="3182034"/>
+            <a:ext cx="1935988" cy="649122"/>
+          </a:xfrm>
+          <a:prstGeom prst="line">
+            <a:avLst/>
+          </a:prstGeom>
+          <a:ln w="12700">
+            <a:solidFill>
+              <a:srgbClr val="FF0000"/>
+            </a:solidFill>
+          </a:ln>
+        </p:spPr>
+        <p:style>
+          <a:lnRef idx="1">
+            <a:schemeClr val="accent1"/>
+          </a:lnRef>
+          <a:fillRef idx="0">
+            <a:schemeClr val="accent1"/>
+          </a:fillRef>
+          <a:effectRef idx="0">
+            <a:schemeClr val="accent1"/>
+          </a:effectRef>
+          <a:fontRef idx="minor">
+            <a:schemeClr val="tx1"/>
+          </a:fontRef>
+        </p:style>
+      </p:cxnSp>
+      <p:cxnSp>
+        <p:nvCxnSpPr>
+          <p:cNvPr id="31" name="직선 연결선 30">
+            <a:extLst>
+              <a:ext uri="{FF2B5EF4-FFF2-40B4-BE49-F238E27FC236}">
+                <a16:creationId xmlns:a16="http://schemas.microsoft.com/office/drawing/2014/main" id="{79ECCEF1-6F53-4120-BF3F-3B708D543662}"/>
+              </a:ext>
+            </a:extLst>
+          </p:cNvPr>
+          <p:cNvCxnSpPr>
+            <a:cxnSpLocks/>
+          </p:cNvCxnSpPr>
+          <p:nvPr/>
+        </p:nvCxnSpPr>
+        <p:spPr>
+          <a:xfrm flipV="1">
+            <a:off x="8769711" y="2688764"/>
+            <a:ext cx="1899387" cy="636850"/>
+          </a:xfrm>
+          <a:prstGeom prst="line">
+            <a:avLst/>
+          </a:prstGeom>
+          <a:ln w="12700">
+            <a:solidFill>
+              <a:srgbClr val="FF0000"/>
+            </a:solidFill>
+          </a:ln>
+        </p:spPr>
+        <p:style>
+          <a:lnRef idx="1">
+            <a:schemeClr val="accent1"/>
+          </a:lnRef>
+          <a:fillRef idx="0">
+            <a:schemeClr val="accent1"/>
+          </a:fillRef>
+          <a:effectRef idx="0">
+            <a:schemeClr val="accent1"/>
+          </a:effectRef>
+          <a:fontRef idx="minor">
+            <a:schemeClr val="tx1"/>
+          </a:fontRef>
+        </p:style>
+      </p:cxnSp>
+      <p:cxnSp>
+        <p:nvCxnSpPr>
+          <p:cNvPr id="32" name="직선 연결선 31">
+            <a:extLst>
+              <a:ext uri="{FF2B5EF4-FFF2-40B4-BE49-F238E27FC236}">
+                <a16:creationId xmlns:a16="http://schemas.microsoft.com/office/drawing/2014/main" id="{8AF89C14-DB7F-48A4-ACEF-008A596EB91E}"/>
+              </a:ext>
+            </a:extLst>
+          </p:cNvPr>
+          <p:cNvCxnSpPr>
+            <a:cxnSpLocks/>
+            <a:stCxn id="4" idx="0"/>
+            <a:endCxn id="4" idx="3"/>
+          </p:cNvCxnSpPr>
+          <p:nvPr/>
+        </p:nvCxnSpPr>
+        <p:spPr>
+          <a:xfrm flipV="1">
+            <a:off x="8911590" y="2186940"/>
+            <a:ext cx="1935480" cy="640080"/>
+          </a:xfrm>
+          <a:prstGeom prst="line">
+            <a:avLst/>
+          </a:prstGeom>
+          <a:ln w="12700">
+            <a:solidFill>
+              <a:srgbClr val="FF0000"/>
+            </a:solidFill>
+          </a:ln>
+        </p:spPr>
+        <p:style>
+          <a:lnRef idx="1">
+            <a:schemeClr val="accent1"/>
+          </a:lnRef>
+          <a:fillRef idx="0">
+            <a:schemeClr val="accent1"/>
+          </a:fillRef>
+          <a:effectRef idx="0">
+            <a:schemeClr val="accent1"/>
+          </a:effectRef>
+          <a:fontRef idx="minor">
+            <a:schemeClr val="tx1"/>
+          </a:fontRef>
+        </p:style>
+      </p:cxnSp>
+      <p:cxnSp>
+        <p:nvCxnSpPr>
+          <p:cNvPr id="34" name="직선 연결선 33">
+            <a:extLst>
+              <a:ext uri="{FF2B5EF4-FFF2-40B4-BE49-F238E27FC236}">
+                <a16:creationId xmlns:a16="http://schemas.microsoft.com/office/drawing/2014/main" id="{0EF2B714-381A-4B0B-A100-1960EBD1EB74}"/>
+              </a:ext>
+            </a:extLst>
+          </p:cNvPr>
+          <p:cNvCxnSpPr>
+            <a:cxnSpLocks/>
+            <a:stCxn id="4" idx="1"/>
+          </p:cNvCxnSpPr>
+          <p:nvPr/>
+        </p:nvCxnSpPr>
+        <p:spPr>
+          <a:xfrm flipV="1">
+            <a:off x="8412480" y="2869298"/>
+            <a:ext cx="487725" cy="1455052"/>
+          </a:xfrm>
+          <a:prstGeom prst="line">
+            <a:avLst/>
+          </a:prstGeom>
+          <a:ln w="12700">
+            <a:solidFill>
+              <a:schemeClr val="accent6"/>
+            </a:solidFill>
+          </a:ln>
+        </p:spPr>
+        <p:style>
+          <a:lnRef idx="1">
+            <a:schemeClr val="accent1"/>
+          </a:lnRef>
+          <a:fillRef idx="0">
+            <a:schemeClr val="accent1"/>
+          </a:fillRef>
+          <a:effectRef idx="0">
+            <a:schemeClr val="accent1"/>
+          </a:effectRef>
+          <a:fontRef idx="minor">
+            <a:schemeClr val="tx1"/>
+          </a:fontRef>
+        </p:style>
+      </p:cxnSp>
+      <p:cxnSp>
+        <p:nvCxnSpPr>
+          <p:cNvPr id="37" name="직선 연결선 36">
+            <a:extLst>
+              <a:ext uri="{FF2B5EF4-FFF2-40B4-BE49-F238E27FC236}">
+                <a16:creationId xmlns:a16="http://schemas.microsoft.com/office/drawing/2014/main" id="{89B40201-9F79-4C23-924D-3525B7FE4127}"/>
+              </a:ext>
+            </a:extLst>
+          </p:cNvPr>
+          <p:cNvCxnSpPr>
+            <a:cxnSpLocks/>
+          </p:cNvCxnSpPr>
+          <p:nvPr/>
+        </p:nvCxnSpPr>
+        <p:spPr>
+          <a:xfrm flipV="1">
+            <a:off x="9116903" y="2613011"/>
+            <a:ext cx="482352" cy="1440890"/>
+          </a:xfrm>
+          <a:prstGeom prst="line">
+            <a:avLst/>
+          </a:prstGeom>
+          <a:ln w="12700">
+            <a:solidFill>
+              <a:schemeClr val="accent6"/>
+            </a:solidFill>
+          </a:ln>
+        </p:spPr>
+        <p:style>
+          <a:lnRef idx="1">
+            <a:schemeClr val="accent1"/>
+          </a:lnRef>
+          <a:fillRef idx="0">
+            <a:schemeClr val="accent1"/>
+          </a:fillRef>
+          <a:effectRef idx="0">
+            <a:schemeClr val="accent1"/>
+          </a:effectRef>
+          <a:fontRef idx="minor">
+            <a:schemeClr val="tx1"/>
+          </a:fontRef>
+        </p:style>
+      </p:cxnSp>
+      <p:cxnSp>
+        <p:nvCxnSpPr>
+          <p:cNvPr id="38" name="직선 연결선 37">
+            <a:extLst>
+              <a:ext uri="{FF2B5EF4-FFF2-40B4-BE49-F238E27FC236}">
+                <a16:creationId xmlns:a16="http://schemas.microsoft.com/office/drawing/2014/main" id="{CA87179D-FA9D-47F7-B640-E5BA878DE8F2}"/>
+              </a:ext>
+            </a:extLst>
+          </p:cNvPr>
+          <p:cNvCxnSpPr>
+            <a:cxnSpLocks/>
+          </p:cNvCxnSpPr>
+          <p:nvPr/>
+        </p:nvCxnSpPr>
+        <p:spPr>
+          <a:xfrm flipV="1">
+            <a:off x="9697645" y="2428345"/>
+            <a:ext cx="487239" cy="1455486"/>
+          </a:xfrm>
+          <a:prstGeom prst="line">
+            <a:avLst/>
+          </a:prstGeom>
+          <a:ln w="12700">
+            <a:solidFill>
+              <a:schemeClr val="accent6"/>
+            </a:solidFill>
+          </a:ln>
+        </p:spPr>
+        <p:style>
+          <a:lnRef idx="1">
+            <a:schemeClr val="accent1"/>
+          </a:lnRef>
+          <a:fillRef idx="0">
+            <a:schemeClr val="accent1"/>
+          </a:fillRef>
+          <a:effectRef idx="0">
+            <a:schemeClr val="accent1"/>
+          </a:effectRef>
+          <a:fontRef idx="minor">
+            <a:schemeClr val="tx1"/>
+          </a:fontRef>
+        </p:style>
+      </p:cxnSp>
+      <p:cxnSp>
+        <p:nvCxnSpPr>
+          <p:cNvPr id="39" name="직선 연결선 38">
+            <a:extLst>
+              <a:ext uri="{FF2B5EF4-FFF2-40B4-BE49-F238E27FC236}">
+                <a16:creationId xmlns:a16="http://schemas.microsoft.com/office/drawing/2014/main" id="{6D664993-7157-4928-831E-84D6BA7D5080}"/>
+              </a:ext>
+            </a:extLst>
+          </p:cNvPr>
+          <p:cNvCxnSpPr>
+            <a:cxnSpLocks/>
+            <a:endCxn id="4" idx="3"/>
+          </p:cNvCxnSpPr>
+          <p:nvPr/>
+        </p:nvCxnSpPr>
+        <p:spPr>
+          <a:xfrm flipV="1">
+            <a:off x="10386060" y="2186940"/>
+            <a:ext cx="461010" cy="1376151"/>
+          </a:xfrm>
+          <a:prstGeom prst="line">
+            <a:avLst/>
+          </a:prstGeom>
+          <a:ln w="12700">
+            <a:solidFill>
+              <a:schemeClr val="accent6"/>
+            </a:solidFill>
+          </a:ln>
+        </p:spPr>
+        <p:style>
+          <a:lnRef idx="1">
+            <a:schemeClr val="accent1"/>
+          </a:lnRef>
+          <a:fillRef idx="0">
+            <a:schemeClr val="accent1"/>
+          </a:fillRef>
+          <a:effectRef idx="0">
+            <a:schemeClr val="accent1"/>
+          </a:effectRef>
+          <a:fontRef idx="minor">
+            <a:schemeClr val="tx1"/>
+          </a:fontRef>
+        </p:style>
+      </p:cxnSp>
+      <mc:AlternateContent xmlns:mc="http://schemas.openxmlformats.org/markup-compatibility/2006" xmlns:a14="http://schemas.microsoft.com/office/drawing/2010/main">
+        <mc:Choice Requires="a14">
+          <p:sp>
+            <p:nvSpPr>
+              <p:cNvPr id="40" name="TextBox 39">
+                <a:extLst>
+                  <a:ext uri="{FF2B5EF4-FFF2-40B4-BE49-F238E27FC236}">
+                    <a16:creationId xmlns:a16="http://schemas.microsoft.com/office/drawing/2014/main" id="{0F2EC0BB-7207-403D-974C-464267A646B6}"/>
+                  </a:ext>
+                </a:extLst>
+              </p:cNvPr>
+              <p:cNvSpPr txBox="1"/>
+              <p:nvPr/>
+            </p:nvSpPr>
+            <p:spPr>
+              <a:xfrm>
+                <a:off x="11290169" y="5598170"/>
+                <a:ext cx="477823" cy="461665"/>
+              </a:xfrm>
+              <a:prstGeom prst="rect">
+                <a:avLst/>
+              </a:prstGeom>
+              <a:noFill/>
+            </p:spPr>
+            <p:txBody>
+              <a:bodyPr wrap="none" rtlCol="0">
+                <a:spAutoFit/>
+              </a:bodyPr>
+              <a:lstStyle/>
+              <a:p>
+                <a:pPr algn="ctr"/>
+                <a14:m>
+                  <m:oMathPara xmlns:m="http://schemas.openxmlformats.org/officeDocument/2006/math">
+                    <m:oMathParaPr>
+                      <m:jc m:val="centerGroup"/>
+                    </m:oMathParaPr>
+                    <m:oMath xmlns:m="http://schemas.openxmlformats.org/officeDocument/2006/math">
+                      <m:r>
+                        <a:rPr lang="en-US" altLang="ko-KR" sz="2400" b="0" i="1" smtClean="0">
+                          <a:latin typeface="Cambria Math" panose="02040503050406030204" pitchFamily="18" charset="0"/>
+                        </a:rPr>
+                        <m:t>𝑢</m:t>
+                      </m:r>
+                    </m:oMath>
+                  </m:oMathPara>
+                </a14:m>
+                <a:endParaRPr lang="ko-KR" altLang="en-US" sz="2400" dirty="0"/>
+              </a:p>
+            </p:txBody>
+          </p:sp>
+        </mc:Choice>
+        <mc:Fallback xmlns="">
+          <p:sp>
+            <p:nvSpPr>
+              <p:cNvPr id="40" name="TextBox 39">
+                <a:extLst>
+                  <a:ext uri="{FF2B5EF4-FFF2-40B4-BE49-F238E27FC236}">
+                    <a16:creationId xmlns:a16="http://schemas.microsoft.com/office/drawing/2014/main" id="{0F2EC0BB-7207-403D-974C-464267A646B6}"/>
+                  </a:ext>
+                </a:extLst>
+              </p:cNvPr>
+              <p:cNvSpPr txBox="1">
+                <a:spLocks noRot="1" noChangeAspect="1" noMove="1" noResize="1" noEditPoints="1" noAdjustHandles="1" noChangeArrowheads="1" noChangeShapeType="1" noTextEdit="1"/>
+              </p:cNvSpPr>
+              <p:nvPr/>
+            </p:nvSpPr>
+            <p:spPr>
+              <a:xfrm>
+                <a:off x="11290169" y="5598170"/>
+                <a:ext cx="477823" cy="461665"/>
+              </a:xfrm>
+              <a:prstGeom prst="rect">
+                <a:avLst/>
+              </a:prstGeom>
+              <a:blipFill>
+                <a:blip r:embed="rId7"/>
+                <a:stretch>
+                  <a:fillRect/>
+                </a:stretch>
+              </a:blipFill>
+            </p:spPr>
+            <p:txBody>
+              <a:bodyPr/>
+              <a:lstStyle/>
+              <a:p>
+                <a:r>
+                  <a:rPr lang="ko-KR" altLang="en-US">
+                    <a:noFill/>
+                  </a:rPr>
+                  <a:t> </a:t>
+                </a:r>
+              </a:p>
+            </p:txBody>
+          </p:sp>
+        </mc:Fallback>
+      </mc:AlternateContent>
+      <mc:AlternateContent xmlns:mc="http://schemas.openxmlformats.org/markup-compatibility/2006" xmlns:a14="http://schemas.microsoft.com/office/drawing/2010/main">
+        <mc:Choice Requires="a14">
+          <p:sp>
+            <p:nvSpPr>
+              <p:cNvPr id="41" name="TextBox 40">
+                <a:extLst>
+                  <a:ext uri="{FF2B5EF4-FFF2-40B4-BE49-F238E27FC236}">
+                    <a16:creationId xmlns:a16="http://schemas.microsoft.com/office/drawing/2014/main" id="{5EC75579-A0ED-4FEF-A7E5-D388FC8C97B6}"/>
+                  </a:ext>
+                </a:extLst>
+              </p:cNvPr>
+              <p:cNvSpPr txBox="1"/>
+              <p:nvPr/>
+            </p:nvSpPr>
+            <p:spPr>
+              <a:xfrm>
+                <a:off x="7080818" y="1369915"/>
+                <a:ext cx="469424" cy="461665"/>
+              </a:xfrm>
+              <a:prstGeom prst="rect">
+                <a:avLst/>
+              </a:prstGeom>
+              <a:noFill/>
+            </p:spPr>
+            <p:txBody>
+              <a:bodyPr wrap="none" rtlCol="0">
+                <a:spAutoFit/>
+              </a:bodyPr>
+              <a:lstStyle/>
+              <a:p>
+                <a:pPr algn="ctr"/>
+                <a14:m>
+                  <m:oMathPara xmlns:m="http://schemas.openxmlformats.org/officeDocument/2006/math">
+                    <m:oMathParaPr>
+                      <m:jc m:val="centerGroup"/>
+                    </m:oMathParaPr>
+                    <m:oMath xmlns:m="http://schemas.openxmlformats.org/officeDocument/2006/math">
+                      <m:r>
+                        <a:rPr lang="en-US" altLang="ko-KR" sz="2400" b="0" i="1" smtClean="0">
+                          <a:latin typeface="Cambria Math" panose="02040503050406030204" pitchFamily="18" charset="0"/>
+                        </a:rPr>
+                        <m:t>𝑣</m:t>
+                      </m:r>
+                    </m:oMath>
+                  </m:oMathPara>
+                </a14:m>
+                <a:endParaRPr lang="ko-KR" altLang="en-US" sz="2400" dirty="0"/>
+              </a:p>
+            </p:txBody>
+          </p:sp>
+        </mc:Choice>
+        <mc:Fallback xmlns="">
+          <p:sp>
+            <p:nvSpPr>
+              <p:cNvPr id="41" name="TextBox 40">
+                <a:extLst>
+                  <a:ext uri="{FF2B5EF4-FFF2-40B4-BE49-F238E27FC236}">
+                    <a16:creationId xmlns:a16="http://schemas.microsoft.com/office/drawing/2014/main" id="{5EC75579-A0ED-4FEF-A7E5-D388FC8C97B6}"/>
+                  </a:ext>
+                </a:extLst>
+              </p:cNvPr>
+              <p:cNvSpPr txBox="1">
+                <a:spLocks noRot="1" noChangeAspect="1" noMove="1" noResize="1" noEditPoints="1" noAdjustHandles="1" noChangeArrowheads="1" noChangeShapeType="1" noTextEdit="1"/>
+              </p:cNvSpPr>
+              <p:nvPr/>
+            </p:nvSpPr>
+            <p:spPr>
+              <a:xfrm>
+                <a:off x="7080818" y="1369915"/>
+                <a:ext cx="469424" cy="461665"/>
+              </a:xfrm>
+              <a:prstGeom prst="rect">
+                <a:avLst/>
+              </a:prstGeom>
+              <a:blipFill>
+                <a:blip r:embed="rId8"/>
+                <a:stretch>
+                  <a:fillRect/>
+                </a:stretch>
+              </a:blipFill>
+            </p:spPr>
+            <p:txBody>
+              <a:bodyPr/>
+              <a:lstStyle/>
+              <a:p>
+                <a:r>
+                  <a:rPr lang="ko-KR" altLang="en-US">
+                    <a:noFill/>
+                  </a:rPr>
+                  <a:t> </a:t>
+                </a:r>
+              </a:p>
+            </p:txBody>
+          </p:sp>
+        </mc:Fallback>
+      </mc:AlternateContent>
+      <mc:AlternateContent xmlns:mc="http://schemas.openxmlformats.org/markup-compatibility/2006" xmlns:a14="http://schemas.microsoft.com/office/drawing/2010/main">
+        <mc:Choice Requires="a14">
+          <p:sp>
+            <p:nvSpPr>
+              <p:cNvPr id="42" name="TextBox 41">
+                <a:extLst>
+                  <a:ext uri="{FF2B5EF4-FFF2-40B4-BE49-F238E27FC236}">
+                    <a16:creationId xmlns:a16="http://schemas.microsoft.com/office/drawing/2014/main" id="{670EA601-746E-41A8-9F40-476AEB3C4909}"/>
+                  </a:ext>
+                </a:extLst>
+              </p:cNvPr>
+              <p:cNvSpPr txBox="1"/>
+              <p:nvPr/>
+            </p:nvSpPr>
+            <p:spPr>
+              <a:xfrm>
+                <a:off x="7083735" y="5598171"/>
+                <a:ext cx="463588" cy="461665"/>
+              </a:xfrm>
+              <a:prstGeom prst="rect">
+                <a:avLst/>
+              </a:prstGeom>
+              <a:noFill/>
+            </p:spPr>
+            <p:txBody>
+              <a:bodyPr wrap="none" rtlCol="0">
+                <a:spAutoFit/>
+              </a:bodyPr>
+              <a:lstStyle/>
+              <a:p>
+                <a:pPr algn="ctr"/>
+                <a14:m>
+                  <m:oMathPara xmlns:m="http://schemas.openxmlformats.org/officeDocument/2006/math">
+                    <m:oMathParaPr>
+                      <m:jc m:val="centerGroup"/>
+                    </m:oMathParaPr>
+                    <m:oMath xmlns:m="http://schemas.openxmlformats.org/officeDocument/2006/math">
+                      <m:r>
+                        <a:rPr lang="en-US" altLang="ko-KR" sz="2400" b="0" i="1" smtClean="0">
+                          <a:latin typeface="Cambria Math" panose="02040503050406030204" pitchFamily="18" charset="0"/>
+                        </a:rPr>
+                        <m:t>0</m:t>
+                      </m:r>
+                    </m:oMath>
+                  </m:oMathPara>
+                </a14:m>
+                <a:endParaRPr lang="ko-KR" altLang="en-US" sz="2400" dirty="0"/>
+              </a:p>
+            </p:txBody>
+          </p:sp>
+        </mc:Choice>
+        <mc:Fallback xmlns="">
+          <p:sp>
+            <p:nvSpPr>
+              <p:cNvPr id="42" name="TextBox 41">
+                <a:extLst>
+                  <a:ext uri="{FF2B5EF4-FFF2-40B4-BE49-F238E27FC236}">
+                    <a16:creationId xmlns:a16="http://schemas.microsoft.com/office/drawing/2014/main" id="{670EA601-746E-41A8-9F40-476AEB3C4909}"/>
+                  </a:ext>
+                </a:extLst>
+              </p:cNvPr>
+              <p:cNvSpPr txBox="1">
+                <a:spLocks noRot="1" noChangeAspect="1" noMove="1" noResize="1" noEditPoints="1" noAdjustHandles="1" noChangeArrowheads="1" noChangeShapeType="1" noTextEdit="1"/>
+              </p:cNvSpPr>
+              <p:nvPr/>
+            </p:nvSpPr>
+            <p:spPr>
+              <a:xfrm>
+                <a:off x="7083735" y="5598171"/>
+                <a:ext cx="463588" cy="461665"/>
+              </a:xfrm>
+              <a:prstGeom prst="rect">
+                <a:avLst/>
+              </a:prstGeom>
+              <a:blipFill>
+                <a:blip r:embed="rId9"/>
+                <a:stretch>
+                  <a:fillRect l="-2632"/>
+                </a:stretch>
+              </a:blipFill>
+            </p:spPr>
+            <p:txBody>
+              <a:bodyPr/>
+              <a:lstStyle/>
+              <a:p>
+                <a:r>
+                  <a:rPr lang="ko-KR" altLang="en-US">
+                    <a:noFill/>
+                  </a:rPr>
+                  <a:t> </a:t>
+                </a:r>
+              </a:p>
+            </p:txBody>
+          </p:sp>
+        </mc:Fallback>
+      </mc:AlternateContent>
+      <mc:AlternateContent xmlns:mc="http://schemas.openxmlformats.org/markup-compatibility/2006" xmlns:a14="http://schemas.microsoft.com/office/drawing/2010/main">
+        <mc:Choice Requires="a14">
+          <p:sp>
+            <p:nvSpPr>
+              <p:cNvPr id="49" name="TextBox 48">
+                <a:extLst>
+                  <a:ext uri="{FF2B5EF4-FFF2-40B4-BE49-F238E27FC236}">
+                    <a16:creationId xmlns:a16="http://schemas.microsoft.com/office/drawing/2014/main" id="{106A6701-F189-4338-AF61-6AAAA55EBBF5}"/>
+                  </a:ext>
+                </a:extLst>
+              </p:cNvPr>
+              <p:cNvSpPr txBox="1"/>
+              <p:nvPr/>
+            </p:nvSpPr>
+            <p:spPr>
+              <a:xfrm>
+                <a:off x="8208681" y="3350289"/>
+                <a:ext cx="538353" cy="461665"/>
+              </a:xfrm>
+              <a:prstGeom prst="rect">
+                <a:avLst/>
+              </a:prstGeom>
+              <a:noFill/>
+            </p:spPr>
+            <p:txBody>
+              <a:bodyPr wrap="square" rtlCol="0">
+                <a:spAutoFit/>
+              </a:bodyPr>
+              <a:lstStyle/>
+              <a:p>
+                <a:pPr algn="ctr"/>
+                <a14:m>
+                  <m:oMathPara xmlns:m="http://schemas.openxmlformats.org/officeDocument/2006/math">
+                    <m:oMathParaPr>
+                      <m:jc m:val="centerGroup"/>
+                    </m:oMathParaPr>
+                    <m:oMath xmlns:m="http://schemas.openxmlformats.org/officeDocument/2006/math">
+                      <m:r>
+                        <a:rPr lang="en-US" altLang="ko-KR" sz="2400" b="0" i="1" smtClean="0">
+                          <a:latin typeface="Cambria Math" panose="02040503050406030204" pitchFamily="18" charset="0"/>
+                        </a:rPr>
+                        <m:t>𝑑𝑦</m:t>
+                      </m:r>
+                    </m:oMath>
+                  </m:oMathPara>
+                </a14:m>
+                <a:endParaRPr lang="ko-KR" altLang="en-US" sz="2400" dirty="0"/>
+              </a:p>
+            </p:txBody>
+          </p:sp>
+        </mc:Choice>
+        <mc:Fallback xmlns="">
+          <p:sp>
+            <p:nvSpPr>
+              <p:cNvPr id="49" name="TextBox 48">
+                <a:extLst>
+                  <a:ext uri="{FF2B5EF4-FFF2-40B4-BE49-F238E27FC236}">
+                    <a16:creationId xmlns:a16="http://schemas.microsoft.com/office/drawing/2014/main" id="{106A6701-F189-4338-AF61-6AAAA55EBBF5}"/>
+                  </a:ext>
+                </a:extLst>
+              </p:cNvPr>
+              <p:cNvSpPr txBox="1">
+                <a:spLocks noRot="1" noChangeAspect="1" noMove="1" noResize="1" noEditPoints="1" noAdjustHandles="1" noChangeArrowheads="1" noChangeShapeType="1" noTextEdit="1"/>
+              </p:cNvSpPr>
+              <p:nvPr/>
+            </p:nvSpPr>
+            <p:spPr>
+              <a:xfrm>
+                <a:off x="8208681" y="3350289"/>
+                <a:ext cx="538353" cy="461665"/>
+              </a:xfrm>
+              <a:prstGeom prst="rect">
+                <a:avLst/>
+              </a:prstGeom>
+              <a:blipFill>
+                <a:blip r:embed="rId10"/>
+                <a:stretch>
+                  <a:fillRect l="-20455" b="-21333"/>
+                </a:stretch>
+              </a:blipFill>
+            </p:spPr>
+            <p:txBody>
+              <a:bodyPr/>
+              <a:lstStyle/>
+              <a:p>
+                <a:r>
+                  <a:rPr lang="ko-KR" altLang="en-US">
+                    <a:noFill/>
+                  </a:rPr>
+                  <a:t> </a:t>
+                </a:r>
+              </a:p>
+            </p:txBody>
+          </p:sp>
+        </mc:Fallback>
+      </mc:AlternateContent>
+      <mc:AlternateContent xmlns:mc="http://schemas.openxmlformats.org/markup-compatibility/2006" xmlns:a14="http://schemas.microsoft.com/office/drawing/2010/main">
+        <mc:Choice Requires="a14">
+          <p:sp>
+            <p:nvSpPr>
+              <p:cNvPr id="51" name="TextBox 50">
+                <a:extLst>
+                  <a:ext uri="{FF2B5EF4-FFF2-40B4-BE49-F238E27FC236}">
+                    <a16:creationId xmlns:a16="http://schemas.microsoft.com/office/drawing/2014/main" id="{1ED3FB86-54C4-4330-A6B1-51D2E8E2ABA7}"/>
+                  </a:ext>
+                </a:extLst>
+              </p:cNvPr>
+              <p:cNvSpPr txBox="1"/>
+              <p:nvPr/>
+            </p:nvSpPr>
+            <p:spPr>
+              <a:xfrm>
+                <a:off x="2466303" y="4520810"/>
+                <a:ext cx="655757" cy="461665"/>
+              </a:xfrm>
+              <a:prstGeom prst="rect">
+                <a:avLst/>
+              </a:prstGeom>
+              <a:noFill/>
+            </p:spPr>
+            <p:txBody>
+              <a:bodyPr wrap="none" rtlCol="0">
+                <a:spAutoFit/>
+              </a:bodyPr>
+              <a:lstStyle/>
+              <a:p>
+                <a:pPr algn="ctr"/>
+                <a14:m>
+                  <m:oMathPara xmlns:m="http://schemas.openxmlformats.org/officeDocument/2006/math">
+                    <m:oMathParaPr>
+                      <m:jc m:val="centerGroup"/>
+                    </m:oMathParaPr>
+                    <m:oMath xmlns:m="http://schemas.openxmlformats.org/officeDocument/2006/math">
+                      <m:r>
+                        <a:rPr lang="en-US" altLang="ko-KR" sz="2400" b="0" i="1" smtClean="0">
+                          <a:latin typeface="Cambria Math" panose="02040503050406030204" pitchFamily="18" charset="0"/>
+                        </a:rPr>
+                        <m:t>𝑑𝑢</m:t>
+                      </m:r>
+                    </m:oMath>
+                  </m:oMathPara>
+                </a14:m>
+                <a:endParaRPr lang="ko-KR" altLang="en-US" sz="2400" dirty="0"/>
+              </a:p>
+            </p:txBody>
+          </p:sp>
+        </mc:Choice>
+        <mc:Fallback xmlns="">
+          <p:sp>
+            <p:nvSpPr>
+              <p:cNvPr id="51" name="TextBox 50">
+                <a:extLst>
+                  <a:ext uri="{FF2B5EF4-FFF2-40B4-BE49-F238E27FC236}">
+                    <a16:creationId xmlns:a16="http://schemas.microsoft.com/office/drawing/2014/main" id="{1ED3FB86-54C4-4330-A6B1-51D2E8E2ABA7}"/>
+                  </a:ext>
+                </a:extLst>
+              </p:cNvPr>
+              <p:cNvSpPr txBox="1">
+                <a:spLocks noRot="1" noChangeAspect="1" noMove="1" noResize="1" noEditPoints="1" noAdjustHandles="1" noChangeArrowheads="1" noChangeShapeType="1" noTextEdit="1"/>
+              </p:cNvSpPr>
+              <p:nvPr/>
+            </p:nvSpPr>
+            <p:spPr>
+              <a:xfrm>
+                <a:off x="2466303" y="4520810"/>
+                <a:ext cx="655757" cy="461665"/>
+              </a:xfrm>
+              <a:prstGeom prst="rect">
+                <a:avLst/>
+              </a:prstGeom>
+              <a:blipFill>
+                <a:blip r:embed="rId11"/>
+                <a:stretch>
+                  <a:fillRect l="-2804"/>
+                </a:stretch>
+              </a:blipFill>
+            </p:spPr>
+            <p:txBody>
+              <a:bodyPr/>
+              <a:lstStyle/>
+              <a:p>
+                <a:r>
+                  <a:rPr lang="ko-KR" altLang="en-US">
+                    <a:noFill/>
+                  </a:rPr>
+                  <a:t> </a:t>
+                </a:r>
+              </a:p>
+            </p:txBody>
+          </p:sp>
+        </mc:Fallback>
+      </mc:AlternateContent>
+      <p:sp>
+        <p:nvSpPr>
+          <p:cNvPr id="58" name="화살표: 오른쪽 57">
+            <a:extLst>
+              <a:ext uri="{FF2B5EF4-FFF2-40B4-BE49-F238E27FC236}">
+                <a16:creationId xmlns:a16="http://schemas.microsoft.com/office/drawing/2014/main" id="{CD20B529-4543-4395-A35D-576B4A24D23B}"/>
+              </a:ext>
+            </a:extLst>
+          </p:cNvPr>
+          <p:cNvSpPr/>
+          <p:nvPr/>
+        </p:nvSpPr>
+        <p:spPr>
+          <a:xfrm>
+            <a:off x="4948342" y="3264542"/>
+            <a:ext cx="1835755" cy="733855"/>
+          </a:xfrm>
+          <a:prstGeom prst="rightArrow">
+            <a:avLst/>
+          </a:prstGeom>
+        </p:spPr>
+        <p:style>
+          <a:lnRef idx="2">
+            <a:schemeClr val="accent6">
+              <a:shade val="50000"/>
+            </a:schemeClr>
+          </a:lnRef>
+          <a:fillRef idx="1">
+            <a:schemeClr val="accent6"/>
+          </a:fillRef>
+          <a:effectRef idx="0">
+            <a:schemeClr val="accent6"/>
+          </a:effectRef>
+          <a:fontRef idx="minor">
+            <a:schemeClr val="lt1"/>
+          </a:fontRef>
+        </p:style>
+        <p:txBody>
+          <a:bodyPr rtlCol="0" anchor="ctr"/>
+          <a:lstStyle/>
+          <a:p>
+            <a:pPr algn="ctr"/>
+            <a:endParaRPr lang="ko-KR" altLang="en-US"/>
+          </a:p>
+        </p:txBody>
+      </p:sp>
+      <p:sp>
+        <p:nvSpPr>
+          <p:cNvPr id="59" name="TextBox 58">
+            <a:extLst>
+              <a:ext uri="{FF2B5EF4-FFF2-40B4-BE49-F238E27FC236}">
+                <a16:creationId xmlns:a16="http://schemas.microsoft.com/office/drawing/2014/main" id="{97E811FE-4DC2-4069-A0F9-3BCA0B4F1D32}"/>
+              </a:ext>
+            </a:extLst>
+          </p:cNvPr>
+          <p:cNvSpPr txBox="1"/>
+          <p:nvPr/>
+        </p:nvSpPr>
+        <p:spPr>
+          <a:xfrm>
+            <a:off x="4875300" y="2801541"/>
+            <a:ext cx="1832554" cy="461665"/>
+          </a:xfrm>
+          <a:prstGeom prst="rect">
+            <a:avLst/>
+          </a:prstGeom>
+          <a:noFill/>
+        </p:spPr>
+        <p:txBody>
+          <a:bodyPr wrap="none" rtlCol="0">
+            <a:spAutoFit/>
+          </a:bodyPr>
+          <a:lstStyle/>
+          <a:p>
+            <a:pPr algn="ctr"/>
+            <a:r>
+              <a:rPr lang="ko-KR" altLang="en-US" sz="2400" dirty="0"/>
+              <a:t>비선형 변환</a:t>
+            </a:r>
+          </a:p>
+        </p:txBody>
+      </p:sp>
+      <p:sp>
+        <p:nvSpPr>
+          <p:cNvPr id="60" name="TextBox 59">
+            <a:extLst>
+              <a:ext uri="{FF2B5EF4-FFF2-40B4-BE49-F238E27FC236}">
+                <a16:creationId xmlns:a16="http://schemas.microsoft.com/office/drawing/2014/main" id="{F3D6F205-4F42-4F89-ADCA-D63A28B81D77}"/>
+              </a:ext>
+            </a:extLst>
+          </p:cNvPr>
+          <p:cNvSpPr txBox="1"/>
+          <p:nvPr/>
+        </p:nvSpPr>
+        <p:spPr>
+          <a:xfrm>
+            <a:off x="7940102" y="680415"/>
+            <a:ext cx="2900153" cy="646331"/>
+          </a:xfrm>
+          <a:prstGeom prst="rect">
+            <a:avLst/>
+          </a:prstGeom>
+          <a:noFill/>
+        </p:spPr>
+        <p:txBody>
+          <a:bodyPr wrap="none" rtlCol="0">
+            <a:spAutoFit/>
+          </a:bodyPr>
+          <a:lstStyle/>
+          <a:p>
+            <a:pPr algn="ctr"/>
+            <a:r>
+              <a:rPr lang="en-US" altLang="ko-KR" dirty="0"/>
+              <a:t>&lt;</a:t>
+            </a:r>
+            <a:r>
+              <a:rPr lang="ko-KR" altLang="en-US" dirty="0"/>
+              <a:t>비선형 변환 후의 결과를</a:t>
+            </a:r>
+            <a:endParaRPr lang="en-US" altLang="ko-KR" dirty="0"/>
+          </a:p>
+          <a:p>
+            <a:pPr algn="ctr"/>
+            <a:r>
+              <a:rPr lang="ko-KR" altLang="en-US" dirty="0"/>
+              <a:t>국소적으로 관찰한 것</a:t>
+            </a:r>
+            <a:r>
+              <a:rPr lang="en-US" altLang="ko-KR" dirty="0"/>
+              <a:t>&gt;</a:t>
+            </a:r>
+            <a:endParaRPr lang="ko-KR" altLang="en-US" dirty="0"/>
+          </a:p>
+        </p:txBody>
+      </p:sp>
+      <p:sp>
+        <p:nvSpPr>
+          <p:cNvPr id="61" name="TextBox 60">
+            <a:extLst>
+              <a:ext uri="{FF2B5EF4-FFF2-40B4-BE49-F238E27FC236}">
+                <a16:creationId xmlns:a16="http://schemas.microsoft.com/office/drawing/2014/main" id="{5831C9DE-C3C7-4E58-8C7E-662B44DF1931}"/>
+              </a:ext>
+            </a:extLst>
+          </p:cNvPr>
+          <p:cNvSpPr txBox="1"/>
+          <p:nvPr/>
+        </p:nvSpPr>
+        <p:spPr>
+          <a:xfrm>
+            <a:off x="1625613" y="842461"/>
+            <a:ext cx="3374642" cy="369332"/>
+          </a:xfrm>
+          <a:prstGeom prst="rect">
+            <a:avLst/>
+          </a:prstGeom>
+          <a:noFill/>
+        </p:spPr>
+        <p:txBody>
+          <a:bodyPr wrap="none" rtlCol="0">
+            <a:spAutoFit/>
+          </a:bodyPr>
+          <a:lstStyle/>
+          <a:p>
+            <a:pPr algn="ctr"/>
+            <a:r>
+              <a:rPr lang="en-US" altLang="ko-KR" dirty="0"/>
+              <a:t>&lt;</a:t>
+            </a:r>
+            <a:r>
+              <a:rPr lang="ko-KR" altLang="en-US" dirty="0"/>
+              <a:t>비선형 변환 전의 미소 변위</a:t>
+            </a:r>
+            <a:r>
+              <a:rPr lang="en-US" altLang="ko-KR" dirty="0"/>
+              <a:t>&gt;</a:t>
+            </a:r>
+            <a:endParaRPr lang="ko-KR" altLang="en-US" dirty="0"/>
+          </a:p>
+        </p:txBody>
+      </p:sp>
+      <p:cxnSp>
+        <p:nvCxnSpPr>
+          <p:cNvPr id="18" name="직선 화살표 연결선 17">
+            <a:extLst>
+              <a:ext uri="{FF2B5EF4-FFF2-40B4-BE49-F238E27FC236}">
+                <a16:creationId xmlns:a16="http://schemas.microsoft.com/office/drawing/2014/main" id="{63697476-A56D-420D-8187-4FA43BD2829F}"/>
+              </a:ext>
+            </a:extLst>
+          </p:cNvPr>
+          <p:cNvCxnSpPr>
+            <a:cxnSpLocks/>
+          </p:cNvCxnSpPr>
+          <p:nvPr/>
+        </p:nvCxnSpPr>
+        <p:spPr>
+          <a:xfrm rot="16200000">
+            <a:off x="981452" y="3631470"/>
+            <a:ext cx="1762812" cy="0"/>
+          </a:xfrm>
+          <a:prstGeom prst="straightConnector1">
+            <a:avLst/>
+          </a:prstGeom>
+          <a:ln w="38100">
+            <a:solidFill>
+              <a:schemeClr val="tx1"/>
+            </a:solidFill>
+            <a:tailEnd type="triangle"/>
+          </a:ln>
+        </p:spPr>
+        <p:style>
+          <a:lnRef idx="1">
+            <a:schemeClr val="accent1"/>
+          </a:lnRef>
+          <a:fillRef idx="0">
+            <a:schemeClr val="accent1"/>
+          </a:fillRef>
+          <a:effectRef idx="0">
+            <a:schemeClr val="accent1"/>
+          </a:effectRef>
+          <a:fontRef idx="minor">
+            <a:schemeClr val="tx1"/>
+          </a:fontRef>
+        </p:style>
+      </p:cxnSp>
+      <p:cxnSp>
+        <p:nvCxnSpPr>
+          <p:cNvPr id="17" name="직선 화살표 연결선 16">
+            <a:extLst>
+              <a:ext uri="{FF2B5EF4-FFF2-40B4-BE49-F238E27FC236}">
+                <a16:creationId xmlns:a16="http://schemas.microsoft.com/office/drawing/2014/main" id="{4CBDA1CC-1998-4CA5-BB85-AE2BCEBF4094}"/>
+              </a:ext>
+            </a:extLst>
+          </p:cNvPr>
+          <p:cNvCxnSpPr>
+            <a:cxnSpLocks/>
+          </p:cNvCxnSpPr>
+          <p:nvPr/>
+        </p:nvCxnSpPr>
+        <p:spPr>
+          <a:xfrm flipV="1">
+            <a:off x="8448040" y="3665570"/>
+            <a:ext cx="1907540" cy="636955"/>
+          </a:xfrm>
+          <a:prstGeom prst="straightConnector1">
+            <a:avLst/>
+          </a:prstGeom>
+          <a:ln w="38100">
+            <a:solidFill>
+              <a:schemeClr val="tx1"/>
+            </a:solidFill>
+            <a:tailEnd type="triangle"/>
+          </a:ln>
+        </p:spPr>
+        <p:style>
+          <a:lnRef idx="1">
+            <a:schemeClr val="accent1"/>
+          </a:lnRef>
+          <a:fillRef idx="0">
+            <a:schemeClr val="accent1"/>
+          </a:fillRef>
+          <a:effectRef idx="0">
+            <a:schemeClr val="accent1"/>
+          </a:effectRef>
+          <a:fontRef idx="minor">
+            <a:schemeClr val="tx1"/>
+          </a:fontRef>
+        </p:style>
+      </p:cxnSp>
+      <p:cxnSp>
+        <p:nvCxnSpPr>
+          <p:cNvPr id="46" name="직선 화살표 연결선 45">
+            <a:extLst>
+              <a:ext uri="{FF2B5EF4-FFF2-40B4-BE49-F238E27FC236}">
+                <a16:creationId xmlns:a16="http://schemas.microsoft.com/office/drawing/2014/main" id="{A918D8D9-1C6C-4496-BA55-26B3A3979458}"/>
+              </a:ext>
+            </a:extLst>
+          </p:cNvPr>
+          <p:cNvCxnSpPr>
+            <a:cxnSpLocks/>
+          </p:cNvCxnSpPr>
+          <p:nvPr/>
+        </p:nvCxnSpPr>
+        <p:spPr>
+          <a:xfrm flipV="1">
+            <a:off x="8417560" y="2833951"/>
+            <a:ext cx="495300" cy="1468574"/>
+          </a:xfrm>
+          <a:prstGeom prst="straightConnector1">
+            <a:avLst/>
+          </a:prstGeom>
+          <a:ln w="38100">
+            <a:solidFill>
+              <a:schemeClr val="tx1"/>
+            </a:solidFill>
+            <a:tailEnd type="triangle"/>
+          </a:ln>
+        </p:spPr>
+        <p:style>
+          <a:lnRef idx="1">
+            <a:schemeClr val="accent1"/>
+          </a:lnRef>
+          <a:fillRef idx="0">
+            <a:schemeClr val="accent1"/>
+          </a:fillRef>
+          <a:effectRef idx="0">
+            <a:schemeClr val="accent1"/>
+          </a:effectRef>
+          <a:fontRef idx="minor">
+            <a:schemeClr val="tx1"/>
+          </a:fontRef>
+        </p:style>
+      </p:cxnSp>
+      <p:cxnSp>
+        <p:nvCxnSpPr>
+          <p:cNvPr id="50" name="직선 화살표 연결선 49">
+            <a:extLst>
+              <a:ext uri="{FF2B5EF4-FFF2-40B4-BE49-F238E27FC236}">
+                <a16:creationId xmlns:a16="http://schemas.microsoft.com/office/drawing/2014/main" id="{0ABD471F-4F0E-4538-8057-D22A49E59814}"/>
+              </a:ext>
+            </a:extLst>
+          </p:cNvPr>
+          <p:cNvCxnSpPr>
+            <a:cxnSpLocks/>
+          </p:cNvCxnSpPr>
+          <p:nvPr/>
+        </p:nvCxnSpPr>
+        <p:spPr>
+          <a:xfrm>
+            <a:off x="1850515" y="4523500"/>
+            <a:ext cx="1762812" cy="0"/>
+          </a:xfrm>
+          <a:prstGeom prst="straightConnector1">
+            <a:avLst/>
+          </a:prstGeom>
+          <a:ln w="38100">
+            <a:solidFill>
+              <a:schemeClr val="tx1"/>
+            </a:solidFill>
+            <a:tailEnd type="triangle"/>
+          </a:ln>
+        </p:spPr>
+        <p:style>
+          <a:lnRef idx="1">
+            <a:schemeClr val="accent1"/>
+          </a:lnRef>
+          <a:fillRef idx="0">
+            <a:schemeClr val="accent1"/>
+          </a:fillRef>
+          <a:effectRef idx="0">
+            <a:schemeClr val="accent1"/>
+          </a:effectRef>
+          <a:fontRef idx="minor">
+            <a:schemeClr val="tx1"/>
+          </a:fontRef>
+        </p:style>
+      </p:cxnSp>
+      <mc:AlternateContent xmlns:mc="http://schemas.openxmlformats.org/markup-compatibility/2006">
+        <mc:Choice xmlns:a14="http://schemas.microsoft.com/office/drawing/2010/main" Requires="a14">
+          <p:sp>
+            <p:nvSpPr>
+              <p:cNvPr id="5" name="TextBox 4">
+                <a:extLst>
+                  <a:ext uri="{FF2B5EF4-FFF2-40B4-BE49-F238E27FC236}">
+                    <a16:creationId xmlns:a16="http://schemas.microsoft.com/office/drawing/2014/main" id="{6E8E55EC-A06D-472D-B0F0-0FDEEF621D93}"/>
+                  </a:ext>
+                </a:extLst>
+              </p:cNvPr>
+              <p:cNvSpPr txBox="1"/>
+              <p:nvPr/>
+            </p:nvSpPr>
+            <p:spPr>
+              <a:xfrm>
+                <a:off x="1935294" y="2428344"/>
+                <a:ext cx="1583832" cy="369332"/>
+              </a:xfrm>
+              <a:prstGeom prst="rect">
+                <a:avLst/>
+              </a:prstGeom>
+              <a:noFill/>
+            </p:spPr>
+            <p:txBody>
+              <a:bodyPr wrap="none" rtlCol="0">
+                <a:spAutoFit/>
+              </a:bodyPr>
+              <a:lstStyle/>
+              <a:p>
+                <a:r>
+                  <a:rPr lang="ko-KR" altLang="en-US" dirty="0"/>
+                  <a:t>넓이</a:t>
+                </a:r>
+                <a:r>
+                  <a:rPr lang="en-US" altLang="ko-KR" dirty="0"/>
+                  <a:t>: </a:t>
+                </a:r>
+                <a14:m>
+                  <m:oMath xmlns:m="http://schemas.openxmlformats.org/officeDocument/2006/math">
+                    <m:r>
+                      <a:rPr lang="en-US" altLang="ko-KR" b="0" i="1" smtClean="0">
+                        <a:latin typeface="Cambria Math" panose="02040503050406030204" pitchFamily="18" charset="0"/>
+                      </a:rPr>
+                      <m:t>𝑑𝑢</m:t>
+                    </m:r>
+                    <m:r>
+                      <a:rPr lang="en-US" altLang="ko-KR" b="0" i="1" smtClean="0">
+                        <a:latin typeface="Cambria Math" panose="02040503050406030204" pitchFamily="18" charset="0"/>
+                      </a:rPr>
+                      <m:t>×</m:t>
+                    </m:r>
+                    <m:r>
+                      <a:rPr lang="en-US" altLang="ko-KR" b="0" i="1" smtClean="0">
+                        <a:latin typeface="Cambria Math" panose="02040503050406030204" pitchFamily="18" charset="0"/>
+                      </a:rPr>
+                      <m:t>𝑑𝑣</m:t>
+                    </m:r>
+                  </m:oMath>
+                </a14:m>
+                <a:endParaRPr lang="ko-KR" altLang="en-US" dirty="0"/>
+              </a:p>
+            </p:txBody>
+          </p:sp>
+        </mc:Choice>
+        <mc:Fallback>
+          <p:sp>
+            <p:nvSpPr>
+              <p:cNvPr id="5" name="TextBox 4">
+                <a:extLst>
+                  <a:ext uri="{FF2B5EF4-FFF2-40B4-BE49-F238E27FC236}">
+                    <a16:creationId xmlns:a16="http://schemas.microsoft.com/office/drawing/2014/main" id="{6E8E55EC-A06D-472D-B0F0-0FDEEF621D93}"/>
+                  </a:ext>
+                </a:extLst>
+              </p:cNvPr>
+              <p:cNvSpPr txBox="1">
+                <a:spLocks noRot="1" noChangeAspect="1" noMove="1" noResize="1" noEditPoints="1" noAdjustHandles="1" noChangeArrowheads="1" noChangeShapeType="1" noTextEdit="1"/>
+              </p:cNvSpPr>
+              <p:nvPr/>
+            </p:nvSpPr>
+            <p:spPr>
+              <a:xfrm>
+                <a:off x="1935294" y="2428344"/>
+                <a:ext cx="1583832" cy="369332"/>
+              </a:xfrm>
+              <a:prstGeom prst="rect">
+                <a:avLst/>
+              </a:prstGeom>
+              <a:blipFill>
+                <a:blip r:embed="rId12"/>
+                <a:stretch>
+                  <a:fillRect l="-3077" t="-8197" b="-24590"/>
+                </a:stretch>
+              </a:blipFill>
+            </p:spPr>
+            <p:txBody>
+              <a:bodyPr/>
+              <a:lstStyle/>
+              <a:p>
+                <a:r>
+                  <a:rPr lang="ko-KR" altLang="en-US">
+                    <a:noFill/>
+                  </a:rPr>
+                  <a:t> </a:t>
+                </a:r>
+              </a:p>
+            </p:txBody>
+          </p:sp>
+        </mc:Fallback>
+      </mc:AlternateContent>
+      <mc:AlternateContent xmlns:mc="http://schemas.openxmlformats.org/markup-compatibility/2006">
+        <mc:Choice xmlns:a14="http://schemas.microsoft.com/office/drawing/2010/main" Requires="a14">
+          <p:sp>
+            <p:nvSpPr>
+              <p:cNvPr id="43" name="TextBox 42">
+                <a:extLst>
+                  <a:ext uri="{FF2B5EF4-FFF2-40B4-BE49-F238E27FC236}">
+                    <a16:creationId xmlns:a16="http://schemas.microsoft.com/office/drawing/2014/main" id="{23331696-6706-46D4-9D07-9C50985B8549}"/>
+                  </a:ext>
+                </a:extLst>
+              </p:cNvPr>
+              <p:cNvSpPr txBox="1"/>
+              <p:nvPr/>
+            </p:nvSpPr>
+            <p:spPr>
+              <a:xfrm rot="20474661">
+                <a:off x="8994341" y="2129194"/>
+                <a:ext cx="1577420" cy="369332"/>
+              </a:xfrm>
+              <a:prstGeom prst="rect">
+                <a:avLst/>
+              </a:prstGeom>
+              <a:noFill/>
+            </p:spPr>
+            <p:txBody>
+              <a:bodyPr wrap="none" rtlCol="0">
+                <a:spAutoFit/>
+              </a:bodyPr>
+              <a:lstStyle/>
+              <a:p>
+                <a:r>
+                  <a:rPr lang="ko-KR" altLang="en-US" dirty="0"/>
+                  <a:t>넓이</a:t>
+                </a:r>
+                <a:r>
+                  <a:rPr lang="en-US" altLang="ko-KR" dirty="0"/>
+                  <a:t>: </a:t>
+                </a:r>
+                <a14:m>
+                  <m:oMath xmlns:m="http://schemas.openxmlformats.org/officeDocument/2006/math">
+                    <m:r>
+                      <a:rPr lang="en-US" altLang="ko-KR" b="0" i="1" smtClean="0">
+                        <a:latin typeface="Cambria Math" panose="02040503050406030204" pitchFamily="18" charset="0"/>
+                      </a:rPr>
+                      <m:t>𝑑𝑥</m:t>
+                    </m:r>
+                    <m:r>
+                      <a:rPr lang="en-US" altLang="ko-KR" b="0" i="1" smtClean="0">
+                        <a:latin typeface="Cambria Math" panose="02040503050406030204" pitchFamily="18" charset="0"/>
+                      </a:rPr>
+                      <m:t>×</m:t>
+                    </m:r>
+                    <m:r>
+                      <a:rPr lang="en-US" altLang="ko-KR" b="0" i="1" smtClean="0">
+                        <a:latin typeface="Cambria Math" panose="02040503050406030204" pitchFamily="18" charset="0"/>
+                      </a:rPr>
+                      <m:t>𝑑𝑦</m:t>
+                    </m:r>
+                  </m:oMath>
+                </a14:m>
+                <a:endParaRPr lang="ko-KR" altLang="en-US" dirty="0"/>
+              </a:p>
+            </p:txBody>
+          </p:sp>
+        </mc:Choice>
+        <mc:Fallback>
+          <p:sp>
+            <p:nvSpPr>
+              <p:cNvPr id="43" name="TextBox 42">
+                <a:extLst>
+                  <a:ext uri="{FF2B5EF4-FFF2-40B4-BE49-F238E27FC236}">
+                    <a16:creationId xmlns:a16="http://schemas.microsoft.com/office/drawing/2014/main" id="{23331696-6706-46D4-9D07-9C50985B8549}"/>
+                  </a:ext>
+                </a:extLst>
+              </p:cNvPr>
+              <p:cNvSpPr txBox="1">
+                <a:spLocks noRot="1" noChangeAspect="1" noMove="1" noResize="1" noEditPoints="1" noAdjustHandles="1" noChangeArrowheads="1" noChangeShapeType="1" noTextEdit="1"/>
+              </p:cNvSpPr>
+              <p:nvPr/>
+            </p:nvSpPr>
+            <p:spPr>
+              <a:xfrm rot="20474661">
+                <a:off x="8994341" y="2129194"/>
+                <a:ext cx="1577420" cy="369332"/>
+              </a:xfrm>
+              <a:prstGeom prst="rect">
+                <a:avLst/>
+              </a:prstGeom>
+              <a:blipFill>
+                <a:blip r:embed="rId13"/>
+                <a:stretch>
+                  <a:fillRect l="-3383" r="-752" b="-12057"/>
+                </a:stretch>
+              </a:blipFill>
+            </p:spPr>
+            <p:txBody>
+              <a:bodyPr/>
+              <a:lstStyle/>
+              <a:p>
+                <a:r>
+                  <a:rPr lang="ko-KR" altLang="en-US">
+                    <a:noFill/>
+                  </a:rPr>
+                  <a:t> </a:t>
+                </a:r>
+              </a:p>
+            </p:txBody>
+          </p:sp>
+        </mc:Fallback>
+      </mc:AlternateContent>
+    </p:spTree>
+    <p:extLst>
+      <p:ext uri="{BB962C8B-B14F-4D97-AF65-F5344CB8AC3E}">
+        <p14:creationId xmlns:p14="http://schemas.microsoft.com/office/powerpoint/2010/main" val="1916213778"/>
       </p:ext>
     </p:extLst>
   </p:cSld>

--- a/pics/2020-07-24-Jacobian/pics.pptx
+++ b/pics/2020-07-24-Jacobian/pics.pptx
@@ -6,8 +6,11 @@
   </p:sldMasterIdLst>
   <p:sldIdLst>
     <p:sldId id="256" r:id="rId2"/>
-    <p:sldId id="257" r:id="rId3"/>
-    <p:sldId id="258" r:id="rId4"/>
+    <p:sldId id="259" r:id="rId3"/>
+    <p:sldId id="257" r:id="rId4"/>
+    <p:sldId id="260" r:id="rId5"/>
+    <p:sldId id="258" r:id="rId6"/>
+    <p:sldId id="261" r:id="rId7"/>
   </p:sldIdLst>
   <p:sldSz cx="12192000" cy="6858000"/>
   <p:notesSz cx="6858000" cy="9144000"/>
@@ -261,7 +264,7 @@
           <a:p>
             <a:fld id="{BB8479CA-1B35-4CCE-B8FA-6ED72D275BE1}" type="datetimeFigureOut">
               <a:rPr lang="ko-KR" altLang="en-US" smtClean="0"/>
-              <a:t>2020-07-25</a:t>
+              <a:t>2023-04-24</a:t>
             </a:fld>
             <a:endParaRPr lang="ko-KR" altLang="en-US"/>
           </a:p>
@@ -459,7 +462,7 @@
           <a:p>
             <a:fld id="{BB8479CA-1B35-4CCE-B8FA-6ED72D275BE1}" type="datetimeFigureOut">
               <a:rPr lang="ko-KR" altLang="en-US" smtClean="0"/>
-              <a:t>2020-07-25</a:t>
+              <a:t>2023-04-24</a:t>
             </a:fld>
             <a:endParaRPr lang="ko-KR" altLang="en-US"/>
           </a:p>
@@ -667,7 +670,7 @@
           <a:p>
             <a:fld id="{BB8479CA-1B35-4CCE-B8FA-6ED72D275BE1}" type="datetimeFigureOut">
               <a:rPr lang="ko-KR" altLang="en-US" smtClean="0"/>
-              <a:t>2020-07-25</a:t>
+              <a:t>2023-04-24</a:t>
             </a:fld>
             <a:endParaRPr lang="ko-KR" altLang="en-US"/>
           </a:p>
@@ -865,7 +868,7 @@
           <a:p>
             <a:fld id="{BB8479CA-1B35-4CCE-B8FA-6ED72D275BE1}" type="datetimeFigureOut">
               <a:rPr lang="ko-KR" altLang="en-US" smtClean="0"/>
-              <a:t>2020-07-25</a:t>
+              <a:t>2023-04-24</a:t>
             </a:fld>
             <a:endParaRPr lang="ko-KR" altLang="en-US"/>
           </a:p>
@@ -1140,7 +1143,7 @@
           <a:p>
             <a:fld id="{BB8479CA-1B35-4CCE-B8FA-6ED72D275BE1}" type="datetimeFigureOut">
               <a:rPr lang="ko-KR" altLang="en-US" smtClean="0"/>
-              <a:t>2020-07-25</a:t>
+              <a:t>2023-04-24</a:t>
             </a:fld>
             <a:endParaRPr lang="ko-KR" altLang="en-US"/>
           </a:p>
@@ -1405,7 +1408,7 @@
           <a:p>
             <a:fld id="{BB8479CA-1B35-4CCE-B8FA-6ED72D275BE1}" type="datetimeFigureOut">
               <a:rPr lang="ko-KR" altLang="en-US" smtClean="0"/>
-              <a:t>2020-07-25</a:t>
+              <a:t>2023-04-24</a:t>
             </a:fld>
             <a:endParaRPr lang="ko-KR" altLang="en-US"/>
           </a:p>
@@ -1817,7 +1820,7 @@
           <a:p>
             <a:fld id="{BB8479CA-1B35-4CCE-B8FA-6ED72D275BE1}" type="datetimeFigureOut">
               <a:rPr lang="ko-KR" altLang="en-US" smtClean="0"/>
-              <a:t>2020-07-25</a:t>
+              <a:t>2023-04-24</a:t>
             </a:fld>
             <a:endParaRPr lang="ko-KR" altLang="en-US"/>
           </a:p>
@@ -1958,7 +1961,7 @@
           <a:p>
             <a:fld id="{BB8479CA-1B35-4CCE-B8FA-6ED72D275BE1}" type="datetimeFigureOut">
               <a:rPr lang="ko-KR" altLang="en-US" smtClean="0"/>
-              <a:t>2020-07-25</a:t>
+              <a:t>2023-04-24</a:t>
             </a:fld>
             <a:endParaRPr lang="ko-KR" altLang="en-US"/>
           </a:p>
@@ -2071,7 +2074,7 @@
           <a:p>
             <a:fld id="{BB8479CA-1B35-4CCE-B8FA-6ED72D275BE1}" type="datetimeFigureOut">
               <a:rPr lang="ko-KR" altLang="en-US" smtClean="0"/>
-              <a:t>2020-07-25</a:t>
+              <a:t>2023-04-24</a:t>
             </a:fld>
             <a:endParaRPr lang="ko-KR" altLang="en-US"/>
           </a:p>
@@ -2382,7 +2385,7 @@
           <a:p>
             <a:fld id="{BB8479CA-1B35-4CCE-B8FA-6ED72D275BE1}" type="datetimeFigureOut">
               <a:rPr lang="ko-KR" altLang="en-US" smtClean="0"/>
-              <a:t>2020-07-25</a:t>
+              <a:t>2023-04-24</a:t>
             </a:fld>
             <a:endParaRPr lang="ko-KR" altLang="en-US"/>
           </a:p>
@@ -2670,7 +2673,7 @@
           <a:p>
             <a:fld id="{BB8479CA-1B35-4CCE-B8FA-6ED72D275BE1}" type="datetimeFigureOut">
               <a:rPr lang="ko-KR" altLang="en-US" smtClean="0"/>
-              <a:t>2020-07-25</a:t>
+              <a:t>2023-04-24</a:t>
             </a:fld>
             <a:endParaRPr lang="ko-KR" altLang="en-US"/>
           </a:p>
@@ -2911,7 +2914,7 @@
           <a:p>
             <a:fld id="{BB8479CA-1B35-4CCE-B8FA-6ED72D275BE1}" type="datetimeFigureOut">
               <a:rPr lang="ko-KR" altLang="en-US" smtClean="0"/>
-              <a:t>2020-07-25</a:t>
+              <a:t>2023-04-24</a:t>
             </a:fld>
             <a:endParaRPr lang="ko-KR" altLang="en-US"/>
           </a:p>
@@ -5608,6 +5611,2300 @@
 </file>
 
 <file path=ppt/slides/slide2.xml><?xml version="1.0" encoding="utf-8"?>
+<p:sld xmlns:a="http://schemas.openxmlformats.org/drawingml/2006/main" xmlns:r="http://schemas.openxmlformats.org/officeDocument/2006/relationships" xmlns:p="http://schemas.openxmlformats.org/presentationml/2006/main">
+  <p:cSld>
+    <p:spTree>
+      <p:nvGrpSpPr>
+        <p:cNvPr id="1" name=""/>
+        <p:cNvGrpSpPr/>
+        <p:nvPr/>
+      </p:nvGrpSpPr>
+      <p:grpSpPr>
+        <a:xfrm>
+          <a:off x="0" y="0"/>
+          <a:ext cx="0" cy="0"/>
+          <a:chOff x="0" y="0"/>
+          <a:chExt cx="0" cy="0"/>
+        </a:xfrm>
+      </p:grpSpPr>
+      <p:cxnSp>
+        <p:nvCxnSpPr>
+          <p:cNvPr id="10" name="직선 화살표 연결선 9">
+            <a:extLst>
+              <a:ext uri="{FF2B5EF4-FFF2-40B4-BE49-F238E27FC236}">
+                <a16:creationId xmlns:a16="http://schemas.microsoft.com/office/drawing/2014/main" id="{552EF026-F645-420E-A273-FF0EC7793B2D}"/>
+              </a:ext>
+            </a:extLst>
+          </p:cNvPr>
+          <p:cNvCxnSpPr/>
+          <p:nvPr/>
+        </p:nvCxnSpPr>
+        <p:spPr>
+          <a:xfrm>
+            <a:off x="455350" y="5595480"/>
+            <a:ext cx="4807670" cy="0"/>
+          </a:xfrm>
+          <a:prstGeom prst="straightConnector1">
+            <a:avLst/>
+          </a:prstGeom>
+          <a:ln w="38100">
+            <a:solidFill>
+              <a:schemeClr val="tx1"/>
+            </a:solidFill>
+            <a:tailEnd type="triangle"/>
+          </a:ln>
+        </p:spPr>
+        <p:style>
+          <a:lnRef idx="1">
+            <a:schemeClr val="accent1"/>
+          </a:lnRef>
+          <a:fillRef idx="0">
+            <a:schemeClr val="accent1"/>
+          </a:fillRef>
+          <a:effectRef idx="0">
+            <a:schemeClr val="accent1"/>
+          </a:effectRef>
+          <a:fontRef idx="minor">
+            <a:schemeClr val="tx1"/>
+          </a:fontRef>
+        </p:style>
+      </p:cxnSp>
+      <p:cxnSp>
+        <p:nvCxnSpPr>
+          <p:cNvPr id="11" name="직선 화살표 연결선 10">
+            <a:extLst>
+              <a:ext uri="{FF2B5EF4-FFF2-40B4-BE49-F238E27FC236}">
+                <a16:creationId xmlns:a16="http://schemas.microsoft.com/office/drawing/2014/main" id="{3A93E4BA-BC15-4987-8549-52DF92D30E31}"/>
+              </a:ext>
+            </a:extLst>
+          </p:cNvPr>
+          <p:cNvCxnSpPr>
+            <a:cxnSpLocks/>
+          </p:cNvCxnSpPr>
+          <p:nvPr/>
+        </p:nvCxnSpPr>
+        <p:spPr>
+          <a:xfrm rot="16200000">
+            <a:off x="-1250902" y="3773750"/>
+            <a:ext cx="4807670" cy="0"/>
+          </a:xfrm>
+          <a:prstGeom prst="straightConnector1">
+            <a:avLst/>
+          </a:prstGeom>
+          <a:ln w="38100">
+            <a:solidFill>
+              <a:schemeClr val="tx1"/>
+            </a:solidFill>
+            <a:tailEnd type="triangle"/>
+          </a:ln>
+        </p:spPr>
+        <p:style>
+          <a:lnRef idx="1">
+            <a:schemeClr val="accent1"/>
+          </a:lnRef>
+          <a:fillRef idx="0">
+            <a:schemeClr val="accent1"/>
+          </a:fillRef>
+          <a:effectRef idx="0">
+            <a:schemeClr val="accent1"/>
+          </a:effectRef>
+          <a:fontRef idx="minor">
+            <a:schemeClr val="tx1"/>
+          </a:fontRef>
+        </p:style>
+      </p:cxnSp>
+      <p:cxnSp>
+        <p:nvCxnSpPr>
+          <p:cNvPr id="12" name="직선 화살표 연결선 11">
+            <a:extLst>
+              <a:ext uri="{FF2B5EF4-FFF2-40B4-BE49-F238E27FC236}">
+                <a16:creationId xmlns:a16="http://schemas.microsoft.com/office/drawing/2014/main" id="{2FC35337-CA90-4CD9-A964-BBC05F6B595A}"/>
+              </a:ext>
+            </a:extLst>
+          </p:cNvPr>
+          <p:cNvCxnSpPr/>
+          <p:nvPr/>
+        </p:nvCxnSpPr>
+        <p:spPr>
+          <a:xfrm>
+            <a:off x="6813851" y="5595480"/>
+            <a:ext cx="4807670" cy="0"/>
+          </a:xfrm>
+          <a:prstGeom prst="straightConnector1">
+            <a:avLst/>
+          </a:prstGeom>
+          <a:ln w="38100">
+            <a:solidFill>
+              <a:schemeClr val="tx1"/>
+            </a:solidFill>
+            <a:tailEnd type="triangle"/>
+          </a:ln>
+        </p:spPr>
+        <p:style>
+          <a:lnRef idx="1">
+            <a:schemeClr val="accent1"/>
+          </a:lnRef>
+          <a:fillRef idx="0">
+            <a:schemeClr val="accent1"/>
+          </a:fillRef>
+          <a:effectRef idx="0">
+            <a:schemeClr val="accent1"/>
+          </a:effectRef>
+          <a:fontRef idx="minor">
+            <a:schemeClr val="tx1"/>
+          </a:fontRef>
+        </p:style>
+      </p:cxnSp>
+      <p:cxnSp>
+        <p:nvCxnSpPr>
+          <p:cNvPr id="13" name="직선 화살표 연결선 12">
+            <a:extLst>
+              <a:ext uri="{FF2B5EF4-FFF2-40B4-BE49-F238E27FC236}">
+                <a16:creationId xmlns:a16="http://schemas.microsoft.com/office/drawing/2014/main" id="{0F2DEA73-CC5C-449A-BC9F-471DD8335CBB}"/>
+              </a:ext>
+            </a:extLst>
+          </p:cNvPr>
+          <p:cNvCxnSpPr>
+            <a:cxnSpLocks/>
+          </p:cNvCxnSpPr>
+          <p:nvPr/>
+        </p:nvCxnSpPr>
+        <p:spPr>
+          <a:xfrm rot="16200000">
+            <a:off x="5107599" y="3773750"/>
+            <a:ext cx="4807670" cy="0"/>
+          </a:xfrm>
+          <a:prstGeom prst="straightConnector1">
+            <a:avLst/>
+          </a:prstGeom>
+          <a:ln w="38100">
+            <a:solidFill>
+              <a:schemeClr val="tx1"/>
+            </a:solidFill>
+            <a:tailEnd type="triangle"/>
+          </a:ln>
+        </p:spPr>
+        <p:style>
+          <a:lnRef idx="1">
+            <a:schemeClr val="accent1"/>
+          </a:lnRef>
+          <a:fillRef idx="0">
+            <a:schemeClr val="accent1"/>
+          </a:fillRef>
+          <a:effectRef idx="0">
+            <a:schemeClr val="accent1"/>
+          </a:effectRef>
+          <a:fontRef idx="minor">
+            <a:schemeClr val="tx1"/>
+          </a:fontRef>
+        </p:style>
+      </p:cxnSp>
+      <mc:AlternateContent xmlns:mc="http://schemas.openxmlformats.org/markup-compatibility/2006" xmlns:a14="http://schemas.microsoft.com/office/drawing/2010/main">
+        <mc:Choice Requires="a14">
+          <p:sp>
+            <p:nvSpPr>
+              <p:cNvPr id="19" name="TextBox 18">
+                <a:extLst>
+                  <a:ext uri="{FF2B5EF4-FFF2-40B4-BE49-F238E27FC236}">
+                    <a16:creationId xmlns:a16="http://schemas.microsoft.com/office/drawing/2014/main" id="{1B18DD39-D6BD-436D-AF5F-E473C2069CB7}"/>
+                  </a:ext>
+                </a:extLst>
+              </p:cNvPr>
+              <p:cNvSpPr txBox="1"/>
+              <p:nvPr/>
+            </p:nvSpPr>
+            <p:spPr>
+              <a:xfrm>
+                <a:off x="9159292" y="3949322"/>
+                <a:ext cx="538353" cy="461665"/>
+              </a:xfrm>
+              <a:prstGeom prst="rect">
+                <a:avLst/>
+              </a:prstGeom>
+              <a:noFill/>
+            </p:spPr>
+            <p:txBody>
+              <a:bodyPr wrap="square" rtlCol="0">
+                <a:spAutoFit/>
+              </a:bodyPr>
+              <a:lstStyle/>
+              <a:p>
+                <a:pPr algn="ctr"/>
+                <a14:m>
+                  <m:oMathPara xmlns:m="http://schemas.openxmlformats.org/officeDocument/2006/math">
+                    <m:oMathParaPr>
+                      <m:jc m:val="centerGroup"/>
+                    </m:oMathParaPr>
+                    <m:oMath xmlns:m="http://schemas.openxmlformats.org/officeDocument/2006/math">
+                      <m:r>
+                        <a:rPr lang="en-US" altLang="ko-KR" sz="2400" b="0" i="1" smtClean="0">
+                          <a:latin typeface="Cambria Math" panose="02040503050406030204" pitchFamily="18" charset="0"/>
+                        </a:rPr>
+                        <m:t>𝑑𝑥</m:t>
+                      </m:r>
+                    </m:oMath>
+                  </m:oMathPara>
+                </a14:m>
+                <a:endParaRPr lang="ko-KR" altLang="en-US" sz="2400" dirty="0"/>
+              </a:p>
+            </p:txBody>
+          </p:sp>
+        </mc:Choice>
+        <mc:Fallback xmlns="">
+          <p:sp>
+            <p:nvSpPr>
+              <p:cNvPr id="19" name="TextBox 18">
+                <a:extLst>
+                  <a:ext uri="{FF2B5EF4-FFF2-40B4-BE49-F238E27FC236}">
+                    <a16:creationId xmlns:a16="http://schemas.microsoft.com/office/drawing/2014/main" id="{1B18DD39-D6BD-436D-AF5F-E473C2069CB7}"/>
+                  </a:ext>
+                </a:extLst>
+              </p:cNvPr>
+              <p:cNvSpPr txBox="1">
+                <a:spLocks noRot="1" noChangeAspect="1" noMove="1" noResize="1" noEditPoints="1" noAdjustHandles="1" noChangeArrowheads="1" noChangeShapeType="1" noTextEdit="1"/>
+              </p:cNvSpPr>
+              <p:nvPr/>
+            </p:nvSpPr>
+            <p:spPr>
+              <a:xfrm>
+                <a:off x="9159292" y="3949322"/>
+                <a:ext cx="538353" cy="461665"/>
+              </a:xfrm>
+              <a:prstGeom prst="rect">
+                <a:avLst/>
+              </a:prstGeom>
+              <a:blipFill>
+                <a:blip r:embed="rId2"/>
+                <a:stretch>
+                  <a:fillRect l="-12500"/>
+                </a:stretch>
+              </a:blipFill>
+            </p:spPr>
+            <p:txBody>
+              <a:bodyPr/>
+              <a:lstStyle/>
+              <a:p>
+                <a:r>
+                  <a:rPr lang="ko-KR" altLang="en-US">
+                    <a:noFill/>
+                  </a:rPr>
+                  <a:t> </a:t>
+                </a:r>
+              </a:p>
+            </p:txBody>
+          </p:sp>
+        </mc:Fallback>
+      </mc:AlternateContent>
+      <mc:AlternateContent xmlns:mc="http://schemas.openxmlformats.org/markup-compatibility/2006" xmlns:a14="http://schemas.microsoft.com/office/drawing/2010/main">
+        <mc:Choice Requires="a14">
+          <p:sp>
+            <p:nvSpPr>
+              <p:cNvPr id="20" name="TextBox 19">
+                <a:extLst>
+                  <a:ext uri="{FF2B5EF4-FFF2-40B4-BE49-F238E27FC236}">
+                    <a16:creationId xmlns:a16="http://schemas.microsoft.com/office/drawing/2014/main" id="{D492A4FA-62DF-4DE1-858B-5FFEA0029490}"/>
+                  </a:ext>
+                </a:extLst>
+              </p:cNvPr>
+              <p:cNvSpPr txBox="1"/>
+              <p:nvPr/>
+            </p:nvSpPr>
+            <p:spPr>
+              <a:xfrm>
+                <a:off x="1319279" y="3446804"/>
+                <a:ext cx="647357" cy="461665"/>
+              </a:xfrm>
+              <a:prstGeom prst="rect">
+                <a:avLst/>
+              </a:prstGeom>
+              <a:noFill/>
+            </p:spPr>
+            <p:txBody>
+              <a:bodyPr wrap="none" rtlCol="0">
+                <a:spAutoFit/>
+              </a:bodyPr>
+              <a:lstStyle/>
+              <a:p>
+                <a:pPr algn="ctr"/>
+                <a14:m>
+                  <m:oMathPara xmlns:m="http://schemas.openxmlformats.org/officeDocument/2006/math">
+                    <m:oMathParaPr>
+                      <m:jc m:val="centerGroup"/>
+                    </m:oMathParaPr>
+                    <m:oMath xmlns:m="http://schemas.openxmlformats.org/officeDocument/2006/math">
+                      <m:r>
+                        <a:rPr lang="en-US" altLang="ko-KR" sz="2400" b="0" i="1" smtClean="0">
+                          <a:latin typeface="Cambria Math" panose="02040503050406030204" pitchFamily="18" charset="0"/>
+                        </a:rPr>
+                        <m:t>𝑑𝑣</m:t>
+                      </m:r>
+                    </m:oMath>
+                  </m:oMathPara>
+                </a14:m>
+                <a:endParaRPr lang="ko-KR" altLang="en-US" sz="2400" dirty="0"/>
+              </a:p>
+            </p:txBody>
+          </p:sp>
+        </mc:Choice>
+        <mc:Fallback xmlns="">
+          <p:sp>
+            <p:nvSpPr>
+              <p:cNvPr id="20" name="TextBox 19">
+                <a:extLst>
+                  <a:ext uri="{FF2B5EF4-FFF2-40B4-BE49-F238E27FC236}">
+                    <a16:creationId xmlns:a16="http://schemas.microsoft.com/office/drawing/2014/main" id="{D492A4FA-62DF-4DE1-858B-5FFEA0029490}"/>
+                  </a:ext>
+                </a:extLst>
+              </p:cNvPr>
+              <p:cNvSpPr txBox="1">
+                <a:spLocks noRot="1" noChangeAspect="1" noMove="1" noResize="1" noEditPoints="1" noAdjustHandles="1" noChangeArrowheads="1" noChangeShapeType="1" noTextEdit="1"/>
+              </p:cNvSpPr>
+              <p:nvPr/>
+            </p:nvSpPr>
+            <p:spPr>
+              <a:xfrm>
+                <a:off x="1319279" y="3446804"/>
+                <a:ext cx="647357" cy="461665"/>
+              </a:xfrm>
+              <a:prstGeom prst="rect">
+                <a:avLst/>
+              </a:prstGeom>
+              <a:blipFill>
+                <a:blip r:embed="rId3"/>
+                <a:stretch>
+                  <a:fillRect l="-2804"/>
+                </a:stretch>
+              </a:blipFill>
+            </p:spPr>
+            <p:txBody>
+              <a:bodyPr/>
+              <a:lstStyle/>
+              <a:p>
+                <a:r>
+                  <a:rPr lang="ko-KR" altLang="en-US">
+                    <a:noFill/>
+                  </a:rPr>
+                  <a:t> </a:t>
+                </a:r>
+              </a:p>
+            </p:txBody>
+          </p:sp>
+        </mc:Fallback>
+      </mc:AlternateContent>
+      <mc:AlternateContent xmlns:mc="http://schemas.openxmlformats.org/markup-compatibility/2006" xmlns:a14="http://schemas.microsoft.com/office/drawing/2010/main">
+        <mc:Choice Requires="a14">
+          <p:sp>
+            <p:nvSpPr>
+              <p:cNvPr id="21" name="TextBox 20">
+                <a:extLst>
+                  <a:ext uri="{FF2B5EF4-FFF2-40B4-BE49-F238E27FC236}">
+                    <a16:creationId xmlns:a16="http://schemas.microsoft.com/office/drawing/2014/main" id="{3BD74A75-68ED-40D3-8694-456A37DF3197}"/>
+                  </a:ext>
+                </a:extLst>
+              </p:cNvPr>
+              <p:cNvSpPr txBox="1"/>
+              <p:nvPr/>
+            </p:nvSpPr>
+            <p:spPr>
+              <a:xfrm>
+                <a:off x="4929561" y="5598170"/>
+                <a:ext cx="477823" cy="461665"/>
+              </a:xfrm>
+              <a:prstGeom prst="rect">
+                <a:avLst/>
+              </a:prstGeom>
+              <a:noFill/>
+            </p:spPr>
+            <p:txBody>
+              <a:bodyPr wrap="none" rtlCol="0">
+                <a:spAutoFit/>
+              </a:bodyPr>
+              <a:lstStyle/>
+              <a:p>
+                <a:pPr algn="ctr"/>
+                <a14:m>
+                  <m:oMathPara xmlns:m="http://schemas.openxmlformats.org/officeDocument/2006/math">
+                    <m:oMathParaPr>
+                      <m:jc m:val="centerGroup"/>
+                    </m:oMathParaPr>
+                    <m:oMath xmlns:m="http://schemas.openxmlformats.org/officeDocument/2006/math">
+                      <m:r>
+                        <a:rPr lang="en-US" altLang="ko-KR" sz="2400" b="0" i="1" smtClean="0">
+                          <a:latin typeface="Cambria Math" panose="02040503050406030204" pitchFamily="18" charset="0"/>
+                        </a:rPr>
+                        <m:t>𝑢</m:t>
+                      </m:r>
+                    </m:oMath>
+                  </m:oMathPara>
+                </a14:m>
+                <a:endParaRPr lang="ko-KR" altLang="en-US" sz="2400" dirty="0"/>
+              </a:p>
+            </p:txBody>
+          </p:sp>
+        </mc:Choice>
+        <mc:Fallback xmlns="">
+          <p:sp>
+            <p:nvSpPr>
+              <p:cNvPr id="21" name="TextBox 20">
+                <a:extLst>
+                  <a:ext uri="{FF2B5EF4-FFF2-40B4-BE49-F238E27FC236}">
+                    <a16:creationId xmlns:a16="http://schemas.microsoft.com/office/drawing/2014/main" id="{3BD74A75-68ED-40D3-8694-456A37DF3197}"/>
+                  </a:ext>
+                </a:extLst>
+              </p:cNvPr>
+              <p:cNvSpPr txBox="1">
+                <a:spLocks noRot="1" noChangeAspect="1" noMove="1" noResize="1" noEditPoints="1" noAdjustHandles="1" noChangeArrowheads="1" noChangeShapeType="1" noTextEdit="1"/>
+              </p:cNvSpPr>
+              <p:nvPr/>
+            </p:nvSpPr>
+            <p:spPr>
+              <a:xfrm>
+                <a:off x="4929561" y="5598170"/>
+                <a:ext cx="477823" cy="461665"/>
+              </a:xfrm>
+              <a:prstGeom prst="rect">
+                <a:avLst/>
+              </a:prstGeom>
+              <a:blipFill>
+                <a:blip r:embed="rId4"/>
+                <a:stretch>
+                  <a:fillRect/>
+                </a:stretch>
+              </a:blipFill>
+            </p:spPr>
+            <p:txBody>
+              <a:bodyPr/>
+              <a:lstStyle/>
+              <a:p>
+                <a:r>
+                  <a:rPr lang="ko-KR" altLang="en-US">
+                    <a:noFill/>
+                  </a:rPr>
+                  <a:t> </a:t>
+                </a:r>
+              </a:p>
+            </p:txBody>
+          </p:sp>
+        </mc:Fallback>
+      </mc:AlternateContent>
+      <mc:AlternateContent xmlns:mc="http://schemas.openxmlformats.org/markup-compatibility/2006" xmlns:a14="http://schemas.microsoft.com/office/drawing/2010/main">
+        <mc:Choice Requires="a14">
+          <p:sp>
+            <p:nvSpPr>
+              <p:cNvPr id="22" name="TextBox 21">
+                <a:extLst>
+                  <a:ext uri="{FF2B5EF4-FFF2-40B4-BE49-F238E27FC236}">
+                    <a16:creationId xmlns:a16="http://schemas.microsoft.com/office/drawing/2014/main" id="{50E4CEED-4C3D-4C08-A8BC-C3440A67423D}"/>
+                  </a:ext>
+                </a:extLst>
+              </p:cNvPr>
+              <p:cNvSpPr txBox="1"/>
+              <p:nvPr/>
+            </p:nvSpPr>
+            <p:spPr>
+              <a:xfrm>
+                <a:off x="720210" y="1369915"/>
+                <a:ext cx="469424" cy="461665"/>
+              </a:xfrm>
+              <a:prstGeom prst="rect">
+                <a:avLst/>
+              </a:prstGeom>
+              <a:noFill/>
+            </p:spPr>
+            <p:txBody>
+              <a:bodyPr wrap="none" rtlCol="0">
+                <a:spAutoFit/>
+              </a:bodyPr>
+              <a:lstStyle/>
+              <a:p>
+                <a:pPr algn="ctr"/>
+                <a14:m>
+                  <m:oMathPara xmlns:m="http://schemas.openxmlformats.org/officeDocument/2006/math">
+                    <m:oMathParaPr>
+                      <m:jc m:val="centerGroup"/>
+                    </m:oMathParaPr>
+                    <m:oMath xmlns:m="http://schemas.openxmlformats.org/officeDocument/2006/math">
+                      <m:r>
+                        <a:rPr lang="en-US" altLang="ko-KR" sz="2400" b="0" i="1" smtClean="0">
+                          <a:latin typeface="Cambria Math" panose="02040503050406030204" pitchFamily="18" charset="0"/>
+                        </a:rPr>
+                        <m:t>𝑣</m:t>
+                      </m:r>
+                    </m:oMath>
+                  </m:oMathPara>
+                </a14:m>
+                <a:endParaRPr lang="ko-KR" altLang="en-US" sz="2400" dirty="0"/>
+              </a:p>
+            </p:txBody>
+          </p:sp>
+        </mc:Choice>
+        <mc:Fallback xmlns="">
+          <p:sp>
+            <p:nvSpPr>
+              <p:cNvPr id="22" name="TextBox 21">
+                <a:extLst>
+                  <a:ext uri="{FF2B5EF4-FFF2-40B4-BE49-F238E27FC236}">
+                    <a16:creationId xmlns:a16="http://schemas.microsoft.com/office/drawing/2014/main" id="{50E4CEED-4C3D-4C08-A8BC-C3440A67423D}"/>
+                  </a:ext>
+                </a:extLst>
+              </p:cNvPr>
+              <p:cNvSpPr txBox="1">
+                <a:spLocks noRot="1" noChangeAspect="1" noMove="1" noResize="1" noEditPoints="1" noAdjustHandles="1" noChangeArrowheads="1" noChangeShapeType="1" noTextEdit="1"/>
+              </p:cNvSpPr>
+              <p:nvPr/>
+            </p:nvSpPr>
+            <p:spPr>
+              <a:xfrm>
+                <a:off x="720210" y="1369915"/>
+                <a:ext cx="469424" cy="461665"/>
+              </a:xfrm>
+              <a:prstGeom prst="rect">
+                <a:avLst/>
+              </a:prstGeom>
+              <a:blipFill>
+                <a:blip r:embed="rId5"/>
+                <a:stretch>
+                  <a:fillRect/>
+                </a:stretch>
+              </a:blipFill>
+            </p:spPr>
+            <p:txBody>
+              <a:bodyPr/>
+              <a:lstStyle/>
+              <a:p>
+                <a:r>
+                  <a:rPr lang="ko-KR" altLang="en-US">
+                    <a:noFill/>
+                  </a:rPr>
+                  <a:t> </a:t>
+                </a:r>
+              </a:p>
+            </p:txBody>
+          </p:sp>
+        </mc:Fallback>
+      </mc:AlternateContent>
+      <mc:AlternateContent xmlns:mc="http://schemas.openxmlformats.org/markup-compatibility/2006" xmlns:a14="http://schemas.microsoft.com/office/drawing/2010/main">
+        <mc:Choice Requires="a14">
+          <p:sp>
+            <p:nvSpPr>
+              <p:cNvPr id="23" name="TextBox 22">
+                <a:extLst>
+                  <a:ext uri="{FF2B5EF4-FFF2-40B4-BE49-F238E27FC236}">
+                    <a16:creationId xmlns:a16="http://schemas.microsoft.com/office/drawing/2014/main" id="{3415DF3D-ADAC-4485-AF85-277E5E70A1F2}"/>
+                  </a:ext>
+                </a:extLst>
+              </p:cNvPr>
+              <p:cNvSpPr txBox="1"/>
+              <p:nvPr/>
+            </p:nvSpPr>
+            <p:spPr>
+              <a:xfrm>
+                <a:off x="723127" y="5598171"/>
+                <a:ext cx="463588" cy="461665"/>
+              </a:xfrm>
+              <a:prstGeom prst="rect">
+                <a:avLst/>
+              </a:prstGeom>
+              <a:noFill/>
+            </p:spPr>
+            <p:txBody>
+              <a:bodyPr wrap="none" rtlCol="0">
+                <a:spAutoFit/>
+              </a:bodyPr>
+              <a:lstStyle/>
+              <a:p>
+                <a:pPr algn="ctr"/>
+                <a14:m>
+                  <m:oMathPara xmlns:m="http://schemas.openxmlformats.org/officeDocument/2006/math">
+                    <m:oMathParaPr>
+                      <m:jc m:val="centerGroup"/>
+                    </m:oMathParaPr>
+                    <m:oMath xmlns:m="http://schemas.openxmlformats.org/officeDocument/2006/math">
+                      <m:r>
+                        <a:rPr lang="en-US" altLang="ko-KR" sz="2400" b="0" i="1" smtClean="0">
+                          <a:latin typeface="Cambria Math" panose="02040503050406030204" pitchFamily="18" charset="0"/>
+                        </a:rPr>
+                        <m:t>0</m:t>
+                      </m:r>
+                    </m:oMath>
+                  </m:oMathPara>
+                </a14:m>
+                <a:endParaRPr lang="ko-KR" altLang="en-US" sz="2400" dirty="0"/>
+              </a:p>
+            </p:txBody>
+          </p:sp>
+        </mc:Choice>
+        <mc:Fallback xmlns="">
+          <p:sp>
+            <p:nvSpPr>
+              <p:cNvPr id="23" name="TextBox 22">
+                <a:extLst>
+                  <a:ext uri="{FF2B5EF4-FFF2-40B4-BE49-F238E27FC236}">
+                    <a16:creationId xmlns:a16="http://schemas.microsoft.com/office/drawing/2014/main" id="{3415DF3D-ADAC-4485-AF85-277E5E70A1F2}"/>
+                  </a:ext>
+                </a:extLst>
+              </p:cNvPr>
+              <p:cNvSpPr txBox="1">
+                <a:spLocks noRot="1" noChangeAspect="1" noMove="1" noResize="1" noEditPoints="1" noAdjustHandles="1" noChangeArrowheads="1" noChangeShapeType="1" noTextEdit="1"/>
+              </p:cNvSpPr>
+              <p:nvPr/>
+            </p:nvSpPr>
+            <p:spPr>
+              <a:xfrm>
+                <a:off x="723127" y="5598171"/>
+                <a:ext cx="463588" cy="461665"/>
+              </a:xfrm>
+              <a:prstGeom prst="rect">
+                <a:avLst/>
+              </a:prstGeom>
+              <a:blipFill>
+                <a:blip r:embed="rId6"/>
+                <a:stretch>
+                  <a:fillRect l="-3947"/>
+                </a:stretch>
+              </a:blipFill>
+            </p:spPr>
+            <p:txBody>
+              <a:bodyPr/>
+              <a:lstStyle/>
+              <a:p>
+                <a:r>
+                  <a:rPr lang="ko-KR" altLang="en-US">
+                    <a:noFill/>
+                  </a:rPr>
+                  <a:t> </a:t>
+                </a:r>
+              </a:p>
+            </p:txBody>
+          </p:sp>
+        </mc:Fallback>
+      </mc:AlternateContent>
+      <p:cxnSp>
+        <p:nvCxnSpPr>
+          <p:cNvPr id="28" name="직선 연결선 27">
+            <a:extLst>
+              <a:ext uri="{FF2B5EF4-FFF2-40B4-BE49-F238E27FC236}">
+                <a16:creationId xmlns:a16="http://schemas.microsoft.com/office/drawing/2014/main" id="{109B293E-C52E-4EE7-80DB-494C227F4052}"/>
+              </a:ext>
+            </a:extLst>
+          </p:cNvPr>
+          <p:cNvCxnSpPr>
+            <a:cxnSpLocks/>
+          </p:cNvCxnSpPr>
+          <p:nvPr/>
+        </p:nvCxnSpPr>
+        <p:spPr>
+          <a:xfrm flipV="1">
+            <a:off x="7534658" y="3298764"/>
+            <a:ext cx="3911135" cy="1311373"/>
+          </a:xfrm>
+          <a:prstGeom prst="line">
+            <a:avLst/>
+          </a:prstGeom>
+          <a:ln w="12700">
+            <a:solidFill>
+              <a:srgbClr val="FF0000"/>
+            </a:solidFill>
+          </a:ln>
+        </p:spPr>
+        <p:style>
+          <a:lnRef idx="1">
+            <a:schemeClr val="accent1"/>
+          </a:lnRef>
+          <a:fillRef idx="0">
+            <a:schemeClr val="accent1"/>
+          </a:fillRef>
+          <a:effectRef idx="0">
+            <a:schemeClr val="accent1"/>
+          </a:effectRef>
+          <a:fontRef idx="minor">
+            <a:schemeClr val="tx1"/>
+          </a:fontRef>
+        </p:style>
+      </p:cxnSp>
+      <p:cxnSp>
+        <p:nvCxnSpPr>
+          <p:cNvPr id="30" name="직선 연결선 29">
+            <a:extLst>
+              <a:ext uri="{FF2B5EF4-FFF2-40B4-BE49-F238E27FC236}">
+                <a16:creationId xmlns:a16="http://schemas.microsoft.com/office/drawing/2014/main" id="{B5F7FA39-B25E-4214-BC1E-4A067F7111BB}"/>
+              </a:ext>
+            </a:extLst>
+          </p:cNvPr>
+          <p:cNvCxnSpPr>
+            <a:cxnSpLocks/>
+          </p:cNvCxnSpPr>
+          <p:nvPr/>
+        </p:nvCxnSpPr>
+        <p:spPr>
+          <a:xfrm flipV="1">
+            <a:off x="7534658" y="2869296"/>
+            <a:ext cx="3911135" cy="1311373"/>
+          </a:xfrm>
+          <a:prstGeom prst="line">
+            <a:avLst/>
+          </a:prstGeom>
+          <a:ln w="12700">
+            <a:solidFill>
+              <a:srgbClr val="FF0000"/>
+            </a:solidFill>
+          </a:ln>
+        </p:spPr>
+        <p:style>
+          <a:lnRef idx="1">
+            <a:schemeClr val="accent1"/>
+          </a:lnRef>
+          <a:fillRef idx="0">
+            <a:schemeClr val="accent1"/>
+          </a:fillRef>
+          <a:effectRef idx="0">
+            <a:schemeClr val="accent1"/>
+          </a:effectRef>
+          <a:fontRef idx="minor">
+            <a:schemeClr val="tx1"/>
+          </a:fontRef>
+        </p:style>
+      </p:cxnSp>
+      <p:cxnSp>
+        <p:nvCxnSpPr>
+          <p:cNvPr id="31" name="직선 연결선 30">
+            <a:extLst>
+              <a:ext uri="{FF2B5EF4-FFF2-40B4-BE49-F238E27FC236}">
+                <a16:creationId xmlns:a16="http://schemas.microsoft.com/office/drawing/2014/main" id="{79ECCEF1-6F53-4120-BF3F-3B708D543662}"/>
+              </a:ext>
+            </a:extLst>
+          </p:cNvPr>
+          <p:cNvCxnSpPr>
+            <a:cxnSpLocks/>
+          </p:cNvCxnSpPr>
+          <p:nvPr/>
+        </p:nvCxnSpPr>
+        <p:spPr>
+          <a:xfrm flipV="1">
+            <a:off x="7534658" y="2428344"/>
+            <a:ext cx="3911135" cy="1311373"/>
+          </a:xfrm>
+          <a:prstGeom prst="line">
+            <a:avLst/>
+          </a:prstGeom>
+          <a:ln w="12700">
+            <a:solidFill>
+              <a:srgbClr val="FF0000"/>
+            </a:solidFill>
+          </a:ln>
+        </p:spPr>
+        <p:style>
+          <a:lnRef idx="1">
+            <a:schemeClr val="accent1"/>
+          </a:lnRef>
+          <a:fillRef idx="0">
+            <a:schemeClr val="accent1"/>
+          </a:fillRef>
+          <a:effectRef idx="0">
+            <a:schemeClr val="accent1"/>
+          </a:effectRef>
+          <a:fontRef idx="minor">
+            <a:schemeClr val="tx1"/>
+          </a:fontRef>
+        </p:style>
+      </p:cxnSp>
+      <p:cxnSp>
+        <p:nvCxnSpPr>
+          <p:cNvPr id="32" name="직선 연결선 31">
+            <a:extLst>
+              <a:ext uri="{FF2B5EF4-FFF2-40B4-BE49-F238E27FC236}">
+                <a16:creationId xmlns:a16="http://schemas.microsoft.com/office/drawing/2014/main" id="{8AF89C14-DB7F-48A4-ACEF-008A596EB91E}"/>
+              </a:ext>
+            </a:extLst>
+          </p:cNvPr>
+          <p:cNvCxnSpPr>
+            <a:cxnSpLocks/>
+          </p:cNvCxnSpPr>
+          <p:nvPr/>
+        </p:nvCxnSpPr>
+        <p:spPr>
+          <a:xfrm flipV="1">
+            <a:off x="7534658" y="1985292"/>
+            <a:ext cx="3911135" cy="1311373"/>
+          </a:xfrm>
+          <a:prstGeom prst="line">
+            <a:avLst/>
+          </a:prstGeom>
+          <a:ln w="12700">
+            <a:solidFill>
+              <a:srgbClr val="FF0000"/>
+            </a:solidFill>
+          </a:ln>
+        </p:spPr>
+        <p:style>
+          <a:lnRef idx="1">
+            <a:schemeClr val="accent1"/>
+          </a:lnRef>
+          <a:fillRef idx="0">
+            <a:schemeClr val="accent1"/>
+          </a:fillRef>
+          <a:effectRef idx="0">
+            <a:schemeClr val="accent1"/>
+          </a:effectRef>
+          <a:fontRef idx="minor">
+            <a:schemeClr val="tx1"/>
+          </a:fontRef>
+        </p:style>
+      </p:cxnSp>
+      <p:cxnSp>
+        <p:nvCxnSpPr>
+          <p:cNvPr id="34" name="직선 연결선 33">
+            <a:extLst>
+              <a:ext uri="{FF2B5EF4-FFF2-40B4-BE49-F238E27FC236}">
+                <a16:creationId xmlns:a16="http://schemas.microsoft.com/office/drawing/2014/main" id="{0EF2B714-381A-4B0B-A100-1960EBD1EB74}"/>
+              </a:ext>
+            </a:extLst>
+          </p:cNvPr>
+          <p:cNvCxnSpPr>
+            <a:cxnSpLocks/>
+          </p:cNvCxnSpPr>
+          <p:nvPr/>
+        </p:nvCxnSpPr>
+        <p:spPr>
+          <a:xfrm flipV="1">
+            <a:off x="7940102" y="1369915"/>
+            <a:ext cx="1462036" cy="4367413"/>
+          </a:xfrm>
+          <a:prstGeom prst="line">
+            <a:avLst/>
+          </a:prstGeom>
+          <a:ln w="12700">
+            <a:solidFill>
+              <a:schemeClr val="accent6"/>
+            </a:solidFill>
+          </a:ln>
+        </p:spPr>
+        <p:style>
+          <a:lnRef idx="1">
+            <a:schemeClr val="accent1"/>
+          </a:lnRef>
+          <a:fillRef idx="0">
+            <a:schemeClr val="accent1"/>
+          </a:fillRef>
+          <a:effectRef idx="0">
+            <a:schemeClr val="accent1"/>
+          </a:effectRef>
+          <a:fontRef idx="minor">
+            <a:schemeClr val="tx1"/>
+          </a:fontRef>
+        </p:style>
+      </p:cxnSp>
+      <p:cxnSp>
+        <p:nvCxnSpPr>
+          <p:cNvPr id="37" name="직선 연결선 36">
+            <a:extLst>
+              <a:ext uri="{FF2B5EF4-FFF2-40B4-BE49-F238E27FC236}">
+                <a16:creationId xmlns:a16="http://schemas.microsoft.com/office/drawing/2014/main" id="{89B40201-9F79-4C23-924D-3525B7FE4127}"/>
+              </a:ext>
+            </a:extLst>
+          </p:cNvPr>
+          <p:cNvCxnSpPr>
+            <a:cxnSpLocks/>
+          </p:cNvCxnSpPr>
+          <p:nvPr/>
+        </p:nvCxnSpPr>
+        <p:spPr>
+          <a:xfrm flipV="1">
+            <a:off x="8553358" y="1369915"/>
+            <a:ext cx="1462036" cy="4367413"/>
+          </a:xfrm>
+          <a:prstGeom prst="line">
+            <a:avLst/>
+          </a:prstGeom>
+          <a:ln w="12700">
+            <a:solidFill>
+              <a:schemeClr val="accent6"/>
+            </a:solidFill>
+          </a:ln>
+        </p:spPr>
+        <p:style>
+          <a:lnRef idx="1">
+            <a:schemeClr val="accent1"/>
+          </a:lnRef>
+          <a:fillRef idx="0">
+            <a:schemeClr val="accent1"/>
+          </a:fillRef>
+          <a:effectRef idx="0">
+            <a:schemeClr val="accent1"/>
+          </a:effectRef>
+          <a:fontRef idx="minor">
+            <a:schemeClr val="tx1"/>
+          </a:fontRef>
+        </p:style>
+      </p:cxnSp>
+      <p:cxnSp>
+        <p:nvCxnSpPr>
+          <p:cNvPr id="38" name="직선 연결선 37">
+            <a:extLst>
+              <a:ext uri="{FF2B5EF4-FFF2-40B4-BE49-F238E27FC236}">
+                <a16:creationId xmlns:a16="http://schemas.microsoft.com/office/drawing/2014/main" id="{CA87179D-FA9D-47F7-B640-E5BA878DE8F2}"/>
+              </a:ext>
+            </a:extLst>
+          </p:cNvPr>
+          <p:cNvCxnSpPr>
+            <a:cxnSpLocks/>
+          </p:cNvCxnSpPr>
+          <p:nvPr/>
+        </p:nvCxnSpPr>
+        <p:spPr>
+          <a:xfrm flipV="1">
+            <a:off x="9077168" y="1369915"/>
+            <a:ext cx="1462036" cy="4367413"/>
+          </a:xfrm>
+          <a:prstGeom prst="line">
+            <a:avLst/>
+          </a:prstGeom>
+          <a:ln w="12700">
+            <a:solidFill>
+              <a:schemeClr val="accent6"/>
+            </a:solidFill>
+          </a:ln>
+        </p:spPr>
+        <p:style>
+          <a:lnRef idx="1">
+            <a:schemeClr val="accent1"/>
+          </a:lnRef>
+          <a:fillRef idx="0">
+            <a:schemeClr val="accent1"/>
+          </a:fillRef>
+          <a:effectRef idx="0">
+            <a:schemeClr val="accent1"/>
+          </a:effectRef>
+          <a:fontRef idx="minor">
+            <a:schemeClr val="tx1"/>
+          </a:fontRef>
+        </p:style>
+      </p:cxnSp>
+      <p:cxnSp>
+        <p:nvCxnSpPr>
+          <p:cNvPr id="39" name="직선 연결선 38">
+            <a:extLst>
+              <a:ext uri="{FF2B5EF4-FFF2-40B4-BE49-F238E27FC236}">
+                <a16:creationId xmlns:a16="http://schemas.microsoft.com/office/drawing/2014/main" id="{6D664993-7157-4928-831E-84D6BA7D5080}"/>
+              </a:ext>
+            </a:extLst>
+          </p:cNvPr>
+          <p:cNvCxnSpPr>
+            <a:cxnSpLocks/>
+          </p:cNvCxnSpPr>
+          <p:nvPr/>
+        </p:nvCxnSpPr>
+        <p:spPr>
+          <a:xfrm flipV="1">
+            <a:off x="9657691" y="1369915"/>
+            <a:ext cx="1462036" cy="4367413"/>
+          </a:xfrm>
+          <a:prstGeom prst="line">
+            <a:avLst/>
+          </a:prstGeom>
+          <a:ln w="12700">
+            <a:solidFill>
+              <a:schemeClr val="accent6"/>
+            </a:solidFill>
+          </a:ln>
+        </p:spPr>
+        <p:style>
+          <a:lnRef idx="1">
+            <a:schemeClr val="accent1"/>
+          </a:lnRef>
+          <a:fillRef idx="0">
+            <a:schemeClr val="accent1"/>
+          </a:fillRef>
+          <a:effectRef idx="0">
+            <a:schemeClr val="accent1"/>
+          </a:effectRef>
+          <a:fontRef idx="minor">
+            <a:schemeClr val="tx1"/>
+          </a:fontRef>
+        </p:style>
+      </p:cxnSp>
+      <mc:AlternateContent xmlns:mc="http://schemas.openxmlformats.org/markup-compatibility/2006" xmlns:a14="http://schemas.microsoft.com/office/drawing/2010/main">
+        <mc:Choice Requires="a14">
+          <p:sp>
+            <p:nvSpPr>
+              <p:cNvPr id="40" name="TextBox 39">
+                <a:extLst>
+                  <a:ext uri="{FF2B5EF4-FFF2-40B4-BE49-F238E27FC236}">
+                    <a16:creationId xmlns:a16="http://schemas.microsoft.com/office/drawing/2014/main" id="{0F2EC0BB-7207-403D-974C-464267A646B6}"/>
+                  </a:ext>
+                </a:extLst>
+              </p:cNvPr>
+              <p:cNvSpPr txBox="1"/>
+              <p:nvPr/>
+            </p:nvSpPr>
+            <p:spPr>
+              <a:xfrm>
+                <a:off x="11290169" y="5598170"/>
+                <a:ext cx="477823" cy="461665"/>
+              </a:xfrm>
+              <a:prstGeom prst="rect">
+                <a:avLst/>
+              </a:prstGeom>
+              <a:noFill/>
+            </p:spPr>
+            <p:txBody>
+              <a:bodyPr wrap="none" rtlCol="0">
+                <a:spAutoFit/>
+              </a:bodyPr>
+              <a:lstStyle/>
+              <a:p>
+                <a:pPr algn="ctr"/>
+                <a14:m>
+                  <m:oMathPara xmlns:m="http://schemas.openxmlformats.org/officeDocument/2006/math">
+                    <m:oMathParaPr>
+                      <m:jc m:val="centerGroup"/>
+                    </m:oMathParaPr>
+                    <m:oMath xmlns:m="http://schemas.openxmlformats.org/officeDocument/2006/math">
+                      <m:r>
+                        <a:rPr lang="en-US" altLang="ko-KR" sz="2400" b="0" i="1" smtClean="0">
+                          <a:latin typeface="Cambria Math" panose="02040503050406030204" pitchFamily="18" charset="0"/>
+                        </a:rPr>
+                        <m:t>𝑢</m:t>
+                      </m:r>
+                    </m:oMath>
+                  </m:oMathPara>
+                </a14:m>
+                <a:endParaRPr lang="ko-KR" altLang="en-US" sz="2400" dirty="0"/>
+              </a:p>
+            </p:txBody>
+          </p:sp>
+        </mc:Choice>
+        <mc:Fallback xmlns="">
+          <p:sp>
+            <p:nvSpPr>
+              <p:cNvPr id="40" name="TextBox 39">
+                <a:extLst>
+                  <a:ext uri="{FF2B5EF4-FFF2-40B4-BE49-F238E27FC236}">
+                    <a16:creationId xmlns:a16="http://schemas.microsoft.com/office/drawing/2014/main" id="{0F2EC0BB-7207-403D-974C-464267A646B6}"/>
+                  </a:ext>
+                </a:extLst>
+              </p:cNvPr>
+              <p:cNvSpPr txBox="1">
+                <a:spLocks noRot="1" noChangeAspect="1" noMove="1" noResize="1" noEditPoints="1" noAdjustHandles="1" noChangeArrowheads="1" noChangeShapeType="1" noTextEdit="1"/>
+              </p:cNvSpPr>
+              <p:nvPr/>
+            </p:nvSpPr>
+            <p:spPr>
+              <a:xfrm>
+                <a:off x="11290169" y="5598170"/>
+                <a:ext cx="477823" cy="461665"/>
+              </a:xfrm>
+              <a:prstGeom prst="rect">
+                <a:avLst/>
+              </a:prstGeom>
+              <a:blipFill>
+                <a:blip r:embed="rId7"/>
+                <a:stretch>
+                  <a:fillRect/>
+                </a:stretch>
+              </a:blipFill>
+            </p:spPr>
+            <p:txBody>
+              <a:bodyPr/>
+              <a:lstStyle/>
+              <a:p>
+                <a:r>
+                  <a:rPr lang="ko-KR" altLang="en-US">
+                    <a:noFill/>
+                  </a:rPr>
+                  <a:t> </a:t>
+                </a:r>
+              </a:p>
+            </p:txBody>
+          </p:sp>
+        </mc:Fallback>
+      </mc:AlternateContent>
+      <mc:AlternateContent xmlns:mc="http://schemas.openxmlformats.org/markup-compatibility/2006" xmlns:a14="http://schemas.microsoft.com/office/drawing/2010/main">
+        <mc:Choice Requires="a14">
+          <p:sp>
+            <p:nvSpPr>
+              <p:cNvPr id="41" name="TextBox 40">
+                <a:extLst>
+                  <a:ext uri="{FF2B5EF4-FFF2-40B4-BE49-F238E27FC236}">
+                    <a16:creationId xmlns:a16="http://schemas.microsoft.com/office/drawing/2014/main" id="{5EC75579-A0ED-4FEF-A7E5-D388FC8C97B6}"/>
+                  </a:ext>
+                </a:extLst>
+              </p:cNvPr>
+              <p:cNvSpPr txBox="1"/>
+              <p:nvPr/>
+            </p:nvSpPr>
+            <p:spPr>
+              <a:xfrm>
+                <a:off x="7080818" y="1369915"/>
+                <a:ext cx="469424" cy="461665"/>
+              </a:xfrm>
+              <a:prstGeom prst="rect">
+                <a:avLst/>
+              </a:prstGeom>
+              <a:noFill/>
+            </p:spPr>
+            <p:txBody>
+              <a:bodyPr wrap="none" rtlCol="0">
+                <a:spAutoFit/>
+              </a:bodyPr>
+              <a:lstStyle/>
+              <a:p>
+                <a:pPr algn="ctr"/>
+                <a14:m>
+                  <m:oMathPara xmlns:m="http://schemas.openxmlformats.org/officeDocument/2006/math">
+                    <m:oMathParaPr>
+                      <m:jc m:val="centerGroup"/>
+                    </m:oMathParaPr>
+                    <m:oMath xmlns:m="http://schemas.openxmlformats.org/officeDocument/2006/math">
+                      <m:r>
+                        <a:rPr lang="en-US" altLang="ko-KR" sz="2400" b="0" i="1" smtClean="0">
+                          <a:latin typeface="Cambria Math" panose="02040503050406030204" pitchFamily="18" charset="0"/>
+                        </a:rPr>
+                        <m:t>𝑣</m:t>
+                      </m:r>
+                    </m:oMath>
+                  </m:oMathPara>
+                </a14:m>
+                <a:endParaRPr lang="ko-KR" altLang="en-US" sz="2400" dirty="0"/>
+              </a:p>
+            </p:txBody>
+          </p:sp>
+        </mc:Choice>
+        <mc:Fallback xmlns="">
+          <p:sp>
+            <p:nvSpPr>
+              <p:cNvPr id="41" name="TextBox 40">
+                <a:extLst>
+                  <a:ext uri="{FF2B5EF4-FFF2-40B4-BE49-F238E27FC236}">
+                    <a16:creationId xmlns:a16="http://schemas.microsoft.com/office/drawing/2014/main" id="{5EC75579-A0ED-4FEF-A7E5-D388FC8C97B6}"/>
+                  </a:ext>
+                </a:extLst>
+              </p:cNvPr>
+              <p:cNvSpPr txBox="1">
+                <a:spLocks noRot="1" noChangeAspect="1" noMove="1" noResize="1" noEditPoints="1" noAdjustHandles="1" noChangeArrowheads="1" noChangeShapeType="1" noTextEdit="1"/>
+              </p:cNvSpPr>
+              <p:nvPr/>
+            </p:nvSpPr>
+            <p:spPr>
+              <a:xfrm>
+                <a:off x="7080818" y="1369915"/>
+                <a:ext cx="469424" cy="461665"/>
+              </a:xfrm>
+              <a:prstGeom prst="rect">
+                <a:avLst/>
+              </a:prstGeom>
+              <a:blipFill>
+                <a:blip r:embed="rId8"/>
+                <a:stretch>
+                  <a:fillRect/>
+                </a:stretch>
+              </a:blipFill>
+            </p:spPr>
+            <p:txBody>
+              <a:bodyPr/>
+              <a:lstStyle/>
+              <a:p>
+                <a:r>
+                  <a:rPr lang="ko-KR" altLang="en-US">
+                    <a:noFill/>
+                  </a:rPr>
+                  <a:t> </a:t>
+                </a:r>
+              </a:p>
+            </p:txBody>
+          </p:sp>
+        </mc:Fallback>
+      </mc:AlternateContent>
+      <mc:AlternateContent xmlns:mc="http://schemas.openxmlformats.org/markup-compatibility/2006" xmlns:a14="http://schemas.microsoft.com/office/drawing/2010/main">
+        <mc:Choice Requires="a14">
+          <p:sp>
+            <p:nvSpPr>
+              <p:cNvPr id="42" name="TextBox 41">
+                <a:extLst>
+                  <a:ext uri="{FF2B5EF4-FFF2-40B4-BE49-F238E27FC236}">
+                    <a16:creationId xmlns:a16="http://schemas.microsoft.com/office/drawing/2014/main" id="{670EA601-746E-41A8-9F40-476AEB3C4909}"/>
+                  </a:ext>
+                </a:extLst>
+              </p:cNvPr>
+              <p:cNvSpPr txBox="1"/>
+              <p:nvPr/>
+            </p:nvSpPr>
+            <p:spPr>
+              <a:xfrm>
+                <a:off x="7083735" y="5598171"/>
+                <a:ext cx="463588" cy="461665"/>
+              </a:xfrm>
+              <a:prstGeom prst="rect">
+                <a:avLst/>
+              </a:prstGeom>
+              <a:noFill/>
+            </p:spPr>
+            <p:txBody>
+              <a:bodyPr wrap="none" rtlCol="0">
+                <a:spAutoFit/>
+              </a:bodyPr>
+              <a:lstStyle/>
+              <a:p>
+                <a:pPr algn="ctr"/>
+                <a14:m>
+                  <m:oMathPara xmlns:m="http://schemas.openxmlformats.org/officeDocument/2006/math">
+                    <m:oMathParaPr>
+                      <m:jc m:val="centerGroup"/>
+                    </m:oMathParaPr>
+                    <m:oMath xmlns:m="http://schemas.openxmlformats.org/officeDocument/2006/math">
+                      <m:r>
+                        <a:rPr lang="en-US" altLang="ko-KR" sz="2400" b="0" i="1" smtClean="0">
+                          <a:latin typeface="Cambria Math" panose="02040503050406030204" pitchFamily="18" charset="0"/>
+                        </a:rPr>
+                        <m:t>0</m:t>
+                      </m:r>
+                    </m:oMath>
+                  </m:oMathPara>
+                </a14:m>
+                <a:endParaRPr lang="ko-KR" altLang="en-US" sz="2400" dirty="0"/>
+              </a:p>
+            </p:txBody>
+          </p:sp>
+        </mc:Choice>
+        <mc:Fallback xmlns="">
+          <p:sp>
+            <p:nvSpPr>
+              <p:cNvPr id="42" name="TextBox 41">
+                <a:extLst>
+                  <a:ext uri="{FF2B5EF4-FFF2-40B4-BE49-F238E27FC236}">
+                    <a16:creationId xmlns:a16="http://schemas.microsoft.com/office/drawing/2014/main" id="{670EA601-746E-41A8-9F40-476AEB3C4909}"/>
+                  </a:ext>
+                </a:extLst>
+              </p:cNvPr>
+              <p:cNvSpPr txBox="1">
+                <a:spLocks noRot="1" noChangeAspect="1" noMove="1" noResize="1" noEditPoints="1" noAdjustHandles="1" noChangeArrowheads="1" noChangeShapeType="1" noTextEdit="1"/>
+              </p:cNvSpPr>
+              <p:nvPr/>
+            </p:nvSpPr>
+            <p:spPr>
+              <a:xfrm>
+                <a:off x="7083735" y="5598171"/>
+                <a:ext cx="463588" cy="461665"/>
+              </a:xfrm>
+              <a:prstGeom prst="rect">
+                <a:avLst/>
+              </a:prstGeom>
+              <a:blipFill>
+                <a:blip r:embed="rId9"/>
+                <a:stretch>
+                  <a:fillRect l="-2632"/>
+                </a:stretch>
+              </a:blipFill>
+            </p:spPr>
+            <p:txBody>
+              <a:bodyPr/>
+              <a:lstStyle/>
+              <a:p>
+                <a:r>
+                  <a:rPr lang="ko-KR" altLang="en-US">
+                    <a:noFill/>
+                  </a:rPr>
+                  <a:t> </a:t>
+                </a:r>
+              </a:p>
+            </p:txBody>
+          </p:sp>
+        </mc:Fallback>
+      </mc:AlternateContent>
+      <mc:AlternateContent xmlns:mc="http://schemas.openxmlformats.org/markup-compatibility/2006" xmlns:a14="http://schemas.microsoft.com/office/drawing/2010/main">
+        <mc:Choice Requires="a14">
+          <p:sp>
+            <p:nvSpPr>
+              <p:cNvPr id="49" name="TextBox 48">
+                <a:extLst>
+                  <a:ext uri="{FF2B5EF4-FFF2-40B4-BE49-F238E27FC236}">
+                    <a16:creationId xmlns:a16="http://schemas.microsoft.com/office/drawing/2014/main" id="{106A6701-F189-4338-AF61-6AAAA55EBBF5}"/>
+                  </a:ext>
+                </a:extLst>
+              </p:cNvPr>
+              <p:cNvSpPr txBox="1"/>
+              <p:nvPr/>
+            </p:nvSpPr>
+            <p:spPr>
+              <a:xfrm>
+                <a:off x="8208681" y="3350289"/>
+                <a:ext cx="538353" cy="461665"/>
+              </a:xfrm>
+              <a:prstGeom prst="rect">
+                <a:avLst/>
+              </a:prstGeom>
+              <a:noFill/>
+            </p:spPr>
+            <p:txBody>
+              <a:bodyPr wrap="square" rtlCol="0">
+                <a:spAutoFit/>
+              </a:bodyPr>
+              <a:lstStyle/>
+              <a:p>
+                <a:pPr algn="ctr"/>
+                <a14:m>
+                  <m:oMathPara xmlns:m="http://schemas.openxmlformats.org/officeDocument/2006/math">
+                    <m:oMathParaPr>
+                      <m:jc m:val="centerGroup"/>
+                    </m:oMathParaPr>
+                    <m:oMath xmlns:m="http://schemas.openxmlformats.org/officeDocument/2006/math">
+                      <m:r>
+                        <a:rPr lang="en-US" altLang="ko-KR" sz="2400" b="0" i="1" smtClean="0">
+                          <a:latin typeface="Cambria Math" panose="02040503050406030204" pitchFamily="18" charset="0"/>
+                        </a:rPr>
+                        <m:t>𝑑𝑦</m:t>
+                      </m:r>
+                    </m:oMath>
+                  </m:oMathPara>
+                </a14:m>
+                <a:endParaRPr lang="ko-KR" altLang="en-US" sz="2400" dirty="0"/>
+              </a:p>
+            </p:txBody>
+          </p:sp>
+        </mc:Choice>
+        <mc:Fallback xmlns="">
+          <p:sp>
+            <p:nvSpPr>
+              <p:cNvPr id="49" name="TextBox 48">
+                <a:extLst>
+                  <a:ext uri="{FF2B5EF4-FFF2-40B4-BE49-F238E27FC236}">
+                    <a16:creationId xmlns:a16="http://schemas.microsoft.com/office/drawing/2014/main" id="{106A6701-F189-4338-AF61-6AAAA55EBBF5}"/>
+                  </a:ext>
+                </a:extLst>
+              </p:cNvPr>
+              <p:cNvSpPr txBox="1">
+                <a:spLocks noRot="1" noChangeAspect="1" noMove="1" noResize="1" noEditPoints="1" noAdjustHandles="1" noChangeArrowheads="1" noChangeShapeType="1" noTextEdit="1"/>
+              </p:cNvSpPr>
+              <p:nvPr/>
+            </p:nvSpPr>
+            <p:spPr>
+              <a:xfrm>
+                <a:off x="8208681" y="3350289"/>
+                <a:ext cx="538353" cy="461665"/>
+              </a:xfrm>
+              <a:prstGeom prst="rect">
+                <a:avLst/>
+              </a:prstGeom>
+              <a:blipFill>
+                <a:blip r:embed="rId10"/>
+                <a:stretch>
+                  <a:fillRect l="-20455" b="-21333"/>
+                </a:stretch>
+              </a:blipFill>
+            </p:spPr>
+            <p:txBody>
+              <a:bodyPr/>
+              <a:lstStyle/>
+              <a:p>
+                <a:r>
+                  <a:rPr lang="ko-KR" altLang="en-US">
+                    <a:noFill/>
+                  </a:rPr>
+                  <a:t> </a:t>
+                </a:r>
+              </a:p>
+            </p:txBody>
+          </p:sp>
+        </mc:Fallback>
+      </mc:AlternateContent>
+      <mc:AlternateContent xmlns:mc="http://schemas.openxmlformats.org/markup-compatibility/2006" xmlns:a14="http://schemas.microsoft.com/office/drawing/2010/main">
+        <mc:Choice Requires="a14">
+          <p:sp>
+            <p:nvSpPr>
+              <p:cNvPr id="51" name="TextBox 50">
+                <a:extLst>
+                  <a:ext uri="{FF2B5EF4-FFF2-40B4-BE49-F238E27FC236}">
+                    <a16:creationId xmlns:a16="http://schemas.microsoft.com/office/drawing/2014/main" id="{1ED3FB86-54C4-4330-A6B1-51D2E8E2ABA7}"/>
+                  </a:ext>
+                </a:extLst>
+              </p:cNvPr>
+              <p:cNvSpPr txBox="1"/>
+              <p:nvPr/>
+            </p:nvSpPr>
+            <p:spPr>
+              <a:xfrm>
+                <a:off x="2466303" y="4520810"/>
+                <a:ext cx="655757" cy="461665"/>
+              </a:xfrm>
+              <a:prstGeom prst="rect">
+                <a:avLst/>
+              </a:prstGeom>
+              <a:noFill/>
+            </p:spPr>
+            <p:txBody>
+              <a:bodyPr wrap="none" rtlCol="0">
+                <a:spAutoFit/>
+              </a:bodyPr>
+              <a:lstStyle/>
+              <a:p>
+                <a:pPr algn="ctr"/>
+                <a14:m>
+                  <m:oMathPara xmlns:m="http://schemas.openxmlformats.org/officeDocument/2006/math">
+                    <m:oMathParaPr>
+                      <m:jc m:val="centerGroup"/>
+                    </m:oMathParaPr>
+                    <m:oMath xmlns:m="http://schemas.openxmlformats.org/officeDocument/2006/math">
+                      <m:r>
+                        <a:rPr lang="en-US" altLang="ko-KR" sz="2400" b="0" i="1" smtClean="0">
+                          <a:latin typeface="Cambria Math" panose="02040503050406030204" pitchFamily="18" charset="0"/>
+                        </a:rPr>
+                        <m:t>𝑑𝑢</m:t>
+                      </m:r>
+                    </m:oMath>
+                  </m:oMathPara>
+                </a14:m>
+                <a:endParaRPr lang="ko-KR" altLang="en-US" sz="2400" dirty="0"/>
+              </a:p>
+            </p:txBody>
+          </p:sp>
+        </mc:Choice>
+        <mc:Fallback xmlns="">
+          <p:sp>
+            <p:nvSpPr>
+              <p:cNvPr id="51" name="TextBox 50">
+                <a:extLst>
+                  <a:ext uri="{FF2B5EF4-FFF2-40B4-BE49-F238E27FC236}">
+                    <a16:creationId xmlns:a16="http://schemas.microsoft.com/office/drawing/2014/main" id="{1ED3FB86-54C4-4330-A6B1-51D2E8E2ABA7}"/>
+                  </a:ext>
+                </a:extLst>
+              </p:cNvPr>
+              <p:cNvSpPr txBox="1">
+                <a:spLocks noRot="1" noChangeAspect="1" noMove="1" noResize="1" noEditPoints="1" noAdjustHandles="1" noChangeArrowheads="1" noChangeShapeType="1" noTextEdit="1"/>
+              </p:cNvSpPr>
+              <p:nvPr/>
+            </p:nvSpPr>
+            <p:spPr>
+              <a:xfrm>
+                <a:off x="2466303" y="4520810"/>
+                <a:ext cx="655757" cy="461665"/>
+              </a:xfrm>
+              <a:prstGeom prst="rect">
+                <a:avLst/>
+              </a:prstGeom>
+              <a:blipFill>
+                <a:blip r:embed="rId11"/>
+                <a:stretch>
+                  <a:fillRect l="-2804"/>
+                </a:stretch>
+              </a:blipFill>
+            </p:spPr>
+            <p:txBody>
+              <a:bodyPr/>
+              <a:lstStyle/>
+              <a:p>
+                <a:r>
+                  <a:rPr lang="ko-KR" altLang="en-US">
+                    <a:noFill/>
+                  </a:rPr>
+                  <a:t> </a:t>
+                </a:r>
+              </a:p>
+            </p:txBody>
+          </p:sp>
+        </mc:Fallback>
+      </mc:AlternateContent>
+      <p:sp>
+        <p:nvSpPr>
+          <p:cNvPr id="58" name="화살표: 오른쪽 57">
+            <a:extLst>
+              <a:ext uri="{FF2B5EF4-FFF2-40B4-BE49-F238E27FC236}">
+                <a16:creationId xmlns:a16="http://schemas.microsoft.com/office/drawing/2014/main" id="{CD20B529-4543-4395-A35D-576B4A24D23B}"/>
+              </a:ext>
+            </a:extLst>
+          </p:cNvPr>
+          <p:cNvSpPr/>
+          <p:nvPr/>
+        </p:nvSpPr>
+        <p:spPr>
+          <a:xfrm>
+            <a:off x="4948342" y="3264542"/>
+            <a:ext cx="1835755" cy="733855"/>
+          </a:xfrm>
+          <a:prstGeom prst="rightArrow">
+            <a:avLst/>
+          </a:prstGeom>
+        </p:spPr>
+        <p:style>
+          <a:lnRef idx="2">
+            <a:schemeClr val="accent6">
+              <a:shade val="50000"/>
+            </a:schemeClr>
+          </a:lnRef>
+          <a:fillRef idx="1">
+            <a:schemeClr val="accent6"/>
+          </a:fillRef>
+          <a:effectRef idx="0">
+            <a:schemeClr val="accent6"/>
+          </a:effectRef>
+          <a:fontRef idx="minor">
+            <a:schemeClr val="lt1"/>
+          </a:fontRef>
+        </p:style>
+        <p:txBody>
+          <a:bodyPr rtlCol="0" anchor="ctr"/>
+          <a:lstStyle/>
+          <a:p>
+            <a:pPr algn="ctr"/>
+            <a:endParaRPr lang="ko-KR" altLang="en-US"/>
+          </a:p>
+        </p:txBody>
+      </p:sp>
+      <p:sp>
+        <p:nvSpPr>
+          <p:cNvPr id="59" name="TextBox 58">
+            <a:extLst>
+              <a:ext uri="{FF2B5EF4-FFF2-40B4-BE49-F238E27FC236}">
+                <a16:creationId xmlns:a16="http://schemas.microsoft.com/office/drawing/2014/main" id="{97E811FE-4DC2-4069-A0F9-3BCA0B4F1D32}"/>
+              </a:ext>
+            </a:extLst>
+          </p:cNvPr>
+          <p:cNvSpPr txBox="1"/>
+          <p:nvPr/>
+        </p:nvSpPr>
+        <p:spPr>
+          <a:xfrm>
+            <a:off x="5011045" y="2476683"/>
+            <a:ext cx="1561068" cy="830997"/>
+          </a:xfrm>
+          <a:prstGeom prst="rect">
+            <a:avLst/>
+          </a:prstGeom>
+          <a:noFill/>
+        </p:spPr>
+        <p:txBody>
+          <a:bodyPr wrap="none" rtlCol="0">
+            <a:spAutoFit/>
+          </a:bodyPr>
+          <a:lstStyle/>
+          <a:p>
+            <a:pPr algn="ctr"/>
+            <a:r>
+              <a:rPr lang="en-US" altLang="ko-KR" sz="2400" dirty="0"/>
+              <a:t>Nonlinear</a:t>
+            </a:r>
+          </a:p>
+          <a:p>
+            <a:pPr algn="ctr"/>
+            <a:r>
+              <a:rPr lang="en-US" altLang="ko-KR" sz="2400" dirty="0"/>
+              <a:t>Transform</a:t>
+            </a:r>
+            <a:endParaRPr lang="ko-KR" altLang="en-US" sz="2400" dirty="0"/>
+          </a:p>
+        </p:txBody>
+      </p:sp>
+      <p:sp>
+        <p:nvSpPr>
+          <p:cNvPr id="60" name="TextBox 59">
+            <a:extLst>
+              <a:ext uri="{FF2B5EF4-FFF2-40B4-BE49-F238E27FC236}">
+                <a16:creationId xmlns:a16="http://schemas.microsoft.com/office/drawing/2014/main" id="{F3D6F205-4F42-4F89-ADCA-D63A28B81D77}"/>
+              </a:ext>
+            </a:extLst>
+          </p:cNvPr>
+          <p:cNvSpPr txBox="1"/>
+          <p:nvPr/>
+        </p:nvSpPr>
+        <p:spPr>
+          <a:xfrm>
+            <a:off x="7467803" y="680415"/>
+            <a:ext cx="3844770" cy="646331"/>
+          </a:xfrm>
+          <a:prstGeom prst="rect">
+            <a:avLst/>
+          </a:prstGeom>
+          <a:noFill/>
+        </p:spPr>
+        <p:txBody>
+          <a:bodyPr wrap="none" rtlCol="0">
+            <a:spAutoFit/>
+          </a:bodyPr>
+          <a:lstStyle/>
+          <a:p>
+            <a:pPr algn="ctr"/>
+            <a:r>
+              <a:rPr lang="en-US" altLang="ko-KR" dirty="0"/>
+              <a:t>&lt;What is microscopically observed</a:t>
+            </a:r>
+          </a:p>
+          <a:p>
+            <a:pPr algn="ctr"/>
+            <a:r>
+              <a:rPr lang="en-US" altLang="ko-KR" dirty="0"/>
+              <a:t>after nonlinear transform&gt;</a:t>
+            </a:r>
+            <a:endParaRPr lang="ko-KR" altLang="en-US" dirty="0"/>
+          </a:p>
+        </p:txBody>
+      </p:sp>
+      <p:sp>
+        <p:nvSpPr>
+          <p:cNvPr id="61" name="TextBox 60">
+            <a:extLst>
+              <a:ext uri="{FF2B5EF4-FFF2-40B4-BE49-F238E27FC236}">
+                <a16:creationId xmlns:a16="http://schemas.microsoft.com/office/drawing/2014/main" id="{5831C9DE-C3C7-4E58-8C7E-662B44DF1931}"/>
+              </a:ext>
+            </a:extLst>
+          </p:cNvPr>
+          <p:cNvSpPr txBox="1"/>
+          <p:nvPr/>
+        </p:nvSpPr>
+        <p:spPr>
+          <a:xfrm>
+            <a:off x="1695228" y="680415"/>
+            <a:ext cx="3235437" cy="646331"/>
+          </a:xfrm>
+          <a:prstGeom prst="rect">
+            <a:avLst/>
+          </a:prstGeom>
+          <a:noFill/>
+        </p:spPr>
+        <p:txBody>
+          <a:bodyPr wrap="none" rtlCol="0">
+            <a:spAutoFit/>
+          </a:bodyPr>
+          <a:lstStyle/>
+          <a:p>
+            <a:pPr algn="ctr"/>
+            <a:r>
+              <a:rPr lang="en-US" altLang="ko-KR" dirty="0"/>
+              <a:t>&lt;Infinitesimal Displacement</a:t>
+            </a:r>
+          </a:p>
+          <a:p>
+            <a:pPr algn="ctr"/>
+            <a:r>
+              <a:rPr lang="en-US" altLang="ko-KR" dirty="0"/>
+              <a:t>before Nonlinear Transform&gt;</a:t>
+            </a:r>
+            <a:endParaRPr lang="ko-KR" altLang="en-US" dirty="0"/>
+          </a:p>
+        </p:txBody>
+      </p:sp>
+      <p:cxnSp>
+        <p:nvCxnSpPr>
+          <p:cNvPr id="64" name="직선 화살표 연결선 63">
+            <a:extLst>
+              <a:ext uri="{FF2B5EF4-FFF2-40B4-BE49-F238E27FC236}">
+                <a16:creationId xmlns:a16="http://schemas.microsoft.com/office/drawing/2014/main" id="{D6BC6245-6528-40C8-9D8D-8BE45958E39F}"/>
+              </a:ext>
+            </a:extLst>
+          </p:cNvPr>
+          <p:cNvCxnSpPr/>
+          <p:nvPr/>
+        </p:nvCxnSpPr>
+        <p:spPr>
+          <a:xfrm flipV="1">
+            <a:off x="1862858" y="2869296"/>
+            <a:ext cx="1540099" cy="1651514"/>
+          </a:xfrm>
+          <a:prstGeom prst="straightConnector1">
+            <a:avLst/>
+          </a:prstGeom>
+          <a:ln w="57150">
+            <a:tailEnd type="triangle"/>
+          </a:ln>
+        </p:spPr>
+        <p:style>
+          <a:lnRef idx="1">
+            <a:schemeClr val="accent1"/>
+          </a:lnRef>
+          <a:fillRef idx="0">
+            <a:schemeClr val="accent1"/>
+          </a:fillRef>
+          <a:effectRef idx="0">
+            <a:schemeClr val="accent1"/>
+          </a:effectRef>
+          <a:fontRef idx="minor">
+            <a:schemeClr val="tx1"/>
+          </a:fontRef>
+        </p:style>
+      </p:cxnSp>
+      <mc:AlternateContent xmlns:mc="http://schemas.openxmlformats.org/markup-compatibility/2006" xmlns:a14="http://schemas.microsoft.com/office/drawing/2010/main">
+        <mc:Choice Requires="a14">
+          <p:sp>
+            <p:nvSpPr>
+              <p:cNvPr id="65" name="TextBox 64">
+                <a:extLst>
+                  <a:ext uri="{FF2B5EF4-FFF2-40B4-BE49-F238E27FC236}">
+                    <a16:creationId xmlns:a16="http://schemas.microsoft.com/office/drawing/2014/main" id="{02695DC2-CF4F-41FF-88B4-CC7E49C3D606}"/>
+                  </a:ext>
+                </a:extLst>
+              </p:cNvPr>
+              <p:cNvSpPr txBox="1"/>
+              <p:nvPr/>
+            </p:nvSpPr>
+            <p:spPr>
+              <a:xfrm>
+                <a:off x="3383688" y="2477082"/>
+                <a:ext cx="997837" cy="819583"/>
+              </a:xfrm>
+              <a:prstGeom prst="rect">
+                <a:avLst/>
+              </a:prstGeom>
+              <a:noFill/>
+            </p:spPr>
+            <p:txBody>
+              <a:bodyPr wrap="none" rtlCol="0">
+                <a:spAutoFit/>
+              </a:bodyPr>
+              <a:lstStyle/>
+              <a:p>
+                <a:pPr/>
+                <a14:m>
+                  <m:oMathPara xmlns:m="http://schemas.openxmlformats.org/officeDocument/2006/math">
+                    <m:oMathParaPr>
+                      <m:jc m:val="center"/>
+                    </m:oMathParaPr>
+                    <m:oMath xmlns:m="http://schemas.openxmlformats.org/officeDocument/2006/math">
+                      <m:d>
+                        <m:dPr>
+                          <m:begChr m:val="["/>
+                          <m:endChr m:val="]"/>
+                          <m:ctrlPr>
+                            <a:rPr lang="en-US" altLang="ko-KR" sz="2800" i="1" smtClean="0">
+                              <a:latin typeface="Cambria Math" panose="02040503050406030204" pitchFamily="18" charset="0"/>
+                            </a:rPr>
+                          </m:ctrlPr>
+                        </m:dPr>
+                        <m:e>
+                          <m:m>
+                            <m:mPr>
+                              <m:mcs>
+                                <m:mc>
+                                  <m:mcPr>
+                                    <m:count m:val="1"/>
+                                    <m:mcJc m:val="center"/>
+                                  </m:mcPr>
+                                </m:mc>
+                              </m:mcs>
+                              <m:ctrlPr>
+                                <a:rPr lang="en-US" altLang="ko-KR" sz="2800" i="1" smtClean="0">
+                                  <a:latin typeface="Cambria Math" panose="02040503050406030204" pitchFamily="18" charset="0"/>
+                                </a:rPr>
+                              </m:ctrlPr>
+                            </m:mPr>
+                            <m:mr>
+                              <m:e>
+                                <m:r>
+                                  <m:rPr>
+                                    <m:brk m:alnAt="7"/>
+                                  </m:rPr>
+                                  <a:rPr lang="en-US" altLang="ko-KR" sz="2800" b="0" i="1" smtClean="0">
+                                    <a:latin typeface="Cambria Math" panose="02040503050406030204" pitchFamily="18" charset="0"/>
+                                  </a:rPr>
+                                  <m:t>𝑑</m:t>
+                                </m:r>
+                                <m:r>
+                                  <a:rPr lang="en-US" altLang="ko-KR" sz="2800" b="0" i="1" smtClean="0">
+                                    <a:latin typeface="Cambria Math" panose="02040503050406030204" pitchFamily="18" charset="0"/>
+                                  </a:rPr>
+                                  <m:t>𝑢</m:t>
+                                </m:r>
+                              </m:e>
+                            </m:mr>
+                            <m:mr>
+                              <m:e>
+                                <m:r>
+                                  <a:rPr lang="en-US" altLang="ko-KR" sz="2800" b="0" i="1" smtClean="0">
+                                    <a:latin typeface="Cambria Math" panose="02040503050406030204" pitchFamily="18" charset="0"/>
+                                  </a:rPr>
+                                  <m:t>𝑑𝑣</m:t>
+                                </m:r>
+                              </m:e>
+                            </m:mr>
+                          </m:m>
+                        </m:e>
+                      </m:d>
+                    </m:oMath>
+                  </m:oMathPara>
+                </a14:m>
+                <a:endParaRPr lang="ko-KR" altLang="en-US" sz="2800" dirty="0"/>
+              </a:p>
+            </p:txBody>
+          </p:sp>
+        </mc:Choice>
+        <mc:Fallback xmlns="">
+          <p:sp>
+            <p:nvSpPr>
+              <p:cNvPr id="65" name="TextBox 64">
+                <a:extLst>
+                  <a:ext uri="{FF2B5EF4-FFF2-40B4-BE49-F238E27FC236}">
+                    <a16:creationId xmlns:a16="http://schemas.microsoft.com/office/drawing/2014/main" id="{02695DC2-CF4F-41FF-88B4-CC7E49C3D606}"/>
+                  </a:ext>
+                </a:extLst>
+              </p:cNvPr>
+              <p:cNvSpPr txBox="1">
+                <a:spLocks noRot="1" noChangeAspect="1" noMove="1" noResize="1" noEditPoints="1" noAdjustHandles="1" noChangeArrowheads="1" noChangeShapeType="1" noTextEdit="1"/>
+              </p:cNvSpPr>
+              <p:nvPr/>
+            </p:nvSpPr>
+            <p:spPr>
+              <a:xfrm>
+                <a:off x="3383688" y="2477082"/>
+                <a:ext cx="997837" cy="819583"/>
+              </a:xfrm>
+              <a:prstGeom prst="rect">
+                <a:avLst/>
+              </a:prstGeom>
+              <a:blipFill>
+                <a:blip r:embed="rId12"/>
+                <a:stretch>
+                  <a:fillRect/>
+                </a:stretch>
+              </a:blipFill>
+            </p:spPr>
+            <p:txBody>
+              <a:bodyPr/>
+              <a:lstStyle/>
+              <a:p>
+                <a:r>
+                  <a:rPr lang="ko-KR" altLang="en-US">
+                    <a:noFill/>
+                  </a:rPr>
+                  <a:t> </a:t>
+                </a:r>
+              </a:p>
+            </p:txBody>
+          </p:sp>
+        </mc:Fallback>
+      </mc:AlternateContent>
+      <p:cxnSp>
+        <p:nvCxnSpPr>
+          <p:cNvPr id="66" name="직선 화살표 연결선 65">
+            <a:extLst>
+              <a:ext uri="{FF2B5EF4-FFF2-40B4-BE49-F238E27FC236}">
+                <a16:creationId xmlns:a16="http://schemas.microsoft.com/office/drawing/2014/main" id="{8EB5D5D1-C1EB-423B-84E2-FB0D3E165B51}"/>
+              </a:ext>
+            </a:extLst>
+          </p:cNvPr>
+          <p:cNvCxnSpPr>
+            <a:cxnSpLocks/>
+          </p:cNvCxnSpPr>
+          <p:nvPr/>
+        </p:nvCxnSpPr>
+        <p:spPr>
+          <a:xfrm flipV="1">
+            <a:off x="8417199" y="2195684"/>
+            <a:ext cx="2399132" cy="2121613"/>
+          </a:xfrm>
+          <a:prstGeom prst="straightConnector1">
+            <a:avLst/>
+          </a:prstGeom>
+          <a:ln w="57150">
+            <a:tailEnd type="triangle"/>
+          </a:ln>
+        </p:spPr>
+        <p:style>
+          <a:lnRef idx="1">
+            <a:schemeClr val="accent1"/>
+          </a:lnRef>
+          <a:fillRef idx="0">
+            <a:schemeClr val="accent1"/>
+          </a:fillRef>
+          <a:effectRef idx="0">
+            <a:schemeClr val="accent1"/>
+          </a:effectRef>
+          <a:fontRef idx="minor">
+            <a:schemeClr val="tx1"/>
+          </a:fontRef>
+        </p:style>
+      </p:cxnSp>
+      <p:sp>
+        <p:nvSpPr>
+          <p:cNvPr id="70" name="직사각형 69">
+            <a:extLst>
+              <a:ext uri="{FF2B5EF4-FFF2-40B4-BE49-F238E27FC236}">
+                <a16:creationId xmlns:a16="http://schemas.microsoft.com/office/drawing/2014/main" id="{65226873-F2F7-4F53-91F5-A7E8F1895E52}"/>
+              </a:ext>
+            </a:extLst>
+          </p:cNvPr>
+          <p:cNvSpPr/>
+          <p:nvPr/>
+        </p:nvSpPr>
+        <p:spPr>
+          <a:xfrm>
+            <a:off x="10976053" y="1985292"/>
+            <a:ext cx="575058" cy="674396"/>
+          </a:xfrm>
+          <a:prstGeom prst="rect">
+            <a:avLst/>
+          </a:prstGeom>
+          <a:solidFill>
+            <a:schemeClr val="bg1"/>
+          </a:solidFill>
+          <a:ln>
+            <a:noFill/>
+          </a:ln>
+        </p:spPr>
+        <p:style>
+          <a:lnRef idx="2">
+            <a:schemeClr val="accent1">
+              <a:shade val="50000"/>
+            </a:schemeClr>
+          </a:lnRef>
+          <a:fillRef idx="1">
+            <a:schemeClr val="accent1"/>
+          </a:fillRef>
+          <a:effectRef idx="0">
+            <a:schemeClr val="accent1"/>
+          </a:effectRef>
+          <a:fontRef idx="minor">
+            <a:schemeClr val="lt1"/>
+          </a:fontRef>
+        </p:style>
+        <p:txBody>
+          <a:bodyPr rtlCol="0" anchor="ctr"/>
+          <a:lstStyle/>
+          <a:p>
+            <a:pPr algn="ctr"/>
+            <a:endParaRPr lang="ko-KR" altLang="en-US"/>
+          </a:p>
+        </p:txBody>
+      </p:sp>
+      <mc:AlternateContent xmlns:mc="http://schemas.openxmlformats.org/markup-compatibility/2006" xmlns:a14="http://schemas.microsoft.com/office/drawing/2010/main">
+        <mc:Choice Requires="a14">
+          <p:sp>
+            <p:nvSpPr>
+              <p:cNvPr id="68" name="TextBox 67">
+                <a:extLst>
+                  <a:ext uri="{FF2B5EF4-FFF2-40B4-BE49-F238E27FC236}">
+                    <a16:creationId xmlns:a16="http://schemas.microsoft.com/office/drawing/2014/main" id="{05ED8343-B75B-487D-A9BA-6678C155B39C}"/>
+                  </a:ext>
+                </a:extLst>
+              </p:cNvPr>
+              <p:cNvSpPr txBox="1"/>
+              <p:nvPr/>
+            </p:nvSpPr>
+            <p:spPr>
+              <a:xfrm>
+                <a:off x="10789213" y="1692452"/>
+                <a:ext cx="1085247" cy="988002"/>
+              </a:xfrm>
+              <a:prstGeom prst="roundRect">
+                <a:avLst>
+                  <a:gd name="adj" fmla="val 44784"/>
+                </a:avLst>
+              </a:prstGeom>
+              <a:noFill/>
+            </p:spPr>
+            <p:txBody>
+              <a:bodyPr wrap="none" rtlCol="0">
+                <a:spAutoFit/>
+              </a:bodyPr>
+              <a:lstStyle/>
+              <a:p>
+                <a:pPr/>
+                <a14:m>
+                  <m:oMathPara xmlns:m="http://schemas.openxmlformats.org/officeDocument/2006/math">
+                    <m:oMathParaPr>
+                      <m:jc m:val="center"/>
+                    </m:oMathParaPr>
+                    <m:oMath xmlns:m="http://schemas.openxmlformats.org/officeDocument/2006/math">
+                      <m:d>
+                        <m:dPr>
+                          <m:begChr m:val="["/>
+                          <m:endChr m:val="]"/>
+                          <m:ctrlPr>
+                            <a:rPr lang="en-US" altLang="ko-KR" sz="2800" i="1" smtClean="0">
+                              <a:latin typeface="Cambria Math" panose="02040503050406030204" pitchFamily="18" charset="0"/>
+                            </a:rPr>
+                          </m:ctrlPr>
+                        </m:dPr>
+                        <m:e>
+                          <m:m>
+                            <m:mPr>
+                              <m:mcs>
+                                <m:mc>
+                                  <m:mcPr>
+                                    <m:count m:val="1"/>
+                                    <m:mcJc m:val="center"/>
+                                  </m:mcPr>
+                                </m:mc>
+                              </m:mcs>
+                              <m:ctrlPr>
+                                <a:rPr lang="en-US" altLang="ko-KR" sz="2800" i="1" smtClean="0">
+                                  <a:latin typeface="Cambria Math" panose="02040503050406030204" pitchFamily="18" charset="0"/>
+                                </a:rPr>
+                              </m:ctrlPr>
+                            </m:mPr>
+                            <m:mr>
+                              <m:e>
+                                <m:r>
+                                  <m:rPr>
+                                    <m:brk m:alnAt="7"/>
+                                  </m:rPr>
+                                  <a:rPr lang="en-US" altLang="ko-KR" sz="2800" b="0" i="1" smtClean="0">
+                                    <a:latin typeface="Cambria Math" panose="02040503050406030204" pitchFamily="18" charset="0"/>
+                                  </a:rPr>
+                                  <m:t>𝑑</m:t>
+                                </m:r>
+                                <m:r>
+                                  <a:rPr lang="en-US" altLang="ko-KR" sz="2800" b="0" i="1" smtClean="0">
+                                    <a:latin typeface="Cambria Math" panose="02040503050406030204" pitchFamily="18" charset="0"/>
+                                  </a:rPr>
+                                  <m:t>𝑥</m:t>
+                                </m:r>
+                              </m:e>
+                            </m:mr>
+                            <m:mr>
+                              <m:e>
+                                <m:r>
+                                  <a:rPr lang="en-US" altLang="ko-KR" sz="2800" b="0" i="1" smtClean="0">
+                                    <a:latin typeface="Cambria Math" panose="02040503050406030204" pitchFamily="18" charset="0"/>
+                                  </a:rPr>
+                                  <m:t>𝑑𝑦</m:t>
+                                </m:r>
+                              </m:e>
+                            </m:mr>
+                          </m:m>
+                        </m:e>
+                      </m:d>
+                    </m:oMath>
+                  </m:oMathPara>
+                </a14:m>
+                <a:endParaRPr lang="ko-KR" altLang="en-US" sz="2800" dirty="0"/>
+              </a:p>
+            </p:txBody>
+          </p:sp>
+        </mc:Choice>
+        <mc:Fallback xmlns="">
+          <p:sp>
+            <p:nvSpPr>
+              <p:cNvPr id="68" name="TextBox 67">
+                <a:extLst>
+                  <a:ext uri="{FF2B5EF4-FFF2-40B4-BE49-F238E27FC236}">
+                    <a16:creationId xmlns:a16="http://schemas.microsoft.com/office/drawing/2014/main" id="{05ED8343-B75B-487D-A9BA-6678C155B39C}"/>
+                  </a:ext>
+                </a:extLst>
+              </p:cNvPr>
+              <p:cNvSpPr txBox="1">
+                <a:spLocks noRot="1" noChangeAspect="1" noMove="1" noResize="1" noEditPoints="1" noAdjustHandles="1" noChangeArrowheads="1" noChangeShapeType="1" noTextEdit="1"/>
+              </p:cNvSpPr>
+              <p:nvPr/>
+            </p:nvSpPr>
+            <p:spPr>
+              <a:xfrm>
+                <a:off x="10789213" y="1692452"/>
+                <a:ext cx="1085247" cy="988002"/>
+              </a:xfrm>
+              <a:prstGeom prst="roundRect">
+                <a:avLst>
+                  <a:gd name="adj" fmla="val 44784"/>
+                </a:avLst>
+              </a:prstGeom>
+              <a:blipFill>
+                <a:blip r:embed="rId13"/>
+                <a:stretch>
+                  <a:fillRect/>
+                </a:stretch>
+              </a:blipFill>
+            </p:spPr>
+            <p:txBody>
+              <a:bodyPr/>
+              <a:lstStyle/>
+              <a:p>
+                <a:r>
+                  <a:rPr lang="ko-KR" altLang="en-US">
+                    <a:noFill/>
+                  </a:rPr>
+                  <a:t> </a:t>
+                </a:r>
+              </a:p>
+            </p:txBody>
+          </p:sp>
+        </mc:Fallback>
+      </mc:AlternateContent>
+      <p:cxnSp>
+        <p:nvCxnSpPr>
+          <p:cNvPr id="18" name="직선 화살표 연결선 17">
+            <a:extLst>
+              <a:ext uri="{FF2B5EF4-FFF2-40B4-BE49-F238E27FC236}">
+                <a16:creationId xmlns:a16="http://schemas.microsoft.com/office/drawing/2014/main" id="{63697476-A56D-420D-8187-4FA43BD2829F}"/>
+              </a:ext>
+            </a:extLst>
+          </p:cNvPr>
+          <p:cNvCxnSpPr>
+            <a:cxnSpLocks/>
+          </p:cNvCxnSpPr>
+          <p:nvPr/>
+        </p:nvCxnSpPr>
+        <p:spPr>
+          <a:xfrm rot="16200000">
+            <a:off x="981452" y="3631470"/>
+            <a:ext cx="1762812" cy="0"/>
+          </a:xfrm>
+          <a:prstGeom prst="straightConnector1">
+            <a:avLst/>
+          </a:prstGeom>
+          <a:ln w="38100">
+            <a:solidFill>
+              <a:schemeClr val="tx1"/>
+            </a:solidFill>
+            <a:tailEnd type="triangle"/>
+          </a:ln>
+        </p:spPr>
+        <p:style>
+          <a:lnRef idx="1">
+            <a:schemeClr val="accent1"/>
+          </a:lnRef>
+          <a:fillRef idx="0">
+            <a:schemeClr val="accent1"/>
+          </a:fillRef>
+          <a:effectRef idx="0">
+            <a:schemeClr val="accent1"/>
+          </a:effectRef>
+          <a:fontRef idx="minor">
+            <a:schemeClr val="tx1"/>
+          </a:fontRef>
+        </p:style>
+      </p:cxnSp>
+      <p:cxnSp>
+        <p:nvCxnSpPr>
+          <p:cNvPr id="17" name="직선 화살표 연결선 16">
+            <a:extLst>
+              <a:ext uri="{FF2B5EF4-FFF2-40B4-BE49-F238E27FC236}">
+                <a16:creationId xmlns:a16="http://schemas.microsoft.com/office/drawing/2014/main" id="{4CBDA1CC-1998-4CA5-BB85-AE2BCEBF4094}"/>
+              </a:ext>
+            </a:extLst>
+          </p:cNvPr>
+          <p:cNvCxnSpPr>
+            <a:cxnSpLocks/>
+          </p:cNvCxnSpPr>
+          <p:nvPr/>
+        </p:nvCxnSpPr>
+        <p:spPr>
+          <a:xfrm flipV="1">
+            <a:off x="8448040" y="3665570"/>
+            <a:ext cx="1907540" cy="636955"/>
+          </a:xfrm>
+          <a:prstGeom prst="straightConnector1">
+            <a:avLst/>
+          </a:prstGeom>
+          <a:ln w="38100">
+            <a:solidFill>
+              <a:schemeClr val="tx1"/>
+            </a:solidFill>
+            <a:tailEnd type="triangle"/>
+          </a:ln>
+        </p:spPr>
+        <p:style>
+          <a:lnRef idx="1">
+            <a:schemeClr val="accent1"/>
+          </a:lnRef>
+          <a:fillRef idx="0">
+            <a:schemeClr val="accent1"/>
+          </a:fillRef>
+          <a:effectRef idx="0">
+            <a:schemeClr val="accent1"/>
+          </a:effectRef>
+          <a:fontRef idx="minor">
+            <a:schemeClr val="tx1"/>
+          </a:fontRef>
+        </p:style>
+      </p:cxnSp>
+      <p:cxnSp>
+        <p:nvCxnSpPr>
+          <p:cNvPr id="46" name="직선 화살표 연결선 45">
+            <a:extLst>
+              <a:ext uri="{FF2B5EF4-FFF2-40B4-BE49-F238E27FC236}">
+                <a16:creationId xmlns:a16="http://schemas.microsoft.com/office/drawing/2014/main" id="{A918D8D9-1C6C-4496-BA55-26B3A3979458}"/>
+              </a:ext>
+            </a:extLst>
+          </p:cNvPr>
+          <p:cNvCxnSpPr>
+            <a:cxnSpLocks/>
+          </p:cNvCxnSpPr>
+          <p:nvPr/>
+        </p:nvCxnSpPr>
+        <p:spPr>
+          <a:xfrm flipV="1">
+            <a:off x="8417560" y="2833951"/>
+            <a:ext cx="495300" cy="1468574"/>
+          </a:xfrm>
+          <a:prstGeom prst="straightConnector1">
+            <a:avLst/>
+          </a:prstGeom>
+          <a:ln w="38100">
+            <a:solidFill>
+              <a:schemeClr val="tx1"/>
+            </a:solidFill>
+            <a:tailEnd type="triangle"/>
+          </a:ln>
+        </p:spPr>
+        <p:style>
+          <a:lnRef idx="1">
+            <a:schemeClr val="accent1"/>
+          </a:lnRef>
+          <a:fillRef idx="0">
+            <a:schemeClr val="accent1"/>
+          </a:fillRef>
+          <a:effectRef idx="0">
+            <a:schemeClr val="accent1"/>
+          </a:effectRef>
+          <a:fontRef idx="minor">
+            <a:schemeClr val="tx1"/>
+          </a:fontRef>
+        </p:style>
+      </p:cxnSp>
+      <p:cxnSp>
+        <p:nvCxnSpPr>
+          <p:cNvPr id="50" name="직선 화살표 연결선 49">
+            <a:extLst>
+              <a:ext uri="{FF2B5EF4-FFF2-40B4-BE49-F238E27FC236}">
+                <a16:creationId xmlns:a16="http://schemas.microsoft.com/office/drawing/2014/main" id="{0ABD471F-4F0E-4538-8057-D22A49E59814}"/>
+              </a:ext>
+            </a:extLst>
+          </p:cNvPr>
+          <p:cNvCxnSpPr>
+            <a:cxnSpLocks/>
+          </p:cNvCxnSpPr>
+          <p:nvPr/>
+        </p:nvCxnSpPr>
+        <p:spPr>
+          <a:xfrm>
+            <a:off x="1850515" y="4523500"/>
+            <a:ext cx="1762812" cy="0"/>
+          </a:xfrm>
+          <a:prstGeom prst="straightConnector1">
+            <a:avLst/>
+          </a:prstGeom>
+          <a:ln w="38100">
+            <a:solidFill>
+              <a:schemeClr val="tx1"/>
+            </a:solidFill>
+            <a:tailEnd type="triangle"/>
+          </a:ln>
+        </p:spPr>
+        <p:style>
+          <a:lnRef idx="1">
+            <a:schemeClr val="accent1"/>
+          </a:lnRef>
+          <a:fillRef idx="0">
+            <a:schemeClr val="accent1"/>
+          </a:fillRef>
+          <a:effectRef idx="0">
+            <a:schemeClr val="accent1"/>
+          </a:effectRef>
+          <a:fontRef idx="minor">
+            <a:schemeClr val="tx1"/>
+          </a:fontRef>
+        </p:style>
+      </p:cxnSp>
+    </p:spTree>
+    <p:extLst>
+      <p:ext uri="{BB962C8B-B14F-4D97-AF65-F5344CB8AC3E}">
+        <p14:creationId xmlns:p14="http://schemas.microsoft.com/office/powerpoint/2010/main" val="2390676741"/>
+      </p:ext>
+    </p:extLst>
+  </p:cSld>
+  <p:clrMapOvr>
+    <a:masterClrMapping/>
+  </p:clrMapOvr>
+</p:sld>
+</file>
+
+<file path=ppt/slides/slide3.xml><?xml version="1.0" encoding="utf-8"?>
 <p:sld xmlns:a="http://schemas.openxmlformats.org/drawingml/2006/main" xmlns:r="http://schemas.openxmlformats.org/officeDocument/2006/relationships" xmlns:p="http://schemas.openxmlformats.org/presentationml/2006/main">
   <p:cSld>
     <p:spTree>
@@ -8605,7 +10902,2992 @@
 </p:sld>
 </file>
 
-<file path=ppt/slides/slide3.xml><?xml version="1.0" encoding="utf-8"?>
+<file path=ppt/slides/slide4.xml><?xml version="1.0" encoding="utf-8"?>
+<p:sld xmlns:a="http://schemas.openxmlformats.org/drawingml/2006/main" xmlns:r="http://schemas.openxmlformats.org/officeDocument/2006/relationships" xmlns:p="http://schemas.openxmlformats.org/presentationml/2006/main">
+  <p:cSld>
+    <p:spTree>
+      <p:nvGrpSpPr>
+        <p:cNvPr id="1" name=""/>
+        <p:cNvGrpSpPr/>
+        <p:nvPr/>
+      </p:nvGrpSpPr>
+      <p:grpSpPr>
+        <a:xfrm>
+          <a:off x="0" y="0"/>
+          <a:ext cx="0" cy="0"/>
+          <a:chOff x="0" y="0"/>
+          <a:chExt cx="0" cy="0"/>
+        </a:xfrm>
+      </p:grpSpPr>
+      <p:sp>
+        <p:nvSpPr>
+          <p:cNvPr id="63" name="TextBox 62">
+            <a:extLst>
+              <a:ext uri="{FF2B5EF4-FFF2-40B4-BE49-F238E27FC236}">
+                <a16:creationId xmlns:a16="http://schemas.microsoft.com/office/drawing/2014/main" id="{4FE73496-1FB4-43FC-8E7F-ED3C77779257}"/>
+              </a:ext>
+            </a:extLst>
+          </p:cNvPr>
+          <p:cNvSpPr txBox="1"/>
+          <p:nvPr/>
+        </p:nvSpPr>
+        <p:spPr>
+          <a:xfrm>
+            <a:off x="2839860" y="1169932"/>
+            <a:ext cx="6512296" cy="523220"/>
+          </a:xfrm>
+          <a:prstGeom prst="rect">
+            <a:avLst/>
+          </a:prstGeom>
+          <a:noFill/>
+        </p:spPr>
+        <p:txBody>
+          <a:bodyPr wrap="none" rtlCol="0">
+            <a:spAutoFit/>
+          </a:bodyPr>
+          <a:lstStyle/>
+          <a:p>
+            <a:pPr algn="ctr"/>
+            <a:r>
+              <a:rPr lang="en-US" altLang="ko-KR" sz="2800" dirty="0"/>
+              <a:t>&lt;Geometric Meaning of Determinant&gt;</a:t>
+            </a:r>
+            <a:endParaRPr lang="ko-KR" altLang="en-US" sz="2800" dirty="0"/>
+          </a:p>
+        </p:txBody>
+      </p:sp>
+      <p:sp>
+        <p:nvSpPr>
+          <p:cNvPr id="4" name="이등변 삼각형 26">
+            <a:extLst>
+              <a:ext uri="{FF2B5EF4-FFF2-40B4-BE49-F238E27FC236}">
+                <a16:creationId xmlns:a16="http://schemas.microsoft.com/office/drawing/2014/main" id="{689A9C7F-5EC0-420A-9F73-301FE7072DA1}"/>
+              </a:ext>
+            </a:extLst>
+          </p:cNvPr>
+          <p:cNvSpPr/>
+          <p:nvPr/>
+        </p:nvSpPr>
+        <p:spPr>
+          <a:xfrm rot="13441455">
+            <a:off x="7405488" y="3397486"/>
+            <a:ext cx="1567213" cy="2194828"/>
+          </a:xfrm>
+          <a:custGeom>
+            <a:avLst/>
+            <a:gdLst>
+              <a:gd name="connsiteX0" fmla="*/ 0 w 1681776"/>
+              <a:gd name="connsiteY0" fmla="*/ 2416811 h 2416811"/>
+              <a:gd name="connsiteX1" fmla="*/ 840888 w 1681776"/>
+              <a:gd name="connsiteY1" fmla="*/ 0 h 2416811"/>
+              <a:gd name="connsiteX2" fmla="*/ 1681776 w 1681776"/>
+              <a:gd name="connsiteY2" fmla="*/ 2416811 h 2416811"/>
+              <a:gd name="connsiteX3" fmla="*/ 0 w 1681776"/>
+              <a:gd name="connsiteY3" fmla="*/ 2416811 h 2416811"/>
+              <a:gd name="connsiteX0" fmla="*/ 0 w 1681777"/>
+              <a:gd name="connsiteY0" fmla="*/ 2416811 h 2416811"/>
+              <a:gd name="connsiteX1" fmla="*/ 840889 w 1681777"/>
+              <a:gd name="connsiteY1" fmla="*/ 0 h 2416811"/>
+              <a:gd name="connsiteX2" fmla="*/ 1681777 w 1681777"/>
+              <a:gd name="connsiteY2" fmla="*/ 2416811 h 2416811"/>
+              <a:gd name="connsiteX3" fmla="*/ 0 w 1681777"/>
+              <a:gd name="connsiteY3" fmla="*/ 2416811 h 2416811"/>
+              <a:gd name="connsiteX0" fmla="*/ 0 w 1878659"/>
+              <a:gd name="connsiteY0" fmla="*/ 2585904 h 2585904"/>
+              <a:gd name="connsiteX1" fmla="*/ 1037771 w 1878659"/>
+              <a:gd name="connsiteY1" fmla="*/ 0 h 2585904"/>
+              <a:gd name="connsiteX2" fmla="*/ 1878659 w 1878659"/>
+              <a:gd name="connsiteY2" fmla="*/ 2416811 h 2585904"/>
+              <a:gd name="connsiteX3" fmla="*/ 0 w 1878659"/>
+              <a:gd name="connsiteY3" fmla="*/ 2585904 h 2585904"/>
+              <a:gd name="connsiteX0" fmla="*/ 0 w 1878659"/>
+              <a:gd name="connsiteY0" fmla="*/ 2579743 h 2579743"/>
+              <a:gd name="connsiteX1" fmla="*/ 1188557 w 1878659"/>
+              <a:gd name="connsiteY1" fmla="*/ 0 h 2579743"/>
+              <a:gd name="connsiteX2" fmla="*/ 1878659 w 1878659"/>
+              <a:gd name="connsiteY2" fmla="*/ 2410650 h 2579743"/>
+              <a:gd name="connsiteX3" fmla="*/ 0 w 1878659"/>
+              <a:gd name="connsiteY3" fmla="*/ 2579743 h 2579743"/>
+              <a:gd name="connsiteX0" fmla="*/ 0 w 1842061"/>
+              <a:gd name="connsiteY0" fmla="*/ 2579743 h 2579743"/>
+              <a:gd name="connsiteX1" fmla="*/ 1188557 w 1842061"/>
+              <a:gd name="connsiteY1" fmla="*/ 0 h 2579743"/>
+              <a:gd name="connsiteX2" fmla="*/ 1842061 w 1842061"/>
+              <a:gd name="connsiteY2" fmla="*/ 2186386 h 2579743"/>
+              <a:gd name="connsiteX3" fmla="*/ 0 w 1842061"/>
+              <a:gd name="connsiteY3" fmla="*/ 2579743 h 2579743"/>
+            </a:gdLst>
+            <a:ahLst/>
+            <a:cxnLst>
+              <a:cxn ang="0">
+                <a:pos x="connsiteX0" y="connsiteY0"/>
+              </a:cxn>
+              <a:cxn ang="0">
+                <a:pos x="connsiteX1" y="connsiteY1"/>
+              </a:cxn>
+              <a:cxn ang="0">
+                <a:pos x="connsiteX2" y="connsiteY2"/>
+              </a:cxn>
+              <a:cxn ang="0">
+                <a:pos x="connsiteX3" y="connsiteY3"/>
+              </a:cxn>
+            </a:cxnLst>
+            <a:rect l="l" t="t" r="r" b="b"/>
+            <a:pathLst>
+              <a:path w="1842061" h="2579743">
+                <a:moveTo>
+                  <a:pt x="0" y="2579743"/>
+                </a:moveTo>
+                <a:lnTo>
+                  <a:pt x="1188557" y="0"/>
+                </a:lnTo>
+                <a:lnTo>
+                  <a:pt x="1842061" y="2186386"/>
+                </a:lnTo>
+                <a:lnTo>
+                  <a:pt x="0" y="2579743"/>
+                </a:lnTo>
+                <a:close/>
+              </a:path>
+            </a:pathLst>
+          </a:custGeom>
+          <a:pattFill prst="lgGrid">
+            <a:fgClr>
+              <a:srgbClr val="00B0F0"/>
+            </a:fgClr>
+            <a:bgClr>
+              <a:schemeClr val="bg1"/>
+            </a:bgClr>
+          </a:pattFill>
+        </p:spPr>
+        <p:style>
+          <a:lnRef idx="2">
+            <a:schemeClr val="accent1">
+              <a:shade val="50000"/>
+            </a:schemeClr>
+          </a:lnRef>
+          <a:fillRef idx="1">
+            <a:schemeClr val="accent1"/>
+          </a:fillRef>
+          <a:effectRef idx="0">
+            <a:schemeClr val="accent1"/>
+          </a:effectRef>
+          <a:fontRef idx="minor">
+            <a:schemeClr val="lt1"/>
+          </a:fontRef>
+        </p:style>
+        <p:txBody>
+          <a:bodyPr rtlCol="0" anchor="ctr"/>
+          <a:lstStyle/>
+          <a:p>
+            <a:pPr algn="ctr"/>
+            <a:endParaRPr lang="ko-KR" altLang="en-US"/>
+          </a:p>
+        </p:txBody>
+      </p:sp>
+      <p:sp>
+        <p:nvSpPr>
+          <p:cNvPr id="5" name="이등변 삼각형 26">
+            <a:extLst>
+              <a:ext uri="{FF2B5EF4-FFF2-40B4-BE49-F238E27FC236}">
+                <a16:creationId xmlns:a16="http://schemas.microsoft.com/office/drawing/2014/main" id="{8CDE391B-3AAD-451A-97DF-705BE5360889}"/>
+              </a:ext>
+            </a:extLst>
+          </p:cNvPr>
+          <p:cNvSpPr/>
+          <p:nvPr/>
+        </p:nvSpPr>
+        <p:spPr>
+          <a:xfrm rot="2651785">
+            <a:off x="8725394" y="2008307"/>
+            <a:ext cx="1575702" cy="2274108"/>
+          </a:xfrm>
+          <a:custGeom>
+            <a:avLst/>
+            <a:gdLst>
+              <a:gd name="connsiteX0" fmla="*/ 0 w 1681776"/>
+              <a:gd name="connsiteY0" fmla="*/ 2416811 h 2416811"/>
+              <a:gd name="connsiteX1" fmla="*/ 840888 w 1681776"/>
+              <a:gd name="connsiteY1" fmla="*/ 0 h 2416811"/>
+              <a:gd name="connsiteX2" fmla="*/ 1681776 w 1681776"/>
+              <a:gd name="connsiteY2" fmla="*/ 2416811 h 2416811"/>
+              <a:gd name="connsiteX3" fmla="*/ 0 w 1681776"/>
+              <a:gd name="connsiteY3" fmla="*/ 2416811 h 2416811"/>
+              <a:gd name="connsiteX0" fmla="*/ 0 w 1681777"/>
+              <a:gd name="connsiteY0" fmla="*/ 2416811 h 2416811"/>
+              <a:gd name="connsiteX1" fmla="*/ 840889 w 1681777"/>
+              <a:gd name="connsiteY1" fmla="*/ 0 h 2416811"/>
+              <a:gd name="connsiteX2" fmla="*/ 1681777 w 1681777"/>
+              <a:gd name="connsiteY2" fmla="*/ 2416811 h 2416811"/>
+              <a:gd name="connsiteX3" fmla="*/ 0 w 1681777"/>
+              <a:gd name="connsiteY3" fmla="*/ 2416811 h 2416811"/>
+              <a:gd name="connsiteX0" fmla="*/ 0 w 1878659"/>
+              <a:gd name="connsiteY0" fmla="*/ 2585904 h 2585904"/>
+              <a:gd name="connsiteX1" fmla="*/ 1037771 w 1878659"/>
+              <a:gd name="connsiteY1" fmla="*/ 0 h 2585904"/>
+              <a:gd name="connsiteX2" fmla="*/ 1878659 w 1878659"/>
+              <a:gd name="connsiteY2" fmla="*/ 2416811 h 2585904"/>
+              <a:gd name="connsiteX3" fmla="*/ 0 w 1878659"/>
+              <a:gd name="connsiteY3" fmla="*/ 2585904 h 2585904"/>
+              <a:gd name="connsiteX0" fmla="*/ 0 w 1878659"/>
+              <a:gd name="connsiteY0" fmla="*/ 2579743 h 2579743"/>
+              <a:gd name="connsiteX1" fmla="*/ 1188557 w 1878659"/>
+              <a:gd name="connsiteY1" fmla="*/ 0 h 2579743"/>
+              <a:gd name="connsiteX2" fmla="*/ 1878659 w 1878659"/>
+              <a:gd name="connsiteY2" fmla="*/ 2410650 h 2579743"/>
+              <a:gd name="connsiteX3" fmla="*/ 0 w 1878659"/>
+              <a:gd name="connsiteY3" fmla="*/ 2579743 h 2579743"/>
+              <a:gd name="connsiteX0" fmla="*/ 0 w 1842061"/>
+              <a:gd name="connsiteY0" fmla="*/ 2579743 h 2579743"/>
+              <a:gd name="connsiteX1" fmla="*/ 1188557 w 1842061"/>
+              <a:gd name="connsiteY1" fmla="*/ 0 h 2579743"/>
+              <a:gd name="connsiteX2" fmla="*/ 1842061 w 1842061"/>
+              <a:gd name="connsiteY2" fmla="*/ 2186386 h 2579743"/>
+              <a:gd name="connsiteX3" fmla="*/ 0 w 1842061"/>
+              <a:gd name="connsiteY3" fmla="*/ 2579743 h 2579743"/>
+              <a:gd name="connsiteX0" fmla="*/ 0 w 1878382"/>
+              <a:gd name="connsiteY0" fmla="*/ 2607973 h 2607973"/>
+              <a:gd name="connsiteX1" fmla="*/ 1224878 w 1878382"/>
+              <a:gd name="connsiteY1" fmla="*/ 0 h 2607973"/>
+              <a:gd name="connsiteX2" fmla="*/ 1878382 w 1878382"/>
+              <a:gd name="connsiteY2" fmla="*/ 2186386 h 2607973"/>
+              <a:gd name="connsiteX3" fmla="*/ 0 w 1878382"/>
+              <a:gd name="connsiteY3" fmla="*/ 2607973 h 2607973"/>
+              <a:gd name="connsiteX0" fmla="*/ 0 w 1878382"/>
+              <a:gd name="connsiteY0" fmla="*/ 2622743 h 2622743"/>
+              <a:gd name="connsiteX1" fmla="*/ 1196346 w 1878382"/>
+              <a:gd name="connsiteY1" fmla="*/ 0 h 2622743"/>
+              <a:gd name="connsiteX2" fmla="*/ 1878382 w 1878382"/>
+              <a:gd name="connsiteY2" fmla="*/ 2201156 h 2622743"/>
+              <a:gd name="connsiteX3" fmla="*/ 0 w 1878382"/>
+              <a:gd name="connsiteY3" fmla="*/ 2622743 h 2622743"/>
+              <a:gd name="connsiteX0" fmla="*/ 0 w 1878382"/>
+              <a:gd name="connsiteY0" fmla="*/ 2687192 h 2687192"/>
+              <a:gd name="connsiteX1" fmla="*/ 1211619 w 1878382"/>
+              <a:gd name="connsiteY1" fmla="*/ 0 h 2687192"/>
+              <a:gd name="connsiteX2" fmla="*/ 1878382 w 1878382"/>
+              <a:gd name="connsiteY2" fmla="*/ 2265605 h 2687192"/>
+              <a:gd name="connsiteX3" fmla="*/ 0 w 1878382"/>
+              <a:gd name="connsiteY3" fmla="*/ 2687192 h 2687192"/>
+              <a:gd name="connsiteX0" fmla="*/ 0 w 1754535"/>
+              <a:gd name="connsiteY0" fmla="*/ 2687192 h 2687192"/>
+              <a:gd name="connsiteX1" fmla="*/ 1211619 w 1754535"/>
+              <a:gd name="connsiteY1" fmla="*/ 0 h 2687192"/>
+              <a:gd name="connsiteX2" fmla="*/ 1754535 w 1754535"/>
+              <a:gd name="connsiteY2" fmla="*/ 2130947 h 2687192"/>
+              <a:gd name="connsiteX3" fmla="*/ 0 w 1754535"/>
+              <a:gd name="connsiteY3" fmla="*/ 2687192 h 2687192"/>
+              <a:gd name="connsiteX0" fmla="*/ 0 w 1889056"/>
+              <a:gd name="connsiteY0" fmla="*/ 2687192 h 2687192"/>
+              <a:gd name="connsiteX1" fmla="*/ 1211619 w 1889056"/>
+              <a:gd name="connsiteY1" fmla="*/ 0 h 2687192"/>
+              <a:gd name="connsiteX2" fmla="*/ 1889056 w 1889056"/>
+              <a:gd name="connsiteY2" fmla="*/ 2272939 h 2687192"/>
+              <a:gd name="connsiteX3" fmla="*/ 0 w 1889056"/>
+              <a:gd name="connsiteY3" fmla="*/ 2687192 h 2687192"/>
+              <a:gd name="connsiteX0" fmla="*/ 0 w 1708360"/>
+              <a:gd name="connsiteY0" fmla="*/ 2610693 h 2610693"/>
+              <a:gd name="connsiteX1" fmla="*/ 1030923 w 1708360"/>
+              <a:gd name="connsiteY1" fmla="*/ 0 h 2610693"/>
+              <a:gd name="connsiteX2" fmla="*/ 1708360 w 1708360"/>
+              <a:gd name="connsiteY2" fmla="*/ 2272939 h 2610693"/>
+              <a:gd name="connsiteX3" fmla="*/ 0 w 1708360"/>
+              <a:gd name="connsiteY3" fmla="*/ 2610693 h 2610693"/>
+              <a:gd name="connsiteX0" fmla="*/ 0 w 1903422"/>
+              <a:gd name="connsiteY0" fmla="*/ 2686991 h 2686991"/>
+              <a:gd name="connsiteX1" fmla="*/ 1225985 w 1903422"/>
+              <a:gd name="connsiteY1" fmla="*/ 0 h 2686991"/>
+              <a:gd name="connsiteX2" fmla="*/ 1903422 w 1903422"/>
+              <a:gd name="connsiteY2" fmla="*/ 2272939 h 2686991"/>
+              <a:gd name="connsiteX3" fmla="*/ 0 w 1903422"/>
+              <a:gd name="connsiteY3" fmla="*/ 2686991 h 2686991"/>
+              <a:gd name="connsiteX0" fmla="*/ 0 w 1878129"/>
+              <a:gd name="connsiteY0" fmla="*/ 2676568 h 2676568"/>
+              <a:gd name="connsiteX1" fmla="*/ 1200692 w 1878129"/>
+              <a:gd name="connsiteY1" fmla="*/ 0 h 2676568"/>
+              <a:gd name="connsiteX2" fmla="*/ 1878129 w 1878129"/>
+              <a:gd name="connsiteY2" fmla="*/ 2272939 h 2676568"/>
+              <a:gd name="connsiteX3" fmla="*/ 0 w 1878129"/>
+              <a:gd name="connsiteY3" fmla="*/ 2676568 h 2676568"/>
+              <a:gd name="connsiteX0" fmla="*/ 0 w 1886982"/>
+              <a:gd name="connsiteY0" fmla="*/ 2667463 h 2667463"/>
+              <a:gd name="connsiteX1" fmla="*/ 1209545 w 1886982"/>
+              <a:gd name="connsiteY1" fmla="*/ 0 h 2667463"/>
+              <a:gd name="connsiteX2" fmla="*/ 1886982 w 1886982"/>
+              <a:gd name="connsiteY2" fmla="*/ 2272939 h 2667463"/>
+              <a:gd name="connsiteX3" fmla="*/ 0 w 1886982"/>
+              <a:gd name="connsiteY3" fmla="*/ 2667463 h 2667463"/>
+              <a:gd name="connsiteX0" fmla="*/ 0 w 1881670"/>
+              <a:gd name="connsiteY0" fmla="*/ 2672926 h 2672926"/>
+              <a:gd name="connsiteX1" fmla="*/ 1204233 w 1881670"/>
+              <a:gd name="connsiteY1" fmla="*/ 0 h 2672926"/>
+              <a:gd name="connsiteX2" fmla="*/ 1881670 w 1881670"/>
+              <a:gd name="connsiteY2" fmla="*/ 2272939 h 2672926"/>
+              <a:gd name="connsiteX3" fmla="*/ 0 w 1881670"/>
+              <a:gd name="connsiteY3" fmla="*/ 2672926 h 2672926"/>
+              <a:gd name="connsiteX0" fmla="*/ 0 w 1877573"/>
+              <a:gd name="connsiteY0" fmla="*/ 2672926 h 2672926"/>
+              <a:gd name="connsiteX1" fmla="*/ 1204233 w 1877573"/>
+              <a:gd name="connsiteY1" fmla="*/ 0 h 2672926"/>
+              <a:gd name="connsiteX2" fmla="*/ 1877573 w 1877573"/>
+              <a:gd name="connsiteY2" fmla="*/ 2276923 h 2672926"/>
+              <a:gd name="connsiteX3" fmla="*/ 0 w 1877573"/>
+              <a:gd name="connsiteY3" fmla="*/ 2672926 h 2672926"/>
+              <a:gd name="connsiteX0" fmla="*/ 0 w 1826730"/>
+              <a:gd name="connsiteY0" fmla="*/ 2672926 h 2672926"/>
+              <a:gd name="connsiteX1" fmla="*/ 1204233 w 1826730"/>
+              <a:gd name="connsiteY1" fmla="*/ 0 h 2672926"/>
+              <a:gd name="connsiteX2" fmla="*/ 1826730 w 1826730"/>
+              <a:gd name="connsiteY2" fmla="*/ 2251961 h 2672926"/>
+              <a:gd name="connsiteX3" fmla="*/ 0 w 1826730"/>
+              <a:gd name="connsiteY3" fmla="*/ 2672926 h 2672926"/>
+              <a:gd name="connsiteX0" fmla="*/ 0 w 1880304"/>
+              <a:gd name="connsiteY0" fmla="*/ 2672926 h 2672926"/>
+              <a:gd name="connsiteX1" fmla="*/ 1204233 w 1880304"/>
+              <a:gd name="connsiteY1" fmla="*/ 0 h 2672926"/>
+              <a:gd name="connsiteX2" fmla="*/ 1880304 w 1880304"/>
+              <a:gd name="connsiteY2" fmla="*/ 2274267 h 2672926"/>
+              <a:gd name="connsiteX3" fmla="*/ 0 w 1880304"/>
+              <a:gd name="connsiteY3" fmla="*/ 2672926 h 2672926"/>
+              <a:gd name="connsiteX0" fmla="*/ 0 w 1852038"/>
+              <a:gd name="connsiteY0" fmla="*/ 2672926 h 2672926"/>
+              <a:gd name="connsiteX1" fmla="*/ 1204233 w 1852038"/>
+              <a:gd name="connsiteY1" fmla="*/ 0 h 2672926"/>
+              <a:gd name="connsiteX2" fmla="*/ 1852038 w 1852038"/>
+              <a:gd name="connsiteY2" fmla="*/ 2272523 h 2672926"/>
+              <a:gd name="connsiteX3" fmla="*/ 0 w 1852038"/>
+              <a:gd name="connsiteY3" fmla="*/ 2672926 h 2672926"/>
+            </a:gdLst>
+            <a:ahLst/>
+            <a:cxnLst>
+              <a:cxn ang="0">
+                <a:pos x="connsiteX0" y="connsiteY0"/>
+              </a:cxn>
+              <a:cxn ang="0">
+                <a:pos x="connsiteX1" y="connsiteY1"/>
+              </a:cxn>
+              <a:cxn ang="0">
+                <a:pos x="connsiteX2" y="connsiteY2"/>
+              </a:cxn>
+              <a:cxn ang="0">
+                <a:pos x="connsiteX3" y="connsiteY3"/>
+              </a:cxn>
+            </a:cxnLst>
+            <a:rect l="l" t="t" r="r" b="b"/>
+            <a:pathLst>
+              <a:path w="1852038" h="2672926">
+                <a:moveTo>
+                  <a:pt x="0" y="2672926"/>
+                </a:moveTo>
+                <a:lnTo>
+                  <a:pt x="1204233" y="0"/>
+                </a:lnTo>
+                <a:lnTo>
+                  <a:pt x="1852038" y="2272523"/>
+                </a:lnTo>
+                <a:lnTo>
+                  <a:pt x="0" y="2672926"/>
+                </a:lnTo>
+                <a:close/>
+              </a:path>
+            </a:pathLst>
+          </a:custGeom>
+          <a:pattFill prst="lgGrid">
+            <a:fgClr>
+              <a:srgbClr val="FFC000"/>
+            </a:fgClr>
+            <a:bgClr>
+              <a:schemeClr val="bg1"/>
+            </a:bgClr>
+          </a:pattFill>
+        </p:spPr>
+        <p:style>
+          <a:lnRef idx="2">
+            <a:schemeClr val="accent1">
+              <a:shade val="50000"/>
+            </a:schemeClr>
+          </a:lnRef>
+          <a:fillRef idx="1">
+            <a:schemeClr val="accent1"/>
+          </a:fillRef>
+          <a:effectRef idx="0">
+            <a:schemeClr val="accent1"/>
+          </a:effectRef>
+          <a:fontRef idx="minor">
+            <a:schemeClr val="lt1"/>
+          </a:fontRef>
+        </p:style>
+        <p:txBody>
+          <a:bodyPr rtlCol="0" anchor="ctr"/>
+          <a:lstStyle/>
+          <a:p>
+            <a:pPr algn="ctr"/>
+            <a:endParaRPr lang="ko-KR" altLang="en-US"/>
+          </a:p>
+        </p:txBody>
+      </p:sp>
+      <p:cxnSp>
+        <p:nvCxnSpPr>
+          <p:cNvPr id="6" name="직선 화살표 연결선 5">
+            <a:extLst>
+              <a:ext uri="{FF2B5EF4-FFF2-40B4-BE49-F238E27FC236}">
+                <a16:creationId xmlns:a16="http://schemas.microsoft.com/office/drawing/2014/main" id="{D60FCA8A-4B66-42BF-BE55-FFBEE40B74E0}"/>
+              </a:ext>
+            </a:extLst>
+          </p:cNvPr>
+          <p:cNvCxnSpPr/>
+          <p:nvPr/>
+        </p:nvCxnSpPr>
+        <p:spPr>
+          <a:xfrm>
+            <a:off x="7021319" y="5128853"/>
+            <a:ext cx="4546944" cy="0"/>
+          </a:xfrm>
+          <a:prstGeom prst="straightConnector1">
+            <a:avLst/>
+          </a:prstGeom>
+          <a:ln w="28575">
+            <a:solidFill>
+              <a:schemeClr val="tx1"/>
+            </a:solidFill>
+            <a:tailEnd type="triangle"/>
+          </a:ln>
+        </p:spPr>
+        <p:style>
+          <a:lnRef idx="1">
+            <a:schemeClr val="accent1"/>
+          </a:lnRef>
+          <a:fillRef idx="0">
+            <a:schemeClr val="accent1"/>
+          </a:fillRef>
+          <a:effectRef idx="0">
+            <a:schemeClr val="accent1"/>
+          </a:effectRef>
+          <a:fontRef idx="minor">
+            <a:schemeClr val="tx1"/>
+          </a:fontRef>
+        </p:style>
+      </p:cxnSp>
+      <p:cxnSp>
+        <p:nvCxnSpPr>
+          <p:cNvPr id="7" name="직선 화살표 연결선 6">
+            <a:extLst>
+              <a:ext uri="{FF2B5EF4-FFF2-40B4-BE49-F238E27FC236}">
+                <a16:creationId xmlns:a16="http://schemas.microsoft.com/office/drawing/2014/main" id="{D0623212-920E-4DB7-B313-43E8C313BB90}"/>
+              </a:ext>
+            </a:extLst>
+          </p:cNvPr>
+          <p:cNvCxnSpPr/>
+          <p:nvPr/>
+        </p:nvCxnSpPr>
+        <p:spPr>
+          <a:xfrm flipV="1">
+            <a:off x="7242875" y="1911248"/>
+            <a:ext cx="0" cy="3451750"/>
+          </a:xfrm>
+          <a:prstGeom prst="straightConnector1">
+            <a:avLst/>
+          </a:prstGeom>
+          <a:ln w="28575">
+            <a:solidFill>
+              <a:schemeClr val="tx1"/>
+            </a:solidFill>
+            <a:tailEnd type="triangle"/>
+          </a:ln>
+        </p:spPr>
+        <p:style>
+          <a:lnRef idx="1">
+            <a:schemeClr val="accent1"/>
+          </a:lnRef>
+          <a:fillRef idx="0">
+            <a:schemeClr val="accent1"/>
+          </a:fillRef>
+          <a:effectRef idx="0">
+            <a:schemeClr val="accent1"/>
+          </a:effectRef>
+          <a:fontRef idx="minor">
+            <a:schemeClr val="tx1"/>
+          </a:fontRef>
+        </p:style>
+      </p:cxnSp>
+      <mc:AlternateContent xmlns:mc="http://schemas.openxmlformats.org/markup-compatibility/2006" xmlns:a14="http://schemas.microsoft.com/office/drawing/2010/main">
+        <mc:Choice Requires="a14">
+          <p:sp>
+            <p:nvSpPr>
+              <p:cNvPr id="8" name="TextBox 7">
+                <a:extLst>
+                  <a:ext uri="{FF2B5EF4-FFF2-40B4-BE49-F238E27FC236}">
+                    <a16:creationId xmlns:a16="http://schemas.microsoft.com/office/drawing/2014/main" id="{817A4BD8-6240-4704-BD6C-F6AF3D32B2C1}"/>
+                  </a:ext>
+                </a:extLst>
+              </p:cNvPr>
+              <p:cNvSpPr txBox="1"/>
+              <p:nvPr/>
+            </p:nvSpPr>
+            <p:spPr>
+              <a:xfrm>
+                <a:off x="6879116" y="5128853"/>
+                <a:ext cx="363759" cy="314225"/>
+              </a:xfrm>
+              <a:prstGeom prst="rect">
+                <a:avLst/>
+              </a:prstGeom>
+              <a:noFill/>
+            </p:spPr>
+            <p:txBody>
+              <a:bodyPr wrap="none" rtlCol="0">
+                <a:spAutoFit/>
+              </a:bodyPr>
+              <a:lstStyle/>
+              <a:p>
+                <a:pPr/>
+                <a14:m>
+                  <m:oMathPara xmlns:m="http://schemas.openxmlformats.org/officeDocument/2006/math">
+                    <m:oMathParaPr>
+                      <m:jc m:val="centerGroup"/>
+                    </m:oMathParaPr>
+                    <m:oMath xmlns:m="http://schemas.openxmlformats.org/officeDocument/2006/math">
+                      <m:r>
+                        <a:rPr lang="en-US" altLang="ko-KR" b="0" i="1" smtClean="0">
+                          <a:latin typeface="Cambria Math" panose="02040503050406030204" pitchFamily="18" charset="0"/>
+                        </a:rPr>
+                        <m:t>𝑂</m:t>
+                      </m:r>
+                    </m:oMath>
+                  </m:oMathPara>
+                </a14:m>
+                <a:endParaRPr lang="ko-KR" altLang="en-US" dirty="0"/>
+              </a:p>
+            </p:txBody>
+          </p:sp>
+        </mc:Choice>
+        <mc:Fallback xmlns="">
+          <p:sp>
+            <p:nvSpPr>
+              <p:cNvPr id="8" name="TextBox 7">
+                <a:extLst>
+                  <a:ext uri="{FF2B5EF4-FFF2-40B4-BE49-F238E27FC236}">
+                    <a16:creationId xmlns:a16="http://schemas.microsoft.com/office/drawing/2014/main" id="{817A4BD8-6240-4704-BD6C-F6AF3D32B2C1}"/>
+                  </a:ext>
+                </a:extLst>
+              </p:cNvPr>
+              <p:cNvSpPr txBox="1">
+                <a:spLocks noRot="1" noChangeAspect="1" noMove="1" noResize="1" noEditPoints="1" noAdjustHandles="1" noChangeArrowheads="1" noChangeShapeType="1" noTextEdit="1"/>
+              </p:cNvSpPr>
+              <p:nvPr/>
+            </p:nvSpPr>
+            <p:spPr>
+              <a:xfrm>
+                <a:off x="6879116" y="5128853"/>
+                <a:ext cx="363759" cy="314225"/>
+              </a:xfrm>
+              <a:prstGeom prst="rect">
+                <a:avLst/>
+              </a:prstGeom>
+              <a:blipFill>
+                <a:blip r:embed="rId2"/>
+                <a:stretch>
+                  <a:fillRect b="-11538"/>
+                </a:stretch>
+              </a:blipFill>
+            </p:spPr>
+            <p:txBody>
+              <a:bodyPr/>
+              <a:lstStyle/>
+              <a:p>
+                <a:r>
+                  <a:rPr lang="ko-KR" altLang="en-US">
+                    <a:noFill/>
+                  </a:rPr>
+                  <a:t> </a:t>
+                </a:r>
+              </a:p>
+            </p:txBody>
+          </p:sp>
+        </mc:Fallback>
+      </mc:AlternateContent>
+      <mc:AlternateContent xmlns:mc="http://schemas.openxmlformats.org/markup-compatibility/2006" xmlns:a14="http://schemas.microsoft.com/office/drawing/2010/main">
+        <mc:Choice Requires="a14">
+          <p:sp>
+            <p:nvSpPr>
+              <p:cNvPr id="9" name="TextBox 8">
+                <a:extLst>
+                  <a:ext uri="{FF2B5EF4-FFF2-40B4-BE49-F238E27FC236}">
+                    <a16:creationId xmlns:a16="http://schemas.microsoft.com/office/drawing/2014/main" id="{6141256F-C8A5-487F-8CAB-8F26066B3AD9}"/>
+                  </a:ext>
+                </a:extLst>
+              </p:cNvPr>
+              <p:cNvSpPr txBox="1"/>
+              <p:nvPr/>
+            </p:nvSpPr>
+            <p:spPr>
+              <a:xfrm>
+                <a:off x="11386383" y="5128853"/>
+                <a:ext cx="337629" cy="314225"/>
+              </a:xfrm>
+              <a:prstGeom prst="rect">
+                <a:avLst/>
+              </a:prstGeom>
+              <a:noFill/>
+            </p:spPr>
+            <p:txBody>
+              <a:bodyPr wrap="none" rtlCol="0">
+                <a:spAutoFit/>
+              </a:bodyPr>
+              <a:lstStyle/>
+              <a:p>
+                <a:pPr/>
+                <a14:m>
+                  <m:oMathPara xmlns:m="http://schemas.openxmlformats.org/officeDocument/2006/math">
+                    <m:oMathParaPr>
+                      <m:jc m:val="centerGroup"/>
+                    </m:oMathParaPr>
+                    <m:oMath xmlns:m="http://schemas.openxmlformats.org/officeDocument/2006/math">
+                      <m:r>
+                        <a:rPr lang="en-US" altLang="ko-KR" b="0" i="1" smtClean="0">
+                          <a:latin typeface="Cambria Math" panose="02040503050406030204" pitchFamily="18" charset="0"/>
+                        </a:rPr>
+                        <m:t>𝑥</m:t>
+                      </m:r>
+                    </m:oMath>
+                  </m:oMathPara>
+                </a14:m>
+                <a:endParaRPr lang="ko-KR" altLang="en-US" dirty="0"/>
+              </a:p>
+            </p:txBody>
+          </p:sp>
+        </mc:Choice>
+        <mc:Fallback xmlns="">
+          <p:sp>
+            <p:nvSpPr>
+              <p:cNvPr id="9" name="TextBox 8">
+                <a:extLst>
+                  <a:ext uri="{FF2B5EF4-FFF2-40B4-BE49-F238E27FC236}">
+                    <a16:creationId xmlns:a16="http://schemas.microsoft.com/office/drawing/2014/main" id="{6141256F-C8A5-487F-8CAB-8F26066B3AD9}"/>
+                  </a:ext>
+                </a:extLst>
+              </p:cNvPr>
+              <p:cNvSpPr txBox="1">
+                <a:spLocks noRot="1" noChangeAspect="1" noMove="1" noResize="1" noEditPoints="1" noAdjustHandles="1" noChangeArrowheads="1" noChangeShapeType="1" noTextEdit="1"/>
+              </p:cNvSpPr>
+              <p:nvPr/>
+            </p:nvSpPr>
+            <p:spPr>
+              <a:xfrm>
+                <a:off x="11386383" y="5128853"/>
+                <a:ext cx="337629" cy="314225"/>
+              </a:xfrm>
+              <a:prstGeom prst="rect">
+                <a:avLst/>
+              </a:prstGeom>
+              <a:blipFill>
+                <a:blip r:embed="rId3"/>
+                <a:stretch>
+                  <a:fillRect b="-5769"/>
+                </a:stretch>
+              </a:blipFill>
+            </p:spPr>
+            <p:txBody>
+              <a:bodyPr/>
+              <a:lstStyle/>
+              <a:p>
+                <a:r>
+                  <a:rPr lang="ko-KR" altLang="en-US">
+                    <a:noFill/>
+                  </a:rPr>
+                  <a:t> </a:t>
+                </a:r>
+              </a:p>
+            </p:txBody>
+          </p:sp>
+        </mc:Fallback>
+      </mc:AlternateContent>
+      <mc:AlternateContent xmlns:mc="http://schemas.openxmlformats.org/markup-compatibility/2006" xmlns:a14="http://schemas.microsoft.com/office/drawing/2010/main">
+        <mc:Choice Requires="a14">
+          <p:sp>
+            <p:nvSpPr>
+              <p:cNvPr id="10" name="TextBox 9">
+                <a:extLst>
+                  <a:ext uri="{FF2B5EF4-FFF2-40B4-BE49-F238E27FC236}">
+                    <a16:creationId xmlns:a16="http://schemas.microsoft.com/office/drawing/2014/main" id="{8CCD7454-37C0-4A07-BEB9-AC7761C3A520}"/>
+                  </a:ext>
+                </a:extLst>
+              </p:cNvPr>
+              <p:cNvSpPr txBox="1"/>
+              <p:nvPr/>
+            </p:nvSpPr>
+            <p:spPr>
+              <a:xfrm>
+                <a:off x="6890272" y="1911248"/>
+                <a:ext cx="337629" cy="314225"/>
+              </a:xfrm>
+              <a:prstGeom prst="rect">
+                <a:avLst/>
+              </a:prstGeom>
+              <a:noFill/>
+            </p:spPr>
+            <p:txBody>
+              <a:bodyPr wrap="none" rtlCol="0">
+                <a:spAutoFit/>
+              </a:bodyPr>
+              <a:lstStyle/>
+              <a:p>
+                <a:pPr/>
+                <a14:m>
+                  <m:oMathPara xmlns:m="http://schemas.openxmlformats.org/officeDocument/2006/math">
+                    <m:oMathParaPr>
+                      <m:jc m:val="centerGroup"/>
+                    </m:oMathParaPr>
+                    <m:oMath xmlns:m="http://schemas.openxmlformats.org/officeDocument/2006/math">
+                      <m:r>
+                        <a:rPr lang="en-US" altLang="ko-KR" b="0" i="1" smtClean="0">
+                          <a:latin typeface="Cambria Math" panose="02040503050406030204" pitchFamily="18" charset="0"/>
+                        </a:rPr>
+                        <m:t>𝑦</m:t>
+                      </m:r>
+                    </m:oMath>
+                  </m:oMathPara>
+                </a14:m>
+                <a:endParaRPr lang="ko-KR" altLang="en-US" dirty="0"/>
+              </a:p>
+            </p:txBody>
+          </p:sp>
+        </mc:Choice>
+        <mc:Fallback xmlns="">
+          <p:sp>
+            <p:nvSpPr>
+              <p:cNvPr id="10" name="TextBox 9">
+                <a:extLst>
+                  <a:ext uri="{FF2B5EF4-FFF2-40B4-BE49-F238E27FC236}">
+                    <a16:creationId xmlns:a16="http://schemas.microsoft.com/office/drawing/2014/main" id="{8CCD7454-37C0-4A07-BEB9-AC7761C3A520}"/>
+                  </a:ext>
+                </a:extLst>
+              </p:cNvPr>
+              <p:cNvSpPr txBox="1">
+                <a:spLocks noRot="1" noChangeAspect="1" noMove="1" noResize="1" noEditPoints="1" noAdjustHandles="1" noChangeArrowheads="1" noChangeShapeType="1" noTextEdit="1"/>
+              </p:cNvSpPr>
+              <p:nvPr/>
+            </p:nvSpPr>
+            <p:spPr>
+              <a:xfrm>
+                <a:off x="6890272" y="1911248"/>
+                <a:ext cx="337629" cy="314225"/>
+              </a:xfrm>
+              <a:prstGeom prst="rect">
+                <a:avLst/>
+              </a:prstGeom>
+              <a:blipFill>
+                <a:blip r:embed="rId4"/>
+                <a:stretch>
+                  <a:fillRect b="-29412"/>
+                </a:stretch>
+              </a:blipFill>
+            </p:spPr>
+            <p:txBody>
+              <a:bodyPr/>
+              <a:lstStyle/>
+              <a:p>
+                <a:r>
+                  <a:rPr lang="ko-KR" altLang="en-US">
+                    <a:noFill/>
+                  </a:rPr>
+                  <a:t> </a:t>
+                </a:r>
+              </a:p>
+            </p:txBody>
+          </p:sp>
+        </mc:Fallback>
+      </mc:AlternateContent>
+      <p:cxnSp>
+        <p:nvCxnSpPr>
+          <p:cNvPr id="11" name="직선 화살표 연결선 10">
+            <a:extLst>
+              <a:ext uri="{FF2B5EF4-FFF2-40B4-BE49-F238E27FC236}">
+                <a16:creationId xmlns:a16="http://schemas.microsoft.com/office/drawing/2014/main" id="{19C5C218-E286-46A8-AC62-1EDE144E2B44}"/>
+              </a:ext>
+            </a:extLst>
+          </p:cNvPr>
+          <p:cNvCxnSpPr/>
+          <p:nvPr/>
+        </p:nvCxnSpPr>
+        <p:spPr>
+          <a:xfrm flipV="1">
+            <a:off x="7242875" y="4239479"/>
+            <a:ext cx="2311237" cy="889374"/>
+          </a:xfrm>
+          <a:prstGeom prst="straightConnector1">
+            <a:avLst/>
+          </a:prstGeom>
+          <a:ln w="38100">
+            <a:solidFill>
+              <a:schemeClr val="accent6"/>
+            </a:solidFill>
+            <a:tailEnd type="triangle"/>
+          </a:ln>
+        </p:spPr>
+        <p:style>
+          <a:lnRef idx="1">
+            <a:schemeClr val="accent1"/>
+          </a:lnRef>
+          <a:fillRef idx="0">
+            <a:schemeClr val="accent1"/>
+          </a:fillRef>
+          <a:effectRef idx="0">
+            <a:schemeClr val="accent1"/>
+          </a:effectRef>
+          <a:fontRef idx="minor">
+            <a:schemeClr val="tx1"/>
+          </a:fontRef>
+        </p:style>
+      </p:cxnSp>
+      <p:cxnSp>
+        <p:nvCxnSpPr>
+          <p:cNvPr id="12" name="직선 화살표 연결선 11">
+            <a:extLst>
+              <a:ext uri="{FF2B5EF4-FFF2-40B4-BE49-F238E27FC236}">
+                <a16:creationId xmlns:a16="http://schemas.microsoft.com/office/drawing/2014/main" id="{0EA84588-0E94-4C73-B6BA-7F234378D8CC}"/>
+              </a:ext>
+            </a:extLst>
+          </p:cNvPr>
+          <p:cNvCxnSpPr/>
+          <p:nvPr/>
+        </p:nvCxnSpPr>
+        <p:spPr>
+          <a:xfrm flipV="1">
+            <a:off x="7257850" y="3378430"/>
+            <a:ext cx="901160" cy="1750422"/>
+          </a:xfrm>
+          <a:prstGeom prst="straightConnector1">
+            <a:avLst/>
+          </a:prstGeom>
+          <a:ln w="38100">
+            <a:solidFill>
+              <a:schemeClr val="accent6"/>
+            </a:solidFill>
+            <a:tailEnd type="triangle"/>
+          </a:ln>
+        </p:spPr>
+        <p:style>
+          <a:lnRef idx="1">
+            <a:schemeClr val="accent1"/>
+          </a:lnRef>
+          <a:fillRef idx="0">
+            <a:schemeClr val="accent1"/>
+          </a:fillRef>
+          <a:effectRef idx="0">
+            <a:schemeClr val="accent1"/>
+          </a:effectRef>
+          <a:fontRef idx="minor">
+            <a:schemeClr val="tx1"/>
+          </a:fontRef>
+        </p:style>
+      </p:cxnSp>
+      <mc:AlternateContent xmlns:mc="http://schemas.openxmlformats.org/markup-compatibility/2006" xmlns:a14="http://schemas.microsoft.com/office/drawing/2010/main">
+        <mc:Choice Requires="a14">
+          <p:sp>
+            <p:nvSpPr>
+              <p:cNvPr id="13" name="TextBox 12">
+                <a:extLst>
+                  <a:ext uri="{FF2B5EF4-FFF2-40B4-BE49-F238E27FC236}">
+                    <a16:creationId xmlns:a16="http://schemas.microsoft.com/office/drawing/2014/main" id="{752EDC1C-6077-4AA2-B6D9-164742B57E02}"/>
+                  </a:ext>
+                </a:extLst>
+              </p:cNvPr>
+              <p:cNvSpPr txBox="1"/>
+              <p:nvPr/>
+            </p:nvSpPr>
+            <p:spPr>
+              <a:xfrm>
+                <a:off x="9541788" y="4195577"/>
+                <a:ext cx="812948" cy="314225"/>
+              </a:xfrm>
+              <a:prstGeom prst="rect">
+                <a:avLst/>
+              </a:prstGeom>
+              <a:noFill/>
+            </p:spPr>
+            <p:txBody>
+              <a:bodyPr wrap="none" rtlCol="0">
+                <a:spAutoFit/>
+              </a:bodyPr>
+              <a:lstStyle/>
+              <a:p>
+                <a:pPr/>
+                <a14:m>
+                  <m:oMathPara xmlns:m="http://schemas.openxmlformats.org/officeDocument/2006/math">
+                    <m:oMathParaPr>
+                      <m:jc m:val="centerGroup"/>
+                    </m:oMathParaPr>
+                    <m:oMath xmlns:m="http://schemas.openxmlformats.org/officeDocument/2006/math">
+                      <m:r>
+                        <a:rPr lang="en-US" altLang="ko-KR" b="0" i="1" smtClean="0">
+                          <a:latin typeface="Cambria Math" panose="02040503050406030204" pitchFamily="18" charset="0"/>
+                        </a:rPr>
+                        <m:t>𝑈</m:t>
+                      </m:r>
+                      <m:r>
+                        <a:rPr lang="en-US" altLang="ko-KR" b="0" i="1" smtClean="0">
+                          <a:latin typeface="Cambria Math" panose="02040503050406030204" pitchFamily="18" charset="0"/>
+                        </a:rPr>
+                        <m:t>(</m:t>
+                      </m:r>
+                      <m:r>
+                        <a:rPr lang="en-US" altLang="ko-KR" b="0" i="1" smtClean="0">
+                          <a:latin typeface="Cambria Math" panose="02040503050406030204" pitchFamily="18" charset="0"/>
+                        </a:rPr>
+                        <m:t>𝑎</m:t>
+                      </m:r>
+                      <m:r>
+                        <a:rPr lang="en-US" altLang="ko-KR" b="0" i="1" smtClean="0">
+                          <a:latin typeface="Cambria Math" panose="02040503050406030204" pitchFamily="18" charset="0"/>
+                        </a:rPr>
+                        <m:t>,</m:t>
+                      </m:r>
+                      <m:r>
+                        <a:rPr lang="en-US" altLang="ko-KR" b="0" i="1" smtClean="0">
+                          <a:latin typeface="Cambria Math" panose="02040503050406030204" pitchFamily="18" charset="0"/>
+                        </a:rPr>
+                        <m:t>𝑐</m:t>
+                      </m:r>
+                      <m:r>
+                        <a:rPr lang="en-US" altLang="ko-KR" b="0" i="1" smtClean="0">
+                          <a:latin typeface="Cambria Math" panose="02040503050406030204" pitchFamily="18" charset="0"/>
+                        </a:rPr>
+                        <m:t>)</m:t>
+                      </m:r>
+                    </m:oMath>
+                  </m:oMathPara>
+                </a14:m>
+                <a:endParaRPr lang="ko-KR" altLang="en-US" dirty="0"/>
+              </a:p>
+            </p:txBody>
+          </p:sp>
+        </mc:Choice>
+        <mc:Fallback xmlns="">
+          <p:sp>
+            <p:nvSpPr>
+              <p:cNvPr id="13" name="TextBox 12">
+                <a:extLst>
+                  <a:ext uri="{FF2B5EF4-FFF2-40B4-BE49-F238E27FC236}">
+                    <a16:creationId xmlns:a16="http://schemas.microsoft.com/office/drawing/2014/main" id="{752EDC1C-6077-4AA2-B6D9-164742B57E02}"/>
+                  </a:ext>
+                </a:extLst>
+              </p:cNvPr>
+              <p:cNvSpPr txBox="1">
+                <a:spLocks noRot="1" noChangeAspect="1" noMove="1" noResize="1" noEditPoints="1" noAdjustHandles="1" noChangeArrowheads="1" noChangeShapeType="1" noTextEdit="1"/>
+              </p:cNvSpPr>
+              <p:nvPr/>
+            </p:nvSpPr>
+            <p:spPr>
+              <a:xfrm>
+                <a:off x="9541788" y="4195577"/>
+                <a:ext cx="812948" cy="314225"/>
+              </a:xfrm>
+              <a:prstGeom prst="rect">
+                <a:avLst/>
+              </a:prstGeom>
+              <a:blipFill>
+                <a:blip r:embed="rId5"/>
+                <a:stretch>
+                  <a:fillRect r="-8209" b="-36538"/>
+                </a:stretch>
+              </a:blipFill>
+            </p:spPr>
+            <p:txBody>
+              <a:bodyPr/>
+              <a:lstStyle/>
+              <a:p>
+                <a:r>
+                  <a:rPr lang="ko-KR" altLang="en-US">
+                    <a:noFill/>
+                  </a:rPr>
+                  <a:t> </a:t>
+                </a:r>
+              </a:p>
+            </p:txBody>
+          </p:sp>
+        </mc:Fallback>
+      </mc:AlternateContent>
+      <p:cxnSp>
+        <p:nvCxnSpPr>
+          <p:cNvPr id="14" name="직선 화살표 연결선 13">
+            <a:extLst>
+              <a:ext uri="{FF2B5EF4-FFF2-40B4-BE49-F238E27FC236}">
+                <a16:creationId xmlns:a16="http://schemas.microsoft.com/office/drawing/2014/main" id="{7DAEFD8C-5906-4CD4-B223-5CC5EC92B7E5}"/>
+              </a:ext>
+            </a:extLst>
+          </p:cNvPr>
+          <p:cNvCxnSpPr>
+            <a:cxnSpLocks/>
+            <a:stCxn id="4" idx="2"/>
+          </p:cNvCxnSpPr>
+          <p:nvPr/>
+        </p:nvCxnSpPr>
+        <p:spPr>
+          <a:xfrm flipV="1">
+            <a:off x="8155728" y="2489057"/>
+            <a:ext cx="2311869" cy="912815"/>
+          </a:xfrm>
+          <a:prstGeom prst="straightConnector1">
+            <a:avLst/>
+          </a:prstGeom>
+          <a:ln w="28575">
+            <a:solidFill>
+              <a:schemeClr val="accent6"/>
+            </a:solidFill>
+            <a:tailEnd type="triangle"/>
+          </a:ln>
+        </p:spPr>
+        <p:style>
+          <a:lnRef idx="1">
+            <a:schemeClr val="accent1"/>
+          </a:lnRef>
+          <a:fillRef idx="0">
+            <a:schemeClr val="accent1"/>
+          </a:fillRef>
+          <a:effectRef idx="0">
+            <a:schemeClr val="accent1"/>
+          </a:effectRef>
+          <a:fontRef idx="minor">
+            <a:schemeClr val="tx1"/>
+          </a:fontRef>
+        </p:style>
+      </p:cxnSp>
+      <p:cxnSp>
+        <p:nvCxnSpPr>
+          <p:cNvPr id="15" name="직선 화살표 연결선 14">
+            <a:extLst>
+              <a:ext uri="{FF2B5EF4-FFF2-40B4-BE49-F238E27FC236}">
+                <a16:creationId xmlns:a16="http://schemas.microsoft.com/office/drawing/2014/main" id="{5185AE56-8812-4272-8785-7F17CBAAA995}"/>
+              </a:ext>
+            </a:extLst>
+          </p:cNvPr>
+          <p:cNvCxnSpPr>
+            <a:cxnSpLocks/>
+            <a:stCxn id="5" idx="2"/>
+          </p:cNvCxnSpPr>
+          <p:nvPr/>
+        </p:nvCxnSpPr>
+        <p:spPr>
+          <a:xfrm flipV="1">
+            <a:off x="9522916" y="2481145"/>
+            <a:ext cx="954804" cy="1784420"/>
+          </a:xfrm>
+          <a:prstGeom prst="straightConnector1">
+            <a:avLst/>
+          </a:prstGeom>
+          <a:ln w="38100">
+            <a:solidFill>
+              <a:schemeClr val="accent6"/>
+            </a:solidFill>
+            <a:tailEnd type="triangle"/>
+          </a:ln>
+        </p:spPr>
+        <p:style>
+          <a:lnRef idx="1">
+            <a:schemeClr val="accent2"/>
+          </a:lnRef>
+          <a:fillRef idx="0">
+            <a:schemeClr val="accent2"/>
+          </a:fillRef>
+          <a:effectRef idx="0">
+            <a:schemeClr val="accent2"/>
+          </a:effectRef>
+          <a:fontRef idx="minor">
+            <a:schemeClr val="tx1"/>
+          </a:fontRef>
+        </p:style>
+      </p:cxnSp>
+      <mc:AlternateContent xmlns:mc="http://schemas.openxmlformats.org/markup-compatibility/2006" xmlns:a14="http://schemas.microsoft.com/office/drawing/2010/main">
+        <mc:Choice Requires="a14">
+          <p:sp>
+            <p:nvSpPr>
+              <p:cNvPr id="16" name="TextBox 15">
+                <a:extLst>
+                  <a:ext uri="{FF2B5EF4-FFF2-40B4-BE49-F238E27FC236}">
+                    <a16:creationId xmlns:a16="http://schemas.microsoft.com/office/drawing/2014/main" id="{EC52968B-93A2-4749-A8FD-9E238BB05ADE}"/>
+                  </a:ext>
+                </a:extLst>
+              </p:cNvPr>
+              <p:cNvSpPr txBox="1"/>
+              <p:nvPr/>
+            </p:nvSpPr>
+            <p:spPr>
+              <a:xfrm>
+                <a:off x="7589771" y="3024165"/>
+                <a:ext cx="823041" cy="314225"/>
+              </a:xfrm>
+              <a:prstGeom prst="rect">
+                <a:avLst/>
+              </a:prstGeom>
+              <a:noFill/>
+            </p:spPr>
+            <p:txBody>
+              <a:bodyPr wrap="none" rtlCol="0">
+                <a:spAutoFit/>
+              </a:bodyPr>
+              <a:lstStyle/>
+              <a:p>
+                <a:pPr/>
+                <a14:m>
+                  <m:oMathPara xmlns:m="http://schemas.openxmlformats.org/officeDocument/2006/math">
+                    <m:oMathParaPr>
+                      <m:jc m:val="centerGroup"/>
+                    </m:oMathParaPr>
+                    <m:oMath xmlns:m="http://schemas.openxmlformats.org/officeDocument/2006/math">
+                      <m:r>
+                        <a:rPr lang="en-US" altLang="ko-KR" b="0" i="1" smtClean="0">
+                          <a:latin typeface="Cambria Math" panose="02040503050406030204" pitchFamily="18" charset="0"/>
+                        </a:rPr>
+                        <m:t>𝑉</m:t>
+                      </m:r>
+                      <m:r>
+                        <a:rPr lang="en-US" altLang="ko-KR" b="0" i="1" smtClean="0">
+                          <a:latin typeface="Cambria Math" panose="02040503050406030204" pitchFamily="18" charset="0"/>
+                        </a:rPr>
+                        <m:t>(</m:t>
+                      </m:r>
+                      <m:r>
+                        <a:rPr lang="en-US" altLang="ko-KR" b="0" i="1" smtClean="0">
+                          <a:latin typeface="Cambria Math" panose="02040503050406030204" pitchFamily="18" charset="0"/>
+                        </a:rPr>
+                        <m:t>𝑏</m:t>
+                      </m:r>
+                      <m:r>
+                        <a:rPr lang="en-US" altLang="ko-KR" b="0" i="1" smtClean="0">
+                          <a:latin typeface="Cambria Math" panose="02040503050406030204" pitchFamily="18" charset="0"/>
+                        </a:rPr>
+                        <m:t>,</m:t>
+                      </m:r>
+                      <m:r>
+                        <a:rPr lang="en-US" altLang="ko-KR" b="0" i="1" smtClean="0">
+                          <a:latin typeface="Cambria Math" panose="02040503050406030204" pitchFamily="18" charset="0"/>
+                        </a:rPr>
+                        <m:t>𝑑</m:t>
+                      </m:r>
+                      <m:r>
+                        <a:rPr lang="en-US" altLang="ko-KR" b="0" i="1" smtClean="0">
+                          <a:latin typeface="Cambria Math" panose="02040503050406030204" pitchFamily="18" charset="0"/>
+                        </a:rPr>
+                        <m:t>)</m:t>
+                      </m:r>
+                    </m:oMath>
+                  </m:oMathPara>
+                </a14:m>
+                <a:endParaRPr lang="ko-KR" altLang="en-US" dirty="0"/>
+              </a:p>
+            </p:txBody>
+          </p:sp>
+        </mc:Choice>
+        <mc:Fallback xmlns="">
+          <p:sp>
+            <p:nvSpPr>
+              <p:cNvPr id="16" name="TextBox 15">
+                <a:extLst>
+                  <a:ext uri="{FF2B5EF4-FFF2-40B4-BE49-F238E27FC236}">
+                    <a16:creationId xmlns:a16="http://schemas.microsoft.com/office/drawing/2014/main" id="{EC52968B-93A2-4749-A8FD-9E238BB05ADE}"/>
+                  </a:ext>
+                </a:extLst>
+              </p:cNvPr>
+              <p:cNvSpPr txBox="1">
+                <a:spLocks noRot="1" noChangeAspect="1" noMove="1" noResize="1" noEditPoints="1" noAdjustHandles="1" noChangeArrowheads="1" noChangeShapeType="1" noTextEdit="1"/>
+              </p:cNvSpPr>
+              <p:nvPr/>
+            </p:nvSpPr>
+            <p:spPr>
+              <a:xfrm>
+                <a:off x="7589771" y="3024165"/>
+                <a:ext cx="823041" cy="314225"/>
+              </a:xfrm>
+              <a:prstGeom prst="rect">
+                <a:avLst/>
+              </a:prstGeom>
+              <a:blipFill>
+                <a:blip r:embed="rId6"/>
+                <a:stretch>
+                  <a:fillRect r="-8889" b="-36538"/>
+                </a:stretch>
+              </a:blipFill>
+            </p:spPr>
+            <p:txBody>
+              <a:bodyPr/>
+              <a:lstStyle/>
+              <a:p>
+                <a:r>
+                  <a:rPr lang="ko-KR" altLang="en-US">
+                    <a:noFill/>
+                  </a:rPr>
+                  <a:t> </a:t>
+                </a:r>
+              </a:p>
+            </p:txBody>
+          </p:sp>
+        </mc:Fallback>
+      </mc:AlternateContent>
+      <p:cxnSp>
+        <p:nvCxnSpPr>
+          <p:cNvPr id="17" name="직선 연결선 16">
+            <a:extLst>
+              <a:ext uri="{FF2B5EF4-FFF2-40B4-BE49-F238E27FC236}">
+                <a16:creationId xmlns:a16="http://schemas.microsoft.com/office/drawing/2014/main" id="{F501B7DE-43ED-4DD1-AD31-AEDBC97D274F}"/>
+              </a:ext>
+            </a:extLst>
+          </p:cNvPr>
+          <p:cNvCxnSpPr>
+            <a:cxnSpLocks/>
+          </p:cNvCxnSpPr>
+          <p:nvPr/>
+        </p:nvCxnSpPr>
+        <p:spPr>
+          <a:xfrm flipH="1">
+            <a:off x="7257850" y="3378430"/>
+            <a:ext cx="2292042" cy="0"/>
+          </a:xfrm>
+          <a:prstGeom prst="line">
+            <a:avLst/>
+          </a:prstGeom>
+          <a:ln w="19050">
+            <a:solidFill>
+              <a:srgbClr val="FF0000"/>
+            </a:solidFill>
+            <a:prstDash val="lgDash"/>
+          </a:ln>
+        </p:spPr>
+        <p:style>
+          <a:lnRef idx="1">
+            <a:schemeClr val="accent1"/>
+          </a:lnRef>
+          <a:fillRef idx="0">
+            <a:schemeClr val="accent1"/>
+          </a:fillRef>
+          <a:effectRef idx="0">
+            <a:schemeClr val="accent1"/>
+          </a:effectRef>
+          <a:fontRef idx="minor">
+            <a:schemeClr val="tx1"/>
+          </a:fontRef>
+        </p:style>
+      </p:cxnSp>
+      <p:cxnSp>
+        <p:nvCxnSpPr>
+          <p:cNvPr id="18" name="직선 연결선 17">
+            <a:extLst>
+              <a:ext uri="{FF2B5EF4-FFF2-40B4-BE49-F238E27FC236}">
+                <a16:creationId xmlns:a16="http://schemas.microsoft.com/office/drawing/2014/main" id="{DBEABCDE-71D2-4C88-BBD0-E1153D96F21B}"/>
+              </a:ext>
+            </a:extLst>
+          </p:cNvPr>
+          <p:cNvCxnSpPr>
+            <a:cxnSpLocks/>
+          </p:cNvCxnSpPr>
+          <p:nvPr/>
+        </p:nvCxnSpPr>
+        <p:spPr>
+          <a:xfrm>
+            <a:off x="9549892" y="3378430"/>
+            <a:ext cx="0" cy="1750422"/>
+          </a:xfrm>
+          <a:prstGeom prst="line">
+            <a:avLst/>
+          </a:prstGeom>
+          <a:ln w="19050">
+            <a:solidFill>
+              <a:srgbClr val="FF0000"/>
+            </a:solidFill>
+            <a:prstDash val="lgDash"/>
+          </a:ln>
+        </p:spPr>
+        <p:style>
+          <a:lnRef idx="1">
+            <a:schemeClr val="accent1"/>
+          </a:lnRef>
+          <a:fillRef idx="0">
+            <a:schemeClr val="accent1"/>
+          </a:fillRef>
+          <a:effectRef idx="0">
+            <a:schemeClr val="accent1"/>
+          </a:effectRef>
+          <a:fontRef idx="minor">
+            <a:schemeClr val="tx1"/>
+          </a:fontRef>
+        </p:style>
+      </p:cxnSp>
+      <mc:AlternateContent xmlns:mc="http://schemas.openxmlformats.org/markup-compatibility/2006" xmlns:a14="http://schemas.microsoft.com/office/drawing/2010/main">
+        <mc:Choice Requires="a14">
+          <p:sp>
+            <p:nvSpPr>
+              <p:cNvPr id="19" name="TextBox 18">
+                <a:extLst>
+                  <a:ext uri="{FF2B5EF4-FFF2-40B4-BE49-F238E27FC236}">
+                    <a16:creationId xmlns:a16="http://schemas.microsoft.com/office/drawing/2014/main" id="{4168203D-D6F5-41AD-8DA0-138047158B08}"/>
+                  </a:ext>
+                </a:extLst>
+              </p:cNvPr>
+              <p:cNvSpPr txBox="1"/>
+              <p:nvPr/>
+            </p:nvSpPr>
+            <p:spPr>
+              <a:xfrm>
+                <a:off x="9135314" y="3066591"/>
+                <a:ext cx="835315" cy="314225"/>
+              </a:xfrm>
+              <a:prstGeom prst="rect">
+                <a:avLst/>
+              </a:prstGeom>
+              <a:noFill/>
+            </p:spPr>
+            <p:txBody>
+              <a:bodyPr wrap="none" rtlCol="0">
+                <a:spAutoFit/>
+              </a:bodyPr>
+              <a:lstStyle/>
+              <a:p>
+                <a:pPr/>
+                <a14:m>
+                  <m:oMathPara xmlns:m="http://schemas.openxmlformats.org/officeDocument/2006/math">
+                    <m:oMathParaPr>
+                      <m:jc m:val="centerGroup"/>
+                    </m:oMathParaPr>
+                    <m:oMath xmlns:m="http://schemas.openxmlformats.org/officeDocument/2006/math">
+                      <m:r>
+                        <a:rPr lang="en-US" altLang="ko-KR" b="0" i="1" smtClean="0">
+                          <a:latin typeface="Cambria Math" panose="02040503050406030204" pitchFamily="18" charset="0"/>
+                        </a:rPr>
+                        <m:t>𝑄</m:t>
+                      </m:r>
+                      <m:r>
+                        <a:rPr lang="en-US" altLang="ko-KR" b="0" i="1" smtClean="0">
+                          <a:latin typeface="Cambria Math" panose="02040503050406030204" pitchFamily="18" charset="0"/>
+                        </a:rPr>
+                        <m:t>(</m:t>
+                      </m:r>
+                      <m:r>
+                        <a:rPr lang="en-US" altLang="ko-KR" b="0" i="1" smtClean="0">
+                          <a:latin typeface="Cambria Math" panose="02040503050406030204" pitchFamily="18" charset="0"/>
+                        </a:rPr>
+                        <m:t>𝑎</m:t>
+                      </m:r>
+                      <m:r>
+                        <a:rPr lang="en-US" altLang="ko-KR" b="0" i="1" smtClean="0">
+                          <a:latin typeface="Cambria Math" panose="02040503050406030204" pitchFamily="18" charset="0"/>
+                        </a:rPr>
+                        <m:t>,</m:t>
+                      </m:r>
+                      <m:r>
+                        <a:rPr lang="en-US" altLang="ko-KR" b="0" i="1" smtClean="0">
+                          <a:latin typeface="Cambria Math" panose="02040503050406030204" pitchFamily="18" charset="0"/>
+                        </a:rPr>
+                        <m:t>𝑑</m:t>
+                      </m:r>
+                      <m:r>
+                        <a:rPr lang="en-US" altLang="ko-KR" b="0" i="1" smtClean="0">
+                          <a:latin typeface="Cambria Math" panose="02040503050406030204" pitchFamily="18" charset="0"/>
+                        </a:rPr>
+                        <m:t>)</m:t>
+                      </m:r>
+                    </m:oMath>
+                  </m:oMathPara>
+                </a14:m>
+                <a:endParaRPr lang="ko-KR" altLang="en-US" dirty="0"/>
+              </a:p>
+            </p:txBody>
+          </p:sp>
+        </mc:Choice>
+        <mc:Fallback xmlns="">
+          <p:sp>
+            <p:nvSpPr>
+              <p:cNvPr id="19" name="TextBox 18">
+                <a:extLst>
+                  <a:ext uri="{FF2B5EF4-FFF2-40B4-BE49-F238E27FC236}">
+                    <a16:creationId xmlns:a16="http://schemas.microsoft.com/office/drawing/2014/main" id="{4168203D-D6F5-41AD-8DA0-138047158B08}"/>
+                  </a:ext>
+                </a:extLst>
+              </p:cNvPr>
+              <p:cNvSpPr txBox="1">
+                <a:spLocks noRot="1" noChangeAspect="1" noMove="1" noResize="1" noEditPoints="1" noAdjustHandles="1" noChangeArrowheads="1" noChangeShapeType="1" noTextEdit="1"/>
+              </p:cNvSpPr>
+              <p:nvPr/>
+            </p:nvSpPr>
+            <p:spPr>
+              <a:xfrm>
+                <a:off x="9135314" y="3066591"/>
+                <a:ext cx="835315" cy="314225"/>
+              </a:xfrm>
+              <a:prstGeom prst="rect">
+                <a:avLst/>
+              </a:prstGeom>
+              <a:blipFill>
+                <a:blip r:embed="rId7"/>
+                <a:stretch>
+                  <a:fillRect l="-1460" r="-9489" b="-36538"/>
+                </a:stretch>
+              </a:blipFill>
+            </p:spPr>
+            <p:txBody>
+              <a:bodyPr/>
+              <a:lstStyle/>
+              <a:p>
+                <a:r>
+                  <a:rPr lang="ko-KR" altLang="en-US">
+                    <a:noFill/>
+                  </a:rPr>
+                  <a:t> </a:t>
+                </a:r>
+              </a:p>
+            </p:txBody>
+          </p:sp>
+        </mc:Fallback>
+      </mc:AlternateContent>
+      <mc:AlternateContent xmlns:mc="http://schemas.openxmlformats.org/markup-compatibility/2006" xmlns:a14="http://schemas.microsoft.com/office/drawing/2010/main">
+        <mc:Choice Requires="a14">
+          <p:sp>
+            <p:nvSpPr>
+              <p:cNvPr id="20" name="TextBox 19">
+                <a:extLst>
+                  <a:ext uri="{FF2B5EF4-FFF2-40B4-BE49-F238E27FC236}">
+                    <a16:creationId xmlns:a16="http://schemas.microsoft.com/office/drawing/2014/main" id="{C3BA9DCE-368B-427D-9990-C8E300EFECF5}"/>
+                  </a:ext>
+                </a:extLst>
+              </p:cNvPr>
+              <p:cNvSpPr txBox="1"/>
+              <p:nvPr/>
+            </p:nvSpPr>
+            <p:spPr>
+              <a:xfrm>
+                <a:off x="10213189" y="2185716"/>
+                <a:ext cx="1499389" cy="314225"/>
+              </a:xfrm>
+              <a:prstGeom prst="rect">
+                <a:avLst/>
+              </a:prstGeom>
+              <a:noFill/>
+            </p:spPr>
+            <p:txBody>
+              <a:bodyPr wrap="none" rtlCol="0">
+                <a:spAutoFit/>
+              </a:bodyPr>
+              <a:lstStyle/>
+              <a:p>
+                <a:pPr/>
+                <a14:m>
+                  <m:oMathPara xmlns:m="http://schemas.openxmlformats.org/officeDocument/2006/math">
+                    <m:oMathParaPr>
+                      <m:jc m:val="centerGroup"/>
+                    </m:oMathParaPr>
+                    <m:oMath xmlns:m="http://schemas.openxmlformats.org/officeDocument/2006/math">
+                      <m:r>
+                        <a:rPr lang="en-US" altLang="ko-KR" b="0" i="1" smtClean="0">
+                          <a:latin typeface="Cambria Math" panose="02040503050406030204" pitchFamily="18" charset="0"/>
+                        </a:rPr>
+                        <m:t>𝐴</m:t>
+                      </m:r>
+                      <m:r>
+                        <a:rPr lang="en-US" altLang="ko-KR" b="0" i="1" smtClean="0">
+                          <a:latin typeface="Cambria Math" panose="02040503050406030204" pitchFamily="18" charset="0"/>
+                        </a:rPr>
+                        <m:t>(</m:t>
+                      </m:r>
+                      <m:r>
+                        <a:rPr lang="en-US" altLang="ko-KR" b="0" i="1" smtClean="0">
+                          <a:latin typeface="Cambria Math" panose="02040503050406030204" pitchFamily="18" charset="0"/>
+                        </a:rPr>
+                        <m:t>𝑎</m:t>
+                      </m:r>
+                      <m:r>
+                        <a:rPr lang="en-US" altLang="ko-KR" b="0" i="1" smtClean="0">
+                          <a:latin typeface="Cambria Math" panose="02040503050406030204" pitchFamily="18" charset="0"/>
+                        </a:rPr>
+                        <m:t>+</m:t>
+                      </m:r>
+                      <m:r>
+                        <a:rPr lang="en-US" altLang="ko-KR" b="0" i="1" smtClean="0">
+                          <a:latin typeface="Cambria Math" panose="02040503050406030204" pitchFamily="18" charset="0"/>
+                        </a:rPr>
+                        <m:t>𝑏</m:t>
+                      </m:r>
+                      <m:r>
+                        <a:rPr lang="en-US" altLang="ko-KR" b="0" i="1" smtClean="0">
+                          <a:latin typeface="Cambria Math" panose="02040503050406030204" pitchFamily="18" charset="0"/>
+                        </a:rPr>
+                        <m:t>,</m:t>
+                      </m:r>
+                      <m:r>
+                        <a:rPr lang="en-US" altLang="ko-KR" b="0" i="1" smtClean="0">
+                          <a:latin typeface="Cambria Math" panose="02040503050406030204" pitchFamily="18" charset="0"/>
+                        </a:rPr>
+                        <m:t>𝑐</m:t>
+                      </m:r>
+                      <m:r>
+                        <a:rPr lang="en-US" altLang="ko-KR" b="0" i="1" smtClean="0">
+                          <a:latin typeface="Cambria Math" panose="02040503050406030204" pitchFamily="18" charset="0"/>
+                        </a:rPr>
+                        <m:t>+</m:t>
+                      </m:r>
+                      <m:r>
+                        <a:rPr lang="en-US" altLang="ko-KR" b="0" i="1" smtClean="0">
+                          <a:latin typeface="Cambria Math" panose="02040503050406030204" pitchFamily="18" charset="0"/>
+                        </a:rPr>
+                        <m:t>𝑑</m:t>
+                      </m:r>
+                      <m:r>
+                        <a:rPr lang="en-US" altLang="ko-KR" b="0" i="1" smtClean="0">
+                          <a:latin typeface="Cambria Math" panose="02040503050406030204" pitchFamily="18" charset="0"/>
+                        </a:rPr>
+                        <m:t>)</m:t>
+                      </m:r>
+                    </m:oMath>
+                  </m:oMathPara>
+                </a14:m>
+                <a:endParaRPr lang="ko-KR" altLang="en-US" dirty="0"/>
+              </a:p>
+            </p:txBody>
+          </p:sp>
+        </mc:Choice>
+        <mc:Fallback xmlns="">
+          <p:sp>
+            <p:nvSpPr>
+              <p:cNvPr id="20" name="TextBox 19">
+                <a:extLst>
+                  <a:ext uri="{FF2B5EF4-FFF2-40B4-BE49-F238E27FC236}">
+                    <a16:creationId xmlns:a16="http://schemas.microsoft.com/office/drawing/2014/main" id="{C3BA9DCE-368B-427D-9990-C8E300EFECF5}"/>
+                  </a:ext>
+                </a:extLst>
+              </p:cNvPr>
+              <p:cNvSpPr txBox="1">
+                <a:spLocks noRot="1" noChangeAspect="1" noMove="1" noResize="1" noEditPoints="1" noAdjustHandles="1" noChangeArrowheads="1" noChangeShapeType="1" noTextEdit="1"/>
+              </p:cNvSpPr>
+              <p:nvPr/>
+            </p:nvSpPr>
+            <p:spPr>
+              <a:xfrm>
+                <a:off x="10213189" y="2185716"/>
+                <a:ext cx="1499389" cy="314225"/>
+              </a:xfrm>
+              <a:prstGeom prst="rect">
+                <a:avLst/>
+              </a:prstGeom>
+              <a:blipFill>
+                <a:blip r:embed="rId8"/>
+                <a:stretch>
+                  <a:fillRect r="-12195" b="-37255"/>
+                </a:stretch>
+              </a:blipFill>
+            </p:spPr>
+            <p:txBody>
+              <a:bodyPr/>
+              <a:lstStyle/>
+              <a:p>
+                <a:r>
+                  <a:rPr lang="ko-KR" altLang="en-US">
+                    <a:noFill/>
+                  </a:rPr>
+                  <a:t> </a:t>
+                </a:r>
+              </a:p>
+            </p:txBody>
+          </p:sp>
+        </mc:Fallback>
+      </mc:AlternateContent>
+      <mc:AlternateContent xmlns:mc="http://schemas.openxmlformats.org/markup-compatibility/2006" xmlns:a14="http://schemas.microsoft.com/office/drawing/2010/main">
+        <mc:Choice Requires="a14">
+          <p:sp>
+            <p:nvSpPr>
+              <p:cNvPr id="21" name="TextBox 20">
+                <a:extLst>
+                  <a:ext uri="{FF2B5EF4-FFF2-40B4-BE49-F238E27FC236}">
+                    <a16:creationId xmlns:a16="http://schemas.microsoft.com/office/drawing/2014/main" id="{E3A914C3-E569-4B94-8C27-51FDD94356AC}"/>
+                  </a:ext>
+                </a:extLst>
+              </p:cNvPr>
+              <p:cNvSpPr txBox="1"/>
+              <p:nvPr/>
+            </p:nvSpPr>
+            <p:spPr>
+              <a:xfrm>
+                <a:off x="6460581" y="3195385"/>
+                <a:ext cx="823041" cy="314225"/>
+              </a:xfrm>
+              <a:prstGeom prst="rect">
+                <a:avLst/>
+              </a:prstGeom>
+              <a:noFill/>
+            </p:spPr>
+            <p:txBody>
+              <a:bodyPr wrap="none" rtlCol="0">
+                <a:spAutoFit/>
+              </a:bodyPr>
+              <a:lstStyle/>
+              <a:p>
+                <a:pPr/>
+                <a14:m>
+                  <m:oMathPara xmlns:m="http://schemas.openxmlformats.org/officeDocument/2006/math">
+                    <m:oMathParaPr>
+                      <m:jc m:val="centerGroup"/>
+                    </m:oMathParaPr>
+                    <m:oMath xmlns:m="http://schemas.openxmlformats.org/officeDocument/2006/math">
+                      <m:r>
+                        <a:rPr lang="en-US" altLang="ko-KR" b="0" i="1" smtClean="0">
+                          <a:latin typeface="Cambria Math" panose="02040503050406030204" pitchFamily="18" charset="0"/>
+                        </a:rPr>
+                        <m:t>𝑃</m:t>
+                      </m:r>
+                      <m:r>
+                        <a:rPr lang="en-US" altLang="ko-KR" b="0" i="1" smtClean="0">
+                          <a:latin typeface="Cambria Math" panose="02040503050406030204" pitchFamily="18" charset="0"/>
+                        </a:rPr>
+                        <m:t>(0,</m:t>
+                      </m:r>
+                      <m:r>
+                        <a:rPr lang="en-US" altLang="ko-KR" b="0" i="1" smtClean="0">
+                          <a:latin typeface="Cambria Math" panose="02040503050406030204" pitchFamily="18" charset="0"/>
+                        </a:rPr>
+                        <m:t>𝑑</m:t>
+                      </m:r>
+                      <m:r>
+                        <a:rPr lang="en-US" altLang="ko-KR" b="0" i="1" smtClean="0">
+                          <a:latin typeface="Cambria Math" panose="02040503050406030204" pitchFamily="18" charset="0"/>
+                        </a:rPr>
+                        <m:t>)</m:t>
+                      </m:r>
+                    </m:oMath>
+                  </m:oMathPara>
+                </a14:m>
+                <a:endParaRPr lang="ko-KR" altLang="en-US" dirty="0"/>
+              </a:p>
+            </p:txBody>
+          </p:sp>
+        </mc:Choice>
+        <mc:Fallback xmlns="">
+          <p:sp>
+            <p:nvSpPr>
+              <p:cNvPr id="21" name="TextBox 20">
+                <a:extLst>
+                  <a:ext uri="{FF2B5EF4-FFF2-40B4-BE49-F238E27FC236}">
+                    <a16:creationId xmlns:a16="http://schemas.microsoft.com/office/drawing/2014/main" id="{E3A914C3-E569-4B94-8C27-51FDD94356AC}"/>
+                  </a:ext>
+                </a:extLst>
+              </p:cNvPr>
+              <p:cNvSpPr txBox="1">
+                <a:spLocks noRot="1" noChangeAspect="1" noMove="1" noResize="1" noEditPoints="1" noAdjustHandles="1" noChangeArrowheads="1" noChangeShapeType="1" noTextEdit="1"/>
+              </p:cNvSpPr>
+              <p:nvPr/>
+            </p:nvSpPr>
+            <p:spPr>
+              <a:xfrm>
+                <a:off x="6460581" y="3195385"/>
+                <a:ext cx="823041" cy="314225"/>
+              </a:xfrm>
+              <a:prstGeom prst="rect">
+                <a:avLst/>
+              </a:prstGeom>
+              <a:blipFill>
+                <a:blip r:embed="rId9"/>
+                <a:stretch>
+                  <a:fillRect r="-8148" b="-36538"/>
+                </a:stretch>
+              </a:blipFill>
+            </p:spPr>
+            <p:txBody>
+              <a:bodyPr/>
+              <a:lstStyle/>
+              <a:p>
+                <a:r>
+                  <a:rPr lang="ko-KR" altLang="en-US">
+                    <a:noFill/>
+                  </a:rPr>
+                  <a:t> </a:t>
+                </a:r>
+              </a:p>
+            </p:txBody>
+          </p:sp>
+        </mc:Fallback>
+      </mc:AlternateContent>
+      <mc:AlternateContent xmlns:mc="http://schemas.openxmlformats.org/markup-compatibility/2006" xmlns:a14="http://schemas.microsoft.com/office/drawing/2010/main">
+        <mc:Choice Requires="a14">
+          <p:sp>
+            <p:nvSpPr>
+              <p:cNvPr id="22" name="TextBox 21">
+                <a:extLst>
+                  <a:ext uri="{FF2B5EF4-FFF2-40B4-BE49-F238E27FC236}">
+                    <a16:creationId xmlns:a16="http://schemas.microsoft.com/office/drawing/2014/main" id="{DD38182D-E482-489A-9AD8-A88CDCD0885A}"/>
+                  </a:ext>
+                </a:extLst>
+              </p:cNvPr>
+              <p:cNvSpPr txBox="1"/>
+              <p:nvPr/>
+            </p:nvSpPr>
+            <p:spPr>
+              <a:xfrm>
+                <a:off x="9139976" y="5126794"/>
+                <a:ext cx="818186" cy="314225"/>
+              </a:xfrm>
+              <a:prstGeom prst="rect">
+                <a:avLst/>
+              </a:prstGeom>
+              <a:noFill/>
+            </p:spPr>
+            <p:txBody>
+              <a:bodyPr wrap="none" rtlCol="0">
+                <a:spAutoFit/>
+              </a:bodyPr>
+              <a:lstStyle/>
+              <a:p>
+                <a:pPr/>
+                <a14:m>
+                  <m:oMathPara xmlns:m="http://schemas.openxmlformats.org/officeDocument/2006/math">
+                    <m:oMathParaPr>
+                      <m:jc m:val="centerGroup"/>
+                    </m:oMathParaPr>
+                    <m:oMath xmlns:m="http://schemas.openxmlformats.org/officeDocument/2006/math">
+                      <m:r>
+                        <a:rPr lang="en-US" altLang="ko-KR" b="0" i="1" smtClean="0">
+                          <a:latin typeface="Cambria Math" panose="02040503050406030204" pitchFamily="18" charset="0"/>
+                        </a:rPr>
+                        <m:t>𝑅</m:t>
+                      </m:r>
+                      <m:r>
+                        <a:rPr lang="en-US" altLang="ko-KR" b="0" i="1" smtClean="0">
+                          <a:latin typeface="Cambria Math" panose="02040503050406030204" pitchFamily="18" charset="0"/>
+                        </a:rPr>
+                        <m:t>(</m:t>
+                      </m:r>
+                      <m:r>
+                        <a:rPr lang="en-US" altLang="ko-KR" b="0" i="1" smtClean="0">
+                          <a:latin typeface="Cambria Math" panose="02040503050406030204" pitchFamily="18" charset="0"/>
+                        </a:rPr>
+                        <m:t>𝑎</m:t>
+                      </m:r>
+                      <m:r>
+                        <a:rPr lang="en-US" altLang="ko-KR" b="0" i="1" smtClean="0">
+                          <a:latin typeface="Cambria Math" panose="02040503050406030204" pitchFamily="18" charset="0"/>
+                        </a:rPr>
+                        <m:t>,0)</m:t>
+                      </m:r>
+                    </m:oMath>
+                  </m:oMathPara>
+                </a14:m>
+                <a:endParaRPr lang="ko-KR" altLang="en-US" dirty="0"/>
+              </a:p>
+            </p:txBody>
+          </p:sp>
+        </mc:Choice>
+        <mc:Fallback xmlns="">
+          <p:sp>
+            <p:nvSpPr>
+              <p:cNvPr id="22" name="TextBox 21">
+                <a:extLst>
+                  <a:ext uri="{FF2B5EF4-FFF2-40B4-BE49-F238E27FC236}">
+                    <a16:creationId xmlns:a16="http://schemas.microsoft.com/office/drawing/2014/main" id="{DD38182D-E482-489A-9AD8-A88CDCD0885A}"/>
+                  </a:ext>
+                </a:extLst>
+              </p:cNvPr>
+              <p:cNvSpPr txBox="1">
+                <a:spLocks noRot="1" noChangeAspect="1" noMove="1" noResize="1" noEditPoints="1" noAdjustHandles="1" noChangeArrowheads="1" noChangeShapeType="1" noTextEdit="1"/>
+              </p:cNvSpPr>
+              <p:nvPr/>
+            </p:nvSpPr>
+            <p:spPr>
+              <a:xfrm>
+                <a:off x="9139976" y="5126794"/>
+                <a:ext cx="818186" cy="314225"/>
+              </a:xfrm>
+              <a:prstGeom prst="rect">
+                <a:avLst/>
+              </a:prstGeom>
+              <a:blipFill>
+                <a:blip r:embed="rId10"/>
+                <a:stretch>
+                  <a:fillRect r="-8148" b="-36538"/>
+                </a:stretch>
+              </a:blipFill>
+            </p:spPr>
+            <p:txBody>
+              <a:bodyPr/>
+              <a:lstStyle/>
+              <a:p>
+                <a:r>
+                  <a:rPr lang="ko-KR" altLang="en-US">
+                    <a:noFill/>
+                  </a:rPr>
+                  <a:t> </a:t>
+                </a:r>
+              </a:p>
+            </p:txBody>
+          </p:sp>
+        </mc:Fallback>
+      </mc:AlternateContent>
+      <p:cxnSp>
+        <p:nvCxnSpPr>
+          <p:cNvPr id="23" name="직선 연결선 22">
+            <a:extLst>
+              <a:ext uri="{FF2B5EF4-FFF2-40B4-BE49-F238E27FC236}">
+                <a16:creationId xmlns:a16="http://schemas.microsoft.com/office/drawing/2014/main" id="{957807BA-90A9-4521-9903-DC1785871527}"/>
+              </a:ext>
+            </a:extLst>
+          </p:cNvPr>
+          <p:cNvCxnSpPr>
+            <a:cxnSpLocks/>
+          </p:cNvCxnSpPr>
+          <p:nvPr/>
+        </p:nvCxnSpPr>
+        <p:spPr>
+          <a:xfrm>
+            <a:off x="7242875" y="3378430"/>
+            <a:ext cx="0" cy="1750422"/>
+          </a:xfrm>
+          <a:prstGeom prst="line">
+            <a:avLst/>
+          </a:prstGeom>
+          <a:ln w="19050">
+            <a:solidFill>
+              <a:srgbClr val="FF0000"/>
+            </a:solidFill>
+            <a:prstDash val="lgDash"/>
+          </a:ln>
+        </p:spPr>
+        <p:style>
+          <a:lnRef idx="1">
+            <a:schemeClr val="accent1"/>
+          </a:lnRef>
+          <a:fillRef idx="0">
+            <a:schemeClr val="accent1"/>
+          </a:fillRef>
+          <a:effectRef idx="0">
+            <a:schemeClr val="accent1"/>
+          </a:effectRef>
+          <a:fontRef idx="minor">
+            <a:schemeClr val="tx1"/>
+          </a:fontRef>
+        </p:style>
+      </p:cxnSp>
+      <p:cxnSp>
+        <p:nvCxnSpPr>
+          <p:cNvPr id="24" name="직선 연결선 23">
+            <a:extLst>
+              <a:ext uri="{FF2B5EF4-FFF2-40B4-BE49-F238E27FC236}">
+                <a16:creationId xmlns:a16="http://schemas.microsoft.com/office/drawing/2014/main" id="{4C4A4E8E-7B55-4206-81C8-59E9BB547A70}"/>
+              </a:ext>
+            </a:extLst>
+          </p:cNvPr>
+          <p:cNvCxnSpPr>
+            <a:cxnSpLocks/>
+          </p:cNvCxnSpPr>
+          <p:nvPr/>
+        </p:nvCxnSpPr>
+        <p:spPr>
+          <a:xfrm flipH="1">
+            <a:off x="7257850" y="5120940"/>
+            <a:ext cx="2292042" cy="0"/>
+          </a:xfrm>
+          <a:prstGeom prst="line">
+            <a:avLst/>
+          </a:prstGeom>
+          <a:ln w="19050">
+            <a:solidFill>
+              <a:srgbClr val="FF0000"/>
+            </a:solidFill>
+            <a:prstDash val="lgDash"/>
+          </a:ln>
+        </p:spPr>
+        <p:style>
+          <a:lnRef idx="1">
+            <a:schemeClr val="accent1"/>
+          </a:lnRef>
+          <a:fillRef idx="0">
+            <a:schemeClr val="accent1"/>
+          </a:fillRef>
+          <a:effectRef idx="0">
+            <a:schemeClr val="accent1"/>
+          </a:effectRef>
+          <a:fontRef idx="minor">
+            <a:schemeClr val="tx1"/>
+          </a:fontRef>
+        </p:style>
+      </p:cxnSp>
+      <p:sp>
+        <p:nvSpPr>
+          <p:cNvPr id="55" name="직사각형 54">
+            <a:extLst>
+              <a:ext uri="{FF2B5EF4-FFF2-40B4-BE49-F238E27FC236}">
+                <a16:creationId xmlns:a16="http://schemas.microsoft.com/office/drawing/2014/main" id="{37C45E41-7EA0-47CE-8820-F853ACE4606C}"/>
+              </a:ext>
+            </a:extLst>
+          </p:cNvPr>
+          <p:cNvSpPr/>
+          <p:nvPr/>
+        </p:nvSpPr>
+        <p:spPr>
+          <a:xfrm>
+            <a:off x="1204673" y="4035118"/>
+            <a:ext cx="1077306" cy="984715"/>
+          </a:xfrm>
+          <a:prstGeom prst="rect">
+            <a:avLst/>
+          </a:prstGeom>
+          <a:pattFill prst="pct25">
+            <a:fgClr>
+              <a:srgbClr val="92D050"/>
+            </a:fgClr>
+            <a:bgClr>
+              <a:schemeClr val="bg1"/>
+            </a:bgClr>
+          </a:pattFill>
+          <a:ln>
+            <a:solidFill>
+              <a:srgbClr val="FF0000"/>
+            </a:solidFill>
+            <a:prstDash val="dash"/>
+          </a:ln>
+        </p:spPr>
+        <p:style>
+          <a:lnRef idx="2">
+            <a:schemeClr val="accent1">
+              <a:shade val="50000"/>
+            </a:schemeClr>
+          </a:lnRef>
+          <a:fillRef idx="1">
+            <a:schemeClr val="accent1"/>
+          </a:fillRef>
+          <a:effectRef idx="0">
+            <a:schemeClr val="accent1"/>
+          </a:effectRef>
+          <a:fontRef idx="minor">
+            <a:schemeClr val="lt1"/>
+          </a:fontRef>
+        </p:style>
+        <p:txBody>
+          <a:bodyPr rtlCol="0" anchor="ctr"/>
+          <a:lstStyle/>
+          <a:p>
+            <a:pPr algn="ctr"/>
+            <a:endParaRPr lang="ko-KR" altLang="en-US"/>
+          </a:p>
+        </p:txBody>
+      </p:sp>
+      <p:cxnSp>
+        <p:nvCxnSpPr>
+          <p:cNvPr id="28" name="직선 화살표 연결선 27">
+            <a:extLst>
+              <a:ext uri="{FF2B5EF4-FFF2-40B4-BE49-F238E27FC236}">
+                <a16:creationId xmlns:a16="http://schemas.microsoft.com/office/drawing/2014/main" id="{E058791E-BFAA-4477-8DC9-034F44B38253}"/>
+              </a:ext>
+            </a:extLst>
+          </p:cNvPr>
+          <p:cNvCxnSpPr/>
+          <p:nvPr/>
+        </p:nvCxnSpPr>
+        <p:spPr>
+          <a:xfrm>
+            <a:off x="974933" y="5034194"/>
+            <a:ext cx="4496630" cy="0"/>
+          </a:xfrm>
+          <a:prstGeom prst="straightConnector1">
+            <a:avLst/>
+          </a:prstGeom>
+          <a:ln w="28575">
+            <a:solidFill>
+              <a:schemeClr val="tx1"/>
+            </a:solidFill>
+            <a:tailEnd type="triangle"/>
+          </a:ln>
+        </p:spPr>
+        <p:style>
+          <a:lnRef idx="1">
+            <a:schemeClr val="accent1"/>
+          </a:lnRef>
+          <a:fillRef idx="0">
+            <a:schemeClr val="accent1"/>
+          </a:fillRef>
+          <a:effectRef idx="0">
+            <a:schemeClr val="accent1"/>
+          </a:effectRef>
+          <a:fontRef idx="minor">
+            <a:schemeClr val="tx1"/>
+          </a:fontRef>
+        </p:style>
+      </p:cxnSp>
+      <p:cxnSp>
+        <p:nvCxnSpPr>
+          <p:cNvPr id="29" name="직선 화살표 연결선 28">
+            <a:extLst>
+              <a:ext uri="{FF2B5EF4-FFF2-40B4-BE49-F238E27FC236}">
+                <a16:creationId xmlns:a16="http://schemas.microsoft.com/office/drawing/2014/main" id="{EF8E9AAE-4BDD-4903-848D-F2C53A1FD77E}"/>
+              </a:ext>
+            </a:extLst>
+          </p:cNvPr>
+          <p:cNvCxnSpPr/>
+          <p:nvPr/>
+        </p:nvCxnSpPr>
+        <p:spPr>
+          <a:xfrm flipV="1">
+            <a:off x="1194037" y="1852193"/>
+            <a:ext cx="0" cy="3413555"/>
+          </a:xfrm>
+          <a:prstGeom prst="straightConnector1">
+            <a:avLst/>
+          </a:prstGeom>
+          <a:ln w="28575">
+            <a:solidFill>
+              <a:schemeClr val="tx1"/>
+            </a:solidFill>
+            <a:tailEnd type="triangle"/>
+          </a:ln>
+        </p:spPr>
+        <p:style>
+          <a:lnRef idx="1">
+            <a:schemeClr val="accent1"/>
+          </a:lnRef>
+          <a:fillRef idx="0">
+            <a:schemeClr val="accent1"/>
+          </a:fillRef>
+          <a:effectRef idx="0">
+            <a:schemeClr val="accent1"/>
+          </a:effectRef>
+          <a:fontRef idx="minor">
+            <a:schemeClr val="tx1"/>
+          </a:fontRef>
+        </p:style>
+      </p:cxnSp>
+      <mc:AlternateContent xmlns:mc="http://schemas.openxmlformats.org/markup-compatibility/2006" xmlns:a14="http://schemas.microsoft.com/office/drawing/2010/main">
+        <mc:Choice Requires="a14">
+          <p:sp>
+            <p:nvSpPr>
+              <p:cNvPr id="30" name="TextBox 29">
+                <a:extLst>
+                  <a:ext uri="{FF2B5EF4-FFF2-40B4-BE49-F238E27FC236}">
+                    <a16:creationId xmlns:a16="http://schemas.microsoft.com/office/drawing/2014/main" id="{43AAD902-56E2-4406-BBEC-3D2A5F910C53}"/>
+                  </a:ext>
+                </a:extLst>
+              </p:cNvPr>
+              <p:cNvSpPr txBox="1"/>
+              <p:nvPr/>
+            </p:nvSpPr>
+            <p:spPr>
+              <a:xfrm>
+                <a:off x="834303" y="5034194"/>
+                <a:ext cx="359734" cy="310748"/>
+              </a:xfrm>
+              <a:prstGeom prst="rect">
+                <a:avLst/>
+              </a:prstGeom>
+              <a:noFill/>
+            </p:spPr>
+            <p:txBody>
+              <a:bodyPr wrap="none" rtlCol="0">
+                <a:spAutoFit/>
+              </a:bodyPr>
+              <a:lstStyle/>
+              <a:p>
+                <a:pPr/>
+                <a14:m>
+                  <m:oMathPara xmlns:m="http://schemas.openxmlformats.org/officeDocument/2006/math">
+                    <m:oMathParaPr>
+                      <m:jc m:val="centerGroup"/>
+                    </m:oMathParaPr>
+                    <m:oMath xmlns:m="http://schemas.openxmlformats.org/officeDocument/2006/math">
+                      <m:r>
+                        <a:rPr lang="en-US" altLang="ko-KR" b="0" i="1" smtClean="0">
+                          <a:latin typeface="Cambria Math" panose="02040503050406030204" pitchFamily="18" charset="0"/>
+                        </a:rPr>
+                        <m:t>𝑂</m:t>
+                      </m:r>
+                    </m:oMath>
+                  </m:oMathPara>
+                </a14:m>
+                <a:endParaRPr lang="ko-KR" altLang="en-US" dirty="0"/>
+              </a:p>
+            </p:txBody>
+          </p:sp>
+        </mc:Choice>
+        <mc:Fallback xmlns="">
+          <p:sp>
+            <p:nvSpPr>
+              <p:cNvPr id="30" name="TextBox 29">
+                <a:extLst>
+                  <a:ext uri="{FF2B5EF4-FFF2-40B4-BE49-F238E27FC236}">
+                    <a16:creationId xmlns:a16="http://schemas.microsoft.com/office/drawing/2014/main" id="{43AAD902-56E2-4406-BBEC-3D2A5F910C53}"/>
+                  </a:ext>
+                </a:extLst>
+              </p:cNvPr>
+              <p:cNvSpPr txBox="1">
+                <a:spLocks noRot="1" noChangeAspect="1" noMove="1" noResize="1" noEditPoints="1" noAdjustHandles="1" noChangeArrowheads="1" noChangeShapeType="1" noTextEdit="1"/>
+              </p:cNvSpPr>
+              <p:nvPr/>
+            </p:nvSpPr>
+            <p:spPr>
+              <a:xfrm>
+                <a:off x="834303" y="5034194"/>
+                <a:ext cx="359734" cy="310748"/>
+              </a:xfrm>
+              <a:prstGeom prst="rect">
+                <a:avLst/>
+              </a:prstGeom>
+              <a:blipFill>
+                <a:blip r:embed="rId11"/>
+                <a:stretch>
+                  <a:fillRect b="-13725"/>
+                </a:stretch>
+              </a:blipFill>
+            </p:spPr>
+            <p:txBody>
+              <a:bodyPr/>
+              <a:lstStyle/>
+              <a:p>
+                <a:r>
+                  <a:rPr lang="ko-KR" altLang="en-US">
+                    <a:noFill/>
+                  </a:rPr>
+                  <a:t> </a:t>
+                </a:r>
+              </a:p>
+            </p:txBody>
+          </p:sp>
+        </mc:Fallback>
+      </mc:AlternateContent>
+      <mc:AlternateContent xmlns:mc="http://schemas.openxmlformats.org/markup-compatibility/2006" xmlns:a14="http://schemas.microsoft.com/office/drawing/2010/main">
+        <mc:Choice Requires="a14">
+          <p:sp>
+            <p:nvSpPr>
+              <p:cNvPr id="31" name="TextBox 30">
+                <a:extLst>
+                  <a:ext uri="{FF2B5EF4-FFF2-40B4-BE49-F238E27FC236}">
+                    <a16:creationId xmlns:a16="http://schemas.microsoft.com/office/drawing/2014/main" id="{2571C35E-DC07-423D-AA76-DCC8E3539DF7}"/>
+                  </a:ext>
+                </a:extLst>
+              </p:cNvPr>
+              <p:cNvSpPr txBox="1"/>
+              <p:nvPr/>
+            </p:nvSpPr>
+            <p:spPr>
+              <a:xfrm>
+                <a:off x="5291695" y="5034194"/>
+                <a:ext cx="333893" cy="310748"/>
+              </a:xfrm>
+              <a:prstGeom prst="rect">
+                <a:avLst/>
+              </a:prstGeom>
+              <a:noFill/>
+            </p:spPr>
+            <p:txBody>
+              <a:bodyPr wrap="none" rtlCol="0">
+                <a:spAutoFit/>
+              </a:bodyPr>
+              <a:lstStyle/>
+              <a:p>
+                <a:pPr/>
+                <a14:m>
+                  <m:oMathPara xmlns:m="http://schemas.openxmlformats.org/officeDocument/2006/math">
+                    <m:oMathParaPr>
+                      <m:jc m:val="centerGroup"/>
+                    </m:oMathParaPr>
+                    <m:oMath xmlns:m="http://schemas.openxmlformats.org/officeDocument/2006/math">
+                      <m:r>
+                        <a:rPr lang="en-US" altLang="ko-KR" b="0" i="1" smtClean="0">
+                          <a:latin typeface="Cambria Math" panose="02040503050406030204" pitchFamily="18" charset="0"/>
+                        </a:rPr>
+                        <m:t>𝑥</m:t>
+                      </m:r>
+                    </m:oMath>
+                  </m:oMathPara>
+                </a14:m>
+                <a:endParaRPr lang="ko-KR" altLang="en-US" dirty="0"/>
+              </a:p>
+            </p:txBody>
+          </p:sp>
+        </mc:Choice>
+        <mc:Fallback xmlns="">
+          <p:sp>
+            <p:nvSpPr>
+              <p:cNvPr id="31" name="TextBox 30">
+                <a:extLst>
+                  <a:ext uri="{FF2B5EF4-FFF2-40B4-BE49-F238E27FC236}">
+                    <a16:creationId xmlns:a16="http://schemas.microsoft.com/office/drawing/2014/main" id="{2571C35E-DC07-423D-AA76-DCC8E3539DF7}"/>
+                  </a:ext>
+                </a:extLst>
+              </p:cNvPr>
+              <p:cNvSpPr txBox="1">
+                <a:spLocks noRot="1" noChangeAspect="1" noMove="1" noResize="1" noEditPoints="1" noAdjustHandles="1" noChangeArrowheads="1" noChangeShapeType="1" noTextEdit="1"/>
+              </p:cNvSpPr>
+              <p:nvPr/>
+            </p:nvSpPr>
+            <p:spPr>
+              <a:xfrm>
+                <a:off x="5291695" y="5034194"/>
+                <a:ext cx="333893" cy="310748"/>
+              </a:xfrm>
+              <a:prstGeom prst="rect">
+                <a:avLst/>
+              </a:prstGeom>
+              <a:blipFill>
+                <a:blip r:embed="rId12"/>
+                <a:stretch>
+                  <a:fillRect b="-5882"/>
+                </a:stretch>
+              </a:blipFill>
+            </p:spPr>
+            <p:txBody>
+              <a:bodyPr/>
+              <a:lstStyle/>
+              <a:p>
+                <a:r>
+                  <a:rPr lang="ko-KR" altLang="en-US">
+                    <a:noFill/>
+                  </a:rPr>
+                  <a:t> </a:t>
+                </a:r>
+              </a:p>
+            </p:txBody>
+          </p:sp>
+        </mc:Fallback>
+      </mc:AlternateContent>
+      <mc:AlternateContent xmlns:mc="http://schemas.openxmlformats.org/markup-compatibility/2006" xmlns:a14="http://schemas.microsoft.com/office/drawing/2010/main">
+        <mc:Choice Requires="a14">
+          <p:sp>
+            <p:nvSpPr>
+              <p:cNvPr id="32" name="TextBox 31">
+                <a:extLst>
+                  <a:ext uri="{FF2B5EF4-FFF2-40B4-BE49-F238E27FC236}">
+                    <a16:creationId xmlns:a16="http://schemas.microsoft.com/office/drawing/2014/main" id="{2A68258F-E15E-46BE-AE82-08BF07D3D9C8}"/>
+                  </a:ext>
+                </a:extLst>
+              </p:cNvPr>
+              <p:cNvSpPr txBox="1"/>
+              <p:nvPr/>
+            </p:nvSpPr>
+            <p:spPr>
+              <a:xfrm>
+                <a:off x="845335" y="1852193"/>
+                <a:ext cx="333893" cy="310748"/>
+              </a:xfrm>
+              <a:prstGeom prst="rect">
+                <a:avLst/>
+              </a:prstGeom>
+              <a:noFill/>
+            </p:spPr>
+            <p:txBody>
+              <a:bodyPr wrap="none" rtlCol="0">
+                <a:spAutoFit/>
+              </a:bodyPr>
+              <a:lstStyle/>
+              <a:p>
+                <a:pPr/>
+                <a14:m>
+                  <m:oMathPara xmlns:m="http://schemas.openxmlformats.org/officeDocument/2006/math">
+                    <m:oMathParaPr>
+                      <m:jc m:val="centerGroup"/>
+                    </m:oMathParaPr>
+                    <m:oMath xmlns:m="http://schemas.openxmlformats.org/officeDocument/2006/math">
+                      <m:r>
+                        <a:rPr lang="en-US" altLang="ko-KR" b="0" i="1" smtClean="0">
+                          <a:latin typeface="Cambria Math" panose="02040503050406030204" pitchFamily="18" charset="0"/>
+                        </a:rPr>
+                        <m:t>𝑦</m:t>
+                      </m:r>
+                    </m:oMath>
+                  </m:oMathPara>
+                </a14:m>
+                <a:endParaRPr lang="ko-KR" altLang="en-US" dirty="0"/>
+              </a:p>
+            </p:txBody>
+          </p:sp>
+        </mc:Choice>
+        <mc:Fallback xmlns="">
+          <p:sp>
+            <p:nvSpPr>
+              <p:cNvPr id="32" name="TextBox 31">
+                <a:extLst>
+                  <a:ext uri="{FF2B5EF4-FFF2-40B4-BE49-F238E27FC236}">
+                    <a16:creationId xmlns:a16="http://schemas.microsoft.com/office/drawing/2014/main" id="{2A68258F-E15E-46BE-AE82-08BF07D3D9C8}"/>
+                  </a:ext>
+                </a:extLst>
+              </p:cNvPr>
+              <p:cNvSpPr txBox="1">
+                <a:spLocks noRot="1" noChangeAspect="1" noMove="1" noResize="1" noEditPoints="1" noAdjustHandles="1" noChangeArrowheads="1" noChangeShapeType="1" noTextEdit="1"/>
+              </p:cNvSpPr>
+              <p:nvPr/>
+            </p:nvSpPr>
+            <p:spPr>
+              <a:xfrm>
+                <a:off x="845335" y="1852193"/>
+                <a:ext cx="333893" cy="310748"/>
+              </a:xfrm>
+              <a:prstGeom prst="rect">
+                <a:avLst/>
+              </a:prstGeom>
+              <a:blipFill>
+                <a:blip r:embed="rId13"/>
+                <a:stretch>
+                  <a:fillRect b="-29412"/>
+                </a:stretch>
+              </a:blipFill>
+            </p:spPr>
+            <p:txBody>
+              <a:bodyPr/>
+              <a:lstStyle/>
+              <a:p>
+                <a:r>
+                  <a:rPr lang="ko-KR" altLang="en-US">
+                    <a:noFill/>
+                  </a:rPr>
+                  <a:t> </a:t>
+                </a:r>
+              </a:p>
+            </p:txBody>
+          </p:sp>
+        </mc:Fallback>
+      </mc:AlternateContent>
+      <mc:AlternateContent xmlns:mc="http://schemas.openxmlformats.org/markup-compatibility/2006" xmlns:a14="http://schemas.microsoft.com/office/drawing/2010/main">
+        <mc:Choice Requires="a14">
+          <p:sp>
+            <p:nvSpPr>
+              <p:cNvPr id="43" name="TextBox 42">
+                <a:extLst>
+                  <a:ext uri="{FF2B5EF4-FFF2-40B4-BE49-F238E27FC236}">
+                    <a16:creationId xmlns:a16="http://schemas.microsoft.com/office/drawing/2014/main" id="{58AF53EB-CB36-4BFC-BA22-26BC08AFEEAF}"/>
+                  </a:ext>
+                </a:extLst>
+              </p:cNvPr>
+              <p:cNvSpPr txBox="1"/>
+              <p:nvPr/>
+            </p:nvSpPr>
+            <p:spPr>
+              <a:xfrm>
+                <a:off x="467989" y="3857918"/>
+                <a:ext cx="674637" cy="310748"/>
+              </a:xfrm>
+              <a:prstGeom prst="rect">
+                <a:avLst/>
+              </a:prstGeom>
+              <a:noFill/>
+            </p:spPr>
+            <p:txBody>
+              <a:bodyPr wrap="none" rtlCol="0">
+                <a:spAutoFit/>
+              </a:bodyPr>
+              <a:lstStyle/>
+              <a:p>
+                <a:pPr/>
+                <a14:m>
+                  <m:oMathPara xmlns:m="http://schemas.openxmlformats.org/officeDocument/2006/math">
+                    <m:oMathParaPr>
+                      <m:jc m:val="centerGroup"/>
+                    </m:oMathParaPr>
+                    <m:oMath xmlns:m="http://schemas.openxmlformats.org/officeDocument/2006/math">
+                      <m:r>
+                        <a:rPr lang="en-US" altLang="ko-KR" b="0" i="1" smtClean="0">
+                          <a:latin typeface="Cambria Math" panose="02040503050406030204" pitchFamily="18" charset="0"/>
+                        </a:rPr>
+                        <m:t>(0, 1)</m:t>
+                      </m:r>
+                    </m:oMath>
+                  </m:oMathPara>
+                </a14:m>
+                <a:endParaRPr lang="ko-KR" altLang="en-US" dirty="0"/>
+              </a:p>
+            </p:txBody>
+          </p:sp>
+        </mc:Choice>
+        <mc:Fallback xmlns="">
+          <p:sp>
+            <p:nvSpPr>
+              <p:cNvPr id="43" name="TextBox 42">
+                <a:extLst>
+                  <a:ext uri="{FF2B5EF4-FFF2-40B4-BE49-F238E27FC236}">
+                    <a16:creationId xmlns:a16="http://schemas.microsoft.com/office/drawing/2014/main" id="{58AF53EB-CB36-4BFC-BA22-26BC08AFEEAF}"/>
+                  </a:ext>
+                </a:extLst>
+              </p:cNvPr>
+              <p:cNvSpPr txBox="1">
+                <a:spLocks noRot="1" noChangeAspect="1" noMove="1" noResize="1" noEditPoints="1" noAdjustHandles="1" noChangeArrowheads="1" noChangeShapeType="1" noTextEdit="1"/>
+              </p:cNvSpPr>
+              <p:nvPr/>
+            </p:nvSpPr>
+            <p:spPr>
+              <a:xfrm>
+                <a:off x="467989" y="3857918"/>
+                <a:ext cx="674637" cy="310748"/>
+              </a:xfrm>
+              <a:prstGeom prst="rect">
+                <a:avLst/>
+              </a:prstGeom>
+              <a:blipFill>
+                <a:blip r:embed="rId14"/>
+                <a:stretch>
+                  <a:fillRect l="-2727" r="-10000" b="-37255"/>
+                </a:stretch>
+              </a:blipFill>
+            </p:spPr>
+            <p:txBody>
+              <a:bodyPr/>
+              <a:lstStyle/>
+              <a:p>
+                <a:r>
+                  <a:rPr lang="ko-KR" altLang="en-US">
+                    <a:noFill/>
+                  </a:rPr>
+                  <a:t> </a:t>
+                </a:r>
+              </a:p>
+            </p:txBody>
+          </p:sp>
+        </mc:Fallback>
+      </mc:AlternateContent>
+      <mc:AlternateContent xmlns:mc="http://schemas.openxmlformats.org/markup-compatibility/2006" xmlns:a14="http://schemas.microsoft.com/office/drawing/2010/main">
+        <mc:Choice Requires="a14">
+          <p:sp>
+            <p:nvSpPr>
+              <p:cNvPr id="44" name="TextBox 43">
+                <a:extLst>
+                  <a:ext uri="{FF2B5EF4-FFF2-40B4-BE49-F238E27FC236}">
+                    <a16:creationId xmlns:a16="http://schemas.microsoft.com/office/drawing/2014/main" id="{0AD1C90F-ECE1-4A4A-B95D-A6AC5E5934CF}"/>
+                  </a:ext>
+                </a:extLst>
+              </p:cNvPr>
+              <p:cNvSpPr txBox="1"/>
+              <p:nvPr/>
+            </p:nvSpPr>
+            <p:spPr>
+              <a:xfrm>
+                <a:off x="1869642" y="5094510"/>
+                <a:ext cx="674637" cy="310748"/>
+              </a:xfrm>
+              <a:prstGeom prst="rect">
+                <a:avLst/>
+              </a:prstGeom>
+              <a:noFill/>
+            </p:spPr>
+            <p:txBody>
+              <a:bodyPr wrap="none" rtlCol="0">
+                <a:spAutoFit/>
+              </a:bodyPr>
+              <a:lstStyle/>
+              <a:p>
+                <a:pPr/>
+                <a14:m>
+                  <m:oMathPara xmlns:m="http://schemas.openxmlformats.org/officeDocument/2006/math">
+                    <m:oMathParaPr>
+                      <m:jc m:val="centerGroup"/>
+                    </m:oMathParaPr>
+                    <m:oMath xmlns:m="http://schemas.openxmlformats.org/officeDocument/2006/math">
+                      <m:r>
+                        <a:rPr lang="en-US" altLang="ko-KR" b="0" i="1" smtClean="0">
+                          <a:latin typeface="Cambria Math" panose="02040503050406030204" pitchFamily="18" charset="0"/>
+                        </a:rPr>
+                        <m:t>(1, 0)</m:t>
+                      </m:r>
+                    </m:oMath>
+                  </m:oMathPara>
+                </a14:m>
+                <a:endParaRPr lang="ko-KR" altLang="en-US" dirty="0"/>
+              </a:p>
+            </p:txBody>
+          </p:sp>
+        </mc:Choice>
+        <mc:Fallback xmlns="">
+          <p:sp>
+            <p:nvSpPr>
+              <p:cNvPr id="44" name="TextBox 43">
+                <a:extLst>
+                  <a:ext uri="{FF2B5EF4-FFF2-40B4-BE49-F238E27FC236}">
+                    <a16:creationId xmlns:a16="http://schemas.microsoft.com/office/drawing/2014/main" id="{0AD1C90F-ECE1-4A4A-B95D-A6AC5E5934CF}"/>
+                  </a:ext>
+                </a:extLst>
+              </p:cNvPr>
+              <p:cNvSpPr txBox="1">
+                <a:spLocks noRot="1" noChangeAspect="1" noMove="1" noResize="1" noEditPoints="1" noAdjustHandles="1" noChangeArrowheads="1" noChangeShapeType="1" noTextEdit="1"/>
+              </p:cNvSpPr>
+              <p:nvPr/>
+            </p:nvSpPr>
+            <p:spPr>
+              <a:xfrm>
+                <a:off x="1869642" y="5094510"/>
+                <a:ext cx="674637" cy="310748"/>
+              </a:xfrm>
+              <a:prstGeom prst="rect">
+                <a:avLst/>
+              </a:prstGeom>
+              <a:blipFill>
+                <a:blip r:embed="rId15"/>
+                <a:stretch>
+                  <a:fillRect l="-2727" r="-10000" b="-37255"/>
+                </a:stretch>
+              </a:blipFill>
+            </p:spPr>
+            <p:txBody>
+              <a:bodyPr/>
+              <a:lstStyle/>
+              <a:p>
+                <a:r>
+                  <a:rPr lang="ko-KR" altLang="en-US">
+                    <a:noFill/>
+                  </a:rPr>
+                  <a:t> </a:t>
+                </a:r>
+              </a:p>
+            </p:txBody>
+          </p:sp>
+        </mc:Fallback>
+      </mc:AlternateContent>
+      <p:cxnSp>
+        <p:nvCxnSpPr>
+          <p:cNvPr id="33" name="직선 화살표 연결선 32">
+            <a:extLst>
+              <a:ext uri="{FF2B5EF4-FFF2-40B4-BE49-F238E27FC236}">
+                <a16:creationId xmlns:a16="http://schemas.microsoft.com/office/drawing/2014/main" id="{E69B2643-26C8-44CE-BB28-8FEDBAC29BF5}"/>
+              </a:ext>
+            </a:extLst>
+          </p:cNvPr>
+          <p:cNvCxnSpPr>
+            <a:cxnSpLocks/>
+          </p:cNvCxnSpPr>
+          <p:nvPr/>
+        </p:nvCxnSpPr>
+        <p:spPr>
+          <a:xfrm flipV="1">
+            <a:off x="1180005" y="5030119"/>
+            <a:ext cx="1101974" cy="1"/>
+          </a:xfrm>
+          <a:prstGeom prst="straightConnector1">
+            <a:avLst/>
+          </a:prstGeom>
+          <a:ln w="38100">
+            <a:solidFill>
+              <a:schemeClr val="accent6"/>
+            </a:solidFill>
+            <a:tailEnd type="triangle"/>
+          </a:ln>
+        </p:spPr>
+        <p:style>
+          <a:lnRef idx="1">
+            <a:schemeClr val="accent1"/>
+          </a:lnRef>
+          <a:fillRef idx="0">
+            <a:schemeClr val="accent1"/>
+          </a:fillRef>
+          <a:effectRef idx="0">
+            <a:schemeClr val="accent1"/>
+          </a:effectRef>
+          <a:fontRef idx="minor">
+            <a:schemeClr val="tx1"/>
+          </a:fontRef>
+        </p:style>
+      </p:cxnSp>
+      <p:cxnSp>
+        <p:nvCxnSpPr>
+          <p:cNvPr id="34" name="직선 화살표 연결선 33">
+            <a:extLst>
+              <a:ext uri="{FF2B5EF4-FFF2-40B4-BE49-F238E27FC236}">
+                <a16:creationId xmlns:a16="http://schemas.microsoft.com/office/drawing/2014/main" id="{3B6CD31F-B140-4151-AB82-EABAE3325A4F}"/>
+              </a:ext>
+            </a:extLst>
+          </p:cNvPr>
+          <p:cNvCxnSpPr>
+            <a:cxnSpLocks/>
+          </p:cNvCxnSpPr>
+          <p:nvPr/>
+        </p:nvCxnSpPr>
+        <p:spPr>
+          <a:xfrm flipV="1">
+            <a:off x="1194814" y="4035118"/>
+            <a:ext cx="3222" cy="995002"/>
+          </a:xfrm>
+          <a:prstGeom prst="straightConnector1">
+            <a:avLst/>
+          </a:prstGeom>
+          <a:ln w="38100">
+            <a:solidFill>
+              <a:schemeClr val="accent6"/>
+            </a:solidFill>
+            <a:tailEnd type="triangle"/>
+          </a:ln>
+        </p:spPr>
+        <p:style>
+          <a:lnRef idx="1">
+            <a:schemeClr val="accent1"/>
+          </a:lnRef>
+          <a:fillRef idx="0">
+            <a:schemeClr val="accent1"/>
+          </a:fillRef>
+          <a:effectRef idx="0">
+            <a:schemeClr val="accent1"/>
+          </a:effectRef>
+          <a:fontRef idx="minor">
+            <a:schemeClr val="tx1"/>
+          </a:fontRef>
+        </p:style>
+      </p:cxnSp>
+      <p:sp>
+        <p:nvSpPr>
+          <p:cNvPr id="60" name="화살표: 오른쪽 59">
+            <a:extLst>
+              <a:ext uri="{FF2B5EF4-FFF2-40B4-BE49-F238E27FC236}">
+                <a16:creationId xmlns:a16="http://schemas.microsoft.com/office/drawing/2014/main" id="{EF1D828B-A686-4E4C-87F1-A78539261D77}"/>
+              </a:ext>
+            </a:extLst>
+          </p:cNvPr>
+          <p:cNvSpPr/>
+          <p:nvPr/>
+        </p:nvSpPr>
+        <p:spPr>
+          <a:xfrm>
+            <a:off x="4704161" y="3159556"/>
+            <a:ext cx="1506801" cy="484632"/>
+          </a:xfrm>
+          <a:prstGeom prst="rightArrow">
+            <a:avLst/>
+          </a:prstGeom>
+        </p:spPr>
+        <p:style>
+          <a:lnRef idx="2">
+            <a:schemeClr val="accent1">
+              <a:shade val="50000"/>
+            </a:schemeClr>
+          </a:lnRef>
+          <a:fillRef idx="1">
+            <a:schemeClr val="accent1"/>
+          </a:fillRef>
+          <a:effectRef idx="0">
+            <a:schemeClr val="accent1"/>
+          </a:effectRef>
+          <a:fontRef idx="minor">
+            <a:schemeClr val="lt1"/>
+          </a:fontRef>
+        </p:style>
+        <p:txBody>
+          <a:bodyPr rtlCol="0" anchor="ctr"/>
+          <a:lstStyle/>
+          <a:p>
+            <a:pPr algn="ctr"/>
+            <a:endParaRPr lang="ko-KR" altLang="en-US"/>
+          </a:p>
+        </p:txBody>
+      </p:sp>
+      <mc:AlternateContent xmlns:mc="http://schemas.openxmlformats.org/markup-compatibility/2006">
+        <mc:Choice xmlns:a14="http://schemas.microsoft.com/office/drawing/2010/main" Requires="a14">
+          <p:sp>
+            <p:nvSpPr>
+              <p:cNvPr id="61" name="TextBox 60">
+                <a:extLst>
+                  <a:ext uri="{FF2B5EF4-FFF2-40B4-BE49-F238E27FC236}">
+                    <a16:creationId xmlns:a16="http://schemas.microsoft.com/office/drawing/2014/main" id="{CBB65EAA-7B96-4186-AFF6-70F53C7BFB74}"/>
+                  </a:ext>
+                </a:extLst>
+              </p:cNvPr>
+              <p:cNvSpPr txBox="1"/>
+              <p:nvPr/>
+            </p:nvSpPr>
+            <p:spPr>
+              <a:xfrm>
+                <a:off x="4589038" y="2229759"/>
+                <a:ext cx="1924245" cy="836832"/>
+              </a:xfrm>
+              <a:prstGeom prst="rect">
+                <a:avLst/>
+              </a:prstGeom>
+              <a:noFill/>
+            </p:spPr>
+            <p:txBody>
+              <a:bodyPr wrap="none" rtlCol="0">
+                <a:spAutoFit/>
+              </a:bodyPr>
+              <a:lstStyle/>
+              <a:p>
+                <a:r>
+                  <a:rPr lang="en-US" altLang="ko-KR" dirty="0"/>
+                  <a:t>Linear Transform</a:t>
+                </a:r>
+              </a:p>
+              <a:p>
+                <a:pPr/>
+                <a14:m>
+                  <m:oMathPara xmlns:m="http://schemas.openxmlformats.org/officeDocument/2006/math">
+                    <m:oMathParaPr>
+                      <m:jc m:val="centerGroup"/>
+                    </m:oMathParaPr>
+                    <m:oMath xmlns:m="http://schemas.openxmlformats.org/officeDocument/2006/math">
+                      <m:d>
+                        <m:dPr>
+                          <m:begChr m:val="["/>
+                          <m:endChr m:val="]"/>
+                          <m:ctrlPr>
+                            <a:rPr lang="en-US" altLang="ko-KR" i="1" smtClean="0">
+                              <a:latin typeface="Cambria Math" panose="02040503050406030204" pitchFamily="18" charset="0"/>
+                            </a:rPr>
+                          </m:ctrlPr>
+                        </m:dPr>
+                        <m:e>
+                          <m:m>
+                            <m:mPr>
+                              <m:mcs>
+                                <m:mc>
+                                  <m:mcPr>
+                                    <m:count m:val="2"/>
+                                    <m:mcJc m:val="center"/>
+                                  </m:mcPr>
+                                </m:mc>
+                              </m:mcs>
+                              <m:ctrlPr>
+                                <a:rPr lang="en-US" altLang="ko-KR" i="1" smtClean="0">
+                                  <a:latin typeface="Cambria Math" panose="02040503050406030204" pitchFamily="18" charset="0"/>
+                                </a:rPr>
+                              </m:ctrlPr>
+                            </m:mPr>
+                            <m:mr>
+                              <m:e>
+                                <m:r>
+                                  <m:rPr>
+                                    <m:brk m:alnAt="7"/>
+                                  </m:rPr>
+                                  <a:rPr lang="en-US" altLang="ko-KR" b="0" i="1" smtClean="0">
+                                    <a:latin typeface="Cambria Math" panose="02040503050406030204" pitchFamily="18" charset="0"/>
+                                  </a:rPr>
+                                  <m:t>𝑎</m:t>
+                                </m:r>
+                              </m:e>
+                              <m:e>
+                                <m:r>
+                                  <a:rPr lang="en-US" altLang="ko-KR" b="0" i="1" smtClean="0">
+                                    <a:latin typeface="Cambria Math" panose="02040503050406030204" pitchFamily="18" charset="0"/>
+                                  </a:rPr>
+                                  <m:t>𝑏</m:t>
+                                </m:r>
+                              </m:e>
+                            </m:mr>
+                            <m:mr>
+                              <m:e>
+                                <m:r>
+                                  <a:rPr lang="en-US" altLang="ko-KR" b="0" i="1" smtClean="0">
+                                    <a:latin typeface="Cambria Math" panose="02040503050406030204" pitchFamily="18" charset="0"/>
+                                  </a:rPr>
+                                  <m:t>𝑐</m:t>
+                                </m:r>
+                              </m:e>
+                              <m:e>
+                                <m:r>
+                                  <a:rPr lang="en-US" altLang="ko-KR" b="0" i="1" smtClean="0">
+                                    <a:latin typeface="Cambria Math" panose="02040503050406030204" pitchFamily="18" charset="0"/>
+                                  </a:rPr>
+                                  <m:t>𝑑</m:t>
+                                </m:r>
+                              </m:e>
+                            </m:mr>
+                          </m:m>
+                        </m:e>
+                      </m:d>
+                    </m:oMath>
+                  </m:oMathPara>
+                </a14:m>
+                <a:endParaRPr lang="ko-KR" altLang="en-US" dirty="0"/>
+              </a:p>
+            </p:txBody>
+          </p:sp>
+        </mc:Choice>
+        <mc:Fallback>
+          <p:sp>
+            <p:nvSpPr>
+              <p:cNvPr id="61" name="TextBox 60">
+                <a:extLst>
+                  <a:ext uri="{FF2B5EF4-FFF2-40B4-BE49-F238E27FC236}">
+                    <a16:creationId xmlns:a16="http://schemas.microsoft.com/office/drawing/2014/main" id="{CBB65EAA-7B96-4186-AFF6-70F53C7BFB74}"/>
+                  </a:ext>
+                </a:extLst>
+              </p:cNvPr>
+              <p:cNvSpPr txBox="1">
+                <a:spLocks noRot="1" noChangeAspect="1" noMove="1" noResize="1" noEditPoints="1" noAdjustHandles="1" noChangeArrowheads="1" noChangeShapeType="1" noTextEdit="1"/>
+              </p:cNvSpPr>
+              <p:nvPr/>
+            </p:nvSpPr>
+            <p:spPr>
+              <a:xfrm>
+                <a:off x="4589038" y="2229759"/>
+                <a:ext cx="1924245" cy="836832"/>
+              </a:xfrm>
+              <a:prstGeom prst="rect">
+                <a:avLst/>
+              </a:prstGeom>
+              <a:blipFill>
+                <a:blip r:embed="rId16"/>
+                <a:stretch>
+                  <a:fillRect l="-2857" t="-4380" r="-1905"/>
+                </a:stretch>
+              </a:blipFill>
+            </p:spPr>
+            <p:txBody>
+              <a:bodyPr/>
+              <a:lstStyle/>
+              <a:p>
+                <a:r>
+                  <a:rPr lang="en-US">
+                    <a:noFill/>
+                  </a:rPr>
+                  <a:t> </a:t>
+                </a:r>
+              </a:p>
+            </p:txBody>
+          </p:sp>
+        </mc:Fallback>
+      </mc:AlternateContent>
+      <mc:AlternateContent xmlns:mc="http://schemas.openxmlformats.org/markup-compatibility/2006">
+        <mc:Choice xmlns:a14="http://schemas.microsoft.com/office/drawing/2010/main" Requires="a14">
+          <p:sp>
+            <p:nvSpPr>
+              <p:cNvPr id="64" name="TextBox 63">
+                <a:extLst>
+                  <a:ext uri="{FF2B5EF4-FFF2-40B4-BE49-F238E27FC236}">
+                    <a16:creationId xmlns:a16="http://schemas.microsoft.com/office/drawing/2014/main" id="{71305F08-09BD-42DE-8EF2-CBEBF4DBA7CA}"/>
+                  </a:ext>
+                </a:extLst>
+              </p:cNvPr>
+              <p:cNvSpPr txBox="1"/>
+              <p:nvPr/>
+            </p:nvSpPr>
+            <p:spPr>
+              <a:xfrm>
+                <a:off x="8259814" y="1619249"/>
+                <a:ext cx="3557192" cy="369332"/>
+              </a:xfrm>
+              <a:prstGeom prst="rect">
+                <a:avLst/>
+              </a:prstGeom>
+              <a:noFill/>
+            </p:spPr>
+            <p:txBody>
+              <a:bodyPr wrap="none" rtlCol="0">
+                <a:spAutoFit/>
+              </a:bodyPr>
+              <a:lstStyle/>
+              <a:p>
+                <a:r>
+                  <a:rPr lang="en-US" altLang="ko-KR" b="1" dirty="0"/>
+                  <a:t>Area of Parallelogram: </a:t>
+                </a:r>
+                <a14:m>
+                  <m:oMath xmlns:m="http://schemas.openxmlformats.org/officeDocument/2006/math">
+                    <m:r>
+                      <a:rPr lang="en-US" altLang="ko-KR" b="1" i="1" smtClean="0">
+                        <a:latin typeface="Cambria Math" panose="02040503050406030204" pitchFamily="18" charset="0"/>
+                      </a:rPr>
+                      <m:t>𝒂𝒅</m:t>
+                    </m:r>
+                    <m:r>
+                      <a:rPr lang="en-US" altLang="ko-KR" b="1" i="1" smtClean="0">
+                        <a:latin typeface="Cambria Math" panose="02040503050406030204" pitchFamily="18" charset="0"/>
+                      </a:rPr>
+                      <m:t>−</m:t>
+                    </m:r>
+                    <m:r>
+                      <a:rPr lang="en-US" altLang="ko-KR" b="1" i="1" smtClean="0">
+                        <a:latin typeface="Cambria Math" panose="02040503050406030204" pitchFamily="18" charset="0"/>
+                      </a:rPr>
+                      <m:t>𝒃𝒄</m:t>
+                    </m:r>
+                  </m:oMath>
+                </a14:m>
+                <a:endParaRPr lang="ko-KR" altLang="en-US" b="1" dirty="0"/>
+              </a:p>
+            </p:txBody>
+          </p:sp>
+        </mc:Choice>
+        <mc:Fallback>
+          <p:sp>
+            <p:nvSpPr>
+              <p:cNvPr id="64" name="TextBox 63">
+                <a:extLst>
+                  <a:ext uri="{FF2B5EF4-FFF2-40B4-BE49-F238E27FC236}">
+                    <a16:creationId xmlns:a16="http://schemas.microsoft.com/office/drawing/2014/main" id="{71305F08-09BD-42DE-8EF2-CBEBF4DBA7CA}"/>
+                  </a:ext>
+                </a:extLst>
+              </p:cNvPr>
+              <p:cNvSpPr txBox="1">
+                <a:spLocks noRot="1" noChangeAspect="1" noMove="1" noResize="1" noEditPoints="1" noAdjustHandles="1" noChangeArrowheads="1" noChangeShapeType="1" noTextEdit="1"/>
+              </p:cNvSpPr>
+              <p:nvPr/>
+            </p:nvSpPr>
+            <p:spPr>
+              <a:xfrm>
+                <a:off x="8259814" y="1619249"/>
+                <a:ext cx="3557192" cy="369332"/>
+              </a:xfrm>
+              <a:prstGeom prst="rect">
+                <a:avLst/>
+              </a:prstGeom>
+              <a:blipFill>
+                <a:blip r:embed="rId17"/>
+                <a:stretch>
+                  <a:fillRect l="-1544" t="-10000" b="-26667"/>
+                </a:stretch>
+              </a:blipFill>
+            </p:spPr>
+            <p:txBody>
+              <a:bodyPr/>
+              <a:lstStyle/>
+              <a:p>
+                <a:r>
+                  <a:rPr lang="en-US">
+                    <a:noFill/>
+                  </a:rPr>
+                  <a:t> </a:t>
+                </a:r>
+              </a:p>
+            </p:txBody>
+          </p:sp>
+        </mc:Fallback>
+      </mc:AlternateContent>
+      <p:cxnSp>
+        <p:nvCxnSpPr>
+          <p:cNvPr id="65" name="직선 화살표 연결선 64">
+            <a:extLst>
+              <a:ext uri="{FF2B5EF4-FFF2-40B4-BE49-F238E27FC236}">
+                <a16:creationId xmlns:a16="http://schemas.microsoft.com/office/drawing/2014/main" id="{BC0938A5-4ED1-45C5-B1DE-C7874C61769B}"/>
+              </a:ext>
+            </a:extLst>
+          </p:cNvPr>
+          <p:cNvCxnSpPr>
+            <a:stCxn id="64" idx="2"/>
+          </p:cNvCxnSpPr>
+          <p:nvPr/>
+        </p:nvCxnSpPr>
+        <p:spPr>
+          <a:xfrm flipH="1">
+            <a:off x="9562252" y="1988581"/>
+            <a:ext cx="476158" cy="854360"/>
+          </a:xfrm>
+          <a:prstGeom prst="straightConnector1">
+            <a:avLst/>
+          </a:prstGeom>
+          <a:ln>
+            <a:tailEnd type="triangle"/>
+          </a:ln>
+        </p:spPr>
+        <p:style>
+          <a:lnRef idx="1">
+            <a:schemeClr val="accent1"/>
+          </a:lnRef>
+          <a:fillRef idx="0">
+            <a:schemeClr val="accent1"/>
+          </a:fillRef>
+          <a:effectRef idx="0">
+            <a:schemeClr val="accent1"/>
+          </a:effectRef>
+          <a:fontRef idx="minor">
+            <a:schemeClr val="tx1"/>
+          </a:fontRef>
+        </p:style>
+      </p:cxnSp>
+    </p:spTree>
+    <p:extLst>
+      <p:ext uri="{BB962C8B-B14F-4D97-AF65-F5344CB8AC3E}">
+        <p14:creationId xmlns:p14="http://schemas.microsoft.com/office/powerpoint/2010/main" val="2187875411"/>
+      </p:ext>
+    </p:extLst>
+  </p:cSld>
+  <p:clrMapOvr>
+    <a:masterClrMapping/>
+  </p:clrMapOvr>
+</p:sld>
+</file>
+
+<file path=ppt/slides/slide5.xml><?xml version="1.0" encoding="utf-8"?>
 <p:sld xmlns:a="http://schemas.openxmlformats.org/drawingml/2006/main" xmlns:r="http://schemas.openxmlformats.org/officeDocument/2006/relationships" xmlns:p="http://schemas.openxmlformats.org/presentationml/2006/main">
   <p:cSld>
     <p:spTree>
@@ -10620,8 +15902,8 @@
           </a:fontRef>
         </p:style>
       </p:cxnSp>
-      <mc:AlternateContent xmlns:mc="http://schemas.openxmlformats.org/markup-compatibility/2006">
-        <mc:Choice xmlns:a14="http://schemas.microsoft.com/office/drawing/2010/main" Requires="a14">
+      <mc:AlternateContent xmlns:mc="http://schemas.openxmlformats.org/markup-compatibility/2006" xmlns:a14="http://schemas.microsoft.com/office/drawing/2010/main">
+        <mc:Choice Requires="a14">
           <p:sp>
             <p:nvSpPr>
               <p:cNvPr id="5" name="TextBox 4">
@@ -10685,7 +15967,7 @@
             </p:txBody>
           </p:sp>
         </mc:Choice>
-        <mc:Fallback>
+        <mc:Fallback xmlns="">
           <p:sp>
             <p:nvSpPr>
               <p:cNvPr id="5" name="TextBox 4">
@@ -10730,8 +16012,8 @@
           </p:sp>
         </mc:Fallback>
       </mc:AlternateContent>
-      <mc:AlternateContent xmlns:mc="http://schemas.openxmlformats.org/markup-compatibility/2006">
-        <mc:Choice xmlns:a14="http://schemas.microsoft.com/office/drawing/2010/main" Requires="a14">
+      <mc:AlternateContent xmlns:mc="http://schemas.openxmlformats.org/markup-compatibility/2006" xmlns:a14="http://schemas.microsoft.com/office/drawing/2010/main">
+        <mc:Choice Requires="a14">
           <p:sp>
             <p:nvSpPr>
               <p:cNvPr id="43" name="TextBox 42">
@@ -10795,7 +16077,7 @@
             </p:txBody>
           </p:sp>
         </mc:Choice>
-        <mc:Fallback>
+        <mc:Fallback xmlns="">
           <p:sp>
             <p:nvSpPr>
               <p:cNvPr id="43" name="TextBox 42">
@@ -10844,6 +16126,2244 @@
     <p:extLst>
       <p:ext uri="{BB962C8B-B14F-4D97-AF65-F5344CB8AC3E}">
         <p14:creationId xmlns:p14="http://schemas.microsoft.com/office/powerpoint/2010/main" val="1916213778"/>
+      </p:ext>
+    </p:extLst>
+  </p:cSld>
+  <p:clrMapOvr>
+    <a:masterClrMapping/>
+  </p:clrMapOvr>
+</p:sld>
+</file>
+
+<file path=ppt/slides/slide6.xml><?xml version="1.0" encoding="utf-8"?>
+<p:sld xmlns:a="http://schemas.openxmlformats.org/drawingml/2006/main" xmlns:r="http://schemas.openxmlformats.org/officeDocument/2006/relationships" xmlns:p="http://schemas.openxmlformats.org/presentationml/2006/main">
+  <p:cSld>
+    <p:spTree>
+      <p:nvGrpSpPr>
+        <p:cNvPr id="1" name=""/>
+        <p:cNvGrpSpPr/>
+        <p:nvPr/>
+      </p:nvGrpSpPr>
+      <p:grpSpPr>
+        <a:xfrm>
+          <a:off x="0" y="0"/>
+          <a:ext cx="0" cy="0"/>
+          <a:chOff x="0" y="0"/>
+          <a:chExt cx="0" cy="0"/>
+        </a:xfrm>
+      </p:grpSpPr>
+      <p:sp>
+        <p:nvSpPr>
+          <p:cNvPr id="4" name="자유형: 도형 3">
+            <a:extLst>
+              <a:ext uri="{FF2B5EF4-FFF2-40B4-BE49-F238E27FC236}">
+                <a16:creationId xmlns:a16="http://schemas.microsoft.com/office/drawing/2014/main" id="{61D125AF-5EDB-4CD3-881B-44E25A07BDA9}"/>
+              </a:ext>
+            </a:extLst>
+          </p:cNvPr>
+          <p:cNvSpPr/>
+          <p:nvPr/>
+        </p:nvSpPr>
+        <p:spPr>
+          <a:xfrm>
+            <a:off x="8412480" y="2186940"/>
+            <a:ext cx="2434590" cy="2137410"/>
+          </a:xfrm>
+          <a:custGeom>
+            <a:avLst/>
+            <a:gdLst>
+              <a:gd name="connsiteX0" fmla="*/ 499110 w 2434590"/>
+              <a:gd name="connsiteY0" fmla="*/ 640080 h 2137410"/>
+              <a:gd name="connsiteX1" fmla="*/ 0 w 2434590"/>
+              <a:gd name="connsiteY1" fmla="*/ 2137410 h 2137410"/>
+              <a:gd name="connsiteX2" fmla="*/ 1943100 w 2434590"/>
+              <a:gd name="connsiteY2" fmla="*/ 1478280 h 2137410"/>
+              <a:gd name="connsiteX3" fmla="*/ 2434590 w 2434590"/>
+              <a:gd name="connsiteY3" fmla="*/ 0 h 2137410"/>
+              <a:gd name="connsiteX4" fmla="*/ 499110 w 2434590"/>
+              <a:gd name="connsiteY4" fmla="*/ 640080 h 2137410"/>
+            </a:gdLst>
+            <a:ahLst/>
+            <a:cxnLst>
+              <a:cxn ang="0">
+                <a:pos x="connsiteX0" y="connsiteY0"/>
+              </a:cxn>
+              <a:cxn ang="0">
+                <a:pos x="connsiteX1" y="connsiteY1"/>
+              </a:cxn>
+              <a:cxn ang="0">
+                <a:pos x="connsiteX2" y="connsiteY2"/>
+              </a:cxn>
+              <a:cxn ang="0">
+                <a:pos x="connsiteX3" y="connsiteY3"/>
+              </a:cxn>
+              <a:cxn ang="0">
+                <a:pos x="connsiteX4" y="connsiteY4"/>
+              </a:cxn>
+            </a:cxnLst>
+            <a:rect l="l" t="t" r="r" b="b"/>
+            <a:pathLst>
+              <a:path w="2434590" h="2137410">
+                <a:moveTo>
+                  <a:pt x="499110" y="640080"/>
+                </a:moveTo>
+                <a:lnTo>
+                  <a:pt x="0" y="2137410"/>
+                </a:lnTo>
+                <a:lnTo>
+                  <a:pt x="1943100" y="1478280"/>
+                </a:lnTo>
+                <a:lnTo>
+                  <a:pt x="2434590" y="0"/>
+                </a:lnTo>
+                <a:lnTo>
+                  <a:pt x="499110" y="640080"/>
+                </a:lnTo>
+                <a:close/>
+              </a:path>
+            </a:pathLst>
+          </a:custGeom>
+          <a:solidFill>
+            <a:schemeClr val="accent2">
+              <a:lumMod val="40000"/>
+              <a:lumOff val="60000"/>
+            </a:schemeClr>
+          </a:solidFill>
+        </p:spPr>
+        <p:style>
+          <a:lnRef idx="2">
+            <a:schemeClr val="accent1">
+              <a:shade val="50000"/>
+            </a:schemeClr>
+          </a:lnRef>
+          <a:fillRef idx="1">
+            <a:schemeClr val="accent1"/>
+          </a:fillRef>
+          <a:effectRef idx="0">
+            <a:schemeClr val="accent1"/>
+          </a:effectRef>
+          <a:fontRef idx="minor">
+            <a:schemeClr val="lt1"/>
+          </a:fontRef>
+        </p:style>
+        <p:txBody>
+          <a:bodyPr rtlCol="0" anchor="ctr"/>
+          <a:lstStyle/>
+          <a:p>
+            <a:pPr algn="ctr"/>
+            <a:endParaRPr lang="ko-KR" altLang="en-US" dirty="0"/>
+          </a:p>
+        </p:txBody>
+      </p:sp>
+      <p:sp>
+        <p:nvSpPr>
+          <p:cNvPr id="2" name="직사각형 1">
+            <a:extLst>
+              <a:ext uri="{FF2B5EF4-FFF2-40B4-BE49-F238E27FC236}">
+                <a16:creationId xmlns:a16="http://schemas.microsoft.com/office/drawing/2014/main" id="{162F0B73-797A-4539-9339-1EF0595446F2}"/>
+              </a:ext>
+            </a:extLst>
+          </p:cNvPr>
+          <p:cNvSpPr/>
+          <p:nvPr/>
+        </p:nvSpPr>
+        <p:spPr>
+          <a:xfrm>
+            <a:off x="1862859" y="2763662"/>
+            <a:ext cx="1728702" cy="1762813"/>
+          </a:xfrm>
+          <a:prstGeom prst="rect">
+            <a:avLst/>
+          </a:prstGeom>
+          <a:solidFill>
+            <a:schemeClr val="accent5">
+              <a:lumMod val="40000"/>
+              <a:lumOff val="60000"/>
+            </a:schemeClr>
+          </a:solidFill>
+          <a:ln>
+            <a:solidFill>
+              <a:schemeClr val="tx1"/>
+            </a:solidFill>
+          </a:ln>
+        </p:spPr>
+        <p:style>
+          <a:lnRef idx="2">
+            <a:schemeClr val="accent1">
+              <a:shade val="50000"/>
+            </a:schemeClr>
+          </a:lnRef>
+          <a:fillRef idx="1">
+            <a:schemeClr val="accent1"/>
+          </a:fillRef>
+          <a:effectRef idx="0">
+            <a:schemeClr val="accent1"/>
+          </a:effectRef>
+          <a:fontRef idx="minor">
+            <a:schemeClr val="lt1"/>
+          </a:fontRef>
+        </p:style>
+        <p:txBody>
+          <a:bodyPr rtlCol="0" anchor="ctr"/>
+          <a:lstStyle/>
+          <a:p>
+            <a:pPr algn="ctr"/>
+            <a:endParaRPr lang="ko-KR" altLang="en-US"/>
+          </a:p>
+        </p:txBody>
+      </p:sp>
+      <p:cxnSp>
+        <p:nvCxnSpPr>
+          <p:cNvPr id="10" name="직선 화살표 연결선 9">
+            <a:extLst>
+              <a:ext uri="{FF2B5EF4-FFF2-40B4-BE49-F238E27FC236}">
+                <a16:creationId xmlns:a16="http://schemas.microsoft.com/office/drawing/2014/main" id="{552EF026-F645-420E-A273-FF0EC7793B2D}"/>
+              </a:ext>
+            </a:extLst>
+          </p:cNvPr>
+          <p:cNvCxnSpPr/>
+          <p:nvPr/>
+        </p:nvCxnSpPr>
+        <p:spPr>
+          <a:xfrm>
+            <a:off x="455350" y="5595480"/>
+            <a:ext cx="4807670" cy="0"/>
+          </a:xfrm>
+          <a:prstGeom prst="straightConnector1">
+            <a:avLst/>
+          </a:prstGeom>
+          <a:ln w="38100">
+            <a:solidFill>
+              <a:schemeClr val="tx1"/>
+            </a:solidFill>
+            <a:tailEnd type="triangle"/>
+          </a:ln>
+        </p:spPr>
+        <p:style>
+          <a:lnRef idx="1">
+            <a:schemeClr val="accent1"/>
+          </a:lnRef>
+          <a:fillRef idx="0">
+            <a:schemeClr val="accent1"/>
+          </a:fillRef>
+          <a:effectRef idx="0">
+            <a:schemeClr val="accent1"/>
+          </a:effectRef>
+          <a:fontRef idx="minor">
+            <a:schemeClr val="tx1"/>
+          </a:fontRef>
+        </p:style>
+      </p:cxnSp>
+      <p:cxnSp>
+        <p:nvCxnSpPr>
+          <p:cNvPr id="11" name="직선 화살표 연결선 10">
+            <a:extLst>
+              <a:ext uri="{FF2B5EF4-FFF2-40B4-BE49-F238E27FC236}">
+                <a16:creationId xmlns:a16="http://schemas.microsoft.com/office/drawing/2014/main" id="{3A93E4BA-BC15-4987-8549-52DF92D30E31}"/>
+              </a:ext>
+            </a:extLst>
+          </p:cNvPr>
+          <p:cNvCxnSpPr>
+            <a:cxnSpLocks/>
+          </p:cNvCxnSpPr>
+          <p:nvPr/>
+        </p:nvCxnSpPr>
+        <p:spPr>
+          <a:xfrm rot="16200000">
+            <a:off x="-1250902" y="3773750"/>
+            <a:ext cx="4807670" cy="0"/>
+          </a:xfrm>
+          <a:prstGeom prst="straightConnector1">
+            <a:avLst/>
+          </a:prstGeom>
+          <a:ln w="38100">
+            <a:solidFill>
+              <a:schemeClr val="tx1"/>
+            </a:solidFill>
+            <a:tailEnd type="triangle"/>
+          </a:ln>
+        </p:spPr>
+        <p:style>
+          <a:lnRef idx="1">
+            <a:schemeClr val="accent1"/>
+          </a:lnRef>
+          <a:fillRef idx="0">
+            <a:schemeClr val="accent1"/>
+          </a:fillRef>
+          <a:effectRef idx="0">
+            <a:schemeClr val="accent1"/>
+          </a:effectRef>
+          <a:fontRef idx="minor">
+            <a:schemeClr val="tx1"/>
+          </a:fontRef>
+        </p:style>
+      </p:cxnSp>
+      <p:cxnSp>
+        <p:nvCxnSpPr>
+          <p:cNvPr id="12" name="직선 화살표 연결선 11">
+            <a:extLst>
+              <a:ext uri="{FF2B5EF4-FFF2-40B4-BE49-F238E27FC236}">
+                <a16:creationId xmlns:a16="http://schemas.microsoft.com/office/drawing/2014/main" id="{2FC35337-CA90-4CD9-A964-BBC05F6B595A}"/>
+              </a:ext>
+            </a:extLst>
+          </p:cNvPr>
+          <p:cNvCxnSpPr/>
+          <p:nvPr/>
+        </p:nvCxnSpPr>
+        <p:spPr>
+          <a:xfrm>
+            <a:off x="6813851" y="5595480"/>
+            <a:ext cx="4807670" cy="0"/>
+          </a:xfrm>
+          <a:prstGeom prst="straightConnector1">
+            <a:avLst/>
+          </a:prstGeom>
+          <a:ln w="38100">
+            <a:solidFill>
+              <a:schemeClr val="tx1"/>
+            </a:solidFill>
+            <a:tailEnd type="triangle"/>
+          </a:ln>
+        </p:spPr>
+        <p:style>
+          <a:lnRef idx="1">
+            <a:schemeClr val="accent1"/>
+          </a:lnRef>
+          <a:fillRef idx="0">
+            <a:schemeClr val="accent1"/>
+          </a:fillRef>
+          <a:effectRef idx="0">
+            <a:schemeClr val="accent1"/>
+          </a:effectRef>
+          <a:fontRef idx="minor">
+            <a:schemeClr val="tx1"/>
+          </a:fontRef>
+        </p:style>
+      </p:cxnSp>
+      <p:cxnSp>
+        <p:nvCxnSpPr>
+          <p:cNvPr id="13" name="직선 화살표 연결선 12">
+            <a:extLst>
+              <a:ext uri="{FF2B5EF4-FFF2-40B4-BE49-F238E27FC236}">
+                <a16:creationId xmlns:a16="http://schemas.microsoft.com/office/drawing/2014/main" id="{0F2DEA73-CC5C-449A-BC9F-471DD8335CBB}"/>
+              </a:ext>
+            </a:extLst>
+          </p:cNvPr>
+          <p:cNvCxnSpPr>
+            <a:cxnSpLocks/>
+          </p:cNvCxnSpPr>
+          <p:nvPr/>
+        </p:nvCxnSpPr>
+        <p:spPr>
+          <a:xfrm rot="16200000">
+            <a:off x="5107599" y="3773750"/>
+            <a:ext cx="4807670" cy="0"/>
+          </a:xfrm>
+          <a:prstGeom prst="straightConnector1">
+            <a:avLst/>
+          </a:prstGeom>
+          <a:ln w="38100">
+            <a:solidFill>
+              <a:schemeClr val="tx1"/>
+            </a:solidFill>
+            <a:tailEnd type="triangle"/>
+          </a:ln>
+        </p:spPr>
+        <p:style>
+          <a:lnRef idx="1">
+            <a:schemeClr val="accent1"/>
+          </a:lnRef>
+          <a:fillRef idx="0">
+            <a:schemeClr val="accent1"/>
+          </a:fillRef>
+          <a:effectRef idx="0">
+            <a:schemeClr val="accent1"/>
+          </a:effectRef>
+          <a:fontRef idx="minor">
+            <a:schemeClr val="tx1"/>
+          </a:fontRef>
+        </p:style>
+      </p:cxnSp>
+      <mc:AlternateContent xmlns:mc="http://schemas.openxmlformats.org/markup-compatibility/2006" xmlns:a14="http://schemas.microsoft.com/office/drawing/2010/main">
+        <mc:Choice Requires="a14">
+          <p:sp>
+            <p:nvSpPr>
+              <p:cNvPr id="19" name="TextBox 18">
+                <a:extLst>
+                  <a:ext uri="{FF2B5EF4-FFF2-40B4-BE49-F238E27FC236}">
+                    <a16:creationId xmlns:a16="http://schemas.microsoft.com/office/drawing/2014/main" id="{1B18DD39-D6BD-436D-AF5F-E473C2069CB7}"/>
+                  </a:ext>
+                </a:extLst>
+              </p:cNvPr>
+              <p:cNvSpPr txBox="1"/>
+              <p:nvPr/>
+            </p:nvSpPr>
+            <p:spPr>
+              <a:xfrm>
+                <a:off x="9159292" y="3949322"/>
+                <a:ext cx="538353" cy="461665"/>
+              </a:xfrm>
+              <a:prstGeom prst="rect">
+                <a:avLst/>
+              </a:prstGeom>
+              <a:noFill/>
+            </p:spPr>
+            <p:txBody>
+              <a:bodyPr wrap="square" rtlCol="0">
+                <a:spAutoFit/>
+              </a:bodyPr>
+              <a:lstStyle/>
+              <a:p>
+                <a:pPr algn="ctr"/>
+                <a14:m>
+                  <m:oMathPara xmlns:m="http://schemas.openxmlformats.org/officeDocument/2006/math">
+                    <m:oMathParaPr>
+                      <m:jc m:val="centerGroup"/>
+                    </m:oMathParaPr>
+                    <m:oMath xmlns:m="http://schemas.openxmlformats.org/officeDocument/2006/math">
+                      <m:r>
+                        <a:rPr lang="en-US" altLang="ko-KR" sz="2400" b="0" i="1" smtClean="0">
+                          <a:latin typeface="Cambria Math" panose="02040503050406030204" pitchFamily="18" charset="0"/>
+                        </a:rPr>
+                        <m:t>𝑑𝑥</m:t>
+                      </m:r>
+                    </m:oMath>
+                  </m:oMathPara>
+                </a14:m>
+                <a:endParaRPr lang="ko-KR" altLang="en-US" sz="2400" dirty="0"/>
+              </a:p>
+            </p:txBody>
+          </p:sp>
+        </mc:Choice>
+        <mc:Fallback xmlns="">
+          <p:sp>
+            <p:nvSpPr>
+              <p:cNvPr id="19" name="TextBox 18">
+                <a:extLst>
+                  <a:ext uri="{FF2B5EF4-FFF2-40B4-BE49-F238E27FC236}">
+                    <a16:creationId xmlns:a16="http://schemas.microsoft.com/office/drawing/2014/main" id="{1B18DD39-D6BD-436D-AF5F-E473C2069CB7}"/>
+                  </a:ext>
+                </a:extLst>
+              </p:cNvPr>
+              <p:cNvSpPr txBox="1">
+                <a:spLocks noRot="1" noChangeAspect="1" noMove="1" noResize="1" noEditPoints="1" noAdjustHandles="1" noChangeArrowheads="1" noChangeShapeType="1" noTextEdit="1"/>
+              </p:cNvSpPr>
+              <p:nvPr/>
+            </p:nvSpPr>
+            <p:spPr>
+              <a:xfrm>
+                <a:off x="9159292" y="3949322"/>
+                <a:ext cx="538353" cy="461665"/>
+              </a:xfrm>
+              <a:prstGeom prst="rect">
+                <a:avLst/>
+              </a:prstGeom>
+              <a:blipFill>
+                <a:blip r:embed="rId2"/>
+                <a:stretch>
+                  <a:fillRect l="-12500"/>
+                </a:stretch>
+              </a:blipFill>
+            </p:spPr>
+            <p:txBody>
+              <a:bodyPr/>
+              <a:lstStyle/>
+              <a:p>
+                <a:r>
+                  <a:rPr lang="ko-KR" altLang="en-US">
+                    <a:noFill/>
+                  </a:rPr>
+                  <a:t> </a:t>
+                </a:r>
+              </a:p>
+            </p:txBody>
+          </p:sp>
+        </mc:Fallback>
+      </mc:AlternateContent>
+      <mc:AlternateContent xmlns:mc="http://schemas.openxmlformats.org/markup-compatibility/2006" xmlns:a14="http://schemas.microsoft.com/office/drawing/2010/main">
+        <mc:Choice Requires="a14">
+          <p:sp>
+            <p:nvSpPr>
+              <p:cNvPr id="20" name="TextBox 19">
+                <a:extLst>
+                  <a:ext uri="{FF2B5EF4-FFF2-40B4-BE49-F238E27FC236}">
+                    <a16:creationId xmlns:a16="http://schemas.microsoft.com/office/drawing/2014/main" id="{D492A4FA-62DF-4DE1-858B-5FFEA0029490}"/>
+                  </a:ext>
+                </a:extLst>
+              </p:cNvPr>
+              <p:cNvSpPr txBox="1"/>
+              <p:nvPr/>
+            </p:nvSpPr>
+            <p:spPr>
+              <a:xfrm>
+                <a:off x="1319279" y="3446804"/>
+                <a:ext cx="647357" cy="461665"/>
+              </a:xfrm>
+              <a:prstGeom prst="rect">
+                <a:avLst/>
+              </a:prstGeom>
+              <a:noFill/>
+            </p:spPr>
+            <p:txBody>
+              <a:bodyPr wrap="none" rtlCol="0">
+                <a:spAutoFit/>
+              </a:bodyPr>
+              <a:lstStyle/>
+              <a:p>
+                <a:pPr algn="ctr"/>
+                <a14:m>
+                  <m:oMathPara xmlns:m="http://schemas.openxmlformats.org/officeDocument/2006/math">
+                    <m:oMathParaPr>
+                      <m:jc m:val="centerGroup"/>
+                    </m:oMathParaPr>
+                    <m:oMath xmlns:m="http://schemas.openxmlformats.org/officeDocument/2006/math">
+                      <m:r>
+                        <a:rPr lang="en-US" altLang="ko-KR" sz="2400" b="0" i="1" smtClean="0">
+                          <a:latin typeface="Cambria Math" panose="02040503050406030204" pitchFamily="18" charset="0"/>
+                        </a:rPr>
+                        <m:t>𝑑𝑣</m:t>
+                      </m:r>
+                    </m:oMath>
+                  </m:oMathPara>
+                </a14:m>
+                <a:endParaRPr lang="ko-KR" altLang="en-US" sz="2400" dirty="0"/>
+              </a:p>
+            </p:txBody>
+          </p:sp>
+        </mc:Choice>
+        <mc:Fallback xmlns="">
+          <p:sp>
+            <p:nvSpPr>
+              <p:cNvPr id="20" name="TextBox 19">
+                <a:extLst>
+                  <a:ext uri="{FF2B5EF4-FFF2-40B4-BE49-F238E27FC236}">
+                    <a16:creationId xmlns:a16="http://schemas.microsoft.com/office/drawing/2014/main" id="{D492A4FA-62DF-4DE1-858B-5FFEA0029490}"/>
+                  </a:ext>
+                </a:extLst>
+              </p:cNvPr>
+              <p:cNvSpPr txBox="1">
+                <a:spLocks noRot="1" noChangeAspect="1" noMove="1" noResize="1" noEditPoints="1" noAdjustHandles="1" noChangeArrowheads="1" noChangeShapeType="1" noTextEdit="1"/>
+              </p:cNvSpPr>
+              <p:nvPr/>
+            </p:nvSpPr>
+            <p:spPr>
+              <a:xfrm>
+                <a:off x="1319279" y="3446804"/>
+                <a:ext cx="647357" cy="461665"/>
+              </a:xfrm>
+              <a:prstGeom prst="rect">
+                <a:avLst/>
+              </a:prstGeom>
+              <a:blipFill>
+                <a:blip r:embed="rId3"/>
+                <a:stretch>
+                  <a:fillRect l="-2804"/>
+                </a:stretch>
+              </a:blipFill>
+            </p:spPr>
+            <p:txBody>
+              <a:bodyPr/>
+              <a:lstStyle/>
+              <a:p>
+                <a:r>
+                  <a:rPr lang="ko-KR" altLang="en-US">
+                    <a:noFill/>
+                  </a:rPr>
+                  <a:t> </a:t>
+                </a:r>
+              </a:p>
+            </p:txBody>
+          </p:sp>
+        </mc:Fallback>
+      </mc:AlternateContent>
+      <mc:AlternateContent xmlns:mc="http://schemas.openxmlformats.org/markup-compatibility/2006" xmlns:a14="http://schemas.microsoft.com/office/drawing/2010/main">
+        <mc:Choice Requires="a14">
+          <p:sp>
+            <p:nvSpPr>
+              <p:cNvPr id="21" name="TextBox 20">
+                <a:extLst>
+                  <a:ext uri="{FF2B5EF4-FFF2-40B4-BE49-F238E27FC236}">
+                    <a16:creationId xmlns:a16="http://schemas.microsoft.com/office/drawing/2014/main" id="{3BD74A75-68ED-40D3-8694-456A37DF3197}"/>
+                  </a:ext>
+                </a:extLst>
+              </p:cNvPr>
+              <p:cNvSpPr txBox="1"/>
+              <p:nvPr/>
+            </p:nvSpPr>
+            <p:spPr>
+              <a:xfrm>
+                <a:off x="4929561" y="5598170"/>
+                <a:ext cx="477823" cy="461665"/>
+              </a:xfrm>
+              <a:prstGeom prst="rect">
+                <a:avLst/>
+              </a:prstGeom>
+              <a:noFill/>
+            </p:spPr>
+            <p:txBody>
+              <a:bodyPr wrap="none" rtlCol="0">
+                <a:spAutoFit/>
+              </a:bodyPr>
+              <a:lstStyle/>
+              <a:p>
+                <a:pPr algn="ctr"/>
+                <a14:m>
+                  <m:oMathPara xmlns:m="http://schemas.openxmlformats.org/officeDocument/2006/math">
+                    <m:oMathParaPr>
+                      <m:jc m:val="centerGroup"/>
+                    </m:oMathParaPr>
+                    <m:oMath xmlns:m="http://schemas.openxmlformats.org/officeDocument/2006/math">
+                      <m:r>
+                        <a:rPr lang="en-US" altLang="ko-KR" sz="2400" b="0" i="1" smtClean="0">
+                          <a:latin typeface="Cambria Math" panose="02040503050406030204" pitchFamily="18" charset="0"/>
+                        </a:rPr>
+                        <m:t>𝑢</m:t>
+                      </m:r>
+                    </m:oMath>
+                  </m:oMathPara>
+                </a14:m>
+                <a:endParaRPr lang="ko-KR" altLang="en-US" sz="2400" dirty="0"/>
+              </a:p>
+            </p:txBody>
+          </p:sp>
+        </mc:Choice>
+        <mc:Fallback xmlns="">
+          <p:sp>
+            <p:nvSpPr>
+              <p:cNvPr id="21" name="TextBox 20">
+                <a:extLst>
+                  <a:ext uri="{FF2B5EF4-FFF2-40B4-BE49-F238E27FC236}">
+                    <a16:creationId xmlns:a16="http://schemas.microsoft.com/office/drawing/2014/main" id="{3BD74A75-68ED-40D3-8694-456A37DF3197}"/>
+                  </a:ext>
+                </a:extLst>
+              </p:cNvPr>
+              <p:cNvSpPr txBox="1">
+                <a:spLocks noRot="1" noChangeAspect="1" noMove="1" noResize="1" noEditPoints="1" noAdjustHandles="1" noChangeArrowheads="1" noChangeShapeType="1" noTextEdit="1"/>
+              </p:cNvSpPr>
+              <p:nvPr/>
+            </p:nvSpPr>
+            <p:spPr>
+              <a:xfrm>
+                <a:off x="4929561" y="5598170"/>
+                <a:ext cx="477823" cy="461665"/>
+              </a:xfrm>
+              <a:prstGeom prst="rect">
+                <a:avLst/>
+              </a:prstGeom>
+              <a:blipFill>
+                <a:blip r:embed="rId4"/>
+                <a:stretch>
+                  <a:fillRect/>
+                </a:stretch>
+              </a:blipFill>
+            </p:spPr>
+            <p:txBody>
+              <a:bodyPr/>
+              <a:lstStyle/>
+              <a:p>
+                <a:r>
+                  <a:rPr lang="ko-KR" altLang="en-US">
+                    <a:noFill/>
+                  </a:rPr>
+                  <a:t> </a:t>
+                </a:r>
+              </a:p>
+            </p:txBody>
+          </p:sp>
+        </mc:Fallback>
+      </mc:AlternateContent>
+      <mc:AlternateContent xmlns:mc="http://schemas.openxmlformats.org/markup-compatibility/2006" xmlns:a14="http://schemas.microsoft.com/office/drawing/2010/main">
+        <mc:Choice Requires="a14">
+          <p:sp>
+            <p:nvSpPr>
+              <p:cNvPr id="22" name="TextBox 21">
+                <a:extLst>
+                  <a:ext uri="{FF2B5EF4-FFF2-40B4-BE49-F238E27FC236}">
+                    <a16:creationId xmlns:a16="http://schemas.microsoft.com/office/drawing/2014/main" id="{50E4CEED-4C3D-4C08-A8BC-C3440A67423D}"/>
+                  </a:ext>
+                </a:extLst>
+              </p:cNvPr>
+              <p:cNvSpPr txBox="1"/>
+              <p:nvPr/>
+            </p:nvSpPr>
+            <p:spPr>
+              <a:xfrm>
+                <a:off x="720210" y="1369915"/>
+                <a:ext cx="469424" cy="461665"/>
+              </a:xfrm>
+              <a:prstGeom prst="rect">
+                <a:avLst/>
+              </a:prstGeom>
+              <a:noFill/>
+            </p:spPr>
+            <p:txBody>
+              <a:bodyPr wrap="none" rtlCol="0">
+                <a:spAutoFit/>
+              </a:bodyPr>
+              <a:lstStyle/>
+              <a:p>
+                <a:pPr algn="ctr"/>
+                <a14:m>
+                  <m:oMathPara xmlns:m="http://schemas.openxmlformats.org/officeDocument/2006/math">
+                    <m:oMathParaPr>
+                      <m:jc m:val="centerGroup"/>
+                    </m:oMathParaPr>
+                    <m:oMath xmlns:m="http://schemas.openxmlformats.org/officeDocument/2006/math">
+                      <m:r>
+                        <a:rPr lang="en-US" altLang="ko-KR" sz="2400" b="0" i="1" smtClean="0">
+                          <a:latin typeface="Cambria Math" panose="02040503050406030204" pitchFamily="18" charset="0"/>
+                        </a:rPr>
+                        <m:t>𝑣</m:t>
+                      </m:r>
+                    </m:oMath>
+                  </m:oMathPara>
+                </a14:m>
+                <a:endParaRPr lang="ko-KR" altLang="en-US" sz="2400" dirty="0"/>
+              </a:p>
+            </p:txBody>
+          </p:sp>
+        </mc:Choice>
+        <mc:Fallback xmlns="">
+          <p:sp>
+            <p:nvSpPr>
+              <p:cNvPr id="22" name="TextBox 21">
+                <a:extLst>
+                  <a:ext uri="{FF2B5EF4-FFF2-40B4-BE49-F238E27FC236}">
+                    <a16:creationId xmlns:a16="http://schemas.microsoft.com/office/drawing/2014/main" id="{50E4CEED-4C3D-4C08-A8BC-C3440A67423D}"/>
+                  </a:ext>
+                </a:extLst>
+              </p:cNvPr>
+              <p:cNvSpPr txBox="1">
+                <a:spLocks noRot="1" noChangeAspect="1" noMove="1" noResize="1" noEditPoints="1" noAdjustHandles="1" noChangeArrowheads="1" noChangeShapeType="1" noTextEdit="1"/>
+              </p:cNvSpPr>
+              <p:nvPr/>
+            </p:nvSpPr>
+            <p:spPr>
+              <a:xfrm>
+                <a:off x="720210" y="1369915"/>
+                <a:ext cx="469424" cy="461665"/>
+              </a:xfrm>
+              <a:prstGeom prst="rect">
+                <a:avLst/>
+              </a:prstGeom>
+              <a:blipFill>
+                <a:blip r:embed="rId5"/>
+                <a:stretch>
+                  <a:fillRect/>
+                </a:stretch>
+              </a:blipFill>
+            </p:spPr>
+            <p:txBody>
+              <a:bodyPr/>
+              <a:lstStyle/>
+              <a:p>
+                <a:r>
+                  <a:rPr lang="ko-KR" altLang="en-US">
+                    <a:noFill/>
+                  </a:rPr>
+                  <a:t> </a:t>
+                </a:r>
+              </a:p>
+            </p:txBody>
+          </p:sp>
+        </mc:Fallback>
+      </mc:AlternateContent>
+      <mc:AlternateContent xmlns:mc="http://schemas.openxmlformats.org/markup-compatibility/2006" xmlns:a14="http://schemas.microsoft.com/office/drawing/2010/main">
+        <mc:Choice Requires="a14">
+          <p:sp>
+            <p:nvSpPr>
+              <p:cNvPr id="23" name="TextBox 22">
+                <a:extLst>
+                  <a:ext uri="{FF2B5EF4-FFF2-40B4-BE49-F238E27FC236}">
+                    <a16:creationId xmlns:a16="http://schemas.microsoft.com/office/drawing/2014/main" id="{3415DF3D-ADAC-4485-AF85-277E5E70A1F2}"/>
+                  </a:ext>
+                </a:extLst>
+              </p:cNvPr>
+              <p:cNvSpPr txBox="1"/>
+              <p:nvPr/>
+            </p:nvSpPr>
+            <p:spPr>
+              <a:xfrm>
+                <a:off x="723127" y="5598171"/>
+                <a:ext cx="463588" cy="461665"/>
+              </a:xfrm>
+              <a:prstGeom prst="rect">
+                <a:avLst/>
+              </a:prstGeom>
+              <a:noFill/>
+            </p:spPr>
+            <p:txBody>
+              <a:bodyPr wrap="none" rtlCol="0">
+                <a:spAutoFit/>
+              </a:bodyPr>
+              <a:lstStyle/>
+              <a:p>
+                <a:pPr algn="ctr"/>
+                <a14:m>
+                  <m:oMathPara xmlns:m="http://schemas.openxmlformats.org/officeDocument/2006/math">
+                    <m:oMathParaPr>
+                      <m:jc m:val="centerGroup"/>
+                    </m:oMathParaPr>
+                    <m:oMath xmlns:m="http://schemas.openxmlformats.org/officeDocument/2006/math">
+                      <m:r>
+                        <a:rPr lang="en-US" altLang="ko-KR" sz="2400" b="0" i="1" smtClean="0">
+                          <a:latin typeface="Cambria Math" panose="02040503050406030204" pitchFamily="18" charset="0"/>
+                        </a:rPr>
+                        <m:t>0</m:t>
+                      </m:r>
+                    </m:oMath>
+                  </m:oMathPara>
+                </a14:m>
+                <a:endParaRPr lang="ko-KR" altLang="en-US" sz="2400" dirty="0"/>
+              </a:p>
+            </p:txBody>
+          </p:sp>
+        </mc:Choice>
+        <mc:Fallback xmlns="">
+          <p:sp>
+            <p:nvSpPr>
+              <p:cNvPr id="23" name="TextBox 22">
+                <a:extLst>
+                  <a:ext uri="{FF2B5EF4-FFF2-40B4-BE49-F238E27FC236}">
+                    <a16:creationId xmlns:a16="http://schemas.microsoft.com/office/drawing/2014/main" id="{3415DF3D-ADAC-4485-AF85-277E5E70A1F2}"/>
+                  </a:ext>
+                </a:extLst>
+              </p:cNvPr>
+              <p:cNvSpPr txBox="1">
+                <a:spLocks noRot="1" noChangeAspect="1" noMove="1" noResize="1" noEditPoints="1" noAdjustHandles="1" noChangeArrowheads="1" noChangeShapeType="1" noTextEdit="1"/>
+              </p:cNvSpPr>
+              <p:nvPr/>
+            </p:nvSpPr>
+            <p:spPr>
+              <a:xfrm>
+                <a:off x="723127" y="5598171"/>
+                <a:ext cx="463588" cy="461665"/>
+              </a:xfrm>
+              <a:prstGeom prst="rect">
+                <a:avLst/>
+              </a:prstGeom>
+              <a:blipFill>
+                <a:blip r:embed="rId6"/>
+                <a:stretch>
+                  <a:fillRect l="-3947"/>
+                </a:stretch>
+              </a:blipFill>
+            </p:spPr>
+            <p:txBody>
+              <a:bodyPr/>
+              <a:lstStyle/>
+              <a:p>
+                <a:r>
+                  <a:rPr lang="ko-KR" altLang="en-US">
+                    <a:noFill/>
+                  </a:rPr>
+                  <a:t> </a:t>
+                </a:r>
+              </a:p>
+            </p:txBody>
+          </p:sp>
+        </mc:Fallback>
+      </mc:AlternateContent>
+      <p:cxnSp>
+        <p:nvCxnSpPr>
+          <p:cNvPr id="28" name="직선 연결선 27">
+            <a:extLst>
+              <a:ext uri="{FF2B5EF4-FFF2-40B4-BE49-F238E27FC236}">
+                <a16:creationId xmlns:a16="http://schemas.microsoft.com/office/drawing/2014/main" id="{109B293E-C52E-4EE7-80DB-494C227F4052}"/>
+              </a:ext>
+            </a:extLst>
+          </p:cNvPr>
+          <p:cNvCxnSpPr>
+            <a:cxnSpLocks/>
+            <a:stCxn id="4" idx="1"/>
+            <a:endCxn id="4" idx="2"/>
+          </p:cNvCxnSpPr>
+          <p:nvPr/>
+        </p:nvCxnSpPr>
+        <p:spPr>
+          <a:xfrm flipV="1">
+            <a:off x="8412480" y="3665220"/>
+            <a:ext cx="1943100" cy="659130"/>
+          </a:xfrm>
+          <a:prstGeom prst="line">
+            <a:avLst/>
+          </a:prstGeom>
+          <a:ln w="12700">
+            <a:solidFill>
+              <a:srgbClr val="FF0000"/>
+            </a:solidFill>
+          </a:ln>
+        </p:spPr>
+        <p:style>
+          <a:lnRef idx="1">
+            <a:schemeClr val="accent1"/>
+          </a:lnRef>
+          <a:fillRef idx="0">
+            <a:schemeClr val="accent1"/>
+          </a:fillRef>
+          <a:effectRef idx="0">
+            <a:schemeClr val="accent1"/>
+          </a:effectRef>
+          <a:fontRef idx="minor">
+            <a:schemeClr val="tx1"/>
+          </a:fontRef>
+        </p:style>
+      </p:cxnSp>
+      <p:cxnSp>
+        <p:nvCxnSpPr>
+          <p:cNvPr id="30" name="직선 연결선 29">
+            <a:extLst>
+              <a:ext uri="{FF2B5EF4-FFF2-40B4-BE49-F238E27FC236}">
+                <a16:creationId xmlns:a16="http://schemas.microsoft.com/office/drawing/2014/main" id="{B5F7FA39-B25E-4214-BC1E-4A067F7111BB}"/>
+              </a:ext>
+            </a:extLst>
+          </p:cNvPr>
+          <p:cNvCxnSpPr>
+            <a:cxnSpLocks/>
+          </p:cNvCxnSpPr>
+          <p:nvPr/>
+        </p:nvCxnSpPr>
+        <p:spPr>
+          <a:xfrm flipV="1">
+            <a:off x="8577072" y="3182034"/>
+            <a:ext cx="1935988" cy="649122"/>
+          </a:xfrm>
+          <a:prstGeom prst="line">
+            <a:avLst/>
+          </a:prstGeom>
+          <a:ln w="12700">
+            <a:solidFill>
+              <a:srgbClr val="FF0000"/>
+            </a:solidFill>
+          </a:ln>
+        </p:spPr>
+        <p:style>
+          <a:lnRef idx="1">
+            <a:schemeClr val="accent1"/>
+          </a:lnRef>
+          <a:fillRef idx="0">
+            <a:schemeClr val="accent1"/>
+          </a:fillRef>
+          <a:effectRef idx="0">
+            <a:schemeClr val="accent1"/>
+          </a:effectRef>
+          <a:fontRef idx="minor">
+            <a:schemeClr val="tx1"/>
+          </a:fontRef>
+        </p:style>
+      </p:cxnSp>
+      <p:cxnSp>
+        <p:nvCxnSpPr>
+          <p:cNvPr id="31" name="직선 연결선 30">
+            <a:extLst>
+              <a:ext uri="{FF2B5EF4-FFF2-40B4-BE49-F238E27FC236}">
+                <a16:creationId xmlns:a16="http://schemas.microsoft.com/office/drawing/2014/main" id="{79ECCEF1-6F53-4120-BF3F-3B708D543662}"/>
+              </a:ext>
+            </a:extLst>
+          </p:cNvPr>
+          <p:cNvCxnSpPr>
+            <a:cxnSpLocks/>
+          </p:cNvCxnSpPr>
+          <p:nvPr/>
+        </p:nvCxnSpPr>
+        <p:spPr>
+          <a:xfrm flipV="1">
+            <a:off x="8769711" y="2688764"/>
+            <a:ext cx="1899387" cy="636850"/>
+          </a:xfrm>
+          <a:prstGeom prst="line">
+            <a:avLst/>
+          </a:prstGeom>
+          <a:ln w="12700">
+            <a:solidFill>
+              <a:srgbClr val="FF0000"/>
+            </a:solidFill>
+          </a:ln>
+        </p:spPr>
+        <p:style>
+          <a:lnRef idx="1">
+            <a:schemeClr val="accent1"/>
+          </a:lnRef>
+          <a:fillRef idx="0">
+            <a:schemeClr val="accent1"/>
+          </a:fillRef>
+          <a:effectRef idx="0">
+            <a:schemeClr val="accent1"/>
+          </a:effectRef>
+          <a:fontRef idx="minor">
+            <a:schemeClr val="tx1"/>
+          </a:fontRef>
+        </p:style>
+      </p:cxnSp>
+      <p:cxnSp>
+        <p:nvCxnSpPr>
+          <p:cNvPr id="32" name="직선 연결선 31">
+            <a:extLst>
+              <a:ext uri="{FF2B5EF4-FFF2-40B4-BE49-F238E27FC236}">
+                <a16:creationId xmlns:a16="http://schemas.microsoft.com/office/drawing/2014/main" id="{8AF89C14-DB7F-48A4-ACEF-008A596EB91E}"/>
+              </a:ext>
+            </a:extLst>
+          </p:cNvPr>
+          <p:cNvCxnSpPr>
+            <a:cxnSpLocks/>
+            <a:stCxn id="4" idx="0"/>
+            <a:endCxn id="4" idx="3"/>
+          </p:cNvCxnSpPr>
+          <p:nvPr/>
+        </p:nvCxnSpPr>
+        <p:spPr>
+          <a:xfrm flipV="1">
+            <a:off x="8911590" y="2186940"/>
+            <a:ext cx="1935480" cy="640080"/>
+          </a:xfrm>
+          <a:prstGeom prst="line">
+            <a:avLst/>
+          </a:prstGeom>
+          <a:ln w="12700">
+            <a:solidFill>
+              <a:srgbClr val="FF0000"/>
+            </a:solidFill>
+          </a:ln>
+        </p:spPr>
+        <p:style>
+          <a:lnRef idx="1">
+            <a:schemeClr val="accent1"/>
+          </a:lnRef>
+          <a:fillRef idx="0">
+            <a:schemeClr val="accent1"/>
+          </a:fillRef>
+          <a:effectRef idx="0">
+            <a:schemeClr val="accent1"/>
+          </a:effectRef>
+          <a:fontRef idx="minor">
+            <a:schemeClr val="tx1"/>
+          </a:fontRef>
+        </p:style>
+      </p:cxnSp>
+      <p:cxnSp>
+        <p:nvCxnSpPr>
+          <p:cNvPr id="34" name="직선 연결선 33">
+            <a:extLst>
+              <a:ext uri="{FF2B5EF4-FFF2-40B4-BE49-F238E27FC236}">
+                <a16:creationId xmlns:a16="http://schemas.microsoft.com/office/drawing/2014/main" id="{0EF2B714-381A-4B0B-A100-1960EBD1EB74}"/>
+              </a:ext>
+            </a:extLst>
+          </p:cNvPr>
+          <p:cNvCxnSpPr>
+            <a:cxnSpLocks/>
+            <a:stCxn id="4" idx="1"/>
+          </p:cNvCxnSpPr>
+          <p:nvPr/>
+        </p:nvCxnSpPr>
+        <p:spPr>
+          <a:xfrm flipV="1">
+            <a:off x="8412480" y="2869298"/>
+            <a:ext cx="487725" cy="1455052"/>
+          </a:xfrm>
+          <a:prstGeom prst="line">
+            <a:avLst/>
+          </a:prstGeom>
+          <a:ln w="12700">
+            <a:solidFill>
+              <a:schemeClr val="accent6"/>
+            </a:solidFill>
+          </a:ln>
+        </p:spPr>
+        <p:style>
+          <a:lnRef idx="1">
+            <a:schemeClr val="accent1"/>
+          </a:lnRef>
+          <a:fillRef idx="0">
+            <a:schemeClr val="accent1"/>
+          </a:fillRef>
+          <a:effectRef idx="0">
+            <a:schemeClr val="accent1"/>
+          </a:effectRef>
+          <a:fontRef idx="minor">
+            <a:schemeClr val="tx1"/>
+          </a:fontRef>
+        </p:style>
+      </p:cxnSp>
+      <p:cxnSp>
+        <p:nvCxnSpPr>
+          <p:cNvPr id="37" name="직선 연결선 36">
+            <a:extLst>
+              <a:ext uri="{FF2B5EF4-FFF2-40B4-BE49-F238E27FC236}">
+                <a16:creationId xmlns:a16="http://schemas.microsoft.com/office/drawing/2014/main" id="{89B40201-9F79-4C23-924D-3525B7FE4127}"/>
+              </a:ext>
+            </a:extLst>
+          </p:cNvPr>
+          <p:cNvCxnSpPr>
+            <a:cxnSpLocks/>
+          </p:cNvCxnSpPr>
+          <p:nvPr/>
+        </p:nvCxnSpPr>
+        <p:spPr>
+          <a:xfrm flipV="1">
+            <a:off x="9116903" y="2613011"/>
+            <a:ext cx="482352" cy="1440890"/>
+          </a:xfrm>
+          <a:prstGeom prst="line">
+            <a:avLst/>
+          </a:prstGeom>
+          <a:ln w="12700">
+            <a:solidFill>
+              <a:schemeClr val="accent6"/>
+            </a:solidFill>
+          </a:ln>
+        </p:spPr>
+        <p:style>
+          <a:lnRef idx="1">
+            <a:schemeClr val="accent1"/>
+          </a:lnRef>
+          <a:fillRef idx="0">
+            <a:schemeClr val="accent1"/>
+          </a:fillRef>
+          <a:effectRef idx="0">
+            <a:schemeClr val="accent1"/>
+          </a:effectRef>
+          <a:fontRef idx="minor">
+            <a:schemeClr val="tx1"/>
+          </a:fontRef>
+        </p:style>
+      </p:cxnSp>
+      <p:cxnSp>
+        <p:nvCxnSpPr>
+          <p:cNvPr id="38" name="직선 연결선 37">
+            <a:extLst>
+              <a:ext uri="{FF2B5EF4-FFF2-40B4-BE49-F238E27FC236}">
+                <a16:creationId xmlns:a16="http://schemas.microsoft.com/office/drawing/2014/main" id="{CA87179D-FA9D-47F7-B640-E5BA878DE8F2}"/>
+              </a:ext>
+            </a:extLst>
+          </p:cNvPr>
+          <p:cNvCxnSpPr>
+            <a:cxnSpLocks/>
+          </p:cNvCxnSpPr>
+          <p:nvPr/>
+        </p:nvCxnSpPr>
+        <p:spPr>
+          <a:xfrm flipV="1">
+            <a:off x="9697645" y="2428345"/>
+            <a:ext cx="487239" cy="1455486"/>
+          </a:xfrm>
+          <a:prstGeom prst="line">
+            <a:avLst/>
+          </a:prstGeom>
+          <a:ln w="12700">
+            <a:solidFill>
+              <a:schemeClr val="accent6"/>
+            </a:solidFill>
+          </a:ln>
+        </p:spPr>
+        <p:style>
+          <a:lnRef idx="1">
+            <a:schemeClr val="accent1"/>
+          </a:lnRef>
+          <a:fillRef idx="0">
+            <a:schemeClr val="accent1"/>
+          </a:fillRef>
+          <a:effectRef idx="0">
+            <a:schemeClr val="accent1"/>
+          </a:effectRef>
+          <a:fontRef idx="minor">
+            <a:schemeClr val="tx1"/>
+          </a:fontRef>
+        </p:style>
+      </p:cxnSp>
+      <p:cxnSp>
+        <p:nvCxnSpPr>
+          <p:cNvPr id="39" name="직선 연결선 38">
+            <a:extLst>
+              <a:ext uri="{FF2B5EF4-FFF2-40B4-BE49-F238E27FC236}">
+                <a16:creationId xmlns:a16="http://schemas.microsoft.com/office/drawing/2014/main" id="{6D664993-7157-4928-831E-84D6BA7D5080}"/>
+              </a:ext>
+            </a:extLst>
+          </p:cNvPr>
+          <p:cNvCxnSpPr>
+            <a:cxnSpLocks/>
+            <a:endCxn id="4" idx="3"/>
+          </p:cNvCxnSpPr>
+          <p:nvPr/>
+        </p:nvCxnSpPr>
+        <p:spPr>
+          <a:xfrm flipV="1">
+            <a:off x="10386060" y="2186940"/>
+            <a:ext cx="461010" cy="1376151"/>
+          </a:xfrm>
+          <a:prstGeom prst="line">
+            <a:avLst/>
+          </a:prstGeom>
+          <a:ln w="12700">
+            <a:solidFill>
+              <a:schemeClr val="accent6"/>
+            </a:solidFill>
+          </a:ln>
+        </p:spPr>
+        <p:style>
+          <a:lnRef idx="1">
+            <a:schemeClr val="accent1"/>
+          </a:lnRef>
+          <a:fillRef idx="0">
+            <a:schemeClr val="accent1"/>
+          </a:fillRef>
+          <a:effectRef idx="0">
+            <a:schemeClr val="accent1"/>
+          </a:effectRef>
+          <a:fontRef idx="minor">
+            <a:schemeClr val="tx1"/>
+          </a:fontRef>
+        </p:style>
+      </p:cxnSp>
+      <mc:AlternateContent xmlns:mc="http://schemas.openxmlformats.org/markup-compatibility/2006" xmlns:a14="http://schemas.microsoft.com/office/drawing/2010/main">
+        <mc:Choice Requires="a14">
+          <p:sp>
+            <p:nvSpPr>
+              <p:cNvPr id="40" name="TextBox 39">
+                <a:extLst>
+                  <a:ext uri="{FF2B5EF4-FFF2-40B4-BE49-F238E27FC236}">
+                    <a16:creationId xmlns:a16="http://schemas.microsoft.com/office/drawing/2014/main" id="{0F2EC0BB-7207-403D-974C-464267A646B6}"/>
+                  </a:ext>
+                </a:extLst>
+              </p:cNvPr>
+              <p:cNvSpPr txBox="1"/>
+              <p:nvPr/>
+            </p:nvSpPr>
+            <p:spPr>
+              <a:xfrm>
+                <a:off x="11290169" y="5598170"/>
+                <a:ext cx="477823" cy="461665"/>
+              </a:xfrm>
+              <a:prstGeom prst="rect">
+                <a:avLst/>
+              </a:prstGeom>
+              <a:noFill/>
+            </p:spPr>
+            <p:txBody>
+              <a:bodyPr wrap="none" rtlCol="0">
+                <a:spAutoFit/>
+              </a:bodyPr>
+              <a:lstStyle/>
+              <a:p>
+                <a:pPr algn="ctr"/>
+                <a14:m>
+                  <m:oMathPara xmlns:m="http://schemas.openxmlformats.org/officeDocument/2006/math">
+                    <m:oMathParaPr>
+                      <m:jc m:val="centerGroup"/>
+                    </m:oMathParaPr>
+                    <m:oMath xmlns:m="http://schemas.openxmlformats.org/officeDocument/2006/math">
+                      <m:r>
+                        <a:rPr lang="en-US" altLang="ko-KR" sz="2400" b="0" i="1" smtClean="0">
+                          <a:latin typeface="Cambria Math" panose="02040503050406030204" pitchFamily="18" charset="0"/>
+                        </a:rPr>
+                        <m:t>𝑢</m:t>
+                      </m:r>
+                    </m:oMath>
+                  </m:oMathPara>
+                </a14:m>
+                <a:endParaRPr lang="ko-KR" altLang="en-US" sz="2400" dirty="0"/>
+              </a:p>
+            </p:txBody>
+          </p:sp>
+        </mc:Choice>
+        <mc:Fallback xmlns="">
+          <p:sp>
+            <p:nvSpPr>
+              <p:cNvPr id="40" name="TextBox 39">
+                <a:extLst>
+                  <a:ext uri="{FF2B5EF4-FFF2-40B4-BE49-F238E27FC236}">
+                    <a16:creationId xmlns:a16="http://schemas.microsoft.com/office/drawing/2014/main" id="{0F2EC0BB-7207-403D-974C-464267A646B6}"/>
+                  </a:ext>
+                </a:extLst>
+              </p:cNvPr>
+              <p:cNvSpPr txBox="1">
+                <a:spLocks noRot="1" noChangeAspect="1" noMove="1" noResize="1" noEditPoints="1" noAdjustHandles="1" noChangeArrowheads="1" noChangeShapeType="1" noTextEdit="1"/>
+              </p:cNvSpPr>
+              <p:nvPr/>
+            </p:nvSpPr>
+            <p:spPr>
+              <a:xfrm>
+                <a:off x="11290169" y="5598170"/>
+                <a:ext cx="477823" cy="461665"/>
+              </a:xfrm>
+              <a:prstGeom prst="rect">
+                <a:avLst/>
+              </a:prstGeom>
+              <a:blipFill>
+                <a:blip r:embed="rId7"/>
+                <a:stretch>
+                  <a:fillRect/>
+                </a:stretch>
+              </a:blipFill>
+            </p:spPr>
+            <p:txBody>
+              <a:bodyPr/>
+              <a:lstStyle/>
+              <a:p>
+                <a:r>
+                  <a:rPr lang="ko-KR" altLang="en-US">
+                    <a:noFill/>
+                  </a:rPr>
+                  <a:t> </a:t>
+                </a:r>
+              </a:p>
+            </p:txBody>
+          </p:sp>
+        </mc:Fallback>
+      </mc:AlternateContent>
+      <mc:AlternateContent xmlns:mc="http://schemas.openxmlformats.org/markup-compatibility/2006" xmlns:a14="http://schemas.microsoft.com/office/drawing/2010/main">
+        <mc:Choice Requires="a14">
+          <p:sp>
+            <p:nvSpPr>
+              <p:cNvPr id="41" name="TextBox 40">
+                <a:extLst>
+                  <a:ext uri="{FF2B5EF4-FFF2-40B4-BE49-F238E27FC236}">
+                    <a16:creationId xmlns:a16="http://schemas.microsoft.com/office/drawing/2014/main" id="{5EC75579-A0ED-4FEF-A7E5-D388FC8C97B6}"/>
+                  </a:ext>
+                </a:extLst>
+              </p:cNvPr>
+              <p:cNvSpPr txBox="1"/>
+              <p:nvPr/>
+            </p:nvSpPr>
+            <p:spPr>
+              <a:xfrm>
+                <a:off x="7080818" y="1369915"/>
+                <a:ext cx="469424" cy="461665"/>
+              </a:xfrm>
+              <a:prstGeom prst="rect">
+                <a:avLst/>
+              </a:prstGeom>
+              <a:noFill/>
+            </p:spPr>
+            <p:txBody>
+              <a:bodyPr wrap="none" rtlCol="0">
+                <a:spAutoFit/>
+              </a:bodyPr>
+              <a:lstStyle/>
+              <a:p>
+                <a:pPr algn="ctr"/>
+                <a14:m>
+                  <m:oMathPara xmlns:m="http://schemas.openxmlformats.org/officeDocument/2006/math">
+                    <m:oMathParaPr>
+                      <m:jc m:val="centerGroup"/>
+                    </m:oMathParaPr>
+                    <m:oMath xmlns:m="http://schemas.openxmlformats.org/officeDocument/2006/math">
+                      <m:r>
+                        <a:rPr lang="en-US" altLang="ko-KR" sz="2400" b="0" i="1" smtClean="0">
+                          <a:latin typeface="Cambria Math" panose="02040503050406030204" pitchFamily="18" charset="0"/>
+                        </a:rPr>
+                        <m:t>𝑣</m:t>
+                      </m:r>
+                    </m:oMath>
+                  </m:oMathPara>
+                </a14:m>
+                <a:endParaRPr lang="ko-KR" altLang="en-US" sz="2400" dirty="0"/>
+              </a:p>
+            </p:txBody>
+          </p:sp>
+        </mc:Choice>
+        <mc:Fallback xmlns="">
+          <p:sp>
+            <p:nvSpPr>
+              <p:cNvPr id="41" name="TextBox 40">
+                <a:extLst>
+                  <a:ext uri="{FF2B5EF4-FFF2-40B4-BE49-F238E27FC236}">
+                    <a16:creationId xmlns:a16="http://schemas.microsoft.com/office/drawing/2014/main" id="{5EC75579-A0ED-4FEF-A7E5-D388FC8C97B6}"/>
+                  </a:ext>
+                </a:extLst>
+              </p:cNvPr>
+              <p:cNvSpPr txBox="1">
+                <a:spLocks noRot="1" noChangeAspect="1" noMove="1" noResize="1" noEditPoints="1" noAdjustHandles="1" noChangeArrowheads="1" noChangeShapeType="1" noTextEdit="1"/>
+              </p:cNvSpPr>
+              <p:nvPr/>
+            </p:nvSpPr>
+            <p:spPr>
+              <a:xfrm>
+                <a:off x="7080818" y="1369915"/>
+                <a:ext cx="469424" cy="461665"/>
+              </a:xfrm>
+              <a:prstGeom prst="rect">
+                <a:avLst/>
+              </a:prstGeom>
+              <a:blipFill>
+                <a:blip r:embed="rId8"/>
+                <a:stretch>
+                  <a:fillRect/>
+                </a:stretch>
+              </a:blipFill>
+            </p:spPr>
+            <p:txBody>
+              <a:bodyPr/>
+              <a:lstStyle/>
+              <a:p>
+                <a:r>
+                  <a:rPr lang="ko-KR" altLang="en-US">
+                    <a:noFill/>
+                  </a:rPr>
+                  <a:t> </a:t>
+                </a:r>
+              </a:p>
+            </p:txBody>
+          </p:sp>
+        </mc:Fallback>
+      </mc:AlternateContent>
+      <mc:AlternateContent xmlns:mc="http://schemas.openxmlformats.org/markup-compatibility/2006" xmlns:a14="http://schemas.microsoft.com/office/drawing/2010/main">
+        <mc:Choice Requires="a14">
+          <p:sp>
+            <p:nvSpPr>
+              <p:cNvPr id="42" name="TextBox 41">
+                <a:extLst>
+                  <a:ext uri="{FF2B5EF4-FFF2-40B4-BE49-F238E27FC236}">
+                    <a16:creationId xmlns:a16="http://schemas.microsoft.com/office/drawing/2014/main" id="{670EA601-746E-41A8-9F40-476AEB3C4909}"/>
+                  </a:ext>
+                </a:extLst>
+              </p:cNvPr>
+              <p:cNvSpPr txBox="1"/>
+              <p:nvPr/>
+            </p:nvSpPr>
+            <p:spPr>
+              <a:xfrm>
+                <a:off x="7083735" y="5598171"/>
+                <a:ext cx="463588" cy="461665"/>
+              </a:xfrm>
+              <a:prstGeom prst="rect">
+                <a:avLst/>
+              </a:prstGeom>
+              <a:noFill/>
+            </p:spPr>
+            <p:txBody>
+              <a:bodyPr wrap="none" rtlCol="0">
+                <a:spAutoFit/>
+              </a:bodyPr>
+              <a:lstStyle/>
+              <a:p>
+                <a:pPr algn="ctr"/>
+                <a14:m>
+                  <m:oMathPara xmlns:m="http://schemas.openxmlformats.org/officeDocument/2006/math">
+                    <m:oMathParaPr>
+                      <m:jc m:val="centerGroup"/>
+                    </m:oMathParaPr>
+                    <m:oMath xmlns:m="http://schemas.openxmlformats.org/officeDocument/2006/math">
+                      <m:r>
+                        <a:rPr lang="en-US" altLang="ko-KR" sz="2400" b="0" i="1" smtClean="0">
+                          <a:latin typeface="Cambria Math" panose="02040503050406030204" pitchFamily="18" charset="0"/>
+                        </a:rPr>
+                        <m:t>0</m:t>
+                      </m:r>
+                    </m:oMath>
+                  </m:oMathPara>
+                </a14:m>
+                <a:endParaRPr lang="ko-KR" altLang="en-US" sz="2400" dirty="0"/>
+              </a:p>
+            </p:txBody>
+          </p:sp>
+        </mc:Choice>
+        <mc:Fallback xmlns="">
+          <p:sp>
+            <p:nvSpPr>
+              <p:cNvPr id="42" name="TextBox 41">
+                <a:extLst>
+                  <a:ext uri="{FF2B5EF4-FFF2-40B4-BE49-F238E27FC236}">
+                    <a16:creationId xmlns:a16="http://schemas.microsoft.com/office/drawing/2014/main" id="{670EA601-746E-41A8-9F40-476AEB3C4909}"/>
+                  </a:ext>
+                </a:extLst>
+              </p:cNvPr>
+              <p:cNvSpPr txBox="1">
+                <a:spLocks noRot="1" noChangeAspect="1" noMove="1" noResize="1" noEditPoints="1" noAdjustHandles="1" noChangeArrowheads="1" noChangeShapeType="1" noTextEdit="1"/>
+              </p:cNvSpPr>
+              <p:nvPr/>
+            </p:nvSpPr>
+            <p:spPr>
+              <a:xfrm>
+                <a:off x="7083735" y="5598171"/>
+                <a:ext cx="463588" cy="461665"/>
+              </a:xfrm>
+              <a:prstGeom prst="rect">
+                <a:avLst/>
+              </a:prstGeom>
+              <a:blipFill>
+                <a:blip r:embed="rId9"/>
+                <a:stretch>
+                  <a:fillRect l="-2632"/>
+                </a:stretch>
+              </a:blipFill>
+            </p:spPr>
+            <p:txBody>
+              <a:bodyPr/>
+              <a:lstStyle/>
+              <a:p>
+                <a:r>
+                  <a:rPr lang="ko-KR" altLang="en-US">
+                    <a:noFill/>
+                  </a:rPr>
+                  <a:t> </a:t>
+                </a:r>
+              </a:p>
+            </p:txBody>
+          </p:sp>
+        </mc:Fallback>
+      </mc:AlternateContent>
+      <mc:AlternateContent xmlns:mc="http://schemas.openxmlformats.org/markup-compatibility/2006" xmlns:a14="http://schemas.microsoft.com/office/drawing/2010/main">
+        <mc:Choice Requires="a14">
+          <p:sp>
+            <p:nvSpPr>
+              <p:cNvPr id="49" name="TextBox 48">
+                <a:extLst>
+                  <a:ext uri="{FF2B5EF4-FFF2-40B4-BE49-F238E27FC236}">
+                    <a16:creationId xmlns:a16="http://schemas.microsoft.com/office/drawing/2014/main" id="{106A6701-F189-4338-AF61-6AAAA55EBBF5}"/>
+                  </a:ext>
+                </a:extLst>
+              </p:cNvPr>
+              <p:cNvSpPr txBox="1"/>
+              <p:nvPr/>
+            </p:nvSpPr>
+            <p:spPr>
+              <a:xfrm>
+                <a:off x="8208681" y="3350289"/>
+                <a:ext cx="538353" cy="461665"/>
+              </a:xfrm>
+              <a:prstGeom prst="rect">
+                <a:avLst/>
+              </a:prstGeom>
+              <a:noFill/>
+            </p:spPr>
+            <p:txBody>
+              <a:bodyPr wrap="square" rtlCol="0">
+                <a:spAutoFit/>
+              </a:bodyPr>
+              <a:lstStyle/>
+              <a:p>
+                <a:pPr algn="ctr"/>
+                <a14:m>
+                  <m:oMathPara xmlns:m="http://schemas.openxmlformats.org/officeDocument/2006/math">
+                    <m:oMathParaPr>
+                      <m:jc m:val="centerGroup"/>
+                    </m:oMathParaPr>
+                    <m:oMath xmlns:m="http://schemas.openxmlformats.org/officeDocument/2006/math">
+                      <m:r>
+                        <a:rPr lang="en-US" altLang="ko-KR" sz="2400" b="0" i="1" smtClean="0">
+                          <a:latin typeface="Cambria Math" panose="02040503050406030204" pitchFamily="18" charset="0"/>
+                        </a:rPr>
+                        <m:t>𝑑𝑦</m:t>
+                      </m:r>
+                    </m:oMath>
+                  </m:oMathPara>
+                </a14:m>
+                <a:endParaRPr lang="ko-KR" altLang="en-US" sz="2400" dirty="0"/>
+              </a:p>
+            </p:txBody>
+          </p:sp>
+        </mc:Choice>
+        <mc:Fallback xmlns="">
+          <p:sp>
+            <p:nvSpPr>
+              <p:cNvPr id="49" name="TextBox 48">
+                <a:extLst>
+                  <a:ext uri="{FF2B5EF4-FFF2-40B4-BE49-F238E27FC236}">
+                    <a16:creationId xmlns:a16="http://schemas.microsoft.com/office/drawing/2014/main" id="{106A6701-F189-4338-AF61-6AAAA55EBBF5}"/>
+                  </a:ext>
+                </a:extLst>
+              </p:cNvPr>
+              <p:cNvSpPr txBox="1">
+                <a:spLocks noRot="1" noChangeAspect="1" noMove="1" noResize="1" noEditPoints="1" noAdjustHandles="1" noChangeArrowheads="1" noChangeShapeType="1" noTextEdit="1"/>
+              </p:cNvSpPr>
+              <p:nvPr/>
+            </p:nvSpPr>
+            <p:spPr>
+              <a:xfrm>
+                <a:off x="8208681" y="3350289"/>
+                <a:ext cx="538353" cy="461665"/>
+              </a:xfrm>
+              <a:prstGeom prst="rect">
+                <a:avLst/>
+              </a:prstGeom>
+              <a:blipFill>
+                <a:blip r:embed="rId10"/>
+                <a:stretch>
+                  <a:fillRect l="-20455" b="-21333"/>
+                </a:stretch>
+              </a:blipFill>
+            </p:spPr>
+            <p:txBody>
+              <a:bodyPr/>
+              <a:lstStyle/>
+              <a:p>
+                <a:r>
+                  <a:rPr lang="ko-KR" altLang="en-US">
+                    <a:noFill/>
+                  </a:rPr>
+                  <a:t> </a:t>
+                </a:r>
+              </a:p>
+            </p:txBody>
+          </p:sp>
+        </mc:Fallback>
+      </mc:AlternateContent>
+      <mc:AlternateContent xmlns:mc="http://schemas.openxmlformats.org/markup-compatibility/2006" xmlns:a14="http://schemas.microsoft.com/office/drawing/2010/main">
+        <mc:Choice Requires="a14">
+          <p:sp>
+            <p:nvSpPr>
+              <p:cNvPr id="51" name="TextBox 50">
+                <a:extLst>
+                  <a:ext uri="{FF2B5EF4-FFF2-40B4-BE49-F238E27FC236}">
+                    <a16:creationId xmlns:a16="http://schemas.microsoft.com/office/drawing/2014/main" id="{1ED3FB86-54C4-4330-A6B1-51D2E8E2ABA7}"/>
+                  </a:ext>
+                </a:extLst>
+              </p:cNvPr>
+              <p:cNvSpPr txBox="1"/>
+              <p:nvPr/>
+            </p:nvSpPr>
+            <p:spPr>
+              <a:xfrm>
+                <a:off x="2466303" y="4520810"/>
+                <a:ext cx="655757" cy="461665"/>
+              </a:xfrm>
+              <a:prstGeom prst="rect">
+                <a:avLst/>
+              </a:prstGeom>
+              <a:noFill/>
+            </p:spPr>
+            <p:txBody>
+              <a:bodyPr wrap="none" rtlCol="0">
+                <a:spAutoFit/>
+              </a:bodyPr>
+              <a:lstStyle/>
+              <a:p>
+                <a:pPr algn="ctr"/>
+                <a14:m>
+                  <m:oMathPara xmlns:m="http://schemas.openxmlformats.org/officeDocument/2006/math">
+                    <m:oMathParaPr>
+                      <m:jc m:val="centerGroup"/>
+                    </m:oMathParaPr>
+                    <m:oMath xmlns:m="http://schemas.openxmlformats.org/officeDocument/2006/math">
+                      <m:r>
+                        <a:rPr lang="en-US" altLang="ko-KR" sz="2400" b="0" i="1" smtClean="0">
+                          <a:latin typeface="Cambria Math" panose="02040503050406030204" pitchFamily="18" charset="0"/>
+                        </a:rPr>
+                        <m:t>𝑑𝑢</m:t>
+                      </m:r>
+                    </m:oMath>
+                  </m:oMathPara>
+                </a14:m>
+                <a:endParaRPr lang="ko-KR" altLang="en-US" sz="2400" dirty="0"/>
+              </a:p>
+            </p:txBody>
+          </p:sp>
+        </mc:Choice>
+        <mc:Fallback xmlns="">
+          <p:sp>
+            <p:nvSpPr>
+              <p:cNvPr id="51" name="TextBox 50">
+                <a:extLst>
+                  <a:ext uri="{FF2B5EF4-FFF2-40B4-BE49-F238E27FC236}">
+                    <a16:creationId xmlns:a16="http://schemas.microsoft.com/office/drawing/2014/main" id="{1ED3FB86-54C4-4330-A6B1-51D2E8E2ABA7}"/>
+                  </a:ext>
+                </a:extLst>
+              </p:cNvPr>
+              <p:cNvSpPr txBox="1">
+                <a:spLocks noRot="1" noChangeAspect="1" noMove="1" noResize="1" noEditPoints="1" noAdjustHandles="1" noChangeArrowheads="1" noChangeShapeType="1" noTextEdit="1"/>
+              </p:cNvSpPr>
+              <p:nvPr/>
+            </p:nvSpPr>
+            <p:spPr>
+              <a:xfrm>
+                <a:off x="2466303" y="4520810"/>
+                <a:ext cx="655757" cy="461665"/>
+              </a:xfrm>
+              <a:prstGeom prst="rect">
+                <a:avLst/>
+              </a:prstGeom>
+              <a:blipFill>
+                <a:blip r:embed="rId11"/>
+                <a:stretch>
+                  <a:fillRect l="-2804"/>
+                </a:stretch>
+              </a:blipFill>
+            </p:spPr>
+            <p:txBody>
+              <a:bodyPr/>
+              <a:lstStyle/>
+              <a:p>
+                <a:r>
+                  <a:rPr lang="ko-KR" altLang="en-US">
+                    <a:noFill/>
+                  </a:rPr>
+                  <a:t> </a:t>
+                </a:r>
+              </a:p>
+            </p:txBody>
+          </p:sp>
+        </mc:Fallback>
+      </mc:AlternateContent>
+      <p:sp>
+        <p:nvSpPr>
+          <p:cNvPr id="58" name="화살표: 오른쪽 57">
+            <a:extLst>
+              <a:ext uri="{FF2B5EF4-FFF2-40B4-BE49-F238E27FC236}">
+                <a16:creationId xmlns:a16="http://schemas.microsoft.com/office/drawing/2014/main" id="{CD20B529-4543-4395-A35D-576B4A24D23B}"/>
+              </a:ext>
+            </a:extLst>
+          </p:cNvPr>
+          <p:cNvSpPr/>
+          <p:nvPr/>
+        </p:nvSpPr>
+        <p:spPr>
+          <a:xfrm>
+            <a:off x="4948342" y="3264542"/>
+            <a:ext cx="1835755" cy="733855"/>
+          </a:xfrm>
+          <a:prstGeom prst="rightArrow">
+            <a:avLst/>
+          </a:prstGeom>
+        </p:spPr>
+        <p:style>
+          <a:lnRef idx="2">
+            <a:schemeClr val="accent6">
+              <a:shade val="50000"/>
+            </a:schemeClr>
+          </a:lnRef>
+          <a:fillRef idx="1">
+            <a:schemeClr val="accent6"/>
+          </a:fillRef>
+          <a:effectRef idx="0">
+            <a:schemeClr val="accent6"/>
+          </a:effectRef>
+          <a:fontRef idx="minor">
+            <a:schemeClr val="lt1"/>
+          </a:fontRef>
+        </p:style>
+        <p:txBody>
+          <a:bodyPr rtlCol="0" anchor="ctr"/>
+          <a:lstStyle/>
+          <a:p>
+            <a:pPr algn="ctr"/>
+            <a:endParaRPr lang="ko-KR" altLang="en-US"/>
+          </a:p>
+        </p:txBody>
+      </p:sp>
+      <p:sp>
+        <p:nvSpPr>
+          <p:cNvPr id="59" name="TextBox 58">
+            <a:extLst>
+              <a:ext uri="{FF2B5EF4-FFF2-40B4-BE49-F238E27FC236}">
+                <a16:creationId xmlns:a16="http://schemas.microsoft.com/office/drawing/2014/main" id="{97E811FE-4DC2-4069-A0F9-3BCA0B4F1D32}"/>
+              </a:ext>
+            </a:extLst>
+          </p:cNvPr>
+          <p:cNvSpPr txBox="1"/>
+          <p:nvPr/>
+        </p:nvSpPr>
+        <p:spPr>
+          <a:xfrm>
+            <a:off x="5011045" y="2488715"/>
+            <a:ext cx="1561068" cy="830997"/>
+          </a:xfrm>
+          <a:prstGeom prst="rect">
+            <a:avLst/>
+          </a:prstGeom>
+          <a:noFill/>
+        </p:spPr>
+        <p:txBody>
+          <a:bodyPr wrap="none" rtlCol="0">
+            <a:spAutoFit/>
+          </a:bodyPr>
+          <a:lstStyle/>
+          <a:p>
+            <a:pPr algn="ctr"/>
+            <a:r>
+              <a:rPr lang="en-US" altLang="ko-KR" sz="2400" dirty="0"/>
+              <a:t>Nonlinear</a:t>
+            </a:r>
+          </a:p>
+          <a:p>
+            <a:pPr algn="ctr"/>
+            <a:r>
+              <a:rPr lang="en-US" altLang="ko-KR" sz="2400" dirty="0"/>
+              <a:t>Transform</a:t>
+            </a:r>
+            <a:endParaRPr lang="ko-KR" altLang="en-US" sz="2400" dirty="0"/>
+          </a:p>
+        </p:txBody>
+      </p:sp>
+      <p:sp>
+        <p:nvSpPr>
+          <p:cNvPr id="60" name="TextBox 59">
+            <a:extLst>
+              <a:ext uri="{FF2B5EF4-FFF2-40B4-BE49-F238E27FC236}">
+                <a16:creationId xmlns:a16="http://schemas.microsoft.com/office/drawing/2014/main" id="{F3D6F205-4F42-4F89-ADCA-D63A28B81D77}"/>
+              </a:ext>
+            </a:extLst>
+          </p:cNvPr>
+          <p:cNvSpPr txBox="1"/>
+          <p:nvPr/>
+        </p:nvSpPr>
+        <p:spPr>
+          <a:xfrm>
+            <a:off x="7426917" y="680415"/>
+            <a:ext cx="3926524" cy="646331"/>
+          </a:xfrm>
+          <a:prstGeom prst="rect">
+            <a:avLst/>
+          </a:prstGeom>
+          <a:noFill/>
+        </p:spPr>
+        <p:txBody>
+          <a:bodyPr wrap="none" rtlCol="0">
+            <a:spAutoFit/>
+          </a:bodyPr>
+          <a:lstStyle/>
+          <a:p>
+            <a:pPr algn="ctr"/>
+            <a:r>
+              <a:rPr lang="en-US" altLang="ko-KR" dirty="0"/>
+              <a:t>&lt; What is microscopically observed</a:t>
+            </a:r>
+          </a:p>
+          <a:p>
+            <a:pPr algn="ctr"/>
+            <a:r>
+              <a:rPr lang="en-US" altLang="ko-KR" dirty="0"/>
+              <a:t>after nonlinear transform &gt;</a:t>
+            </a:r>
+            <a:endParaRPr lang="ko-KR" altLang="en-US" dirty="0"/>
+          </a:p>
+        </p:txBody>
+      </p:sp>
+      <p:sp>
+        <p:nvSpPr>
+          <p:cNvPr id="61" name="TextBox 60">
+            <a:extLst>
+              <a:ext uri="{FF2B5EF4-FFF2-40B4-BE49-F238E27FC236}">
+                <a16:creationId xmlns:a16="http://schemas.microsoft.com/office/drawing/2014/main" id="{5831C9DE-C3C7-4E58-8C7E-662B44DF1931}"/>
+              </a:ext>
+            </a:extLst>
+          </p:cNvPr>
+          <p:cNvSpPr txBox="1"/>
+          <p:nvPr/>
+        </p:nvSpPr>
+        <p:spPr>
+          <a:xfrm>
+            <a:off x="1696829" y="680415"/>
+            <a:ext cx="3232231" cy="646331"/>
+          </a:xfrm>
+          <a:prstGeom prst="rect">
+            <a:avLst/>
+          </a:prstGeom>
+          <a:noFill/>
+        </p:spPr>
+        <p:txBody>
+          <a:bodyPr wrap="none" rtlCol="0">
+            <a:spAutoFit/>
+          </a:bodyPr>
+          <a:lstStyle/>
+          <a:p>
+            <a:pPr algn="ctr"/>
+            <a:r>
+              <a:rPr lang="en-US" altLang="ko-KR" dirty="0"/>
+              <a:t>&lt;Infinitesimal Placement </a:t>
+            </a:r>
+          </a:p>
+          <a:p>
+            <a:pPr algn="ctr"/>
+            <a:r>
+              <a:rPr lang="en-US" altLang="ko-KR" dirty="0"/>
+              <a:t>Before Nonlinear Transform&gt;</a:t>
+            </a:r>
+            <a:endParaRPr lang="ko-KR" altLang="en-US" dirty="0"/>
+          </a:p>
+        </p:txBody>
+      </p:sp>
+      <p:cxnSp>
+        <p:nvCxnSpPr>
+          <p:cNvPr id="18" name="직선 화살표 연결선 17">
+            <a:extLst>
+              <a:ext uri="{FF2B5EF4-FFF2-40B4-BE49-F238E27FC236}">
+                <a16:creationId xmlns:a16="http://schemas.microsoft.com/office/drawing/2014/main" id="{63697476-A56D-420D-8187-4FA43BD2829F}"/>
+              </a:ext>
+            </a:extLst>
+          </p:cNvPr>
+          <p:cNvCxnSpPr>
+            <a:cxnSpLocks/>
+          </p:cNvCxnSpPr>
+          <p:nvPr/>
+        </p:nvCxnSpPr>
+        <p:spPr>
+          <a:xfrm rot="16200000">
+            <a:off x="981452" y="3631470"/>
+            <a:ext cx="1762812" cy="0"/>
+          </a:xfrm>
+          <a:prstGeom prst="straightConnector1">
+            <a:avLst/>
+          </a:prstGeom>
+          <a:ln w="38100">
+            <a:solidFill>
+              <a:schemeClr val="tx1"/>
+            </a:solidFill>
+            <a:tailEnd type="triangle"/>
+          </a:ln>
+        </p:spPr>
+        <p:style>
+          <a:lnRef idx="1">
+            <a:schemeClr val="accent1"/>
+          </a:lnRef>
+          <a:fillRef idx="0">
+            <a:schemeClr val="accent1"/>
+          </a:fillRef>
+          <a:effectRef idx="0">
+            <a:schemeClr val="accent1"/>
+          </a:effectRef>
+          <a:fontRef idx="minor">
+            <a:schemeClr val="tx1"/>
+          </a:fontRef>
+        </p:style>
+      </p:cxnSp>
+      <p:cxnSp>
+        <p:nvCxnSpPr>
+          <p:cNvPr id="17" name="직선 화살표 연결선 16">
+            <a:extLst>
+              <a:ext uri="{FF2B5EF4-FFF2-40B4-BE49-F238E27FC236}">
+                <a16:creationId xmlns:a16="http://schemas.microsoft.com/office/drawing/2014/main" id="{4CBDA1CC-1998-4CA5-BB85-AE2BCEBF4094}"/>
+              </a:ext>
+            </a:extLst>
+          </p:cNvPr>
+          <p:cNvCxnSpPr>
+            <a:cxnSpLocks/>
+          </p:cNvCxnSpPr>
+          <p:nvPr/>
+        </p:nvCxnSpPr>
+        <p:spPr>
+          <a:xfrm flipV="1">
+            <a:off x="8448040" y="3665570"/>
+            <a:ext cx="1907540" cy="636955"/>
+          </a:xfrm>
+          <a:prstGeom prst="straightConnector1">
+            <a:avLst/>
+          </a:prstGeom>
+          <a:ln w="38100">
+            <a:solidFill>
+              <a:schemeClr val="tx1"/>
+            </a:solidFill>
+            <a:tailEnd type="triangle"/>
+          </a:ln>
+        </p:spPr>
+        <p:style>
+          <a:lnRef idx="1">
+            <a:schemeClr val="accent1"/>
+          </a:lnRef>
+          <a:fillRef idx="0">
+            <a:schemeClr val="accent1"/>
+          </a:fillRef>
+          <a:effectRef idx="0">
+            <a:schemeClr val="accent1"/>
+          </a:effectRef>
+          <a:fontRef idx="minor">
+            <a:schemeClr val="tx1"/>
+          </a:fontRef>
+        </p:style>
+      </p:cxnSp>
+      <p:cxnSp>
+        <p:nvCxnSpPr>
+          <p:cNvPr id="46" name="직선 화살표 연결선 45">
+            <a:extLst>
+              <a:ext uri="{FF2B5EF4-FFF2-40B4-BE49-F238E27FC236}">
+                <a16:creationId xmlns:a16="http://schemas.microsoft.com/office/drawing/2014/main" id="{A918D8D9-1C6C-4496-BA55-26B3A3979458}"/>
+              </a:ext>
+            </a:extLst>
+          </p:cNvPr>
+          <p:cNvCxnSpPr>
+            <a:cxnSpLocks/>
+          </p:cNvCxnSpPr>
+          <p:nvPr/>
+        </p:nvCxnSpPr>
+        <p:spPr>
+          <a:xfrm flipV="1">
+            <a:off x="8417560" y="2833951"/>
+            <a:ext cx="495300" cy="1468574"/>
+          </a:xfrm>
+          <a:prstGeom prst="straightConnector1">
+            <a:avLst/>
+          </a:prstGeom>
+          <a:ln w="38100">
+            <a:solidFill>
+              <a:schemeClr val="tx1"/>
+            </a:solidFill>
+            <a:tailEnd type="triangle"/>
+          </a:ln>
+        </p:spPr>
+        <p:style>
+          <a:lnRef idx="1">
+            <a:schemeClr val="accent1"/>
+          </a:lnRef>
+          <a:fillRef idx="0">
+            <a:schemeClr val="accent1"/>
+          </a:fillRef>
+          <a:effectRef idx="0">
+            <a:schemeClr val="accent1"/>
+          </a:effectRef>
+          <a:fontRef idx="minor">
+            <a:schemeClr val="tx1"/>
+          </a:fontRef>
+        </p:style>
+      </p:cxnSp>
+      <p:cxnSp>
+        <p:nvCxnSpPr>
+          <p:cNvPr id="50" name="직선 화살표 연결선 49">
+            <a:extLst>
+              <a:ext uri="{FF2B5EF4-FFF2-40B4-BE49-F238E27FC236}">
+                <a16:creationId xmlns:a16="http://schemas.microsoft.com/office/drawing/2014/main" id="{0ABD471F-4F0E-4538-8057-D22A49E59814}"/>
+              </a:ext>
+            </a:extLst>
+          </p:cNvPr>
+          <p:cNvCxnSpPr>
+            <a:cxnSpLocks/>
+          </p:cNvCxnSpPr>
+          <p:nvPr/>
+        </p:nvCxnSpPr>
+        <p:spPr>
+          <a:xfrm>
+            <a:off x="1850515" y="4523500"/>
+            <a:ext cx="1762812" cy="0"/>
+          </a:xfrm>
+          <a:prstGeom prst="straightConnector1">
+            <a:avLst/>
+          </a:prstGeom>
+          <a:ln w="38100">
+            <a:solidFill>
+              <a:schemeClr val="tx1"/>
+            </a:solidFill>
+            <a:tailEnd type="triangle"/>
+          </a:ln>
+        </p:spPr>
+        <p:style>
+          <a:lnRef idx="1">
+            <a:schemeClr val="accent1"/>
+          </a:lnRef>
+          <a:fillRef idx="0">
+            <a:schemeClr val="accent1"/>
+          </a:fillRef>
+          <a:effectRef idx="0">
+            <a:schemeClr val="accent1"/>
+          </a:effectRef>
+          <a:fontRef idx="minor">
+            <a:schemeClr val="tx1"/>
+          </a:fontRef>
+        </p:style>
+      </p:cxnSp>
+      <mc:AlternateContent xmlns:mc="http://schemas.openxmlformats.org/markup-compatibility/2006">
+        <mc:Choice xmlns:a14="http://schemas.microsoft.com/office/drawing/2010/main" Requires="a14">
+          <p:sp>
+            <p:nvSpPr>
+              <p:cNvPr id="5" name="TextBox 4">
+                <a:extLst>
+                  <a:ext uri="{FF2B5EF4-FFF2-40B4-BE49-F238E27FC236}">
+                    <a16:creationId xmlns:a16="http://schemas.microsoft.com/office/drawing/2014/main" id="{6E8E55EC-A06D-472D-B0F0-0FDEEF621D93}"/>
+                  </a:ext>
+                </a:extLst>
+              </p:cNvPr>
+              <p:cNvSpPr txBox="1"/>
+              <p:nvPr/>
+            </p:nvSpPr>
+            <p:spPr>
+              <a:xfrm>
+                <a:off x="1935294" y="2428344"/>
+                <a:ext cx="1596591" cy="369332"/>
+              </a:xfrm>
+              <a:prstGeom prst="rect">
+                <a:avLst/>
+              </a:prstGeom>
+              <a:noFill/>
+            </p:spPr>
+            <p:txBody>
+              <a:bodyPr wrap="none" rtlCol="0">
+                <a:spAutoFit/>
+              </a:bodyPr>
+              <a:lstStyle/>
+              <a:p>
+                <a:r>
+                  <a:rPr lang="en-US" altLang="ko-KR" dirty="0"/>
+                  <a:t>Area: </a:t>
+                </a:r>
+                <a14:m>
+                  <m:oMath xmlns:m="http://schemas.openxmlformats.org/officeDocument/2006/math">
+                    <m:r>
+                      <a:rPr lang="en-US" altLang="ko-KR" b="0" i="1" smtClean="0">
+                        <a:latin typeface="Cambria Math" panose="02040503050406030204" pitchFamily="18" charset="0"/>
+                      </a:rPr>
+                      <m:t>𝑑𝑢</m:t>
+                    </m:r>
+                    <m:r>
+                      <a:rPr lang="en-US" altLang="ko-KR" b="0" i="1" smtClean="0">
+                        <a:latin typeface="Cambria Math" panose="02040503050406030204" pitchFamily="18" charset="0"/>
+                      </a:rPr>
+                      <m:t>×</m:t>
+                    </m:r>
+                    <m:r>
+                      <a:rPr lang="en-US" altLang="ko-KR" b="0" i="1" smtClean="0">
+                        <a:latin typeface="Cambria Math" panose="02040503050406030204" pitchFamily="18" charset="0"/>
+                      </a:rPr>
+                      <m:t>𝑑𝑣</m:t>
+                    </m:r>
+                  </m:oMath>
+                </a14:m>
+                <a:endParaRPr lang="ko-KR" altLang="en-US" dirty="0"/>
+              </a:p>
+            </p:txBody>
+          </p:sp>
+        </mc:Choice>
+        <mc:Fallback>
+          <p:sp>
+            <p:nvSpPr>
+              <p:cNvPr id="5" name="TextBox 4">
+                <a:extLst>
+                  <a:ext uri="{FF2B5EF4-FFF2-40B4-BE49-F238E27FC236}">
+                    <a16:creationId xmlns:a16="http://schemas.microsoft.com/office/drawing/2014/main" id="{6E8E55EC-A06D-472D-B0F0-0FDEEF621D93}"/>
+                  </a:ext>
+                </a:extLst>
+              </p:cNvPr>
+              <p:cNvSpPr txBox="1">
+                <a:spLocks noRot="1" noChangeAspect="1" noMove="1" noResize="1" noEditPoints="1" noAdjustHandles="1" noChangeArrowheads="1" noChangeShapeType="1" noTextEdit="1"/>
+              </p:cNvSpPr>
+              <p:nvPr/>
+            </p:nvSpPr>
+            <p:spPr>
+              <a:xfrm>
+                <a:off x="1935294" y="2428344"/>
+                <a:ext cx="1596591" cy="369332"/>
+              </a:xfrm>
+              <a:prstGeom prst="rect">
+                <a:avLst/>
+              </a:prstGeom>
+              <a:blipFill>
+                <a:blip r:embed="rId12"/>
+                <a:stretch>
+                  <a:fillRect l="-3053" t="-8197" b="-24590"/>
+                </a:stretch>
+              </a:blipFill>
+            </p:spPr>
+            <p:txBody>
+              <a:bodyPr/>
+              <a:lstStyle/>
+              <a:p>
+                <a:r>
+                  <a:rPr lang="en-US">
+                    <a:noFill/>
+                  </a:rPr>
+                  <a:t> </a:t>
+                </a:r>
+              </a:p>
+            </p:txBody>
+          </p:sp>
+        </mc:Fallback>
+      </mc:AlternateContent>
+      <mc:AlternateContent xmlns:mc="http://schemas.openxmlformats.org/markup-compatibility/2006">
+        <mc:Choice xmlns:a14="http://schemas.microsoft.com/office/drawing/2010/main" Requires="a14">
+          <p:sp>
+            <p:nvSpPr>
+              <p:cNvPr id="43" name="TextBox 42">
+                <a:extLst>
+                  <a:ext uri="{FF2B5EF4-FFF2-40B4-BE49-F238E27FC236}">
+                    <a16:creationId xmlns:a16="http://schemas.microsoft.com/office/drawing/2014/main" id="{23331696-6706-46D4-9D07-9C50985B8549}"/>
+                  </a:ext>
+                </a:extLst>
+              </p:cNvPr>
+              <p:cNvSpPr txBox="1"/>
+              <p:nvPr/>
+            </p:nvSpPr>
+            <p:spPr>
+              <a:xfrm rot="20474661">
+                <a:off x="8987962" y="2129194"/>
+                <a:ext cx="1590179" cy="369332"/>
+              </a:xfrm>
+              <a:prstGeom prst="rect">
+                <a:avLst/>
+              </a:prstGeom>
+              <a:noFill/>
+            </p:spPr>
+            <p:txBody>
+              <a:bodyPr wrap="none" rtlCol="0">
+                <a:spAutoFit/>
+              </a:bodyPr>
+              <a:lstStyle/>
+              <a:p>
+                <a:r>
+                  <a:rPr lang="en-US" altLang="ko-KR" dirty="0"/>
+                  <a:t>Area: </a:t>
+                </a:r>
+                <a14:m>
+                  <m:oMath xmlns:m="http://schemas.openxmlformats.org/officeDocument/2006/math">
+                    <m:r>
+                      <a:rPr lang="en-US" altLang="ko-KR" b="0" i="1" smtClean="0">
+                        <a:latin typeface="Cambria Math" panose="02040503050406030204" pitchFamily="18" charset="0"/>
+                      </a:rPr>
+                      <m:t>𝑑𝑥</m:t>
+                    </m:r>
+                    <m:r>
+                      <a:rPr lang="en-US" altLang="ko-KR" b="0" i="1" smtClean="0">
+                        <a:latin typeface="Cambria Math" panose="02040503050406030204" pitchFamily="18" charset="0"/>
+                      </a:rPr>
+                      <m:t>×</m:t>
+                    </m:r>
+                    <m:r>
+                      <a:rPr lang="en-US" altLang="ko-KR" b="0" i="1" smtClean="0">
+                        <a:latin typeface="Cambria Math" panose="02040503050406030204" pitchFamily="18" charset="0"/>
+                      </a:rPr>
+                      <m:t>𝑑𝑦</m:t>
+                    </m:r>
+                  </m:oMath>
+                </a14:m>
+                <a:endParaRPr lang="ko-KR" altLang="en-US" dirty="0"/>
+              </a:p>
+            </p:txBody>
+          </p:sp>
+        </mc:Choice>
+        <mc:Fallback>
+          <p:sp>
+            <p:nvSpPr>
+              <p:cNvPr id="43" name="TextBox 42">
+                <a:extLst>
+                  <a:ext uri="{FF2B5EF4-FFF2-40B4-BE49-F238E27FC236}">
+                    <a16:creationId xmlns:a16="http://schemas.microsoft.com/office/drawing/2014/main" id="{23331696-6706-46D4-9D07-9C50985B8549}"/>
+                  </a:ext>
+                </a:extLst>
+              </p:cNvPr>
+              <p:cNvSpPr txBox="1">
+                <a:spLocks noRot="1" noChangeAspect="1" noMove="1" noResize="1" noEditPoints="1" noAdjustHandles="1" noChangeArrowheads="1" noChangeShapeType="1" noTextEdit="1"/>
+              </p:cNvSpPr>
+              <p:nvPr/>
+            </p:nvSpPr>
+            <p:spPr>
+              <a:xfrm rot="20474661">
+                <a:off x="8987962" y="2129194"/>
+                <a:ext cx="1590179" cy="369332"/>
+              </a:xfrm>
+              <a:prstGeom prst="rect">
+                <a:avLst/>
+              </a:prstGeom>
+              <a:blipFill>
+                <a:blip r:embed="rId13"/>
+                <a:stretch>
+                  <a:fillRect l="-3358" r="-746" b="-11189"/>
+                </a:stretch>
+              </a:blipFill>
+            </p:spPr>
+            <p:txBody>
+              <a:bodyPr/>
+              <a:lstStyle/>
+              <a:p>
+                <a:r>
+                  <a:rPr lang="en-US">
+                    <a:noFill/>
+                  </a:rPr>
+                  <a:t> </a:t>
+                </a:r>
+              </a:p>
+            </p:txBody>
+          </p:sp>
+        </mc:Fallback>
+      </mc:AlternateContent>
+    </p:spTree>
+    <p:extLst>
+      <p:ext uri="{BB962C8B-B14F-4D97-AF65-F5344CB8AC3E}">
+        <p14:creationId xmlns:p14="http://schemas.microsoft.com/office/powerpoint/2010/main" val="2380338720"/>
       </p:ext>
     </p:extLst>
   </p:cSld>
